--- a/delivers/THE PLAYLIST.pptx
+++ b/delivers/THE PLAYLIST.pptx
@@ -3588,6 +3588,7 @@
             </a:extLst>
           </p:cNvPr>
           <p:cNvCxnSpPr>
+            <a:cxnSpLocks/>
             <a:stCxn id="95" idx="3"/>
             <a:endCxn id="4" idx="2"/>
           </p:cNvCxnSpPr>
@@ -3596,7 +3597,7 @@
         <p:spPr>
           <a:xfrm flipV="1">
             <a:off x="4327623" y="4097740"/>
-            <a:ext cx="1635821" cy="1509447"/>
+            <a:ext cx="1616960" cy="1509447"/>
           </a:xfrm>
           <a:prstGeom prst="bentConnector2">
             <a:avLst/>
@@ -3632,14 +3633,15 @@
             </a:extLst>
           </p:cNvPr>
           <p:cNvCxnSpPr>
+            <a:cxnSpLocks/>
             <a:stCxn id="4" idx="0"/>
           </p:cNvCxnSpPr>
           <p:nvPr/>
         </p:nvCxnSpPr>
         <p:spPr>
           <a:xfrm rot="5400000" flipH="1" flipV="1">
-            <a:off x="6388522" y="2473198"/>
-            <a:ext cx="788238" cy="1638394"/>
+            <a:off x="6388819" y="2454040"/>
+            <a:ext cx="788238" cy="1676710"/>
           </a:xfrm>
           <a:prstGeom prst="bentConnector2">
             <a:avLst/>
@@ -3914,7 +3916,7 @@
                   <a:schemeClr val="bg1"/>
                 </a:solidFill>
               </a:rPr>
-              <a:t>DIAGRAM SCHEME</a:t>
+              <a:t>CONCETTUAL SCHEME</a:t>
             </a:r>
           </a:p>
         </p:txBody>
@@ -4337,653 +4339,25 @@
           </p:txBody>
         </p:sp>
       </p:grpSp>
-      <p:grpSp>
-        <p:nvGrpSpPr>
-          <p:cNvPr id="131" name="Gruppo 130">
-            <a:extLst>
-              <a:ext uri="{FF2B5EF4-FFF2-40B4-BE49-F238E27FC236}">
-                <a16:creationId xmlns:a16="http://schemas.microsoft.com/office/drawing/2014/main" id="{CF491D7C-6B54-3EFB-44FB-FCC20753B84F}"/>
-              </a:ext>
-            </a:extLst>
-          </p:cNvPr>
-          <p:cNvGrpSpPr/>
-          <p:nvPr/>
-        </p:nvGrpSpPr>
-        <p:grpSpPr>
-          <a:xfrm>
-            <a:off x="-29867" y="4531243"/>
-            <a:ext cx="4357490" cy="1982610"/>
-            <a:chOff x="538522" y="4531243"/>
-            <a:chExt cx="4357490" cy="1982610"/>
-          </a:xfrm>
-        </p:grpSpPr>
-        <p:cxnSp>
-          <p:nvCxnSpPr>
-            <p:cNvPr id="89" name="Connettore diritto 88">
-              <a:extLst>
-                <a:ext uri="{FF2B5EF4-FFF2-40B4-BE49-F238E27FC236}">
-                  <a16:creationId xmlns:a16="http://schemas.microsoft.com/office/drawing/2014/main" id="{1E3CFF2A-12EB-E4E2-8EBB-FFA2FA0CC4BE}"/>
-                </a:ext>
-              </a:extLst>
-            </p:cNvPr>
-            <p:cNvCxnSpPr>
-              <a:cxnSpLocks/>
-              <a:stCxn id="98" idx="3"/>
-            </p:cNvCxnSpPr>
-            <p:nvPr/>
-          </p:nvCxnSpPr>
-          <p:spPr>
-            <a:xfrm>
-              <a:off x="2024437" y="5424364"/>
-              <a:ext cx="507752" cy="0"/>
-            </a:xfrm>
-            <a:prstGeom prst="line">
-              <a:avLst/>
-            </a:prstGeom>
-            <a:ln w="38100">
-              <a:solidFill>
-                <a:srgbClr val="CCB4DB"/>
-              </a:solidFill>
-              <a:headEnd type="oval"/>
-            </a:ln>
-            <a:effectLst/>
-          </p:spPr>
-          <p:style>
-            <a:lnRef idx="1">
-              <a:schemeClr val="accent1"/>
-            </a:lnRef>
-            <a:fillRef idx="0">
-              <a:schemeClr val="accent1"/>
-            </a:fillRef>
-            <a:effectRef idx="0">
-              <a:schemeClr val="accent1"/>
-            </a:effectRef>
-            <a:fontRef idx="minor">
-              <a:schemeClr val="tx1"/>
-            </a:fontRef>
-          </p:style>
-        </p:cxnSp>
-        <p:cxnSp>
-          <p:nvCxnSpPr>
-            <p:cNvPr id="90" name="Connettore diritto 89">
-              <a:extLst>
-                <a:ext uri="{FF2B5EF4-FFF2-40B4-BE49-F238E27FC236}">
-                  <a16:creationId xmlns:a16="http://schemas.microsoft.com/office/drawing/2014/main" id="{86097399-378E-FEA9-D014-5395C4614DC4}"/>
-                </a:ext>
-              </a:extLst>
-            </p:cNvPr>
-            <p:cNvCxnSpPr>
-              <a:cxnSpLocks/>
-              <a:stCxn id="99" idx="3"/>
-            </p:cNvCxnSpPr>
-            <p:nvPr/>
-          </p:nvCxnSpPr>
-          <p:spPr>
-            <a:xfrm>
-              <a:off x="2024437" y="5789779"/>
-              <a:ext cx="507752" cy="0"/>
-            </a:xfrm>
-            <a:prstGeom prst="line">
-              <a:avLst/>
-            </a:prstGeom>
-            <a:ln w="38100">
-              <a:solidFill>
-                <a:srgbClr val="CCB4DB"/>
-              </a:solidFill>
-              <a:headEnd type="oval"/>
-            </a:ln>
-            <a:effectLst/>
-          </p:spPr>
-          <p:style>
-            <a:lnRef idx="1">
-              <a:schemeClr val="accent1"/>
-            </a:lnRef>
-            <a:fillRef idx="0">
-              <a:schemeClr val="accent1"/>
-            </a:fillRef>
-            <a:effectRef idx="0">
-              <a:schemeClr val="accent1"/>
-            </a:effectRef>
-            <a:fontRef idx="minor">
-              <a:schemeClr val="tx1"/>
-            </a:fontRef>
-          </p:style>
-        </p:cxnSp>
-        <p:cxnSp>
-          <p:nvCxnSpPr>
-            <p:cNvPr id="93" name="Connettore diritto 92">
-              <a:extLst>
-                <a:ext uri="{FF2B5EF4-FFF2-40B4-BE49-F238E27FC236}">
-                  <a16:creationId xmlns:a16="http://schemas.microsoft.com/office/drawing/2014/main" id="{89C6862D-CC43-C756-A9D0-8A907F8FF605}"/>
-                </a:ext>
-              </a:extLst>
-            </p:cNvPr>
-            <p:cNvCxnSpPr>
-              <a:cxnSpLocks/>
-              <a:stCxn id="97" idx="3"/>
-            </p:cNvCxnSpPr>
-            <p:nvPr/>
-          </p:nvCxnSpPr>
-          <p:spPr>
-            <a:xfrm>
-              <a:off x="2024437" y="5065127"/>
-              <a:ext cx="507752" cy="0"/>
-            </a:xfrm>
-            <a:prstGeom prst="line">
-              <a:avLst/>
-            </a:prstGeom>
-            <a:ln w="38100">
-              <a:solidFill>
-                <a:srgbClr val="CCB4DB"/>
-              </a:solidFill>
-              <a:headEnd type="oval"/>
-            </a:ln>
-            <a:effectLst/>
-          </p:spPr>
-          <p:style>
-            <a:lnRef idx="1">
-              <a:schemeClr val="accent1"/>
-            </a:lnRef>
-            <a:fillRef idx="0">
-              <a:schemeClr val="accent1"/>
-            </a:fillRef>
-            <a:effectRef idx="0">
-              <a:schemeClr val="accent1"/>
-            </a:effectRef>
-            <a:fontRef idx="minor">
-              <a:schemeClr val="tx1"/>
-            </a:fontRef>
-          </p:style>
-        </p:cxnSp>
-        <p:cxnSp>
-          <p:nvCxnSpPr>
-            <p:cNvPr id="94" name="Connettore diritto 93">
-              <a:extLst>
-                <a:ext uri="{FF2B5EF4-FFF2-40B4-BE49-F238E27FC236}">
-                  <a16:creationId xmlns:a16="http://schemas.microsoft.com/office/drawing/2014/main" id="{38D06814-305D-262A-91A3-430E99CC59FE}"/>
-                </a:ext>
-              </a:extLst>
-            </p:cNvPr>
-            <p:cNvCxnSpPr>
-              <a:stCxn id="96" idx="3"/>
-            </p:cNvCxnSpPr>
-            <p:nvPr/>
-          </p:nvCxnSpPr>
-          <p:spPr>
-            <a:xfrm>
-              <a:off x="2024437" y="4700520"/>
-              <a:ext cx="533290" cy="0"/>
-            </a:xfrm>
-            <a:prstGeom prst="line">
-              <a:avLst/>
-            </a:prstGeom>
-            <a:ln w="38100">
-              <a:solidFill>
-                <a:srgbClr val="CCB4DB"/>
-              </a:solidFill>
-              <a:headEnd type="oval"/>
-            </a:ln>
-            <a:effectLst/>
-          </p:spPr>
-          <p:style>
-            <a:lnRef idx="1">
-              <a:schemeClr val="accent1"/>
-            </a:lnRef>
-            <a:fillRef idx="0">
-              <a:schemeClr val="accent1"/>
-            </a:fillRef>
-            <a:effectRef idx="0">
-              <a:schemeClr val="accent1"/>
-            </a:effectRef>
-            <a:fontRef idx="minor">
-              <a:schemeClr val="tx1"/>
-            </a:fontRef>
-          </p:style>
-        </p:cxnSp>
-        <p:sp>
-          <p:nvSpPr>
-            <p:cNvPr id="95" name="Rettangolo 94">
-              <a:extLst>
-                <a:ext uri="{FF2B5EF4-FFF2-40B4-BE49-F238E27FC236}">
-                  <a16:creationId xmlns:a16="http://schemas.microsoft.com/office/drawing/2014/main" id="{6AC6CDF3-8BF8-93F3-8E53-64D2553DF81D}"/>
-                </a:ext>
-              </a:extLst>
-            </p:cNvPr>
-            <p:cNvSpPr/>
-            <p:nvPr/>
-          </p:nvSpPr>
-          <p:spPr>
-            <a:xfrm>
-              <a:off x="2521070" y="4700520"/>
-              <a:ext cx="2374942" cy="1813333"/>
-            </a:xfrm>
-            <a:prstGeom prst="rect">
-              <a:avLst/>
-            </a:prstGeom>
-            <a:noFill/>
-            <a:ln w="50800">
-              <a:solidFill>
-                <a:srgbClr val="CCB4DB"/>
-              </a:solidFill>
-              <a:extLst>
-                <a:ext uri="{C807C97D-BFC1-408E-A445-0C87EB9F89A2}">
-                  <ask:lineSketchStyleProps xmlns:ask="http://schemas.microsoft.com/office/drawing/2018/sketchyshapes" sd="1219033472">
-                    <a:custGeom>
-                      <a:avLst/>
-                      <a:gdLst>
-                        <a:gd name="connsiteX0" fmla="*/ 0 w 2363821"/>
-                        <a:gd name="connsiteY0" fmla="*/ 0 h 1293779"/>
-                        <a:gd name="connsiteX1" fmla="*/ 567317 w 2363821"/>
-                        <a:gd name="connsiteY1" fmla="*/ 0 h 1293779"/>
-                        <a:gd name="connsiteX2" fmla="*/ 1087358 w 2363821"/>
-                        <a:gd name="connsiteY2" fmla="*/ 0 h 1293779"/>
-                        <a:gd name="connsiteX3" fmla="*/ 1725589 w 2363821"/>
-                        <a:gd name="connsiteY3" fmla="*/ 0 h 1293779"/>
-                        <a:gd name="connsiteX4" fmla="*/ 2363821 w 2363821"/>
-                        <a:gd name="connsiteY4" fmla="*/ 0 h 1293779"/>
-                        <a:gd name="connsiteX5" fmla="*/ 2363821 w 2363821"/>
-                        <a:gd name="connsiteY5" fmla="*/ 633952 h 1293779"/>
-                        <a:gd name="connsiteX6" fmla="*/ 2363821 w 2363821"/>
-                        <a:gd name="connsiteY6" fmla="*/ 1293779 h 1293779"/>
-                        <a:gd name="connsiteX7" fmla="*/ 1772866 w 2363821"/>
-                        <a:gd name="connsiteY7" fmla="*/ 1293779 h 1293779"/>
-                        <a:gd name="connsiteX8" fmla="*/ 1134634 w 2363821"/>
-                        <a:gd name="connsiteY8" fmla="*/ 1293779 h 1293779"/>
-                        <a:gd name="connsiteX9" fmla="*/ 614593 w 2363821"/>
-                        <a:gd name="connsiteY9" fmla="*/ 1293779 h 1293779"/>
-                        <a:gd name="connsiteX10" fmla="*/ 0 w 2363821"/>
-                        <a:gd name="connsiteY10" fmla="*/ 1293779 h 1293779"/>
-                        <a:gd name="connsiteX11" fmla="*/ 0 w 2363821"/>
-                        <a:gd name="connsiteY11" fmla="*/ 646890 h 1293779"/>
-                        <a:gd name="connsiteX12" fmla="*/ 0 w 2363821"/>
-                        <a:gd name="connsiteY12" fmla="*/ 0 h 1293779"/>
-                      </a:gdLst>
-                      <a:ahLst/>
-                      <a:cxnLst>
-                        <a:cxn ang="0">
-                          <a:pos x="connsiteX0" y="connsiteY0"/>
-                        </a:cxn>
-                        <a:cxn ang="0">
-                          <a:pos x="connsiteX1" y="connsiteY1"/>
-                        </a:cxn>
-                        <a:cxn ang="0">
-                          <a:pos x="connsiteX2" y="connsiteY2"/>
-                        </a:cxn>
-                        <a:cxn ang="0">
-                          <a:pos x="connsiteX3" y="connsiteY3"/>
-                        </a:cxn>
-                        <a:cxn ang="0">
-                          <a:pos x="connsiteX4" y="connsiteY4"/>
-                        </a:cxn>
-                        <a:cxn ang="0">
-                          <a:pos x="connsiteX5" y="connsiteY5"/>
-                        </a:cxn>
-                        <a:cxn ang="0">
-                          <a:pos x="connsiteX6" y="connsiteY6"/>
-                        </a:cxn>
-                        <a:cxn ang="0">
-                          <a:pos x="connsiteX7" y="connsiteY7"/>
-                        </a:cxn>
-                        <a:cxn ang="0">
-                          <a:pos x="connsiteX8" y="connsiteY8"/>
-                        </a:cxn>
-                        <a:cxn ang="0">
-                          <a:pos x="connsiteX9" y="connsiteY9"/>
-                        </a:cxn>
-                        <a:cxn ang="0">
-                          <a:pos x="connsiteX10" y="connsiteY10"/>
-                        </a:cxn>
-                        <a:cxn ang="0">
-                          <a:pos x="connsiteX11" y="connsiteY11"/>
-                        </a:cxn>
-                        <a:cxn ang="0">
-                          <a:pos x="connsiteX12" y="connsiteY12"/>
-                        </a:cxn>
-                      </a:cxnLst>
-                      <a:rect l="l" t="t" r="r" b="b"/>
-                      <a:pathLst>
-                        <a:path w="2363821" h="1293779" extrusionOk="0">
-                          <a:moveTo>
-                            <a:pt x="0" y="0"/>
-                          </a:moveTo>
-                          <a:cubicBezTo>
-                            <a:pt x="154499" y="15597"/>
-                            <a:pt x="405152" y="1388"/>
-                            <a:pt x="567317" y="0"/>
-                          </a:cubicBezTo>
-                          <a:cubicBezTo>
-                            <a:pt x="729482" y="-1388"/>
-                            <a:pt x="922018" y="-2065"/>
-                            <a:pt x="1087358" y="0"/>
-                          </a:cubicBezTo>
-                          <a:cubicBezTo>
-                            <a:pt x="1252698" y="2065"/>
-                            <a:pt x="1508295" y="-13649"/>
-                            <a:pt x="1725589" y="0"/>
-                          </a:cubicBezTo>
-                          <a:cubicBezTo>
-                            <a:pt x="1942883" y="13649"/>
-                            <a:pt x="2081147" y="-573"/>
-                            <a:pt x="2363821" y="0"/>
-                          </a:cubicBezTo>
-                          <a:cubicBezTo>
-                            <a:pt x="2351466" y="202268"/>
-                            <a:pt x="2369751" y="321507"/>
-                            <a:pt x="2363821" y="633952"/>
-                          </a:cubicBezTo>
-                          <a:cubicBezTo>
-                            <a:pt x="2357891" y="946397"/>
-                            <a:pt x="2347781" y="998613"/>
-                            <a:pt x="2363821" y="1293779"/>
-                          </a:cubicBezTo>
-                          <a:cubicBezTo>
-                            <a:pt x="2209989" y="1286129"/>
-                            <a:pt x="2020488" y="1311314"/>
-                            <a:pt x="1772866" y="1293779"/>
-                          </a:cubicBezTo>
-                          <a:cubicBezTo>
-                            <a:pt x="1525245" y="1276244"/>
-                            <a:pt x="1267646" y="1308403"/>
-                            <a:pt x="1134634" y="1293779"/>
-                          </a:cubicBezTo>
-                          <a:cubicBezTo>
-                            <a:pt x="1001622" y="1279155"/>
-                            <a:pt x="846760" y="1287474"/>
-                            <a:pt x="614593" y="1293779"/>
-                          </a:cubicBezTo>
-                          <a:cubicBezTo>
-                            <a:pt x="382426" y="1300084"/>
-                            <a:pt x="273196" y="1287588"/>
-                            <a:pt x="0" y="1293779"/>
-                          </a:cubicBezTo>
-                          <a:cubicBezTo>
-                            <a:pt x="-13966" y="1056048"/>
-                            <a:pt x="-26582" y="934143"/>
-                            <a:pt x="0" y="646890"/>
-                          </a:cubicBezTo>
-                          <a:cubicBezTo>
-                            <a:pt x="26582" y="359637"/>
-                            <a:pt x="13514" y="247924"/>
-                            <a:pt x="0" y="0"/>
-                          </a:cubicBezTo>
-                          <a:close/>
-                        </a:path>
-                      </a:pathLst>
-                    </a:custGeom>
-                    <ask:type>
-                      <ask:lineSketchNone/>
-                    </ask:type>
-                  </ask:lineSketchStyleProps>
-                </a:ext>
-              </a:extLst>
-            </a:ln>
-            <a:effectLst>
-              <a:outerShdw blurRad="50800" dist="38100" dir="8100000" algn="tr" rotWithShape="0">
-                <a:prstClr val="black">
-                  <a:alpha val="40000"/>
-                </a:prstClr>
-              </a:outerShdw>
-            </a:effectLst>
-          </p:spPr>
-          <p:style>
-            <a:lnRef idx="2">
-              <a:schemeClr val="accent1">
-                <a:shade val="50000"/>
-              </a:schemeClr>
-            </a:lnRef>
-            <a:fillRef idx="1">
-              <a:schemeClr val="accent1"/>
-            </a:fillRef>
-            <a:effectRef idx="0">
-              <a:schemeClr val="accent1"/>
-            </a:effectRef>
-            <a:fontRef idx="minor">
-              <a:schemeClr val="lt1"/>
-            </a:fontRef>
-          </p:style>
-          <p:txBody>
-            <a:bodyPr rtlCol="0" anchor="ctr"/>
-            <a:lstStyle/>
-            <a:p>
-              <a:pPr algn="ctr"/>
-              <a:r>
-                <a:rPr lang="it-IT" b="1" dirty="0">
-                  <a:effectLst>
-                    <a:outerShdw blurRad="38100" dist="38100" dir="2700000" algn="tl">
-                      <a:srgbClr val="000000">
-                        <a:alpha val="43137"/>
-                      </a:srgbClr>
-                    </a:outerShdw>
-                  </a:effectLst>
-                </a:rPr>
-                <a:t>PLAYLIST</a:t>
-              </a:r>
-            </a:p>
-          </p:txBody>
-        </p:sp>
-        <p:sp>
-          <p:nvSpPr>
-            <p:cNvPr id="96" name="CasellaDiTesto 95">
-              <a:extLst>
-                <a:ext uri="{FF2B5EF4-FFF2-40B4-BE49-F238E27FC236}">
-                  <a16:creationId xmlns:a16="http://schemas.microsoft.com/office/drawing/2014/main" id="{576A50ED-38FD-B9C4-49A6-6291FAFF3186}"/>
-                </a:ext>
-              </a:extLst>
-            </p:cNvPr>
-            <p:cNvSpPr txBox="1"/>
-            <p:nvPr/>
-          </p:nvSpPr>
-          <p:spPr>
-            <a:xfrm>
-              <a:off x="757612" y="4531243"/>
-              <a:ext cx="1266825" cy="338554"/>
-            </a:xfrm>
-            <a:prstGeom prst="rect">
-              <a:avLst/>
-            </a:prstGeom>
-            <a:noFill/>
-          </p:spPr>
-          <p:txBody>
-            <a:bodyPr wrap="square" rtlCol="0">
-              <a:spAutoFit/>
-            </a:bodyPr>
-            <a:lstStyle/>
-            <a:p>
-              <a:pPr algn="r"/>
-              <a:r>
-                <a:rPr lang="it-IT" sz="1600" b="1" u="sng" dirty="0">
-                  <a:solidFill>
-                    <a:schemeClr val="bg1"/>
-                  </a:solidFill>
-                </a:rPr>
-                <a:t>Id</a:t>
-              </a:r>
-            </a:p>
-          </p:txBody>
-        </p:sp>
-        <p:sp>
-          <p:nvSpPr>
-            <p:cNvPr id="97" name="CasellaDiTesto 96">
-              <a:extLst>
-                <a:ext uri="{FF2B5EF4-FFF2-40B4-BE49-F238E27FC236}">
-                  <a16:creationId xmlns:a16="http://schemas.microsoft.com/office/drawing/2014/main" id="{A8B7E4BA-BD74-850A-6289-8152C6B42894}"/>
-                </a:ext>
-              </a:extLst>
-            </p:cNvPr>
-            <p:cNvSpPr txBox="1"/>
-            <p:nvPr/>
-          </p:nvSpPr>
-          <p:spPr>
-            <a:xfrm>
-              <a:off x="961280" y="4895850"/>
-              <a:ext cx="1063157" cy="338554"/>
-            </a:xfrm>
-            <a:prstGeom prst="rect">
-              <a:avLst/>
-            </a:prstGeom>
-            <a:noFill/>
-          </p:spPr>
-          <p:txBody>
-            <a:bodyPr wrap="square" rtlCol="0">
-              <a:spAutoFit/>
-            </a:bodyPr>
-            <a:lstStyle/>
-            <a:p>
-              <a:pPr algn="r"/>
-              <a:r>
-                <a:rPr lang="it-IT" sz="1600" dirty="0">
-                  <a:solidFill>
-                    <a:schemeClr val="bg1"/>
-                  </a:solidFill>
-                </a:rPr>
-                <a:t>Name</a:t>
-              </a:r>
-            </a:p>
-          </p:txBody>
-        </p:sp>
-        <p:sp>
-          <p:nvSpPr>
-            <p:cNvPr id="98" name="CasellaDiTesto 97">
-              <a:extLst>
-                <a:ext uri="{FF2B5EF4-FFF2-40B4-BE49-F238E27FC236}">
-                  <a16:creationId xmlns:a16="http://schemas.microsoft.com/office/drawing/2014/main" id="{F1202101-A4B7-BC25-079F-5C3C6613D2B1}"/>
-                </a:ext>
-              </a:extLst>
-            </p:cNvPr>
-            <p:cNvSpPr txBox="1"/>
-            <p:nvPr/>
-          </p:nvSpPr>
-          <p:spPr>
-            <a:xfrm>
-              <a:off x="538522" y="5255087"/>
-              <a:ext cx="1485915" cy="338554"/>
-            </a:xfrm>
-            <a:prstGeom prst="rect">
-              <a:avLst/>
-            </a:prstGeom>
-            <a:noFill/>
-          </p:spPr>
-          <p:txBody>
-            <a:bodyPr wrap="square" rtlCol="0">
-              <a:spAutoFit/>
-            </a:bodyPr>
-            <a:lstStyle/>
-            <a:p>
-              <a:pPr algn="r"/>
-              <a:r>
-                <a:rPr lang="it-IT" sz="1600" dirty="0" err="1">
-                  <a:solidFill>
-                    <a:schemeClr val="bg1"/>
-                  </a:solidFill>
-                </a:rPr>
-                <a:t>CreationDate</a:t>
-              </a:r>
-              <a:endParaRPr lang="it-IT" sz="1600" dirty="0">
-                <a:solidFill>
-                  <a:schemeClr val="bg1"/>
-                </a:solidFill>
-              </a:endParaRPr>
-            </a:p>
-          </p:txBody>
-        </p:sp>
-        <p:sp>
-          <p:nvSpPr>
-            <p:cNvPr id="99" name="CasellaDiTesto 98">
-              <a:extLst>
-                <a:ext uri="{FF2B5EF4-FFF2-40B4-BE49-F238E27FC236}">
-                  <a16:creationId xmlns:a16="http://schemas.microsoft.com/office/drawing/2014/main" id="{A8273C57-475F-5D9A-A19C-DDB329778601}"/>
-                </a:ext>
-              </a:extLst>
-            </p:cNvPr>
-            <p:cNvSpPr txBox="1"/>
-            <p:nvPr/>
-          </p:nvSpPr>
-          <p:spPr>
-            <a:xfrm>
-              <a:off x="961280" y="5620502"/>
-              <a:ext cx="1063157" cy="338554"/>
-            </a:xfrm>
-            <a:prstGeom prst="rect">
-              <a:avLst/>
-            </a:prstGeom>
-            <a:noFill/>
-          </p:spPr>
-          <p:txBody>
-            <a:bodyPr wrap="square" rtlCol="0">
-              <a:spAutoFit/>
-            </a:bodyPr>
-            <a:lstStyle/>
-            <a:p>
-              <a:pPr algn="r"/>
-              <a:r>
-                <a:rPr lang="it-IT" sz="1600" dirty="0">
-                  <a:solidFill>
-                    <a:schemeClr val="bg1"/>
-                  </a:solidFill>
-                </a:rPr>
-                <a:t>User</a:t>
-              </a:r>
-            </a:p>
-          </p:txBody>
-        </p:sp>
-      </p:grpSp>
-      <p:sp>
-        <p:nvSpPr>
-          <p:cNvPr id="134" name="CasellaDiTesto 133">
-            <a:extLst>
-              <a:ext uri="{FF2B5EF4-FFF2-40B4-BE49-F238E27FC236}">
-                <a16:creationId xmlns:a16="http://schemas.microsoft.com/office/drawing/2014/main" id="{A8FA3337-EA25-8A93-2C2A-E2C8007B4930}"/>
-              </a:ext>
-            </a:extLst>
-          </p:cNvPr>
-          <p:cNvSpPr txBox="1"/>
-          <p:nvPr/>
-        </p:nvSpPr>
-        <p:spPr>
-          <a:xfrm>
-            <a:off x="10659364" y="1105889"/>
-            <a:ext cx="533290" cy="338554"/>
-          </a:xfrm>
-          <a:prstGeom prst="rect">
-            <a:avLst/>
-          </a:prstGeom>
-          <a:noFill/>
-        </p:spPr>
-        <p:txBody>
-          <a:bodyPr wrap="square" rtlCol="0">
-            <a:spAutoFit/>
-          </a:bodyPr>
-          <a:lstStyle/>
-          <a:p>
-            <a:r>
-              <a:rPr lang="it-IT" sz="1600" b="1" u="sng" dirty="0">
-                <a:solidFill>
-                  <a:schemeClr val="bg1"/>
-                </a:solidFill>
-              </a:rPr>
-              <a:t>Id</a:t>
-            </a:r>
-          </a:p>
-        </p:txBody>
-      </p:sp>
       <p:cxnSp>
         <p:nvCxnSpPr>
-          <p:cNvPr id="21" name="Connettore diritto 20">
-            <a:extLst>
-              <a:ext uri="{FF2B5EF4-FFF2-40B4-BE49-F238E27FC236}">
-                <a16:creationId xmlns:a16="http://schemas.microsoft.com/office/drawing/2014/main" id="{59AE20B8-E523-71BA-D3B2-A2A7DD49801F}"/>
+          <p:cNvPr id="89" name="Connettore diritto 88">
+            <a:extLst>
+              <a:ext uri="{FF2B5EF4-FFF2-40B4-BE49-F238E27FC236}">
+                <a16:creationId xmlns:a16="http://schemas.microsoft.com/office/drawing/2014/main" id="{1E3CFF2A-12EB-E4E2-8EBB-FFA2FA0CC4BE}"/>
               </a:ext>
             </a:extLst>
           </p:cNvPr>
           <p:cNvCxnSpPr>
             <a:cxnSpLocks/>
+            <a:stCxn id="98" idx="3"/>
           </p:cNvCxnSpPr>
           <p:nvPr/>
         </p:nvCxnSpPr>
         <p:spPr>
-          <a:xfrm flipH="1">
-            <a:off x="9976780" y="1275166"/>
-            <a:ext cx="533290" cy="0"/>
+          <a:xfrm>
+            <a:off x="1456048" y="5424364"/>
+            <a:ext cx="507752" cy="0"/>
           </a:xfrm>
           <a:prstGeom prst="line">
             <a:avLst/>
@@ -4994,6 +4368,7 @@
             </a:solidFill>
             <a:headEnd type="oval"/>
           </a:ln>
+          <a:effectLst/>
         </p:spPr>
         <p:style>
           <a:lnRef idx="1">
@@ -5010,64 +4385,24 @@
           </a:fontRef>
         </p:style>
       </p:cxnSp>
-      <p:sp>
-        <p:nvSpPr>
-          <p:cNvPr id="22" name="CasellaDiTesto 21">
-            <a:extLst>
-              <a:ext uri="{FF2B5EF4-FFF2-40B4-BE49-F238E27FC236}">
-                <a16:creationId xmlns:a16="http://schemas.microsoft.com/office/drawing/2014/main" id="{656BD5A9-F02C-853F-0A1F-D70EBD59FEAB}"/>
-              </a:ext>
-            </a:extLst>
-          </p:cNvPr>
-          <p:cNvSpPr txBox="1"/>
-          <p:nvPr/>
-        </p:nvSpPr>
-        <p:spPr>
-          <a:xfrm>
-            <a:off x="10510069" y="1470496"/>
-            <a:ext cx="694437" cy="338554"/>
-          </a:xfrm>
-          <a:prstGeom prst="rect">
-            <a:avLst/>
-          </a:prstGeom>
-          <a:noFill/>
-        </p:spPr>
-        <p:txBody>
-          <a:bodyPr wrap="square" rtlCol="0">
-            <a:spAutoFit/>
-          </a:bodyPr>
-          <a:lstStyle/>
-          <a:p>
-            <a:r>
-              <a:rPr lang="it-IT" sz="1600" dirty="0">
-                <a:solidFill>
-                  <a:schemeClr val="bg1"/>
-                </a:solidFill>
-              </a:rPr>
-              <a:t>Title</a:t>
-            </a:r>
-          </a:p>
-        </p:txBody>
-      </p:sp>
       <p:cxnSp>
         <p:nvCxnSpPr>
-          <p:cNvPr id="23" name="Connettore diritto 22">
-            <a:extLst>
-              <a:ext uri="{FF2B5EF4-FFF2-40B4-BE49-F238E27FC236}">
-                <a16:creationId xmlns:a16="http://schemas.microsoft.com/office/drawing/2014/main" id="{CE4A1CFD-AD0B-38FD-CD1E-6A0FA34F96C2}"/>
+          <p:cNvPr id="94" name="Connettore diritto 93">
+            <a:extLst>
+              <a:ext uri="{FF2B5EF4-FFF2-40B4-BE49-F238E27FC236}">
+                <a16:creationId xmlns:a16="http://schemas.microsoft.com/office/drawing/2014/main" id="{38D06814-305D-262A-91A3-430E99CC59FE}"/>
               </a:ext>
             </a:extLst>
           </p:cNvPr>
           <p:cNvCxnSpPr>
-            <a:cxnSpLocks/>
-            <a:stCxn id="22" idx="1"/>
+            <a:stCxn id="96" idx="3"/>
           </p:cNvCxnSpPr>
           <p:nvPr/>
         </p:nvCxnSpPr>
         <p:spPr>
-          <a:xfrm flipH="1">
-            <a:off x="9976780" y="1639773"/>
-            <a:ext cx="533289" cy="0"/>
+          <a:xfrm>
+            <a:off x="1456048" y="4700520"/>
+            <a:ext cx="533290" cy="0"/>
           </a:xfrm>
           <a:prstGeom prst="line">
             <a:avLst/>
@@ -5078,6 +4413,7 @@
             </a:solidFill>
             <a:headEnd type="oval"/>
           </a:ln>
+          <a:effectLst/>
         </p:spPr>
         <p:style>
           <a:lnRef idx="1">
@@ -5096,356 +4432,10 @@
       </p:cxnSp>
       <p:sp>
         <p:nvSpPr>
-          <p:cNvPr id="24" name="CasellaDiTesto 23">
-            <a:extLst>
-              <a:ext uri="{FF2B5EF4-FFF2-40B4-BE49-F238E27FC236}">
-                <a16:creationId xmlns:a16="http://schemas.microsoft.com/office/drawing/2014/main" id="{67DAA94B-0EA7-279E-4DB5-09EEEF78CEB2}"/>
-              </a:ext>
-            </a:extLst>
-          </p:cNvPr>
-          <p:cNvSpPr txBox="1"/>
-          <p:nvPr/>
-        </p:nvSpPr>
-        <p:spPr>
-          <a:xfrm>
-            <a:off x="10496555" y="1832396"/>
-            <a:ext cx="707952" cy="338554"/>
-          </a:xfrm>
-          <a:prstGeom prst="rect">
-            <a:avLst/>
-          </a:prstGeom>
-          <a:noFill/>
-        </p:spPr>
-        <p:txBody>
-          <a:bodyPr wrap="square" rtlCol="0">
-            <a:spAutoFit/>
-          </a:bodyPr>
-          <a:lstStyle/>
-          <a:p>
-            <a:r>
-              <a:rPr lang="it-IT" sz="1600" dirty="0" err="1">
-                <a:solidFill>
-                  <a:schemeClr val="bg1"/>
-                </a:solidFill>
-              </a:rPr>
-              <a:t>Genre</a:t>
-            </a:r>
-            <a:endParaRPr lang="it-IT" sz="1600" dirty="0">
-              <a:solidFill>
-                <a:schemeClr val="bg1"/>
-              </a:solidFill>
-            </a:endParaRPr>
-          </a:p>
-        </p:txBody>
-      </p:sp>
-      <p:cxnSp>
-        <p:nvCxnSpPr>
-          <p:cNvPr id="25" name="Connettore diritto 24">
-            <a:extLst>
-              <a:ext uri="{FF2B5EF4-FFF2-40B4-BE49-F238E27FC236}">
-                <a16:creationId xmlns:a16="http://schemas.microsoft.com/office/drawing/2014/main" id="{3B6F9360-39A2-F8B8-C2CE-97535DCA7841}"/>
-              </a:ext>
-            </a:extLst>
-          </p:cNvPr>
-          <p:cNvCxnSpPr>
-            <a:cxnSpLocks/>
-            <a:stCxn id="24" idx="1"/>
-          </p:cNvCxnSpPr>
-          <p:nvPr/>
-        </p:nvCxnSpPr>
-        <p:spPr>
-          <a:xfrm flipH="1">
-            <a:off x="9963265" y="2001673"/>
-            <a:ext cx="533290" cy="0"/>
-          </a:xfrm>
-          <a:prstGeom prst="line">
-            <a:avLst/>
-          </a:prstGeom>
-          <a:ln w="38100">
-            <a:solidFill>
-              <a:srgbClr val="CCB4DB"/>
-            </a:solidFill>
-            <a:headEnd type="oval"/>
-          </a:ln>
-        </p:spPr>
-        <p:style>
-          <a:lnRef idx="1">
-            <a:schemeClr val="accent1"/>
-          </a:lnRef>
-          <a:fillRef idx="0">
-            <a:schemeClr val="accent1"/>
-          </a:fillRef>
-          <a:effectRef idx="0">
-            <a:schemeClr val="accent1"/>
-          </a:effectRef>
-          <a:fontRef idx="minor">
-            <a:schemeClr val="tx1"/>
-          </a:fontRef>
-        </p:style>
-      </p:cxnSp>
-      <p:sp>
-        <p:nvSpPr>
-          <p:cNvPr id="26" name="CasellaDiTesto 25">
-            <a:extLst>
-              <a:ext uri="{FF2B5EF4-FFF2-40B4-BE49-F238E27FC236}">
-                <a16:creationId xmlns:a16="http://schemas.microsoft.com/office/drawing/2014/main" id="{76E72DC4-EBFF-F156-089B-180E0F5C7FC5}"/>
-              </a:ext>
-            </a:extLst>
-          </p:cNvPr>
-          <p:cNvSpPr txBox="1"/>
-          <p:nvPr/>
-        </p:nvSpPr>
-        <p:spPr>
-          <a:xfrm>
-            <a:off x="10496554" y="2194296"/>
-            <a:ext cx="1053065" cy="338554"/>
-          </a:xfrm>
-          <a:prstGeom prst="rect">
-            <a:avLst/>
-          </a:prstGeom>
-          <a:noFill/>
-        </p:spPr>
-        <p:txBody>
-          <a:bodyPr wrap="square" rtlCol="0">
-            <a:spAutoFit/>
-          </a:bodyPr>
-          <a:lstStyle/>
-          <a:p>
-            <a:r>
-              <a:rPr lang="it-IT" sz="1600" dirty="0" err="1">
-                <a:solidFill>
-                  <a:schemeClr val="bg1"/>
-                </a:solidFill>
-              </a:rPr>
-              <a:t>FileAudio</a:t>
-            </a:r>
-            <a:endParaRPr lang="it-IT" sz="1600" dirty="0">
-              <a:solidFill>
-                <a:schemeClr val="bg1"/>
-              </a:solidFill>
-            </a:endParaRPr>
-          </a:p>
-        </p:txBody>
-      </p:sp>
-      <p:cxnSp>
-        <p:nvCxnSpPr>
-          <p:cNvPr id="27" name="Connettore diritto 26">
-            <a:extLst>
-              <a:ext uri="{FF2B5EF4-FFF2-40B4-BE49-F238E27FC236}">
-                <a16:creationId xmlns:a16="http://schemas.microsoft.com/office/drawing/2014/main" id="{F37DD7EF-BD0A-3A8E-2030-FD4BA16E5CCE}"/>
-              </a:ext>
-            </a:extLst>
-          </p:cNvPr>
-          <p:cNvCxnSpPr>
-            <a:cxnSpLocks/>
-            <a:stCxn id="26" idx="1"/>
-          </p:cNvCxnSpPr>
-          <p:nvPr/>
-        </p:nvCxnSpPr>
-        <p:spPr>
-          <a:xfrm flipH="1">
-            <a:off x="9963265" y="2363573"/>
-            <a:ext cx="533289" cy="0"/>
-          </a:xfrm>
-          <a:prstGeom prst="line">
-            <a:avLst/>
-          </a:prstGeom>
-          <a:ln w="38100">
-            <a:solidFill>
-              <a:srgbClr val="CCB4DB"/>
-            </a:solidFill>
-            <a:headEnd type="oval"/>
-          </a:ln>
-        </p:spPr>
-        <p:style>
-          <a:lnRef idx="1">
-            <a:schemeClr val="accent1"/>
-          </a:lnRef>
-          <a:fillRef idx="0">
-            <a:schemeClr val="accent1"/>
-          </a:fillRef>
-          <a:effectRef idx="0">
-            <a:schemeClr val="accent1"/>
-          </a:effectRef>
-          <a:fontRef idx="minor">
-            <a:schemeClr val="tx1"/>
-          </a:fontRef>
-        </p:style>
-      </p:cxnSp>
-      <p:sp>
-        <p:nvSpPr>
-          <p:cNvPr id="28" name="CasellaDiTesto 27">
-            <a:extLst>
-              <a:ext uri="{FF2B5EF4-FFF2-40B4-BE49-F238E27FC236}">
-                <a16:creationId xmlns:a16="http://schemas.microsoft.com/office/drawing/2014/main" id="{69073A8C-C1AD-8115-70D8-EB4282579A88}"/>
-              </a:ext>
-            </a:extLst>
-          </p:cNvPr>
-          <p:cNvSpPr txBox="1"/>
-          <p:nvPr/>
-        </p:nvSpPr>
-        <p:spPr>
-          <a:xfrm>
-            <a:off x="10496554" y="2559722"/>
-            <a:ext cx="707951" cy="338554"/>
-          </a:xfrm>
-          <a:prstGeom prst="rect">
-            <a:avLst/>
-          </a:prstGeom>
-          <a:noFill/>
-        </p:spPr>
-        <p:txBody>
-          <a:bodyPr wrap="square" rtlCol="0">
-            <a:spAutoFit/>
-          </a:bodyPr>
-          <a:lstStyle/>
-          <a:p>
-            <a:r>
-              <a:rPr lang="it-IT" sz="1600" dirty="0">
-                <a:solidFill>
-                  <a:schemeClr val="bg1"/>
-                </a:solidFill>
-              </a:rPr>
-              <a:t>User</a:t>
-            </a:r>
-          </a:p>
-        </p:txBody>
-      </p:sp>
-      <p:cxnSp>
-        <p:nvCxnSpPr>
-          <p:cNvPr id="29" name="Connettore diritto 28">
-            <a:extLst>
-              <a:ext uri="{FF2B5EF4-FFF2-40B4-BE49-F238E27FC236}">
-                <a16:creationId xmlns:a16="http://schemas.microsoft.com/office/drawing/2014/main" id="{211F254E-DD23-7765-4E9D-0C4EE93AD52A}"/>
-              </a:ext>
-            </a:extLst>
-          </p:cNvPr>
-          <p:cNvCxnSpPr>
-            <a:cxnSpLocks/>
-            <a:stCxn id="28" idx="1"/>
-          </p:cNvCxnSpPr>
-          <p:nvPr/>
-        </p:nvCxnSpPr>
-        <p:spPr>
-          <a:xfrm flipH="1">
-            <a:off x="9963265" y="2728999"/>
-            <a:ext cx="533289" cy="0"/>
-          </a:xfrm>
-          <a:prstGeom prst="line">
-            <a:avLst/>
-          </a:prstGeom>
-          <a:ln w="38100">
-            <a:solidFill>
-              <a:srgbClr val="CCB4DB"/>
-            </a:solidFill>
-            <a:headEnd type="oval"/>
-          </a:ln>
-        </p:spPr>
-        <p:style>
-          <a:lnRef idx="1">
-            <a:schemeClr val="accent1"/>
-          </a:lnRef>
-          <a:fillRef idx="0">
-            <a:schemeClr val="accent1"/>
-          </a:fillRef>
-          <a:effectRef idx="0">
-            <a:schemeClr val="accent1"/>
-          </a:effectRef>
-          <a:fontRef idx="minor">
-            <a:schemeClr val="tx1"/>
-          </a:fontRef>
-        </p:style>
-      </p:cxnSp>
-      <p:sp>
-        <p:nvSpPr>
-          <p:cNvPr id="30" name="CasellaDiTesto 29">
-            <a:extLst>
-              <a:ext uri="{FF2B5EF4-FFF2-40B4-BE49-F238E27FC236}">
-                <a16:creationId xmlns:a16="http://schemas.microsoft.com/office/drawing/2014/main" id="{E4A47E82-9F07-AB5E-632A-42ACFD8F6442}"/>
-              </a:ext>
-            </a:extLst>
-          </p:cNvPr>
-          <p:cNvSpPr txBox="1"/>
-          <p:nvPr/>
-        </p:nvSpPr>
-        <p:spPr>
-          <a:xfrm>
-            <a:off x="10496555" y="2925147"/>
-            <a:ext cx="802812" cy="338554"/>
-          </a:xfrm>
-          <a:prstGeom prst="rect">
-            <a:avLst/>
-          </a:prstGeom>
-          <a:noFill/>
-        </p:spPr>
-        <p:txBody>
-          <a:bodyPr wrap="square" rtlCol="0">
-            <a:spAutoFit/>
-          </a:bodyPr>
-          <a:lstStyle/>
-          <a:p>
-            <a:r>
-              <a:rPr lang="it-IT" sz="1600" dirty="0">
-                <a:solidFill>
-                  <a:schemeClr val="bg1"/>
-                </a:solidFill>
-              </a:rPr>
-              <a:t>Album</a:t>
-            </a:r>
-          </a:p>
-        </p:txBody>
-      </p:sp>
-      <p:cxnSp>
-        <p:nvCxnSpPr>
-          <p:cNvPr id="31" name="Connettore diritto 30">
-            <a:extLst>
-              <a:ext uri="{FF2B5EF4-FFF2-40B4-BE49-F238E27FC236}">
-                <a16:creationId xmlns:a16="http://schemas.microsoft.com/office/drawing/2014/main" id="{2ADE5014-70D5-7863-3C1B-9A441CA84CDE}"/>
-              </a:ext>
-            </a:extLst>
-          </p:cNvPr>
-          <p:cNvCxnSpPr>
-            <a:cxnSpLocks/>
-            <a:stCxn id="30" idx="1"/>
-          </p:cNvCxnSpPr>
-          <p:nvPr/>
-        </p:nvCxnSpPr>
-        <p:spPr>
-          <a:xfrm flipH="1">
-            <a:off x="9963265" y="3094424"/>
-            <a:ext cx="533290" cy="0"/>
-          </a:xfrm>
-          <a:prstGeom prst="line">
-            <a:avLst/>
-          </a:prstGeom>
-          <a:ln w="38100">
-            <a:solidFill>
-              <a:srgbClr val="CCB4DB"/>
-            </a:solidFill>
-            <a:headEnd type="oval"/>
-          </a:ln>
-        </p:spPr>
-        <p:style>
-          <a:lnRef idx="1">
-            <a:schemeClr val="accent1"/>
-          </a:lnRef>
-          <a:fillRef idx="0">
-            <a:schemeClr val="accent1"/>
-          </a:fillRef>
-          <a:effectRef idx="0">
-            <a:schemeClr val="accent1"/>
-          </a:effectRef>
-          <a:fontRef idx="minor">
-            <a:schemeClr val="tx1"/>
-          </a:fontRef>
-        </p:style>
-      </p:cxnSp>
-      <p:sp>
-        <p:nvSpPr>
-          <p:cNvPr id="130" name="Rettangolo 129">
-            <a:extLst>
-              <a:ext uri="{FF2B5EF4-FFF2-40B4-BE49-F238E27FC236}">
-                <a16:creationId xmlns:a16="http://schemas.microsoft.com/office/drawing/2014/main" id="{BA622D17-D9A2-7D50-D880-505362BAAE6C}"/>
+          <p:cNvPr id="95" name="Rettangolo 94">
+            <a:extLst>
+              <a:ext uri="{FF2B5EF4-FFF2-40B4-BE49-F238E27FC236}">
+                <a16:creationId xmlns:a16="http://schemas.microsoft.com/office/drawing/2014/main" id="{6AC6CDF3-8BF8-93F3-8E53-64D2553DF81D}"/>
               </a:ext>
             </a:extLst>
           </p:cNvPr>
@@ -5454,7 +4444,7 @@
         </p:nvSpPr>
         <p:spPr>
           <a:xfrm>
-            <a:off x="7601838" y="1279453"/>
+            <a:off x="1952681" y="4700520"/>
             <a:ext cx="2374942" cy="1813333"/>
           </a:xfrm>
           <a:prstGeom prst="rect">
@@ -5618,7 +4608,7 @@
             </a:extLst>
           </a:ln>
           <a:effectLst>
-            <a:outerShdw blurRad="50800" dist="38100" algn="l" rotWithShape="0">
+            <a:outerShdw blurRad="50800" dist="38100" dir="8100000" algn="tr" rotWithShape="0">
               <a:prstClr val="black">
                 <a:alpha val="40000"/>
               </a:prstClr>
@@ -5656,17 +4646,17 @@
                   </a:outerShdw>
                 </a:effectLst>
               </a:rPr>
-              <a:t>SONG</a:t>
-            </a:r>
-          </a:p>
-        </p:txBody>
-      </p:sp>
-      <p:sp>
-        <p:nvSpPr>
-          <p:cNvPr id="32" name="CasellaDiTesto 31">
-            <a:extLst>
-              <a:ext uri="{FF2B5EF4-FFF2-40B4-BE49-F238E27FC236}">
-                <a16:creationId xmlns:a16="http://schemas.microsoft.com/office/drawing/2014/main" id="{96648B9E-8354-74F1-7CAC-933C82D3EEE9}"/>
+              <a:t>PLAYLIST</a:t>
+            </a:r>
+          </a:p>
+        </p:txBody>
+      </p:sp>
+      <p:sp>
+        <p:nvSpPr>
+          <p:cNvPr id="96" name="CasellaDiTesto 95">
+            <a:extLst>
+              <a:ext uri="{FF2B5EF4-FFF2-40B4-BE49-F238E27FC236}">
+                <a16:creationId xmlns:a16="http://schemas.microsoft.com/office/drawing/2014/main" id="{576A50ED-38FD-B9C4-49A6-6291FAFF3186}"/>
               </a:ext>
             </a:extLst>
           </p:cNvPr>
@@ -5675,8 +4665,8 @@
         </p:nvSpPr>
         <p:spPr>
           <a:xfrm>
-            <a:off x="10510070" y="4526956"/>
-            <a:ext cx="533290" cy="338554"/>
+            <a:off x="189223" y="4531243"/>
+            <a:ext cx="1266825" cy="338554"/>
           </a:xfrm>
           <a:prstGeom prst="rect">
             <a:avLst/>
@@ -5689,6 +4679,91 @@
           </a:bodyPr>
           <a:lstStyle/>
           <a:p>
+            <a:pPr algn="r"/>
+            <a:r>
+              <a:rPr lang="it-IT" sz="1600" b="1" u="sng" dirty="0">
+                <a:solidFill>
+                  <a:schemeClr val="bg1"/>
+                </a:solidFill>
+              </a:rPr>
+              <a:t>Name</a:t>
+            </a:r>
+          </a:p>
+        </p:txBody>
+      </p:sp>
+      <p:sp>
+        <p:nvSpPr>
+          <p:cNvPr id="98" name="CasellaDiTesto 97">
+            <a:extLst>
+              <a:ext uri="{FF2B5EF4-FFF2-40B4-BE49-F238E27FC236}">
+                <a16:creationId xmlns:a16="http://schemas.microsoft.com/office/drawing/2014/main" id="{F1202101-A4B7-BC25-079F-5C3C6613D2B1}"/>
+              </a:ext>
+            </a:extLst>
+          </p:cNvPr>
+          <p:cNvSpPr txBox="1"/>
+          <p:nvPr/>
+        </p:nvSpPr>
+        <p:spPr>
+          <a:xfrm>
+            <a:off x="-29867" y="5255087"/>
+            <a:ext cx="1485915" cy="338554"/>
+          </a:xfrm>
+          <a:prstGeom prst="rect">
+            <a:avLst/>
+          </a:prstGeom>
+          <a:noFill/>
+        </p:spPr>
+        <p:txBody>
+          <a:bodyPr wrap="square" rtlCol="0">
+            <a:spAutoFit/>
+          </a:bodyPr>
+          <a:lstStyle/>
+          <a:p>
+            <a:pPr algn="r"/>
+            <a:r>
+              <a:rPr lang="it-IT" sz="1600" dirty="0" err="1">
+                <a:solidFill>
+                  <a:schemeClr val="bg1"/>
+                </a:solidFill>
+              </a:rPr>
+              <a:t>CreationDate</a:t>
+            </a:r>
+            <a:endParaRPr lang="it-IT" sz="1600" dirty="0">
+              <a:solidFill>
+                <a:schemeClr val="bg1"/>
+              </a:solidFill>
+            </a:endParaRPr>
+          </a:p>
+        </p:txBody>
+      </p:sp>
+      <p:sp>
+        <p:nvSpPr>
+          <p:cNvPr id="134" name="CasellaDiTesto 133">
+            <a:extLst>
+              <a:ext uri="{FF2B5EF4-FFF2-40B4-BE49-F238E27FC236}">
+                <a16:creationId xmlns:a16="http://schemas.microsoft.com/office/drawing/2014/main" id="{A8FA3337-EA25-8A93-2C2A-E2C8007B4930}"/>
+              </a:ext>
+            </a:extLst>
+          </p:cNvPr>
+          <p:cNvSpPr txBox="1"/>
+          <p:nvPr/>
+        </p:nvSpPr>
+        <p:spPr>
+          <a:xfrm>
+            <a:off x="10552356" y="1105889"/>
+            <a:ext cx="533290" cy="338554"/>
+          </a:xfrm>
+          <a:prstGeom prst="rect">
+            <a:avLst/>
+          </a:prstGeom>
+          <a:noFill/>
+        </p:spPr>
+        <p:txBody>
+          <a:bodyPr wrap="square" rtlCol="0">
+            <a:spAutoFit/>
+          </a:bodyPr>
+          <a:lstStyle/>
+          <a:p>
             <a:r>
               <a:rPr lang="it-IT" sz="1600" b="1" u="sng" dirty="0">
                 <a:solidFill>
@@ -5702,21 +4777,21 @@
       </p:sp>
       <p:cxnSp>
         <p:nvCxnSpPr>
-          <p:cNvPr id="33" name="Connettore diritto 32">
-            <a:extLst>
-              <a:ext uri="{FF2B5EF4-FFF2-40B4-BE49-F238E27FC236}">
-                <a16:creationId xmlns:a16="http://schemas.microsoft.com/office/drawing/2014/main" id="{9D116462-8E43-FDA3-FF4B-7A9E99097541}"/>
+          <p:cNvPr id="21" name="Connettore diritto 20">
+            <a:extLst>
+              <a:ext uri="{FF2B5EF4-FFF2-40B4-BE49-F238E27FC236}">
+                <a16:creationId xmlns:a16="http://schemas.microsoft.com/office/drawing/2014/main" id="{59AE20B8-E523-71BA-D3B2-A2A7DD49801F}"/>
               </a:ext>
             </a:extLst>
           </p:cNvPr>
           <p:cNvCxnSpPr>
-            <a:stCxn id="32" idx="1"/>
+            <a:cxnSpLocks/>
           </p:cNvCxnSpPr>
           <p:nvPr/>
         </p:nvCxnSpPr>
         <p:spPr>
           <a:xfrm flipH="1">
-            <a:off x="9976780" y="4696233"/>
+            <a:off x="9976780" y="1275166"/>
             <a:ext cx="533290" cy="0"/>
           </a:xfrm>
           <a:prstGeom prst="line">
@@ -5746,10 +4821,10 @@
       </p:cxnSp>
       <p:sp>
         <p:nvSpPr>
-          <p:cNvPr id="34" name="CasellaDiTesto 33">
-            <a:extLst>
-              <a:ext uri="{FF2B5EF4-FFF2-40B4-BE49-F238E27FC236}">
-                <a16:creationId xmlns:a16="http://schemas.microsoft.com/office/drawing/2014/main" id="{F86A75A1-7B14-B36F-3666-9E7F379FC8C2}"/>
+          <p:cNvPr id="22" name="CasellaDiTesto 21">
+            <a:extLst>
+              <a:ext uri="{FF2B5EF4-FFF2-40B4-BE49-F238E27FC236}">
+                <a16:creationId xmlns:a16="http://schemas.microsoft.com/office/drawing/2014/main" id="{656BD5A9-F02C-853F-0A1F-D70EBD59FEAB}"/>
               </a:ext>
             </a:extLst>
           </p:cNvPr>
@@ -5758,8 +4833,8 @@
         </p:nvSpPr>
         <p:spPr>
           <a:xfrm>
-            <a:off x="10510069" y="4891563"/>
-            <a:ext cx="612017" cy="338554"/>
+            <a:off x="10510069" y="1470496"/>
+            <a:ext cx="694437" cy="338554"/>
           </a:xfrm>
           <a:prstGeom prst="rect">
             <a:avLst/>
@@ -5785,22 +4860,22 @@
       </p:sp>
       <p:cxnSp>
         <p:nvCxnSpPr>
-          <p:cNvPr id="35" name="Connettore diritto 34">
-            <a:extLst>
-              <a:ext uri="{FF2B5EF4-FFF2-40B4-BE49-F238E27FC236}">
-                <a16:creationId xmlns:a16="http://schemas.microsoft.com/office/drawing/2014/main" id="{68EAAA65-F817-24BC-7026-2B1FDA784A6A}"/>
+          <p:cNvPr id="23" name="Connettore diritto 22">
+            <a:extLst>
+              <a:ext uri="{FF2B5EF4-FFF2-40B4-BE49-F238E27FC236}">
+                <a16:creationId xmlns:a16="http://schemas.microsoft.com/office/drawing/2014/main" id="{CE4A1CFD-AD0B-38FD-CD1E-6A0FA34F96C2}"/>
               </a:ext>
             </a:extLst>
           </p:cNvPr>
           <p:cNvCxnSpPr>
             <a:cxnSpLocks/>
-            <a:stCxn id="34" idx="1"/>
+            <a:stCxn id="22" idx="1"/>
           </p:cNvCxnSpPr>
           <p:nvPr/>
         </p:nvCxnSpPr>
         <p:spPr>
           <a:xfrm flipH="1">
-            <a:off x="9976780" y="5060840"/>
+            <a:off x="9976780" y="1639773"/>
             <a:ext cx="533289" cy="0"/>
           </a:xfrm>
           <a:prstGeom prst="line">
@@ -5830,10 +4905,10 @@
       </p:cxnSp>
       <p:sp>
         <p:nvSpPr>
-          <p:cNvPr id="36" name="CasellaDiTesto 35">
-            <a:extLst>
-              <a:ext uri="{FF2B5EF4-FFF2-40B4-BE49-F238E27FC236}">
-                <a16:creationId xmlns:a16="http://schemas.microsoft.com/office/drawing/2014/main" id="{617ABE5C-C41F-CAF9-831E-F706F90E646C}"/>
+          <p:cNvPr id="24" name="CasellaDiTesto 23">
+            <a:extLst>
+              <a:ext uri="{FF2B5EF4-FFF2-40B4-BE49-F238E27FC236}">
+                <a16:creationId xmlns:a16="http://schemas.microsoft.com/office/drawing/2014/main" id="{67DAA94B-0EA7-279E-4DB5-09EEEF78CEB2}"/>
               </a:ext>
             </a:extLst>
           </p:cNvPr>
@@ -5842,8 +4917,8 @@
         </p:nvSpPr>
         <p:spPr>
           <a:xfrm>
-            <a:off x="10496555" y="5253463"/>
-            <a:ext cx="1053064" cy="338554"/>
+            <a:off x="10496555" y="1832396"/>
+            <a:ext cx="707952" cy="338554"/>
           </a:xfrm>
           <a:prstGeom prst="rect">
             <a:avLst/>
@@ -5862,7 +4937,7 @@
                   <a:schemeClr val="bg1"/>
                 </a:solidFill>
               </a:rPr>
-              <a:t>FileImage</a:t>
+              <a:t>Genre</a:t>
             </a:r>
             <a:endParaRPr lang="it-IT" sz="1600" dirty="0">
               <a:solidFill>
@@ -5874,22 +4949,22 @@
       </p:sp>
       <p:cxnSp>
         <p:nvCxnSpPr>
-          <p:cNvPr id="37" name="Connettore diritto 36">
-            <a:extLst>
-              <a:ext uri="{FF2B5EF4-FFF2-40B4-BE49-F238E27FC236}">
-                <a16:creationId xmlns:a16="http://schemas.microsoft.com/office/drawing/2014/main" id="{09AE8EDA-9DFF-DC83-2E09-4EB45206AA13}"/>
+          <p:cNvPr id="25" name="Connettore diritto 24">
+            <a:extLst>
+              <a:ext uri="{FF2B5EF4-FFF2-40B4-BE49-F238E27FC236}">
+                <a16:creationId xmlns:a16="http://schemas.microsoft.com/office/drawing/2014/main" id="{3B6F9360-39A2-F8B8-C2CE-97535DCA7841}"/>
               </a:ext>
             </a:extLst>
           </p:cNvPr>
           <p:cNvCxnSpPr>
             <a:cxnSpLocks/>
-            <a:stCxn id="36" idx="1"/>
+            <a:stCxn id="24" idx="1"/>
           </p:cNvCxnSpPr>
           <p:nvPr/>
         </p:nvCxnSpPr>
         <p:spPr>
           <a:xfrm flipH="1">
-            <a:off x="9963265" y="5422740"/>
+            <a:off x="9963265" y="2001673"/>
             <a:ext cx="533290" cy="0"/>
           </a:xfrm>
           <a:prstGeom prst="line">
@@ -5919,10 +4994,10 @@
       </p:cxnSp>
       <p:sp>
         <p:nvSpPr>
-          <p:cNvPr id="38" name="CasellaDiTesto 37">
-            <a:extLst>
-              <a:ext uri="{FF2B5EF4-FFF2-40B4-BE49-F238E27FC236}">
-                <a16:creationId xmlns:a16="http://schemas.microsoft.com/office/drawing/2014/main" id="{3BDCCDE0-AF21-9D8F-AA20-2C2B7C4B4961}"/>
+          <p:cNvPr id="26" name="CasellaDiTesto 25">
+            <a:extLst>
+              <a:ext uri="{FF2B5EF4-FFF2-40B4-BE49-F238E27FC236}">
+                <a16:creationId xmlns:a16="http://schemas.microsoft.com/office/drawing/2014/main" id="{76E72DC4-EBFF-F156-089B-180E0F5C7FC5}"/>
               </a:ext>
             </a:extLst>
           </p:cNvPr>
@@ -5931,8 +5006,8 @@
         </p:nvSpPr>
         <p:spPr>
           <a:xfrm>
-            <a:off x="10496555" y="5615363"/>
-            <a:ext cx="707950" cy="338554"/>
+            <a:off x="10496554" y="2194296"/>
+            <a:ext cx="1053065" cy="338554"/>
           </a:xfrm>
           <a:prstGeom prst="rect">
             <a:avLst/>
@@ -5946,35 +5021,40 @@
           <a:lstStyle/>
           <a:p>
             <a:r>
-              <a:rPr lang="it-IT" sz="1600" dirty="0">
+              <a:rPr lang="it-IT" sz="1600" dirty="0" err="1">
                 <a:solidFill>
                   <a:schemeClr val="bg1"/>
                 </a:solidFill>
               </a:rPr>
-              <a:t>Singer</a:t>
-            </a:r>
+              <a:t>FileAudio</a:t>
+            </a:r>
+            <a:endParaRPr lang="it-IT" sz="1600" dirty="0">
+              <a:solidFill>
+                <a:schemeClr val="bg1"/>
+              </a:solidFill>
+            </a:endParaRPr>
           </a:p>
         </p:txBody>
       </p:sp>
       <p:cxnSp>
         <p:nvCxnSpPr>
-          <p:cNvPr id="40" name="Connettore diritto 39">
-            <a:extLst>
-              <a:ext uri="{FF2B5EF4-FFF2-40B4-BE49-F238E27FC236}">
-                <a16:creationId xmlns:a16="http://schemas.microsoft.com/office/drawing/2014/main" id="{ECD246B0-1C2F-260A-4B9C-BEB59801E5FF}"/>
+          <p:cNvPr id="27" name="Connettore diritto 26">
+            <a:extLst>
+              <a:ext uri="{FF2B5EF4-FFF2-40B4-BE49-F238E27FC236}">
+                <a16:creationId xmlns:a16="http://schemas.microsoft.com/office/drawing/2014/main" id="{F37DD7EF-BD0A-3A8E-2030-FD4BA16E5CCE}"/>
               </a:ext>
             </a:extLst>
           </p:cNvPr>
           <p:cNvCxnSpPr>
             <a:cxnSpLocks/>
-            <a:stCxn id="38" idx="1"/>
+            <a:stCxn id="26" idx="1"/>
           </p:cNvCxnSpPr>
           <p:nvPr/>
         </p:nvCxnSpPr>
         <p:spPr>
           <a:xfrm flipH="1">
-            <a:off x="9963265" y="5784640"/>
-            <a:ext cx="533290" cy="0"/>
+            <a:off x="9963265" y="2363573"/>
+            <a:ext cx="533289" cy="0"/>
           </a:xfrm>
           <a:prstGeom prst="line">
             <a:avLst/>
@@ -6003,10 +5083,10 @@
       </p:cxnSp>
       <p:sp>
         <p:nvSpPr>
-          <p:cNvPr id="41" name="CasellaDiTesto 40">
-            <a:extLst>
-              <a:ext uri="{FF2B5EF4-FFF2-40B4-BE49-F238E27FC236}">
-                <a16:creationId xmlns:a16="http://schemas.microsoft.com/office/drawing/2014/main" id="{FB251ED1-8371-B336-E645-6E695942B0AA}"/>
+          <p:cNvPr id="28" name="CasellaDiTesto 27">
+            <a:extLst>
+              <a:ext uri="{FF2B5EF4-FFF2-40B4-BE49-F238E27FC236}">
+                <a16:creationId xmlns:a16="http://schemas.microsoft.com/office/drawing/2014/main" id="{69073A8C-C1AD-8115-70D8-EB4282579A88}"/>
               </a:ext>
             </a:extLst>
           </p:cNvPr>
@@ -6015,8 +5095,8 @@
         </p:nvSpPr>
         <p:spPr>
           <a:xfrm>
-            <a:off x="10496554" y="5980789"/>
-            <a:ext cx="1546151" cy="338554"/>
+            <a:off x="10496554" y="2559722"/>
+            <a:ext cx="707951" cy="338554"/>
           </a:xfrm>
           <a:prstGeom prst="rect">
             <a:avLst/>
@@ -6030,39 +5110,34 @@
           <a:lstStyle/>
           <a:p>
             <a:r>
-              <a:rPr lang="it-IT" sz="1600" dirty="0" err="1">
+              <a:rPr lang="it-IT" sz="1600" dirty="0">
                 <a:solidFill>
                   <a:schemeClr val="bg1"/>
                 </a:solidFill>
               </a:rPr>
-              <a:t>PublicationYear</a:t>
-            </a:r>
-            <a:endParaRPr lang="it-IT" sz="1600" dirty="0">
-              <a:solidFill>
-                <a:schemeClr val="bg1"/>
-              </a:solidFill>
-            </a:endParaRPr>
+              <a:t>User</a:t>
+            </a:r>
           </a:p>
         </p:txBody>
       </p:sp>
       <p:cxnSp>
         <p:nvCxnSpPr>
-          <p:cNvPr id="43" name="Connettore diritto 42">
-            <a:extLst>
-              <a:ext uri="{FF2B5EF4-FFF2-40B4-BE49-F238E27FC236}">
-                <a16:creationId xmlns:a16="http://schemas.microsoft.com/office/drawing/2014/main" id="{CFBCEA85-91A1-1492-B969-17BFD321FF2B}"/>
+          <p:cNvPr id="29" name="Connettore diritto 28">
+            <a:extLst>
+              <a:ext uri="{FF2B5EF4-FFF2-40B4-BE49-F238E27FC236}">
+                <a16:creationId xmlns:a16="http://schemas.microsoft.com/office/drawing/2014/main" id="{211F254E-DD23-7765-4E9D-0C4EE93AD52A}"/>
               </a:ext>
             </a:extLst>
           </p:cNvPr>
           <p:cNvCxnSpPr>
             <a:cxnSpLocks/>
-            <a:stCxn id="41" idx="1"/>
+            <a:stCxn id="28" idx="1"/>
           </p:cNvCxnSpPr>
           <p:nvPr/>
         </p:nvCxnSpPr>
         <p:spPr>
           <a:xfrm flipH="1">
-            <a:off x="9963265" y="6150066"/>
+            <a:off x="9963265" y="2728999"/>
             <a:ext cx="533289" cy="0"/>
           </a:xfrm>
           <a:prstGeom prst="line">
@@ -6092,10 +5167,94 @@
       </p:cxnSp>
       <p:sp>
         <p:nvSpPr>
-          <p:cNvPr id="46" name="Rettangolo 45">
-            <a:extLst>
-              <a:ext uri="{FF2B5EF4-FFF2-40B4-BE49-F238E27FC236}">
-                <a16:creationId xmlns:a16="http://schemas.microsoft.com/office/drawing/2014/main" id="{2FE5764C-5CD0-3ECE-6812-C703FB826CAC}"/>
+          <p:cNvPr id="30" name="CasellaDiTesto 29">
+            <a:extLst>
+              <a:ext uri="{FF2B5EF4-FFF2-40B4-BE49-F238E27FC236}">
+                <a16:creationId xmlns:a16="http://schemas.microsoft.com/office/drawing/2014/main" id="{E4A47E82-9F07-AB5E-632A-42ACFD8F6442}"/>
+              </a:ext>
+            </a:extLst>
+          </p:cNvPr>
+          <p:cNvSpPr txBox="1"/>
+          <p:nvPr/>
+        </p:nvSpPr>
+        <p:spPr>
+          <a:xfrm>
+            <a:off x="10496555" y="2925147"/>
+            <a:ext cx="802812" cy="338554"/>
+          </a:xfrm>
+          <a:prstGeom prst="rect">
+            <a:avLst/>
+          </a:prstGeom>
+          <a:noFill/>
+        </p:spPr>
+        <p:txBody>
+          <a:bodyPr wrap="square" rtlCol="0">
+            <a:spAutoFit/>
+          </a:bodyPr>
+          <a:lstStyle/>
+          <a:p>
+            <a:r>
+              <a:rPr lang="it-IT" sz="1600" dirty="0">
+                <a:solidFill>
+                  <a:schemeClr val="bg1"/>
+                </a:solidFill>
+              </a:rPr>
+              <a:t>Album</a:t>
+            </a:r>
+          </a:p>
+        </p:txBody>
+      </p:sp>
+      <p:cxnSp>
+        <p:nvCxnSpPr>
+          <p:cNvPr id="31" name="Connettore diritto 30">
+            <a:extLst>
+              <a:ext uri="{FF2B5EF4-FFF2-40B4-BE49-F238E27FC236}">
+                <a16:creationId xmlns:a16="http://schemas.microsoft.com/office/drawing/2014/main" id="{2ADE5014-70D5-7863-3C1B-9A441CA84CDE}"/>
+              </a:ext>
+            </a:extLst>
+          </p:cNvPr>
+          <p:cNvCxnSpPr>
+            <a:cxnSpLocks/>
+            <a:stCxn id="30" idx="1"/>
+          </p:cNvCxnSpPr>
+          <p:nvPr/>
+        </p:nvCxnSpPr>
+        <p:spPr>
+          <a:xfrm flipH="1">
+            <a:off x="9963265" y="3094424"/>
+            <a:ext cx="533290" cy="0"/>
+          </a:xfrm>
+          <a:prstGeom prst="line">
+            <a:avLst/>
+          </a:prstGeom>
+          <a:ln w="38100">
+            <a:solidFill>
+              <a:srgbClr val="CCB4DB"/>
+            </a:solidFill>
+            <a:headEnd type="oval"/>
+          </a:ln>
+        </p:spPr>
+        <p:style>
+          <a:lnRef idx="1">
+            <a:schemeClr val="accent1"/>
+          </a:lnRef>
+          <a:fillRef idx="0">
+            <a:schemeClr val="accent1"/>
+          </a:fillRef>
+          <a:effectRef idx="0">
+            <a:schemeClr val="accent1"/>
+          </a:effectRef>
+          <a:fontRef idx="minor">
+            <a:schemeClr val="tx1"/>
+          </a:fontRef>
+        </p:style>
+      </p:cxnSp>
+      <p:sp>
+        <p:nvSpPr>
+          <p:cNvPr id="130" name="Rettangolo 129">
+            <a:extLst>
+              <a:ext uri="{FF2B5EF4-FFF2-40B4-BE49-F238E27FC236}">
+                <a16:creationId xmlns:a16="http://schemas.microsoft.com/office/drawing/2014/main" id="{BA622D17-D9A2-7D50-D880-505362BAAE6C}"/>
               </a:ext>
             </a:extLst>
           </p:cNvPr>
@@ -6104,7 +5263,7 @@
         </p:nvSpPr>
         <p:spPr>
           <a:xfrm>
-            <a:off x="7601838" y="4700520"/>
+            <a:off x="7601838" y="1279453"/>
             <a:ext cx="2374942" cy="1813333"/>
           </a:xfrm>
           <a:prstGeom prst="rect">
@@ -6306,6 +5465,656 @@
                   </a:outerShdw>
                 </a:effectLst>
               </a:rPr>
+              <a:t>SONG</a:t>
+            </a:r>
+          </a:p>
+        </p:txBody>
+      </p:sp>
+      <p:sp>
+        <p:nvSpPr>
+          <p:cNvPr id="32" name="CasellaDiTesto 31">
+            <a:extLst>
+              <a:ext uri="{FF2B5EF4-FFF2-40B4-BE49-F238E27FC236}">
+                <a16:creationId xmlns:a16="http://schemas.microsoft.com/office/drawing/2014/main" id="{96648B9E-8354-74F1-7CAC-933C82D3EEE9}"/>
+              </a:ext>
+            </a:extLst>
+          </p:cNvPr>
+          <p:cNvSpPr txBox="1"/>
+          <p:nvPr/>
+        </p:nvSpPr>
+        <p:spPr>
+          <a:xfrm>
+            <a:off x="10510070" y="4526956"/>
+            <a:ext cx="533290" cy="338554"/>
+          </a:xfrm>
+          <a:prstGeom prst="rect">
+            <a:avLst/>
+          </a:prstGeom>
+          <a:noFill/>
+        </p:spPr>
+        <p:txBody>
+          <a:bodyPr wrap="square" rtlCol="0">
+            <a:spAutoFit/>
+          </a:bodyPr>
+          <a:lstStyle/>
+          <a:p>
+            <a:r>
+              <a:rPr lang="it-IT" sz="1600" b="1" u="sng" dirty="0">
+                <a:solidFill>
+                  <a:schemeClr val="bg1"/>
+                </a:solidFill>
+              </a:rPr>
+              <a:t>Id</a:t>
+            </a:r>
+          </a:p>
+        </p:txBody>
+      </p:sp>
+      <p:cxnSp>
+        <p:nvCxnSpPr>
+          <p:cNvPr id="33" name="Connettore diritto 32">
+            <a:extLst>
+              <a:ext uri="{FF2B5EF4-FFF2-40B4-BE49-F238E27FC236}">
+                <a16:creationId xmlns:a16="http://schemas.microsoft.com/office/drawing/2014/main" id="{9D116462-8E43-FDA3-FF4B-7A9E99097541}"/>
+              </a:ext>
+            </a:extLst>
+          </p:cNvPr>
+          <p:cNvCxnSpPr>
+            <a:stCxn id="32" idx="1"/>
+          </p:cNvCxnSpPr>
+          <p:nvPr/>
+        </p:nvCxnSpPr>
+        <p:spPr>
+          <a:xfrm flipH="1">
+            <a:off x="9976780" y="4696233"/>
+            <a:ext cx="533290" cy="0"/>
+          </a:xfrm>
+          <a:prstGeom prst="line">
+            <a:avLst/>
+          </a:prstGeom>
+          <a:ln w="38100">
+            <a:solidFill>
+              <a:srgbClr val="CCB4DB"/>
+            </a:solidFill>
+            <a:headEnd type="oval"/>
+          </a:ln>
+        </p:spPr>
+        <p:style>
+          <a:lnRef idx="1">
+            <a:schemeClr val="accent1"/>
+          </a:lnRef>
+          <a:fillRef idx="0">
+            <a:schemeClr val="accent1"/>
+          </a:fillRef>
+          <a:effectRef idx="0">
+            <a:schemeClr val="accent1"/>
+          </a:effectRef>
+          <a:fontRef idx="minor">
+            <a:schemeClr val="tx1"/>
+          </a:fontRef>
+        </p:style>
+      </p:cxnSp>
+      <p:sp>
+        <p:nvSpPr>
+          <p:cNvPr id="34" name="CasellaDiTesto 33">
+            <a:extLst>
+              <a:ext uri="{FF2B5EF4-FFF2-40B4-BE49-F238E27FC236}">
+                <a16:creationId xmlns:a16="http://schemas.microsoft.com/office/drawing/2014/main" id="{F86A75A1-7B14-B36F-3666-9E7F379FC8C2}"/>
+              </a:ext>
+            </a:extLst>
+          </p:cNvPr>
+          <p:cNvSpPr txBox="1"/>
+          <p:nvPr/>
+        </p:nvSpPr>
+        <p:spPr>
+          <a:xfrm>
+            <a:off x="10510069" y="4891563"/>
+            <a:ext cx="612017" cy="338554"/>
+          </a:xfrm>
+          <a:prstGeom prst="rect">
+            <a:avLst/>
+          </a:prstGeom>
+          <a:noFill/>
+        </p:spPr>
+        <p:txBody>
+          <a:bodyPr wrap="square" rtlCol="0">
+            <a:spAutoFit/>
+          </a:bodyPr>
+          <a:lstStyle/>
+          <a:p>
+            <a:r>
+              <a:rPr lang="it-IT" sz="1600" dirty="0">
+                <a:solidFill>
+                  <a:schemeClr val="bg1"/>
+                </a:solidFill>
+              </a:rPr>
+              <a:t>Title</a:t>
+            </a:r>
+          </a:p>
+        </p:txBody>
+      </p:sp>
+      <p:cxnSp>
+        <p:nvCxnSpPr>
+          <p:cNvPr id="35" name="Connettore diritto 34">
+            <a:extLst>
+              <a:ext uri="{FF2B5EF4-FFF2-40B4-BE49-F238E27FC236}">
+                <a16:creationId xmlns:a16="http://schemas.microsoft.com/office/drawing/2014/main" id="{68EAAA65-F817-24BC-7026-2B1FDA784A6A}"/>
+              </a:ext>
+            </a:extLst>
+          </p:cNvPr>
+          <p:cNvCxnSpPr>
+            <a:cxnSpLocks/>
+            <a:stCxn id="34" idx="1"/>
+          </p:cNvCxnSpPr>
+          <p:nvPr/>
+        </p:nvCxnSpPr>
+        <p:spPr>
+          <a:xfrm flipH="1">
+            <a:off x="9976780" y="5060840"/>
+            <a:ext cx="533289" cy="0"/>
+          </a:xfrm>
+          <a:prstGeom prst="line">
+            <a:avLst/>
+          </a:prstGeom>
+          <a:ln w="38100">
+            <a:solidFill>
+              <a:srgbClr val="CCB4DB"/>
+            </a:solidFill>
+            <a:headEnd type="oval"/>
+          </a:ln>
+        </p:spPr>
+        <p:style>
+          <a:lnRef idx="1">
+            <a:schemeClr val="accent1"/>
+          </a:lnRef>
+          <a:fillRef idx="0">
+            <a:schemeClr val="accent1"/>
+          </a:fillRef>
+          <a:effectRef idx="0">
+            <a:schemeClr val="accent1"/>
+          </a:effectRef>
+          <a:fontRef idx="minor">
+            <a:schemeClr val="tx1"/>
+          </a:fontRef>
+        </p:style>
+      </p:cxnSp>
+      <p:sp>
+        <p:nvSpPr>
+          <p:cNvPr id="36" name="CasellaDiTesto 35">
+            <a:extLst>
+              <a:ext uri="{FF2B5EF4-FFF2-40B4-BE49-F238E27FC236}">
+                <a16:creationId xmlns:a16="http://schemas.microsoft.com/office/drawing/2014/main" id="{617ABE5C-C41F-CAF9-831E-F706F90E646C}"/>
+              </a:ext>
+            </a:extLst>
+          </p:cNvPr>
+          <p:cNvSpPr txBox="1"/>
+          <p:nvPr/>
+        </p:nvSpPr>
+        <p:spPr>
+          <a:xfrm>
+            <a:off x="10496555" y="5253463"/>
+            <a:ext cx="1053064" cy="338554"/>
+          </a:xfrm>
+          <a:prstGeom prst="rect">
+            <a:avLst/>
+          </a:prstGeom>
+          <a:noFill/>
+        </p:spPr>
+        <p:txBody>
+          <a:bodyPr wrap="square" rtlCol="0">
+            <a:spAutoFit/>
+          </a:bodyPr>
+          <a:lstStyle/>
+          <a:p>
+            <a:r>
+              <a:rPr lang="it-IT" sz="1600" dirty="0" err="1">
+                <a:solidFill>
+                  <a:schemeClr val="bg1"/>
+                </a:solidFill>
+              </a:rPr>
+              <a:t>FileImage</a:t>
+            </a:r>
+            <a:endParaRPr lang="it-IT" sz="1600" dirty="0">
+              <a:solidFill>
+                <a:schemeClr val="bg1"/>
+              </a:solidFill>
+            </a:endParaRPr>
+          </a:p>
+        </p:txBody>
+      </p:sp>
+      <p:cxnSp>
+        <p:nvCxnSpPr>
+          <p:cNvPr id="37" name="Connettore diritto 36">
+            <a:extLst>
+              <a:ext uri="{FF2B5EF4-FFF2-40B4-BE49-F238E27FC236}">
+                <a16:creationId xmlns:a16="http://schemas.microsoft.com/office/drawing/2014/main" id="{09AE8EDA-9DFF-DC83-2E09-4EB45206AA13}"/>
+              </a:ext>
+            </a:extLst>
+          </p:cNvPr>
+          <p:cNvCxnSpPr>
+            <a:cxnSpLocks/>
+            <a:stCxn id="36" idx="1"/>
+          </p:cNvCxnSpPr>
+          <p:nvPr/>
+        </p:nvCxnSpPr>
+        <p:spPr>
+          <a:xfrm flipH="1">
+            <a:off x="9963265" y="5422740"/>
+            <a:ext cx="533290" cy="0"/>
+          </a:xfrm>
+          <a:prstGeom prst="line">
+            <a:avLst/>
+          </a:prstGeom>
+          <a:ln w="38100">
+            <a:solidFill>
+              <a:srgbClr val="CCB4DB"/>
+            </a:solidFill>
+            <a:headEnd type="oval"/>
+          </a:ln>
+        </p:spPr>
+        <p:style>
+          <a:lnRef idx="1">
+            <a:schemeClr val="accent1"/>
+          </a:lnRef>
+          <a:fillRef idx="0">
+            <a:schemeClr val="accent1"/>
+          </a:fillRef>
+          <a:effectRef idx="0">
+            <a:schemeClr val="accent1"/>
+          </a:effectRef>
+          <a:fontRef idx="minor">
+            <a:schemeClr val="tx1"/>
+          </a:fontRef>
+        </p:style>
+      </p:cxnSp>
+      <p:sp>
+        <p:nvSpPr>
+          <p:cNvPr id="38" name="CasellaDiTesto 37">
+            <a:extLst>
+              <a:ext uri="{FF2B5EF4-FFF2-40B4-BE49-F238E27FC236}">
+                <a16:creationId xmlns:a16="http://schemas.microsoft.com/office/drawing/2014/main" id="{3BDCCDE0-AF21-9D8F-AA20-2C2B7C4B4961}"/>
+              </a:ext>
+            </a:extLst>
+          </p:cNvPr>
+          <p:cNvSpPr txBox="1"/>
+          <p:nvPr/>
+        </p:nvSpPr>
+        <p:spPr>
+          <a:xfrm>
+            <a:off x="10496555" y="5615363"/>
+            <a:ext cx="707950" cy="338554"/>
+          </a:xfrm>
+          <a:prstGeom prst="rect">
+            <a:avLst/>
+          </a:prstGeom>
+          <a:noFill/>
+        </p:spPr>
+        <p:txBody>
+          <a:bodyPr wrap="square" rtlCol="0">
+            <a:spAutoFit/>
+          </a:bodyPr>
+          <a:lstStyle/>
+          <a:p>
+            <a:r>
+              <a:rPr lang="it-IT" sz="1600" dirty="0">
+                <a:solidFill>
+                  <a:schemeClr val="bg1"/>
+                </a:solidFill>
+              </a:rPr>
+              <a:t>Singer</a:t>
+            </a:r>
+          </a:p>
+        </p:txBody>
+      </p:sp>
+      <p:cxnSp>
+        <p:nvCxnSpPr>
+          <p:cNvPr id="40" name="Connettore diritto 39">
+            <a:extLst>
+              <a:ext uri="{FF2B5EF4-FFF2-40B4-BE49-F238E27FC236}">
+                <a16:creationId xmlns:a16="http://schemas.microsoft.com/office/drawing/2014/main" id="{ECD246B0-1C2F-260A-4B9C-BEB59801E5FF}"/>
+              </a:ext>
+            </a:extLst>
+          </p:cNvPr>
+          <p:cNvCxnSpPr>
+            <a:cxnSpLocks/>
+            <a:stCxn id="38" idx="1"/>
+          </p:cNvCxnSpPr>
+          <p:nvPr/>
+        </p:nvCxnSpPr>
+        <p:spPr>
+          <a:xfrm flipH="1">
+            <a:off x="9963265" y="5784640"/>
+            <a:ext cx="533290" cy="0"/>
+          </a:xfrm>
+          <a:prstGeom prst="line">
+            <a:avLst/>
+          </a:prstGeom>
+          <a:ln w="38100">
+            <a:solidFill>
+              <a:srgbClr val="CCB4DB"/>
+            </a:solidFill>
+            <a:headEnd type="oval"/>
+          </a:ln>
+        </p:spPr>
+        <p:style>
+          <a:lnRef idx="1">
+            <a:schemeClr val="accent1"/>
+          </a:lnRef>
+          <a:fillRef idx="0">
+            <a:schemeClr val="accent1"/>
+          </a:fillRef>
+          <a:effectRef idx="0">
+            <a:schemeClr val="accent1"/>
+          </a:effectRef>
+          <a:fontRef idx="minor">
+            <a:schemeClr val="tx1"/>
+          </a:fontRef>
+        </p:style>
+      </p:cxnSp>
+      <p:sp>
+        <p:nvSpPr>
+          <p:cNvPr id="41" name="CasellaDiTesto 40">
+            <a:extLst>
+              <a:ext uri="{FF2B5EF4-FFF2-40B4-BE49-F238E27FC236}">
+                <a16:creationId xmlns:a16="http://schemas.microsoft.com/office/drawing/2014/main" id="{FB251ED1-8371-B336-E645-6E695942B0AA}"/>
+              </a:ext>
+            </a:extLst>
+          </p:cNvPr>
+          <p:cNvSpPr txBox="1"/>
+          <p:nvPr/>
+        </p:nvSpPr>
+        <p:spPr>
+          <a:xfrm>
+            <a:off x="10496554" y="5980789"/>
+            <a:ext cx="1546151" cy="338554"/>
+          </a:xfrm>
+          <a:prstGeom prst="rect">
+            <a:avLst/>
+          </a:prstGeom>
+          <a:noFill/>
+        </p:spPr>
+        <p:txBody>
+          <a:bodyPr wrap="square" rtlCol="0">
+            <a:spAutoFit/>
+          </a:bodyPr>
+          <a:lstStyle/>
+          <a:p>
+            <a:r>
+              <a:rPr lang="it-IT" sz="1600" dirty="0" err="1">
+                <a:solidFill>
+                  <a:schemeClr val="bg1"/>
+                </a:solidFill>
+              </a:rPr>
+              <a:t>PublicationYear</a:t>
+            </a:r>
+            <a:endParaRPr lang="it-IT" sz="1600" dirty="0">
+              <a:solidFill>
+                <a:schemeClr val="bg1"/>
+              </a:solidFill>
+            </a:endParaRPr>
+          </a:p>
+        </p:txBody>
+      </p:sp>
+      <p:cxnSp>
+        <p:nvCxnSpPr>
+          <p:cNvPr id="43" name="Connettore diritto 42">
+            <a:extLst>
+              <a:ext uri="{FF2B5EF4-FFF2-40B4-BE49-F238E27FC236}">
+                <a16:creationId xmlns:a16="http://schemas.microsoft.com/office/drawing/2014/main" id="{CFBCEA85-91A1-1492-B969-17BFD321FF2B}"/>
+              </a:ext>
+            </a:extLst>
+          </p:cNvPr>
+          <p:cNvCxnSpPr>
+            <a:cxnSpLocks/>
+            <a:stCxn id="41" idx="1"/>
+          </p:cNvCxnSpPr>
+          <p:nvPr/>
+        </p:nvCxnSpPr>
+        <p:spPr>
+          <a:xfrm flipH="1">
+            <a:off x="9963265" y="6150066"/>
+            <a:ext cx="533289" cy="0"/>
+          </a:xfrm>
+          <a:prstGeom prst="line">
+            <a:avLst/>
+          </a:prstGeom>
+          <a:ln w="38100">
+            <a:solidFill>
+              <a:srgbClr val="CCB4DB"/>
+            </a:solidFill>
+            <a:headEnd type="oval"/>
+          </a:ln>
+        </p:spPr>
+        <p:style>
+          <a:lnRef idx="1">
+            <a:schemeClr val="accent1"/>
+          </a:lnRef>
+          <a:fillRef idx="0">
+            <a:schemeClr val="accent1"/>
+          </a:fillRef>
+          <a:effectRef idx="0">
+            <a:schemeClr val="accent1"/>
+          </a:effectRef>
+          <a:fontRef idx="minor">
+            <a:schemeClr val="tx1"/>
+          </a:fontRef>
+        </p:style>
+      </p:cxnSp>
+      <p:sp>
+        <p:nvSpPr>
+          <p:cNvPr id="46" name="Rettangolo 45">
+            <a:extLst>
+              <a:ext uri="{FF2B5EF4-FFF2-40B4-BE49-F238E27FC236}">
+                <a16:creationId xmlns:a16="http://schemas.microsoft.com/office/drawing/2014/main" id="{2FE5764C-5CD0-3ECE-6812-C703FB826CAC}"/>
+              </a:ext>
+            </a:extLst>
+          </p:cNvPr>
+          <p:cNvSpPr/>
+          <p:nvPr/>
+        </p:nvSpPr>
+        <p:spPr>
+          <a:xfrm>
+            <a:off x="7601838" y="4700520"/>
+            <a:ext cx="2374942" cy="1813333"/>
+          </a:xfrm>
+          <a:prstGeom prst="rect">
+            <a:avLst/>
+          </a:prstGeom>
+          <a:noFill/>
+          <a:ln w="50800">
+            <a:solidFill>
+              <a:srgbClr val="CCB4DB"/>
+            </a:solidFill>
+            <a:extLst>
+              <a:ext uri="{C807C97D-BFC1-408E-A445-0C87EB9F89A2}">
+                <ask:lineSketchStyleProps xmlns:ask="http://schemas.microsoft.com/office/drawing/2018/sketchyshapes" sd="1219033472">
+                  <a:custGeom>
+                    <a:avLst/>
+                    <a:gdLst>
+                      <a:gd name="connsiteX0" fmla="*/ 0 w 2363821"/>
+                      <a:gd name="connsiteY0" fmla="*/ 0 h 1293779"/>
+                      <a:gd name="connsiteX1" fmla="*/ 567317 w 2363821"/>
+                      <a:gd name="connsiteY1" fmla="*/ 0 h 1293779"/>
+                      <a:gd name="connsiteX2" fmla="*/ 1087358 w 2363821"/>
+                      <a:gd name="connsiteY2" fmla="*/ 0 h 1293779"/>
+                      <a:gd name="connsiteX3" fmla="*/ 1725589 w 2363821"/>
+                      <a:gd name="connsiteY3" fmla="*/ 0 h 1293779"/>
+                      <a:gd name="connsiteX4" fmla="*/ 2363821 w 2363821"/>
+                      <a:gd name="connsiteY4" fmla="*/ 0 h 1293779"/>
+                      <a:gd name="connsiteX5" fmla="*/ 2363821 w 2363821"/>
+                      <a:gd name="connsiteY5" fmla="*/ 633952 h 1293779"/>
+                      <a:gd name="connsiteX6" fmla="*/ 2363821 w 2363821"/>
+                      <a:gd name="connsiteY6" fmla="*/ 1293779 h 1293779"/>
+                      <a:gd name="connsiteX7" fmla="*/ 1772866 w 2363821"/>
+                      <a:gd name="connsiteY7" fmla="*/ 1293779 h 1293779"/>
+                      <a:gd name="connsiteX8" fmla="*/ 1134634 w 2363821"/>
+                      <a:gd name="connsiteY8" fmla="*/ 1293779 h 1293779"/>
+                      <a:gd name="connsiteX9" fmla="*/ 614593 w 2363821"/>
+                      <a:gd name="connsiteY9" fmla="*/ 1293779 h 1293779"/>
+                      <a:gd name="connsiteX10" fmla="*/ 0 w 2363821"/>
+                      <a:gd name="connsiteY10" fmla="*/ 1293779 h 1293779"/>
+                      <a:gd name="connsiteX11" fmla="*/ 0 w 2363821"/>
+                      <a:gd name="connsiteY11" fmla="*/ 646890 h 1293779"/>
+                      <a:gd name="connsiteX12" fmla="*/ 0 w 2363821"/>
+                      <a:gd name="connsiteY12" fmla="*/ 0 h 1293779"/>
+                    </a:gdLst>
+                    <a:ahLst/>
+                    <a:cxnLst>
+                      <a:cxn ang="0">
+                        <a:pos x="connsiteX0" y="connsiteY0"/>
+                      </a:cxn>
+                      <a:cxn ang="0">
+                        <a:pos x="connsiteX1" y="connsiteY1"/>
+                      </a:cxn>
+                      <a:cxn ang="0">
+                        <a:pos x="connsiteX2" y="connsiteY2"/>
+                      </a:cxn>
+                      <a:cxn ang="0">
+                        <a:pos x="connsiteX3" y="connsiteY3"/>
+                      </a:cxn>
+                      <a:cxn ang="0">
+                        <a:pos x="connsiteX4" y="connsiteY4"/>
+                      </a:cxn>
+                      <a:cxn ang="0">
+                        <a:pos x="connsiteX5" y="connsiteY5"/>
+                      </a:cxn>
+                      <a:cxn ang="0">
+                        <a:pos x="connsiteX6" y="connsiteY6"/>
+                      </a:cxn>
+                      <a:cxn ang="0">
+                        <a:pos x="connsiteX7" y="connsiteY7"/>
+                      </a:cxn>
+                      <a:cxn ang="0">
+                        <a:pos x="connsiteX8" y="connsiteY8"/>
+                      </a:cxn>
+                      <a:cxn ang="0">
+                        <a:pos x="connsiteX9" y="connsiteY9"/>
+                      </a:cxn>
+                      <a:cxn ang="0">
+                        <a:pos x="connsiteX10" y="connsiteY10"/>
+                      </a:cxn>
+                      <a:cxn ang="0">
+                        <a:pos x="connsiteX11" y="connsiteY11"/>
+                      </a:cxn>
+                      <a:cxn ang="0">
+                        <a:pos x="connsiteX12" y="connsiteY12"/>
+                      </a:cxn>
+                    </a:cxnLst>
+                    <a:rect l="l" t="t" r="r" b="b"/>
+                    <a:pathLst>
+                      <a:path w="2363821" h="1293779" extrusionOk="0">
+                        <a:moveTo>
+                          <a:pt x="0" y="0"/>
+                        </a:moveTo>
+                        <a:cubicBezTo>
+                          <a:pt x="154499" y="15597"/>
+                          <a:pt x="405152" y="1388"/>
+                          <a:pt x="567317" y="0"/>
+                        </a:cubicBezTo>
+                        <a:cubicBezTo>
+                          <a:pt x="729482" y="-1388"/>
+                          <a:pt x="922018" y="-2065"/>
+                          <a:pt x="1087358" y="0"/>
+                        </a:cubicBezTo>
+                        <a:cubicBezTo>
+                          <a:pt x="1252698" y="2065"/>
+                          <a:pt x="1508295" y="-13649"/>
+                          <a:pt x="1725589" y="0"/>
+                        </a:cubicBezTo>
+                        <a:cubicBezTo>
+                          <a:pt x="1942883" y="13649"/>
+                          <a:pt x="2081147" y="-573"/>
+                          <a:pt x="2363821" y="0"/>
+                        </a:cubicBezTo>
+                        <a:cubicBezTo>
+                          <a:pt x="2351466" y="202268"/>
+                          <a:pt x="2369751" y="321507"/>
+                          <a:pt x="2363821" y="633952"/>
+                        </a:cubicBezTo>
+                        <a:cubicBezTo>
+                          <a:pt x="2357891" y="946397"/>
+                          <a:pt x="2347781" y="998613"/>
+                          <a:pt x="2363821" y="1293779"/>
+                        </a:cubicBezTo>
+                        <a:cubicBezTo>
+                          <a:pt x="2209989" y="1286129"/>
+                          <a:pt x="2020488" y="1311314"/>
+                          <a:pt x="1772866" y="1293779"/>
+                        </a:cubicBezTo>
+                        <a:cubicBezTo>
+                          <a:pt x="1525245" y="1276244"/>
+                          <a:pt x="1267646" y="1308403"/>
+                          <a:pt x="1134634" y="1293779"/>
+                        </a:cubicBezTo>
+                        <a:cubicBezTo>
+                          <a:pt x="1001622" y="1279155"/>
+                          <a:pt x="846760" y="1287474"/>
+                          <a:pt x="614593" y="1293779"/>
+                        </a:cubicBezTo>
+                        <a:cubicBezTo>
+                          <a:pt x="382426" y="1300084"/>
+                          <a:pt x="273196" y="1287588"/>
+                          <a:pt x="0" y="1293779"/>
+                        </a:cubicBezTo>
+                        <a:cubicBezTo>
+                          <a:pt x="-13966" y="1056048"/>
+                          <a:pt x="-26582" y="934143"/>
+                          <a:pt x="0" y="646890"/>
+                        </a:cubicBezTo>
+                        <a:cubicBezTo>
+                          <a:pt x="26582" y="359637"/>
+                          <a:pt x="13514" y="247924"/>
+                          <a:pt x="0" y="0"/>
+                        </a:cubicBezTo>
+                        <a:close/>
+                      </a:path>
+                    </a:pathLst>
+                  </a:custGeom>
+                  <ask:type>
+                    <ask:lineSketchNone/>
+                  </ask:type>
+                </ask:lineSketchStyleProps>
+              </a:ext>
+            </a:extLst>
+          </a:ln>
+          <a:effectLst>
+            <a:outerShdw blurRad="50800" dist="38100" algn="l" rotWithShape="0">
+              <a:prstClr val="black">
+                <a:alpha val="40000"/>
+              </a:prstClr>
+            </a:outerShdw>
+          </a:effectLst>
+        </p:spPr>
+        <p:style>
+          <a:lnRef idx="2">
+            <a:schemeClr val="accent1">
+              <a:shade val="50000"/>
+            </a:schemeClr>
+          </a:lnRef>
+          <a:fillRef idx="1">
+            <a:schemeClr val="accent1"/>
+          </a:fillRef>
+          <a:effectRef idx="0">
+            <a:schemeClr val="accent1"/>
+          </a:effectRef>
+          <a:fontRef idx="minor">
+            <a:schemeClr val="lt1"/>
+          </a:fontRef>
+        </p:style>
+        <p:txBody>
+          <a:bodyPr rtlCol="0" anchor="ctr"/>
+          <a:lstStyle/>
+          <a:p>
+            <a:pPr algn="ctr"/>
+            <a:r>
+              <a:rPr lang="it-IT" b="1" dirty="0">
+                <a:effectLst>
+                  <a:outerShdw blurRad="38100" dist="38100" dir="2700000" algn="tl">
+                    <a:srgbClr val="000000">
+                      <a:alpha val="43137"/>
+                    </a:srgbClr>
+                  </a:outerShdw>
+                </a:effectLst>
+              </a:rPr>
               <a:t>ALBUM</a:t>
             </a:r>
           </a:p>
@@ -6387,8 +6196,8 @@
         </p:nvSpPr>
         <p:spPr>
           <a:xfrm>
-            <a:off x="5349025" y="3686514"/>
-            <a:ext cx="1228838" cy="411226"/>
+            <a:off x="5291847" y="3686514"/>
+            <a:ext cx="1305472" cy="411226"/>
           </a:xfrm>
           <a:prstGeom prst="flowChartDecision">
             <a:avLst/>
@@ -6430,7 +6239,7 @@
             <a:pPr algn="ctr"/>
             <a:r>
               <a:rPr lang="it-IT" sz="1050" dirty="0" err="1"/>
-              <a:t>contain</a:t>
+              <a:t>contains</a:t>
             </a:r>
             <a:endParaRPr lang="it-IT" sz="1050" dirty="0"/>
           </a:p>
@@ -6624,8 +6433,8 @@
         </p:nvSpPr>
         <p:spPr>
           <a:xfrm>
-            <a:off x="2736000" y="4305600"/>
-            <a:ext cx="324315" cy="369332"/>
+            <a:off x="3178685" y="4275408"/>
+            <a:ext cx="631979" cy="369332"/>
           </a:xfrm>
           <a:prstGeom prst="rect">
             <a:avLst/>
@@ -6651,7 +6460,7 @@
                   </a:outerShdw>
                 </a:effectLst>
               </a:rPr>
-              <a:t>1</a:t>
+              <a:t>1 : 1</a:t>
             </a:r>
           </a:p>
         </p:txBody>
@@ -6932,6 +6741,59 @@
           </a:p>
         </p:txBody>
       </p:sp>
+      <p:cxnSp>
+        <p:nvCxnSpPr>
+          <p:cNvPr id="15" name="Connettore a gomito 14">
+            <a:extLst>
+              <a:ext uri="{FF2B5EF4-FFF2-40B4-BE49-F238E27FC236}">
+                <a16:creationId xmlns:a16="http://schemas.microsoft.com/office/drawing/2014/main" id="{A99D9C7D-2D5F-4B22-4599-473C6EA3F357}"/>
+              </a:ext>
+            </a:extLst>
+          </p:cNvPr>
+          <p:cNvCxnSpPr>
+            <a:cxnSpLocks/>
+          </p:cNvCxnSpPr>
+          <p:nvPr/>
+        </p:nvCxnSpPr>
+        <p:spPr>
+          <a:xfrm rot="10800000" flipV="1">
+            <a:off x="1720123" y="4304360"/>
+            <a:ext cx="1536040" cy="756480"/>
+          </a:xfrm>
+          <a:prstGeom prst="bentConnector3">
+            <a:avLst>
+              <a:gd name="adj1" fmla="val 99982"/>
+            </a:avLst>
+          </a:prstGeom>
+          <a:ln w="38100">
+            <a:solidFill>
+              <a:srgbClr val="CCB4DB"/>
+            </a:solidFill>
+            <a:tailEnd type="oval"/>
+          </a:ln>
+          <a:effectLst>
+            <a:outerShdw blurRad="63500" sx="102000" sy="102000" algn="ctr" rotWithShape="0">
+              <a:prstClr val="black">
+                <a:alpha val="40000"/>
+              </a:prstClr>
+            </a:outerShdw>
+          </a:effectLst>
+        </p:spPr>
+        <p:style>
+          <a:lnRef idx="1">
+            <a:schemeClr val="accent1"/>
+          </a:lnRef>
+          <a:fillRef idx="0">
+            <a:schemeClr val="accent1"/>
+          </a:fillRef>
+          <a:effectRef idx="0">
+            <a:schemeClr val="accent1"/>
+          </a:effectRef>
+          <a:fontRef idx="minor">
+            <a:schemeClr val="tx1"/>
+          </a:fontRef>
+        </p:style>
+      </p:cxnSp>
     </p:spTree>
     <p:extLst>
       <p:ext uri="{BB962C8B-B14F-4D97-AF65-F5344CB8AC3E}">
@@ -7287,7 +7149,7 @@
         <p:spPr>
           <a:xfrm>
             <a:off x="4068147" y="1782147"/>
-            <a:ext cx="4198775" cy="1569660"/>
+            <a:ext cx="4198775" cy="1292662"/>
           </a:xfrm>
           <a:prstGeom prst="rect">
             <a:avLst/>
@@ -7328,7 +7190,7 @@
                   <a:schemeClr val="bg1"/>
                 </a:solidFill>
               </a:rPr>
-              <a:t>Id</a:t>
+              <a:t>Name</a:t>
             </a:r>
           </a:p>
           <a:p>
@@ -7337,13 +7199,18 @@
               <a:buChar char="o"/>
             </a:pPr>
             <a:r>
-              <a:rPr lang="it-IT" dirty="0">
+              <a:rPr lang="it-IT" b="1" u="sng" dirty="0" err="1">
                 <a:solidFill>
                   <a:schemeClr val="bg1"/>
                 </a:solidFill>
               </a:rPr>
-              <a:t>Name</a:t>
-            </a:r>
+              <a:t>UserName</a:t>
+            </a:r>
+            <a:endParaRPr lang="it-IT" b="1" u="sng" dirty="0">
+              <a:solidFill>
+                <a:schemeClr val="bg1"/>
+              </a:solidFill>
+            </a:endParaRPr>
           </a:p>
           <a:p>
             <a:pPr marL="285750" indent="-285750">
@@ -7363,20 +7230,6 @@
                 <a:schemeClr val="bg1"/>
               </a:solidFill>
             </a:endParaRPr>
-          </a:p>
-          <a:p>
-            <a:pPr marL="285750" indent="-285750">
-              <a:buFont typeface="Courier New" panose="02070309020205020404" pitchFamily="49" charset="0"/>
-              <a:buChar char="o"/>
-            </a:pPr>
-            <a:r>
-              <a:rPr lang="it-IT" dirty="0">
-                <a:solidFill>
-                  <a:schemeClr val="bg1"/>
-                </a:solidFill>
-              </a:rPr>
-              <a:t>User</a:t>
-            </a:r>
           </a:p>
         </p:txBody>
       </p:sp>
@@ -7533,7 +7386,7 @@
         <p:spPr>
           <a:xfrm>
             <a:off x="6957529" y="1782147"/>
-            <a:ext cx="2509935" cy="1015663"/>
+            <a:ext cx="2509935" cy="1292662"/>
           </a:xfrm>
           <a:prstGeom prst="rect">
             <a:avLst/>
@@ -7561,13 +7414,18 @@
               <a:buChar char="o"/>
             </a:pPr>
             <a:r>
-              <a:rPr lang="it-IT" b="1" u="sng" dirty="0">
+              <a:rPr lang="it-IT" b="1" u="sng" dirty="0" err="1">
                 <a:solidFill>
                   <a:schemeClr val="bg1"/>
                 </a:solidFill>
               </a:rPr>
-              <a:t>Playlist</a:t>
-            </a:r>
+              <a:t>PlaylistName</a:t>
+            </a:r>
+            <a:endParaRPr lang="it-IT" b="1" u="sng" dirty="0">
+              <a:solidFill>
+                <a:schemeClr val="bg1"/>
+              </a:solidFill>
+            </a:endParaRPr>
           </a:p>
           <a:p>
             <a:pPr marL="342900" indent="-342900">
@@ -7575,6 +7433,25 @@
               <a:buChar char="o"/>
             </a:pPr>
             <a:r>
+              <a:rPr lang="it-IT" b="1" u="sng" dirty="0" err="1">
+                <a:solidFill>
+                  <a:schemeClr val="bg1"/>
+                </a:solidFill>
+              </a:rPr>
+              <a:t>PlaylistUser</a:t>
+            </a:r>
+            <a:endParaRPr lang="it-IT" b="1" u="sng" dirty="0">
+              <a:solidFill>
+                <a:schemeClr val="bg1"/>
+              </a:solidFill>
+            </a:endParaRPr>
+          </a:p>
+          <a:p>
+            <a:pPr marL="342900" indent="-342900">
+              <a:buFont typeface="Courier New" panose="02070309020205020404" pitchFamily="49" charset="0"/>
+              <a:buChar char="o"/>
+            </a:pPr>
+            <a:r>
               <a:rPr lang="it-IT" b="1" u="sng" dirty="0">
                 <a:solidFill>
                   <a:schemeClr val="bg1"/>
@@ -7599,8 +7476,8 @@
         </p:nvSpPr>
         <p:spPr>
           <a:xfrm>
-            <a:off x="8161506" y="4105072"/>
-            <a:ext cx="3550596" cy="2123658"/>
+            <a:off x="7926391" y="4152524"/>
+            <a:ext cx="4198773" cy="2400657"/>
           </a:xfrm>
           <a:prstGeom prst="rect">
             <a:avLst/>
@@ -7613,7 +7490,6 @@
           </a:bodyPr>
           <a:lstStyle/>
           <a:p>
-            <a:pPr algn="just"/>
             <a:r>
               <a:rPr lang="it-IT" sz="2400" b="1" dirty="0">
                 <a:solidFill>
@@ -7624,7 +7500,7 @@
             </a:r>
           </a:p>
           <a:p>
-            <a:pPr marL="285750" indent="-285750" algn="just">
+            <a:pPr marL="285750" indent="-285750">
               <a:buFont typeface="Wingdings" panose="05000000000000000000" pitchFamily="2" charset="2"/>
               <a:buChar char="§"/>
             </a:pPr>
@@ -7659,7 +7535,7 @@
             </a:endParaRPr>
           </a:p>
           <a:p>
-            <a:pPr marL="285750" indent="-285750" algn="just">
+            <a:pPr marL="285750" indent="-285750">
               <a:buFont typeface="Wingdings" panose="05000000000000000000" pitchFamily="2" charset="2"/>
               <a:buChar char="§"/>
             </a:pPr>
@@ -7694,7 +7570,7 @@
             </a:endParaRPr>
           </a:p>
           <a:p>
-            <a:pPr marL="285750" indent="-285750" algn="just">
+            <a:pPr marL="285750" indent="-285750">
               <a:buFont typeface="Wingdings" panose="05000000000000000000" pitchFamily="2" charset="2"/>
               <a:buChar char="§"/>
             </a:pPr>
@@ -7737,7 +7613,7 @@
             </a:endParaRPr>
           </a:p>
           <a:p>
-            <a:pPr marL="285750" indent="-285750" algn="just">
+            <a:pPr marL="285750" indent="-285750">
               <a:buFont typeface="Wingdings" panose="05000000000000000000" pitchFamily="2" charset="2"/>
               <a:buChar char="§"/>
             </a:pPr>
@@ -7747,7 +7623,7 @@
                   <a:schemeClr val="bg1"/>
                 </a:solidFill>
               </a:rPr>
-              <a:t>Contains.Playlist</a:t>
+              <a:t>Contains</a:t>
             </a:r>
             <a:r>
               <a:rPr lang="it-IT" dirty="0">
@@ -7755,7 +7631,39 @@
                   <a:schemeClr val="bg1"/>
                 </a:solidFill>
               </a:rPr>
-              <a:t> </a:t>
+              <a:t>.(</a:t>
+            </a:r>
+            <a:r>
+              <a:rPr lang="it-IT" dirty="0" err="1">
+                <a:solidFill>
+                  <a:schemeClr val="bg1"/>
+                </a:solidFill>
+              </a:rPr>
+              <a:t>PlaylistName</a:t>
+            </a:r>
+            <a:r>
+              <a:rPr lang="it-IT" dirty="0">
+                <a:solidFill>
+                  <a:schemeClr val="bg1"/>
+                </a:solidFill>
+              </a:rPr>
+              <a:t>, </a:t>
+            </a:r>
+            <a:r>
+              <a:rPr lang="it-IT" dirty="0" err="1">
+                <a:solidFill>
+                  <a:schemeClr val="bg1"/>
+                </a:solidFill>
+              </a:rPr>
+              <a:t>PlaylistUser</a:t>
+            </a:r>
+            <a:r>
+              <a:rPr lang="it-IT" dirty="0">
+                <a:solidFill>
+                  <a:schemeClr val="bg1"/>
+                </a:solidFill>
+              </a:rPr>
+              <a:t>)</a:t>
             </a:r>
             <a:r>
               <a:rPr lang="it-IT" sz="1600" dirty="0">
@@ -7766,21 +7674,32 @@
               <a:t>→ </a:t>
             </a:r>
             <a:r>
+              <a:rPr lang="it-IT" dirty="0">
+                <a:solidFill>
+                  <a:schemeClr val="bg1"/>
+                </a:solidFill>
+              </a:rPr>
+              <a:t>Playlist.(Name, </a:t>
+            </a:r>
+            <a:r>
               <a:rPr lang="it-IT" dirty="0" err="1">
                 <a:solidFill>
                   <a:schemeClr val="bg1"/>
                 </a:solidFill>
               </a:rPr>
-              <a:t>Playlist.Id</a:t>
-            </a:r>
-            <a:endParaRPr lang="it-IT" dirty="0">
-              <a:solidFill>
-                <a:schemeClr val="bg1"/>
-              </a:solidFill>
-            </a:endParaRPr>
-          </a:p>
-          <a:p>
-            <a:pPr marL="285750" indent="-285750" algn="just">
+              <a:t>UserName</a:t>
+            </a:r>
+            <a:r>
+              <a:rPr lang="it-IT" dirty="0">
+                <a:solidFill>
+                  <a:schemeClr val="bg1"/>
+                </a:solidFill>
+              </a:rPr>
+              <a:t>)</a:t>
+            </a:r>
+          </a:p>
+          <a:p>
+            <a:pPr marL="285750" indent="-285750">
               <a:buFont typeface="Wingdings" panose="05000000000000000000" pitchFamily="2" charset="2"/>
               <a:buChar char="§"/>
             </a:pPr>

--- a/delivers/THE PLAYLIST.pptx
+++ b/delivers/THE PLAYLIST.pptx
@@ -6,9 +6,18 @@
   </p:sldMasterIdLst>
   <p:sldIdLst>
     <p:sldId id="256" r:id="rId2"/>
-    <p:sldId id="259" r:id="rId3"/>
-    <p:sldId id="257" r:id="rId4"/>
-    <p:sldId id="260" r:id="rId5"/>
+    <p:sldId id="263" r:id="rId3"/>
+    <p:sldId id="259" r:id="rId4"/>
+    <p:sldId id="257" r:id="rId5"/>
+    <p:sldId id="262" r:id="rId6"/>
+    <p:sldId id="261" r:id="rId7"/>
+    <p:sldId id="265" r:id="rId8"/>
+    <p:sldId id="266" r:id="rId9"/>
+    <p:sldId id="269" r:id="rId10"/>
+    <p:sldId id="268" r:id="rId11"/>
+    <p:sldId id="270" r:id="rId12"/>
+    <p:sldId id="271" r:id="rId13"/>
+    <p:sldId id="272" r:id="rId14"/>
   </p:sldIdLst>
   <p:sldSz cx="12192000" cy="6858000"/>
   <p:notesSz cx="6858000" cy="9144000"/>
@@ -273,7 +282,7 @@
           <a:p>
             <a:fld id="{444E331B-3509-4A7F-9C4E-45F5BC11C182}" type="datetimeFigureOut">
               <a:rPr lang="it-IT" smtClean="0"/>
-              <a:t>19/04/2023</a:t>
+              <a:t>05/05/2023</a:t>
             </a:fld>
             <a:endParaRPr lang="it-IT"/>
           </a:p>
@@ -471,7 +480,7 @@
           <a:p>
             <a:fld id="{444E331B-3509-4A7F-9C4E-45F5BC11C182}" type="datetimeFigureOut">
               <a:rPr lang="it-IT" smtClean="0"/>
-              <a:t>19/04/2023</a:t>
+              <a:t>05/05/2023</a:t>
             </a:fld>
             <a:endParaRPr lang="it-IT"/>
           </a:p>
@@ -679,7 +688,7 @@
           <a:p>
             <a:fld id="{444E331B-3509-4A7F-9C4E-45F5BC11C182}" type="datetimeFigureOut">
               <a:rPr lang="it-IT" smtClean="0"/>
-              <a:t>19/04/2023</a:t>
+              <a:t>05/05/2023</a:t>
             </a:fld>
             <a:endParaRPr lang="it-IT"/>
           </a:p>
@@ -877,7 +886,7 @@
           <a:p>
             <a:fld id="{444E331B-3509-4A7F-9C4E-45F5BC11C182}" type="datetimeFigureOut">
               <a:rPr lang="it-IT" smtClean="0"/>
-              <a:t>19/04/2023</a:t>
+              <a:t>05/05/2023</a:t>
             </a:fld>
             <a:endParaRPr lang="it-IT"/>
           </a:p>
@@ -1152,7 +1161,7 @@
           <a:p>
             <a:fld id="{444E331B-3509-4A7F-9C4E-45F5BC11C182}" type="datetimeFigureOut">
               <a:rPr lang="it-IT" smtClean="0"/>
-              <a:t>19/04/2023</a:t>
+              <a:t>05/05/2023</a:t>
             </a:fld>
             <a:endParaRPr lang="it-IT"/>
           </a:p>
@@ -1417,7 +1426,7 @@
           <a:p>
             <a:fld id="{444E331B-3509-4A7F-9C4E-45F5BC11C182}" type="datetimeFigureOut">
               <a:rPr lang="it-IT" smtClean="0"/>
-              <a:t>19/04/2023</a:t>
+              <a:t>05/05/2023</a:t>
             </a:fld>
             <a:endParaRPr lang="it-IT"/>
           </a:p>
@@ -1829,7 +1838,7 @@
           <a:p>
             <a:fld id="{444E331B-3509-4A7F-9C4E-45F5BC11C182}" type="datetimeFigureOut">
               <a:rPr lang="it-IT" smtClean="0"/>
-              <a:t>19/04/2023</a:t>
+              <a:t>05/05/2023</a:t>
             </a:fld>
             <a:endParaRPr lang="it-IT"/>
           </a:p>
@@ -1970,7 +1979,7 @@
           <a:p>
             <a:fld id="{444E331B-3509-4A7F-9C4E-45F5BC11C182}" type="datetimeFigureOut">
               <a:rPr lang="it-IT" smtClean="0"/>
-              <a:t>19/04/2023</a:t>
+              <a:t>05/05/2023</a:t>
             </a:fld>
             <a:endParaRPr lang="it-IT"/>
           </a:p>
@@ -2083,7 +2092,7 @@
           <a:p>
             <a:fld id="{444E331B-3509-4A7F-9C4E-45F5BC11C182}" type="datetimeFigureOut">
               <a:rPr lang="it-IT" smtClean="0"/>
-              <a:t>19/04/2023</a:t>
+              <a:t>05/05/2023</a:t>
             </a:fld>
             <a:endParaRPr lang="it-IT"/>
           </a:p>
@@ -2394,7 +2403,7 @@
           <a:p>
             <a:fld id="{444E331B-3509-4A7F-9C4E-45F5BC11C182}" type="datetimeFigureOut">
               <a:rPr lang="it-IT" smtClean="0"/>
-              <a:t>19/04/2023</a:t>
+              <a:t>05/05/2023</a:t>
             </a:fld>
             <a:endParaRPr lang="it-IT"/>
           </a:p>
@@ -2682,7 +2691,7 @@
           <a:p>
             <a:fld id="{444E331B-3509-4A7F-9C4E-45F5BC11C182}" type="datetimeFigureOut">
               <a:rPr lang="it-IT" smtClean="0"/>
-              <a:t>19/04/2023</a:t>
+              <a:t>05/05/2023</a:t>
             </a:fld>
             <a:endParaRPr lang="it-IT"/>
           </a:p>
@@ -2761,10 +2770,7 @@
     <p:bg>
       <p:bgPr>
         <a:solidFill>
-          <a:schemeClr val="tx1">
-            <a:lumMod val="75000"/>
-            <a:lumOff val="25000"/>
-          </a:schemeClr>
+          <a:schemeClr val="tx1"/>
         </a:solidFill>
         <a:effectLst/>
       </p:bgPr>
@@ -2929,7 +2935,7 @@
           <a:p>
             <a:fld id="{444E331B-3509-4A7F-9C4E-45F5BC11C182}" type="datetimeFigureOut">
               <a:rPr lang="it-IT" smtClean="0"/>
-              <a:t>19/04/2023</a:t>
+              <a:t>05/05/2023</a:t>
             </a:fld>
             <a:endParaRPr lang="it-IT"/>
           </a:p>
@@ -3375,7 +3381,7 @@
             <a:r>
               <a:rPr lang="it-IT" b="1" dirty="0">
                 <a:solidFill>
-                  <a:srgbClr val="FCE68A"/>
+                  <a:srgbClr val="1ED760"/>
                 </a:solidFill>
               </a:rPr>
               <a:t>THE PLAYLIST</a:t>
@@ -3383,14 +3389,14 @@
             <a:br>
               <a:rPr lang="it-IT" b="1" dirty="0">
                 <a:solidFill>
-                  <a:schemeClr val="bg1"/>
+                  <a:srgbClr val="1DB954"/>
                 </a:solidFill>
               </a:rPr>
             </a:br>
             <a:r>
               <a:rPr lang="it-IT" sz="4000" dirty="0">
                 <a:solidFill>
-                  <a:schemeClr val="bg1"/>
+                  <a:srgbClr val="1DB954"/>
                 </a:solidFill>
               </a:rPr>
               <a:t>HTML </a:t>
@@ -3398,14 +3404,14 @@
             <a:r>
               <a:rPr lang="it-IT" sz="4000" dirty="0" err="1">
                 <a:solidFill>
-                  <a:schemeClr val="bg1"/>
+                  <a:srgbClr val="1DB954"/>
                 </a:solidFill>
               </a:rPr>
               <a:t>version</a:t>
             </a:r>
             <a:endParaRPr lang="it-IT" sz="4000" dirty="0">
               <a:solidFill>
-                <a:schemeClr val="bg1"/>
+                <a:srgbClr val="1DB954"/>
               </a:solidFill>
             </a:endParaRPr>
           </a:p>
@@ -3442,7 +3448,7 @@
             <a:r>
               <a:rPr lang="it-IT" dirty="0">
                 <a:solidFill>
-                  <a:schemeClr val="bg1"/>
+                  <a:srgbClr val="FFFFFF"/>
                 </a:solidFill>
               </a:rPr>
               <a:t>FRANCESCO RITA</a:t>
@@ -3452,7 +3458,7 @@
             <a:r>
               <a:rPr lang="it-IT" dirty="0">
                 <a:solidFill>
-                  <a:schemeClr val="bg1"/>
+                  <a:srgbClr val="FFFFFF"/>
                 </a:solidFill>
               </a:rPr>
               <a:t>MATTIA CAMPANA </a:t>
@@ -3464,6 +3470,1790 @@
     <p:extLst>
       <p:ext uri="{BB962C8B-B14F-4D97-AF65-F5344CB8AC3E}">
         <p14:creationId xmlns:p14="http://schemas.microsoft.com/office/powerpoint/2010/main" val="3043470084"/>
+      </p:ext>
+    </p:extLst>
+  </p:cSld>
+  <p:clrMapOvr>
+    <a:masterClrMapping/>
+  </p:clrMapOvr>
+</p:sld>
+</file>
+
+<file path=ppt/slides/slide10.xml><?xml version="1.0" encoding="utf-8"?>
+<p:sld xmlns:a="http://schemas.openxmlformats.org/drawingml/2006/main" xmlns:r="http://schemas.openxmlformats.org/officeDocument/2006/relationships" xmlns:p="http://schemas.openxmlformats.org/presentationml/2006/main">
+  <p:cSld>
+    <p:bg>
+      <p:bgPr>
+        <a:solidFill>
+          <a:schemeClr val="tx1"/>
+        </a:solidFill>
+        <a:effectLst/>
+      </p:bgPr>
+    </p:bg>
+    <p:spTree>
+      <p:nvGrpSpPr>
+        <p:cNvPr id="1" name=""/>
+        <p:cNvGrpSpPr/>
+        <p:nvPr/>
+      </p:nvGrpSpPr>
+      <p:grpSpPr>
+        <a:xfrm>
+          <a:off x="0" y="0"/>
+          <a:ext cx="0" cy="0"/>
+          <a:chOff x="0" y="0"/>
+          <a:chExt cx="0" cy="0"/>
+        </a:xfrm>
+      </p:grpSpPr>
+      <p:sp>
+        <p:nvSpPr>
+          <p:cNvPr id="2" name="Titolo 1">
+            <a:extLst>
+              <a:ext uri="{FF2B5EF4-FFF2-40B4-BE49-F238E27FC236}">
+                <a16:creationId xmlns:a16="http://schemas.microsoft.com/office/drawing/2014/main" id="{0CEB3EC8-2CE1-4BCD-2281-1FED366F1D07}"/>
+              </a:ext>
+            </a:extLst>
+          </p:cNvPr>
+          <p:cNvSpPr>
+            <a:spLocks noGrp="1"/>
+          </p:cNvSpPr>
+          <p:nvPr>
+            <p:ph type="title"/>
+          </p:nvPr>
+        </p:nvSpPr>
+        <p:spPr>
+          <a:xfrm>
+            <a:off x="838200" y="180459"/>
+            <a:ext cx="10515600" cy="1325563"/>
+          </a:xfrm>
+        </p:spPr>
+        <p:txBody>
+          <a:bodyPr/>
+          <a:lstStyle/>
+          <a:p>
+            <a:pPr algn="ctr"/>
+            <a:r>
+              <a:rPr lang="it-IT" b="1" dirty="0">
+                <a:solidFill>
+                  <a:schemeClr val="bg1"/>
+                </a:solidFill>
+              </a:rPr>
+              <a:t>SERVLET</a:t>
+            </a:r>
+          </a:p>
+        </p:txBody>
+      </p:sp>
+      <p:grpSp>
+        <p:nvGrpSpPr>
+          <p:cNvPr id="9" name="Gruppo 8">
+            <a:extLst>
+              <a:ext uri="{FF2B5EF4-FFF2-40B4-BE49-F238E27FC236}">
+                <a16:creationId xmlns:a16="http://schemas.microsoft.com/office/drawing/2014/main" id="{89572CCE-6FCA-75ED-369E-4639757201B3}"/>
+              </a:ext>
+            </a:extLst>
+          </p:cNvPr>
+          <p:cNvGrpSpPr/>
+          <p:nvPr/>
+        </p:nvGrpSpPr>
+        <p:grpSpPr>
+          <a:xfrm>
+            <a:off x="1863969" y="1856520"/>
+            <a:ext cx="8464061" cy="4154984"/>
+            <a:chOff x="1255835" y="1807329"/>
+            <a:chExt cx="8464061" cy="4154984"/>
+          </a:xfrm>
+        </p:grpSpPr>
+        <p:sp>
+          <p:nvSpPr>
+            <p:cNvPr id="4" name="CasellaDiTesto 3">
+              <a:extLst>
+                <a:ext uri="{FF2B5EF4-FFF2-40B4-BE49-F238E27FC236}">
+                  <a16:creationId xmlns:a16="http://schemas.microsoft.com/office/drawing/2014/main" id="{8BBE31B6-A945-FDC6-0B9C-6900D3147E9D}"/>
+                </a:ext>
+              </a:extLst>
+            </p:cNvPr>
+            <p:cNvSpPr txBox="1"/>
+            <p:nvPr/>
+          </p:nvSpPr>
+          <p:spPr>
+            <a:xfrm>
+              <a:off x="1255835" y="1807329"/>
+              <a:ext cx="3697166" cy="4154984"/>
+            </a:xfrm>
+            <a:prstGeom prst="rect">
+              <a:avLst/>
+            </a:prstGeom>
+            <a:noFill/>
+          </p:spPr>
+          <p:txBody>
+            <a:bodyPr wrap="square" rtlCol="0">
+              <a:spAutoFit/>
+            </a:bodyPr>
+            <a:lstStyle/>
+            <a:p>
+              <a:pPr marL="342900" indent="-342900">
+                <a:buSzPct val="75000"/>
+                <a:buFont typeface="Wingdings" panose="05000000000000000000" pitchFamily="2" charset="2"/>
+                <a:buChar char="Ø"/>
+              </a:pPr>
+              <a:r>
+                <a:rPr lang="it-IT" sz="2400" dirty="0" err="1">
+                  <a:solidFill>
+                    <a:schemeClr val="bg1"/>
+                  </a:solidFill>
+                </a:rPr>
+                <a:t>CreatePlaylistServlet</a:t>
+              </a:r>
+              <a:endParaRPr lang="it-IT" sz="2400" dirty="0">
+                <a:solidFill>
+                  <a:schemeClr val="bg1"/>
+                </a:solidFill>
+              </a:endParaRPr>
+            </a:p>
+            <a:p>
+              <a:pPr marL="342900" indent="-342900">
+                <a:buSzPct val="75000"/>
+                <a:buFont typeface="Wingdings" panose="05000000000000000000" pitchFamily="2" charset="2"/>
+                <a:buChar char="Ø"/>
+              </a:pPr>
+              <a:r>
+                <a:rPr lang="it-IT" sz="2400" dirty="0" err="1">
+                  <a:solidFill>
+                    <a:schemeClr val="bg1"/>
+                  </a:solidFill>
+                </a:rPr>
+                <a:t>CreateSongServlet</a:t>
+              </a:r>
+              <a:endParaRPr lang="it-IT" sz="2400" dirty="0">
+                <a:solidFill>
+                  <a:schemeClr val="bg1"/>
+                </a:solidFill>
+              </a:endParaRPr>
+            </a:p>
+            <a:p>
+              <a:pPr marL="342900" indent="-342900">
+                <a:buSzPct val="75000"/>
+                <a:buFont typeface="Wingdings" panose="05000000000000000000" pitchFamily="2" charset="2"/>
+                <a:buChar char="Ø"/>
+              </a:pPr>
+              <a:r>
+                <a:rPr lang="it-IT" sz="2400" dirty="0" err="1">
+                  <a:solidFill>
+                    <a:schemeClr val="bg1"/>
+                  </a:solidFill>
+                </a:rPr>
+                <a:t>EditPlaylistServlet</a:t>
+              </a:r>
+              <a:endParaRPr lang="it-IT" sz="2400" dirty="0">
+                <a:solidFill>
+                  <a:schemeClr val="bg1"/>
+                </a:solidFill>
+              </a:endParaRPr>
+            </a:p>
+            <a:p>
+              <a:pPr marL="342900" indent="-342900">
+                <a:buSzPct val="75000"/>
+                <a:buFont typeface="Wingdings" panose="05000000000000000000" pitchFamily="2" charset="2"/>
+                <a:buChar char="Ø"/>
+              </a:pPr>
+              <a:r>
+                <a:rPr lang="it-IT" sz="2400" dirty="0" err="1">
+                  <a:solidFill>
+                    <a:schemeClr val="bg1"/>
+                  </a:solidFill>
+                </a:rPr>
+                <a:t>GetImageServlet</a:t>
+              </a:r>
+              <a:endParaRPr lang="it-IT" sz="2400" dirty="0">
+                <a:solidFill>
+                  <a:schemeClr val="bg1"/>
+                </a:solidFill>
+              </a:endParaRPr>
+            </a:p>
+            <a:p>
+              <a:pPr marL="342900" indent="-342900">
+                <a:buSzPct val="75000"/>
+                <a:buFont typeface="Wingdings" panose="05000000000000000000" pitchFamily="2" charset="2"/>
+                <a:buChar char="Ø"/>
+              </a:pPr>
+              <a:r>
+                <a:rPr lang="it-IT" sz="2400" dirty="0" err="1">
+                  <a:solidFill>
+                    <a:schemeClr val="bg1"/>
+                  </a:solidFill>
+                </a:rPr>
+                <a:t>GetSongServlet</a:t>
+              </a:r>
+              <a:endParaRPr lang="it-IT" sz="2400" dirty="0">
+                <a:solidFill>
+                  <a:schemeClr val="bg1"/>
+                </a:solidFill>
+              </a:endParaRPr>
+            </a:p>
+            <a:p>
+              <a:pPr marL="342900" indent="-342900">
+                <a:buSzPct val="75000"/>
+                <a:buFont typeface="Wingdings" panose="05000000000000000000" pitchFamily="2" charset="2"/>
+                <a:buChar char="Ø"/>
+              </a:pPr>
+              <a:r>
+                <a:rPr lang="it-IT" sz="2400" dirty="0" err="1">
+                  <a:solidFill>
+                    <a:schemeClr val="bg1"/>
+                  </a:solidFill>
+                </a:rPr>
+                <a:t>HomeServlet</a:t>
+              </a:r>
+              <a:endParaRPr lang="it-IT" sz="2400" dirty="0">
+                <a:solidFill>
+                  <a:schemeClr val="bg1"/>
+                </a:solidFill>
+              </a:endParaRPr>
+            </a:p>
+            <a:p>
+              <a:pPr marL="342900" indent="-342900">
+                <a:buSzPct val="75000"/>
+                <a:buFont typeface="Wingdings" panose="05000000000000000000" pitchFamily="2" charset="2"/>
+                <a:buChar char="Ø"/>
+              </a:pPr>
+              <a:r>
+                <a:rPr lang="it-IT" sz="2400" dirty="0" err="1">
+                  <a:solidFill>
+                    <a:schemeClr val="bg1"/>
+                  </a:solidFill>
+                </a:rPr>
+                <a:t>PlayerServlet</a:t>
+              </a:r>
+              <a:endParaRPr lang="it-IT" sz="2400" dirty="0">
+                <a:solidFill>
+                  <a:schemeClr val="bg1"/>
+                </a:solidFill>
+              </a:endParaRPr>
+            </a:p>
+            <a:p>
+              <a:pPr marL="342900" indent="-342900">
+                <a:buSzPct val="75000"/>
+                <a:buFont typeface="Wingdings" panose="05000000000000000000" pitchFamily="2" charset="2"/>
+                <a:buChar char="Ø"/>
+              </a:pPr>
+              <a:r>
+                <a:rPr lang="it-IT" sz="2400" dirty="0" err="1">
+                  <a:solidFill>
+                    <a:schemeClr val="bg1"/>
+                  </a:solidFill>
+                </a:rPr>
+                <a:t>PlaylisServlet</a:t>
+              </a:r>
+              <a:endParaRPr lang="it-IT" sz="2400" dirty="0">
+                <a:solidFill>
+                  <a:schemeClr val="bg1"/>
+                </a:solidFill>
+              </a:endParaRPr>
+            </a:p>
+            <a:p>
+              <a:pPr marL="342900" indent="-342900">
+                <a:buSzPct val="75000"/>
+                <a:buFont typeface="Wingdings" panose="05000000000000000000" pitchFamily="2" charset="2"/>
+                <a:buChar char="Ø"/>
+              </a:pPr>
+              <a:r>
+                <a:rPr lang="it-IT" sz="2400" dirty="0" err="1">
+                  <a:solidFill>
+                    <a:schemeClr val="bg1"/>
+                  </a:solidFill>
+                </a:rPr>
+                <a:t>SignInServlet</a:t>
+              </a:r>
+              <a:endParaRPr lang="it-IT" sz="2400" dirty="0">
+                <a:solidFill>
+                  <a:schemeClr val="bg1"/>
+                </a:solidFill>
+              </a:endParaRPr>
+            </a:p>
+            <a:p>
+              <a:pPr marL="342900" indent="-342900">
+                <a:buSzPct val="75000"/>
+                <a:buFont typeface="Wingdings" panose="05000000000000000000" pitchFamily="2" charset="2"/>
+                <a:buChar char="Ø"/>
+              </a:pPr>
+              <a:r>
+                <a:rPr lang="it-IT" sz="2400" dirty="0" err="1">
+                  <a:solidFill>
+                    <a:schemeClr val="bg1"/>
+                  </a:solidFill>
+                </a:rPr>
+                <a:t>SignUpServlet</a:t>
+              </a:r>
+              <a:endParaRPr lang="it-IT" sz="2400" dirty="0">
+                <a:solidFill>
+                  <a:schemeClr val="bg1"/>
+                </a:solidFill>
+              </a:endParaRPr>
+            </a:p>
+            <a:p>
+              <a:pPr marL="342900" indent="-342900">
+                <a:buSzPct val="75000"/>
+                <a:buFont typeface="Wingdings" panose="05000000000000000000" pitchFamily="2" charset="2"/>
+                <a:buChar char="Ø"/>
+              </a:pPr>
+              <a:r>
+                <a:rPr lang="it-IT" sz="2400" dirty="0" err="1">
+                  <a:solidFill>
+                    <a:schemeClr val="bg1"/>
+                  </a:solidFill>
+                </a:rPr>
+                <a:t>SignOutServlet</a:t>
+              </a:r>
+              <a:endParaRPr lang="it-IT" sz="2400" dirty="0">
+                <a:solidFill>
+                  <a:schemeClr val="bg1"/>
+                </a:solidFill>
+              </a:endParaRPr>
+            </a:p>
+          </p:txBody>
+        </p:sp>
+        <p:sp>
+          <p:nvSpPr>
+            <p:cNvPr id="5" name="CasellaDiTesto 4">
+              <a:extLst>
+                <a:ext uri="{FF2B5EF4-FFF2-40B4-BE49-F238E27FC236}">
+                  <a16:creationId xmlns:a16="http://schemas.microsoft.com/office/drawing/2014/main" id="{2388379F-618B-9983-761E-6B6796AE4119}"/>
+                </a:ext>
+              </a:extLst>
+            </p:cNvPr>
+            <p:cNvSpPr txBox="1"/>
+            <p:nvPr/>
+          </p:nvSpPr>
+          <p:spPr>
+            <a:xfrm>
+              <a:off x="6189784" y="1807329"/>
+              <a:ext cx="3530112" cy="1569660"/>
+            </a:xfrm>
+            <a:prstGeom prst="rect">
+              <a:avLst/>
+            </a:prstGeom>
+            <a:noFill/>
+          </p:spPr>
+          <p:txBody>
+            <a:bodyPr wrap="square" rtlCol="0">
+              <a:spAutoFit/>
+            </a:bodyPr>
+            <a:lstStyle/>
+            <a:p>
+              <a:r>
+                <a:rPr lang="it-IT" sz="2400" b="1" dirty="0">
+                  <a:solidFill>
+                    <a:srgbClr val="1ED760"/>
+                  </a:solidFill>
+                </a:rPr>
+                <a:t>FILTERS:</a:t>
+              </a:r>
+            </a:p>
+            <a:p>
+              <a:pPr marL="342900" indent="-342900">
+                <a:buFont typeface="Courier New" panose="02070309020205020404" pitchFamily="49" charset="0"/>
+                <a:buChar char="o"/>
+              </a:pPr>
+              <a:r>
+                <a:rPr lang="it-IT" dirty="0" err="1">
+                  <a:solidFill>
+                    <a:schemeClr val="bg1"/>
+                  </a:solidFill>
+                </a:rPr>
+                <a:t>LoggedChecker</a:t>
+              </a:r>
+              <a:endParaRPr lang="it-IT" dirty="0">
+                <a:solidFill>
+                  <a:schemeClr val="bg1"/>
+                </a:solidFill>
+              </a:endParaRPr>
+            </a:p>
+            <a:p>
+              <a:pPr marL="342900" indent="-342900">
+                <a:buFont typeface="Courier New" panose="02070309020205020404" pitchFamily="49" charset="0"/>
+                <a:buChar char="o"/>
+              </a:pPr>
+              <a:r>
+                <a:rPr lang="it-IT" dirty="0" err="1">
+                  <a:solidFill>
+                    <a:schemeClr val="bg1"/>
+                  </a:solidFill>
+                </a:rPr>
+                <a:t>NotLoggedChecker</a:t>
+              </a:r>
+              <a:endParaRPr lang="it-IT" dirty="0">
+                <a:solidFill>
+                  <a:schemeClr val="bg1"/>
+                </a:solidFill>
+              </a:endParaRPr>
+            </a:p>
+            <a:p>
+              <a:pPr marL="342900" indent="-342900">
+                <a:buFont typeface="Courier New" panose="02070309020205020404" pitchFamily="49" charset="0"/>
+                <a:buChar char="o"/>
+              </a:pPr>
+              <a:r>
+                <a:rPr lang="it-IT" dirty="0" err="1">
+                  <a:solidFill>
+                    <a:schemeClr val="bg1"/>
+                  </a:solidFill>
+                </a:rPr>
+                <a:t>PlayerChecker</a:t>
+              </a:r>
+              <a:endParaRPr lang="it-IT" dirty="0">
+                <a:solidFill>
+                  <a:schemeClr val="bg1"/>
+                </a:solidFill>
+              </a:endParaRPr>
+            </a:p>
+            <a:p>
+              <a:pPr marL="342900" indent="-342900">
+                <a:buFont typeface="Courier New" panose="02070309020205020404" pitchFamily="49" charset="0"/>
+                <a:buChar char="o"/>
+              </a:pPr>
+              <a:r>
+                <a:rPr lang="it-IT" dirty="0" err="1">
+                  <a:solidFill>
+                    <a:schemeClr val="bg1"/>
+                  </a:solidFill>
+                </a:rPr>
+                <a:t>PlaylistChecker</a:t>
+              </a:r>
+              <a:endParaRPr lang="it-IT" dirty="0">
+                <a:solidFill>
+                  <a:schemeClr val="bg1"/>
+                </a:solidFill>
+              </a:endParaRPr>
+            </a:p>
+          </p:txBody>
+        </p:sp>
+        <p:sp>
+          <p:nvSpPr>
+            <p:cNvPr id="7" name="CasellaDiTesto 6">
+              <a:extLst>
+                <a:ext uri="{FF2B5EF4-FFF2-40B4-BE49-F238E27FC236}">
+                  <a16:creationId xmlns:a16="http://schemas.microsoft.com/office/drawing/2014/main" id="{0F5B22C6-2505-60E2-AF99-7ACEE4CBC6B4}"/>
+                </a:ext>
+              </a:extLst>
+            </p:cNvPr>
+            <p:cNvSpPr txBox="1"/>
+            <p:nvPr/>
+          </p:nvSpPr>
+          <p:spPr>
+            <a:xfrm>
+              <a:off x="6189784" y="3678296"/>
+              <a:ext cx="2492619" cy="1015663"/>
+            </a:xfrm>
+            <a:prstGeom prst="rect">
+              <a:avLst/>
+            </a:prstGeom>
+            <a:noFill/>
+          </p:spPr>
+          <p:txBody>
+            <a:bodyPr wrap="square" rtlCol="0">
+              <a:spAutoFit/>
+            </a:bodyPr>
+            <a:lstStyle/>
+            <a:p>
+              <a:r>
+                <a:rPr lang="it-IT" sz="2400" b="1" dirty="0">
+                  <a:solidFill>
+                    <a:srgbClr val="1ED760"/>
+                  </a:solidFill>
+                </a:rPr>
+                <a:t>UTILS:</a:t>
+              </a:r>
+            </a:p>
+            <a:p>
+              <a:pPr marL="285750" indent="-285750">
+                <a:buFont typeface="Courier New" panose="02070309020205020404" pitchFamily="49" charset="0"/>
+                <a:buChar char="o"/>
+              </a:pPr>
+              <a:r>
+                <a:rPr lang="it-IT" dirty="0" err="1">
+                  <a:solidFill>
+                    <a:schemeClr val="bg1"/>
+                  </a:solidFill>
+                </a:rPr>
+                <a:t>ConnectionHandler</a:t>
+              </a:r>
+              <a:endParaRPr lang="it-IT" dirty="0">
+                <a:solidFill>
+                  <a:schemeClr val="bg1"/>
+                </a:solidFill>
+              </a:endParaRPr>
+            </a:p>
+            <a:p>
+              <a:pPr marL="285750" indent="-285750">
+                <a:buFont typeface="Courier New" panose="02070309020205020404" pitchFamily="49" charset="0"/>
+                <a:buChar char="o"/>
+              </a:pPr>
+              <a:r>
+                <a:rPr lang="it-IT" dirty="0" err="1">
+                  <a:solidFill>
+                    <a:schemeClr val="bg1"/>
+                  </a:solidFill>
+                </a:rPr>
+                <a:t>TemplateHandler</a:t>
+              </a:r>
+              <a:endParaRPr lang="it-IT" dirty="0">
+                <a:solidFill>
+                  <a:schemeClr val="bg1"/>
+                </a:solidFill>
+              </a:endParaRPr>
+            </a:p>
+          </p:txBody>
+        </p:sp>
+      </p:grpSp>
+    </p:spTree>
+    <p:extLst>
+      <p:ext uri="{BB962C8B-B14F-4D97-AF65-F5344CB8AC3E}">
+        <p14:creationId xmlns:p14="http://schemas.microsoft.com/office/powerpoint/2010/main" val="1777149240"/>
+      </p:ext>
+    </p:extLst>
+  </p:cSld>
+  <p:clrMapOvr>
+    <a:masterClrMapping/>
+  </p:clrMapOvr>
+</p:sld>
+</file>
+
+<file path=ppt/slides/slide11.xml><?xml version="1.0" encoding="utf-8"?>
+<p:sld xmlns:a="http://schemas.openxmlformats.org/drawingml/2006/main" xmlns:r="http://schemas.openxmlformats.org/officeDocument/2006/relationships" xmlns:p="http://schemas.openxmlformats.org/presentationml/2006/main">
+  <p:cSld>
+    <p:spTree>
+      <p:nvGrpSpPr>
+        <p:cNvPr id="1" name=""/>
+        <p:cNvGrpSpPr/>
+        <p:nvPr/>
+      </p:nvGrpSpPr>
+      <p:grpSpPr>
+        <a:xfrm>
+          <a:off x="0" y="0"/>
+          <a:ext cx="0" cy="0"/>
+          <a:chOff x="0" y="0"/>
+          <a:chExt cx="0" cy="0"/>
+        </a:xfrm>
+      </p:grpSpPr>
+      <p:sp>
+        <p:nvSpPr>
+          <p:cNvPr id="2" name="Titolo 1">
+            <a:extLst>
+              <a:ext uri="{FF2B5EF4-FFF2-40B4-BE49-F238E27FC236}">
+                <a16:creationId xmlns:a16="http://schemas.microsoft.com/office/drawing/2014/main" id="{0CEB3EC8-2CE1-4BCD-2281-1FED366F1D07}"/>
+              </a:ext>
+            </a:extLst>
+          </p:cNvPr>
+          <p:cNvSpPr>
+            <a:spLocks noGrp="1"/>
+          </p:cNvSpPr>
+          <p:nvPr>
+            <p:ph type="title"/>
+          </p:nvPr>
+        </p:nvSpPr>
+        <p:spPr>
+          <a:xfrm>
+            <a:off x="838200" y="2766218"/>
+            <a:ext cx="10515600" cy="1325563"/>
+          </a:xfrm>
+        </p:spPr>
+        <p:txBody>
+          <a:bodyPr/>
+          <a:lstStyle/>
+          <a:p>
+            <a:pPr algn="ctr"/>
+            <a:r>
+              <a:rPr lang="it-IT" b="1" dirty="0">
+                <a:solidFill>
+                  <a:schemeClr val="bg1"/>
+                </a:solidFill>
+              </a:rPr>
+              <a:t>SEQUENCE DIAGRAM</a:t>
+            </a:r>
+          </a:p>
+        </p:txBody>
+      </p:sp>
+    </p:spTree>
+    <p:extLst>
+      <p:ext uri="{BB962C8B-B14F-4D97-AF65-F5344CB8AC3E}">
+        <p14:creationId xmlns:p14="http://schemas.microsoft.com/office/powerpoint/2010/main" val="3004417530"/>
+      </p:ext>
+    </p:extLst>
+  </p:cSld>
+  <p:clrMapOvr>
+    <a:masterClrMapping/>
+  </p:clrMapOvr>
+</p:sld>
+</file>
+
+<file path=ppt/slides/slide12.xml><?xml version="1.0" encoding="utf-8"?>
+<p:sld xmlns:a="http://schemas.openxmlformats.org/drawingml/2006/main" xmlns:r="http://schemas.openxmlformats.org/officeDocument/2006/relationships" xmlns:p="http://schemas.openxmlformats.org/presentationml/2006/main">
+  <p:cSld>
+    <p:bg>
+      <p:bgPr>
+        <a:solidFill>
+          <a:schemeClr val="tx1"/>
+        </a:solidFill>
+        <a:effectLst/>
+      </p:bgPr>
+    </p:bg>
+    <p:spTree>
+      <p:nvGrpSpPr>
+        <p:cNvPr id="1" name=""/>
+        <p:cNvGrpSpPr/>
+        <p:nvPr/>
+      </p:nvGrpSpPr>
+      <p:grpSpPr>
+        <a:xfrm>
+          <a:off x="0" y="0"/>
+          <a:ext cx="0" cy="0"/>
+          <a:chOff x="0" y="0"/>
+          <a:chExt cx="0" cy="0"/>
+        </a:xfrm>
+      </p:grpSpPr>
+      <p:sp>
+        <p:nvSpPr>
+          <p:cNvPr id="4" name="Rettangolo 3">
+            <a:extLst>
+              <a:ext uri="{FF2B5EF4-FFF2-40B4-BE49-F238E27FC236}">
+                <a16:creationId xmlns:a16="http://schemas.microsoft.com/office/drawing/2014/main" id="{0587E134-8B94-FD1E-F97A-25B669D4B70D}"/>
+              </a:ext>
+            </a:extLst>
+          </p:cNvPr>
+          <p:cNvSpPr/>
+          <p:nvPr/>
+        </p:nvSpPr>
+        <p:spPr>
+          <a:xfrm>
+            <a:off x="3297848" y="342900"/>
+            <a:ext cx="5596303" cy="6172200"/>
+          </a:xfrm>
+          <a:custGeom>
+            <a:avLst/>
+            <a:gdLst>
+              <a:gd name="connsiteX0" fmla="*/ 0 w 5596303"/>
+              <a:gd name="connsiteY0" fmla="*/ 0 h 6172200"/>
+              <a:gd name="connsiteX1" fmla="*/ 503667 w 5596303"/>
+              <a:gd name="connsiteY1" fmla="*/ 0 h 6172200"/>
+              <a:gd name="connsiteX2" fmla="*/ 895408 w 5596303"/>
+              <a:gd name="connsiteY2" fmla="*/ 0 h 6172200"/>
+              <a:gd name="connsiteX3" fmla="*/ 1566965 w 5596303"/>
+              <a:gd name="connsiteY3" fmla="*/ 0 h 6172200"/>
+              <a:gd name="connsiteX4" fmla="*/ 2070632 w 5596303"/>
+              <a:gd name="connsiteY4" fmla="*/ 0 h 6172200"/>
+              <a:gd name="connsiteX5" fmla="*/ 2574299 w 5596303"/>
+              <a:gd name="connsiteY5" fmla="*/ 0 h 6172200"/>
+              <a:gd name="connsiteX6" fmla="*/ 3245856 w 5596303"/>
+              <a:gd name="connsiteY6" fmla="*/ 0 h 6172200"/>
+              <a:gd name="connsiteX7" fmla="*/ 3693560 w 5596303"/>
+              <a:gd name="connsiteY7" fmla="*/ 0 h 6172200"/>
+              <a:gd name="connsiteX8" fmla="*/ 4365116 w 5596303"/>
+              <a:gd name="connsiteY8" fmla="*/ 0 h 6172200"/>
+              <a:gd name="connsiteX9" fmla="*/ 5036673 w 5596303"/>
+              <a:gd name="connsiteY9" fmla="*/ 0 h 6172200"/>
+              <a:gd name="connsiteX10" fmla="*/ 5596303 w 5596303"/>
+              <a:gd name="connsiteY10" fmla="*/ 0 h 6172200"/>
+              <a:gd name="connsiteX11" fmla="*/ 5596303 w 5596303"/>
+              <a:gd name="connsiteY11" fmla="*/ 684553 h 6172200"/>
+              <a:gd name="connsiteX12" fmla="*/ 5596303 w 5596303"/>
+              <a:gd name="connsiteY12" fmla="*/ 1307384 h 6172200"/>
+              <a:gd name="connsiteX13" fmla="*/ 5596303 w 5596303"/>
+              <a:gd name="connsiteY13" fmla="*/ 1683327 h 6172200"/>
+              <a:gd name="connsiteX14" fmla="*/ 5596303 w 5596303"/>
+              <a:gd name="connsiteY14" fmla="*/ 2244436 h 6172200"/>
+              <a:gd name="connsiteX15" fmla="*/ 5596303 w 5596303"/>
+              <a:gd name="connsiteY15" fmla="*/ 2805545 h 6172200"/>
+              <a:gd name="connsiteX16" fmla="*/ 5596303 w 5596303"/>
+              <a:gd name="connsiteY16" fmla="*/ 3366655 h 6172200"/>
+              <a:gd name="connsiteX17" fmla="*/ 5596303 w 5596303"/>
+              <a:gd name="connsiteY17" fmla="*/ 3989486 h 6172200"/>
+              <a:gd name="connsiteX18" fmla="*/ 5596303 w 5596303"/>
+              <a:gd name="connsiteY18" fmla="*/ 4612317 h 6172200"/>
+              <a:gd name="connsiteX19" fmla="*/ 5596303 w 5596303"/>
+              <a:gd name="connsiteY19" fmla="*/ 5235148 h 6172200"/>
+              <a:gd name="connsiteX20" fmla="*/ 5596303 w 5596303"/>
+              <a:gd name="connsiteY20" fmla="*/ 5611091 h 6172200"/>
+              <a:gd name="connsiteX21" fmla="*/ 5596303 w 5596303"/>
+              <a:gd name="connsiteY21" fmla="*/ 6172200 h 6172200"/>
+              <a:gd name="connsiteX22" fmla="*/ 4980710 w 5596303"/>
+              <a:gd name="connsiteY22" fmla="*/ 6172200 h 6172200"/>
+              <a:gd name="connsiteX23" fmla="*/ 4533005 w 5596303"/>
+              <a:gd name="connsiteY23" fmla="*/ 6172200 h 6172200"/>
+              <a:gd name="connsiteX24" fmla="*/ 3973375 w 5596303"/>
+              <a:gd name="connsiteY24" fmla="*/ 6172200 h 6172200"/>
+              <a:gd name="connsiteX25" fmla="*/ 3581634 w 5596303"/>
+              <a:gd name="connsiteY25" fmla="*/ 6172200 h 6172200"/>
+              <a:gd name="connsiteX26" fmla="*/ 3189893 w 5596303"/>
+              <a:gd name="connsiteY26" fmla="*/ 6172200 h 6172200"/>
+              <a:gd name="connsiteX27" fmla="*/ 2630262 w 5596303"/>
+              <a:gd name="connsiteY27" fmla="*/ 6172200 h 6172200"/>
+              <a:gd name="connsiteX28" fmla="*/ 2182558 w 5596303"/>
+              <a:gd name="connsiteY28" fmla="*/ 6172200 h 6172200"/>
+              <a:gd name="connsiteX29" fmla="*/ 1566965 w 5596303"/>
+              <a:gd name="connsiteY29" fmla="*/ 6172200 h 6172200"/>
+              <a:gd name="connsiteX30" fmla="*/ 1119261 w 5596303"/>
+              <a:gd name="connsiteY30" fmla="*/ 6172200 h 6172200"/>
+              <a:gd name="connsiteX31" fmla="*/ 503667 w 5596303"/>
+              <a:gd name="connsiteY31" fmla="*/ 6172200 h 6172200"/>
+              <a:gd name="connsiteX32" fmla="*/ 0 w 5596303"/>
+              <a:gd name="connsiteY32" fmla="*/ 6172200 h 6172200"/>
+              <a:gd name="connsiteX33" fmla="*/ 0 w 5596303"/>
+              <a:gd name="connsiteY33" fmla="*/ 5549369 h 6172200"/>
+              <a:gd name="connsiteX34" fmla="*/ 0 w 5596303"/>
+              <a:gd name="connsiteY34" fmla="*/ 4926538 h 6172200"/>
+              <a:gd name="connsiteX35" fmla="*/ 0 w 5596303"/>
+              <a:gd name="connsiteY35" fmla="*/ 4241985 h 6172200"/>
+              <a:gd name="connsiteX36" fmla="*/ 0 w 5596303"/>
+              <a:gd name="connsiteY36" fmla="*/ 3742598 h 6172200"/>
+              <a:gd name="connsiteX37" fmla="*/ 0 w 5596303"/>
+              <a:gd name="connsiteY37" fmla="*/ 3058045 h 6172200"/>
+              <a:gd name="connsiteX38" fmla="*/ 0 w 5596303"/>
+              <a:gd name="connsiteY38" fmla="*/ 2620379 h 6172200"/>
+              <a:gd name="connsiteX39" fmla="*/ 0 w 5596303"/>
+              <a:gd name="connsiteY39" fmla="*/ 2244436 h 6172200"/>
+              <a:gd name="connsiteX40" fmla="*/ 0 w 5596303"/>
+              <a:gd name="connsiteY40" fmla="*/ 1868493 h 6172200"/>
+              <a:gd name="connsiteX41" fmla="*/ 0 w 5596303"/>
+              <a:gd name="connsiteY41" fmla="*/ 1245662 h 6172200"/>
+              <a:gd name="connsiteX42" fmla="*/ 0 w 5596303"/>
+              <a:gd name="connsiteY42" fmla="*/ 869719 h 6172200"/>
+              <a:gd name="connsiteX43" fmla="*/ 0 w 5596303"/>
+              <a:gd name="connsiteY43" fmla="*/ 0 h 6172200"/>
+            </a:gdLst>
+            <a:ahLst/>
+            <a:cxnLst>
+              <a:cxn ang="0">
+                <a:pos x="connsiteX0" y="connsiteY0"/>
+              </a:cxn>
+              <a:cxn ang="0">
+                <a:pos x="connsiteX1" y="connsiteY1"/>
+              </a:cxn>
+              <a:cxn ang="0">
+                <a:pos x="connsiteX2" y="connsiteY2"/>
+              </a:cxn>
+              <a:cxn ang="0">
+                <a:pos x="connsiteX3" y="connsiteY3"/>
+              </a:cxn>
+              <a:cxn ang="0">
+                <a:pos x="connsiteX4" y="connsiteY4"/>
+              </a:cxn>
+              <a:cxn ang="0">
+                <a:pos x="connsiteX5" y="connsiteY5"/>
+              </a:cxn>
+              <a:cxn ang="0">
+                <a:pos x="connsiteX6" y="connsiteY6"/>
+              </a:cxn>
+              <a:cxn ang="0">
+                <a:pos x="connsiteX7" y="connsiteY7"/>
+              </a:cxn>
+              <a:cxn ang="0">
+                <a:pos x="connsiteX8" y="connsiteY8"/>
+              </a:cxn>
+              <a:cxn ang="0">
+                <a:pos x="connsiteX9" y="connsiteY9"/>
+              </a:cxn>
+              <a:cxn ang="0">
+                <a:pos x="connsiteX10" y="connsiteY10"/>
+              </a:cxn>
+              <a:cxn ang="0">
+                <a:pos x="connsiteX11" y="connsiteY11"/>
+              </a:cxn>
+              <a:cxn ang="0">
+                <a:pos x="connsiteX12" y="connsiteY12"/>
+              </a:cxn>
+              <a:cxn ang="0">
+                <a:pos x="connsiteX13" y="connsiteY13"/>
+              </a:cxn>
+              <a:cxn ang="0">
+                <a:pos x="connsiteX14" y="connsiteY14"/>
+              </a:cxn>
+              <a:cxn ang="0">
+                <a:pos x="connsiteX15" y="connsiteY15"/>
+              </a:cxn>
+              <a:cxn ang="0">
+                <a:pos x="connsiteX16" y="connsiteY16"/>
+              </a:cxn>
+              <a:cxn ang="0">
+                <a:pos x="connsiteX17" y="connsiteY17"/>
+              </a:cxn>
+              <a:cxn ang="0">
+                <a:pos x="connsiteX18" y="connsiteY18"/>
+              </a:cxn>
+              <a:cxn ang="0">
+                <a:pos x="connsiteX19" y="connsiteY19"/>
+              </a:cxn>
+              <a:cxn ang="0">
+                <a:pos x="connsiteX20" y="connsiteY20"/>
+              </a:cxn>
+              <a:cxn ang="0">
+                <a:pos x="connsiteX21" y="connsiteY21"/>
+              </a:cxn>
+              <a:cxn ang="0">
+                <a:pos x="connsiteX22" y="connsiteY22"/>
+              </a:cxn>
+              <a:cxn ang="0">
+                <a:pos x="connsiteX23" y="connsiteY23"/>
+              </a:cxn>
+              <a:cxn ang="0">
+                <a:pos x="connsiteX24" y="connsiteY24"/>
+              </a:cxn>
+              <a:cxn ang="0">
+                <a:pos x="connsiteX25" y="connsiteY25"/>
+              </a:cxn>
+              <a:cxn ang="0">
+                <a:pos x="connsiteX26" y="connsiteY26"/>
+              </a:cxn>
+              <a:cxn ang="0">
+                <a:pos x="connsiteX27" y="connsiteY27"/>
+              </a:cxn>
+              <a:cxn ang="0">
+                <a:pos x="connsiteX28" y="connsiteY28"/>
+              </a:cxn>
+              <a:cxn ang="0">
+                <a:pos x="connsiteX29" y="connsiteY29"/>
+              </a:cxn>
+              <a:cxn ang="0">
+                <a:pos x="connsiteX30" y="connsiteY30"/>
+              </a:cxn>
+              <a:cxn ang="0">
+                <a:pos x="connsiteX31" y="connsiteY31"/>
+              </a:cxn>
+              <a:cxn ang="0">
+                <a:pos x="connsiteX32" y="connsiteY32"/>
+              </a:cxn>
+              <a:cxn ang="0">
+                <a:pos x="connsiteX33" y="connsiteY33"/>
+              </a:cxn>
+              <a:cxn ang="0">
+                <a:pos x="connsiteX34" y="connsiteY34"/>
+              </a:cxn>
+              <a:cxn ang="0">
+                <a:pos x="connsiteX35" y="connsiteY35"/>
+              </a:cxn>
+              <a:cxn ang="0">
+                <a:pos x="connsiteX36" y="connsiteY36"/>
+              </a:cxn>
+              <a:cxn ang="0">
+                <a:pos x="connsiteX37" y="connsiteY37"/>
+              </a:cxn>
+              <a:cxn ang="0">
+                <a:pos x="connsiteX38" y="connsiteY38"/>
+              </a:cxn>
+              <a:cxn ang="0">
+                <a:pos x="connsiteX39" y="connsiteY39"/>
+              </a:cxn>
+              <a:cxn ang="0">
+                <a:pos x="connsiteX40" y="connsiteY40"/>
+              </a:cxn>
+              <a:cxn ang="0">
+                <a:pos x="connsiteX41" y="connsiteY41"/>
+              </a:cxn>
+              <a:cxn ang="0">
+                <a:pos x="connsiteX42" y="connsiteY42"/>
+              </a:cxn>
+              <a:cxn ang="0">
+                <a:pos x="connsiteX43" y="connsiteY43"/>
+              </a:cxn>
+            </a:cxnLst>
+            <a:rect l="l" t="t" r="r" b="b"/>
+            <a:pathLst>
+              <a:path w="5596303" h="6172200" extrusionOk="0">
+                <a:moveTo>
+                  <a:pt x="0" y="0"/>
+                </a:moveTo>
+                <a:cubicBezTo>
+                  <a:pt x="207596" y="-38152"/>
+                  <a:pt x="305065" y="17182"/>
+                  <a:pt x="503667" y="0"/>
+                </a:cubicBezTo>
+                <a:cubicBezTo>
+                  <a:pt x="702269" y="-17182"/>
+                  <a:pt x="816005" y="20624"/>
+                  <a:pt x="895408" y="0"/>
+                </a:cubicBezTo>
+                <a:cubicBezTo>
+                  <a:pt x="974811" y="-20624"/>
+                  <a:pt x="1393431" y="78612"/>
+                  <a:pt x="1566965" y="0"/>
+                </a:cubicBezTo>
+                <a:cubicBezTo>
+                  <a:pt x="1740499" y="-78612"/>
+                  <a:pt x="1890248" y="52366"/>
+                  <a:pt x="2070632" y="0"/>
+                </a:cubicBezTo>
+                <a:cubicBezTo>
+                  <a:pt x="2251016" y="-52366"/>
+                  <a:pt x="2407651" y="42119"/>
+                  <a:pt x="2574299" y="0"/>
+                </a:cubicBezTo>
+                <a:cubicBezTo>
+                  <a:pt x="2740947" y="-42119"/>
+                  <a:pt x="3024878" y="77054"/>
+                  <a:pt x="3245856" y="0"/>
+                </a:cubicBezTo>
+                <a:cubicBezTo>
+                  <a:pt x="3466834" y="-77054"/>
+                  <a:pt x="3530119" y="9115"/>
+                  <a:pt x="3693560" y="0"/>
+                </a:cubicBezTo>
+                <a:cubicBezTo>
+                  <a:pt x="3857001" y="-9115"/>
+                  <a:pt x="4155897" y="47166"/>
+                  <a:pt x="4365116" y="0"/>
+                </a:cubicBezTo>
+                <a:cubicBezTo>
+                  <a:pt x="4574335" y="-47166"/>
+                  <a:pt x="4861215" y="43056"/>
+                  <a:pt x="5036673" y="0"/>
+                </a:cubicBezTo>
+                <a:cubicBezTo>
+                  <a:pt x="5212131" y="-43056"/>
+                  <a:pt x="5387088" y="23271"/>
+                  <a:pt x="5596303" y="0"/>
+                </a:cubicBezTo>
+                <a:cubicBezTo>
+                  <a:pt x="5650693" y="186262"/>
+                  <a:pt x="5539700" y="533819"/>
+                  <a:pt x="5596303" y="684553"/>
+                </a:cubicBezTo>
+                <a:cubicBezTo>
+                  <a:pt x="5652906" y="835287"/>
+                  <a:pt x="5578086" y="1119406"/>
+                  <a:pt x="5596303" y="1307384"/>
+                </a:cubicBezTo>
+                <a:cubicBezTo>
+                  <a:pt x="5614520" y="1495362"/>
+                  <a:pt x="5563588" y="1496888"/>
+                  <a:pt x="5596303" y="1683327"/>
+                </a:cubicBezTo>
+                <a:cubicBezTo>
+                  <a:pt x="5629018" y="1869766"/>
+                  <a:pt x="5573857" y="2012325"/>
+                  <a:pt x="5596303" y="2244436"/>
+                </a:cubicBezTo>
+                <a:cubicBezTo>
+                  <a:pt x="5618749" y="2476547"/>
+                  <a:pt x="5588719" y="2567849"/>
+                  <a:pt x="5596303" y="2805545"/>
+                </a:cubicBezTo>
+                <a:cubicBezTo>
+                  <a:pt x="5603887" y="3043241"/>
+                  <a:pt x="5546264" y="3116421"/>
+                  <a:pt x="5596303" y="3366655"/>
+                </a:cubicBezTo>
+                <a:cubicBezTo>
+                  <a:pt x="5646342" y="3616889"/>
+                  <a:pt x="5547882" y="3838370"/>
+                  <a:pt x="5596303" y="3989486"/>
+                </a:cubicBezTo>
+                <a:cubicBezTo>
+                  <a:pt x="5644724" y="4140602"/>
+                  <a:pt x="5531605" y="4368482"/>
+                  <a:pt x="5596303" y="4612317"/>
+                </a:cubicBezTo>
+                <a:cubicBezTo>
+                  <a:pt x="5661001" y="4856152"/>
+                  <a:pt x="5531757" y="5059850"/>
+                  <a:pt x="5596303" y="5235148"/>
+                </a:cubicBezTo>
+                <a:cubicBezTo>
+                  <a:pt x="5660849" y="5410446"/>
+                  <a:pt x="5574453" y="5493311"/>
+                  <a:pt x="5596303" y="5611091"/>
+                </a:cubicBezTo>
+                <a:cubicBezTo>
+                  <a:pt x="5618153" y="5728871"/>
+                  <a:pt x="5540108" y="5957201"/>
+                  <a:pt x="5596303" y="6172200"/>
+                </a:cubicBezTo>
+                <a:cubicBezTo>
+                  <a:pt x="5322678" y="6232217"/>
+                  <a:pt x="5175232" y="6158883"/>
+                  <a:pt x="4980710" y="6172200"/>
+                </a:cubicBezTo>
+                <a:cubicBezTo>
+                  <a:pt x="4786188" y="6185517"/>
+                  <a:pt x="4745606" y="6136022"/>
+                  <a:pt x="4533005" y="6172200"/>
+                </a:cubicBezTo>
+                <a:cubicBezTo>
+                  <a:pt x="4320404" y="6208378"/>
+                  <a:pt x="4157816" y="6107836"/>
+                  <a:pt x="3973375" y="6172200"/>
+                </a:cubicBezTo>
+                <a:cubicBezTo>
+                  <a:pt x="3788934" y="6236564"/>
+                  <a:pt x="3714033" y="6128893"/>
+                  <a:pt x="3581634" y="6172200"/>
+                </a:cubicBezTo>
+                <a:cubicBezTo>
+                  <a:pt x="3449235" y="6215507"/>
+                  <a:pt x="3349745" y="6127740"/>
+                  <a:pt x="3189893" y="6172200"/>
+                </a:cubicBezTo>
+                <a:cubicBezTo>
+                  <a:pt x="3030041" y="6216660"/>
+                  <a:pt x="2746333" y="6111595"/>
+                  <a:pt x="2630262" y="6172200"/>
+                </a:cubicBezTo>
+                <a:cubicBezTo>
+                  <a:pt x="2514191" y="6232805"/>
+                  <a:pt x="2389735" y="6128158"/>
+                  <a:pt x="2182558" y="6172200"/>
+                </a:cubicBezTo>
+                <a:cubicBezTo>
+                  <a:pt x="1975381" y="6216242"/>
+                  <a:pt x="1791225" y="6129849"/>
+                  <a:pt x="1566965" y="6172200"/>
+                </a:cubicBezTo>
+                <a:cubicBezTo>
+                  <a:pt x="1342705" y="6214551"/>
+                  <a:pt x="1276254" y="6166647"/>
+                  <a:pt x="1119261" y="6172200"/>
+                </a:cubicBezTo>
+                <a:cubicBezTo>
+                  <a:pt x="962268" y="6177753"/>
+                  <a:pt x="655795" y="6133418"/>
+                  <a:pt x="503667" y="6172200"/>
+                </a:cubicBezTo>
+                <a:cubicBezTo>
+                  <a:pt x="351539" y="6210982"/>
+                  <a:pt x="117023" y="6147242"/>
+                  <a:pt x="0" y="6172200"/>
+                </a:cubicBezTo>
+                <a:cubicBezTo>
+                  <a:pt x="-35739" y="5986930"/>
+                  <a:pt x="53014" y="5730511"/>
+                  <a:pt x="0" y="5549369"/>
+                </a:cubicBezTo>
+                <a:cubicBezTo>
+                  <a:pt x="-53014" y="5368227"/>
+                  <a:pt x="35416" y="5129808"/>
+                  <a:pt x="0" y="4926538"/>
+                </a:cubicBezTo>
+                <a:cubicBezTo>
+                  <a:pt x="-35416" y="4723268"/>
+                  <a:pt x="54809" y="4407616"/>
+                  <a:pt x="0" y="4241985"/>
+                </a:cubicBezTo>
+                <a:cubicBezTo>
+                  <a:pt x="-54809" y="4076354"/>
+                  <a:pt x="49032" y="3989416"/>
+                  <a:pt x="0" y="3742598"/>
+                </a:cubicBezTo>
+                <a:cubicBezTo>
+                  <a:pt x="-49032" y="3495780"/>
+                  <a:pt x="80100" y="3261033"/>
+                  <a:pt x="0" y="3058045"/>
+                </a:cubicBezTo>
+                <a:cubicBezTo>
+                  <a:pt x="-80100" y="2855057"/>
+                  <a:pt x="10705" y="2820740"/>
+                  <a:pt x="0" y="2620379"/>
+                </a:cubicBezTo>
+                <a:cubicBezTo>
+                  <a:pt x="-10705" y="2420018"/>
+                  <a:pt x="39369" y="2427241"/>
+                  <a:pt x="0" y="2244436"/>
+                </a:cubicBezTo>
+                <a:cubicBezTo>
+                  <a:pt x="-39369" y="2061631"/>
+                  <a:pt x="42378" y="1958353"/>
+                  <a:pt x="0" y="1868493"/>
+                </a:cubicBezTo>
+                <a:cubicBezTo>
+                  <a:pt x="-42378" y="1778633"/>
+                  <a:pt x="55226" y="1383133"/>
+                  <a:pt x="0" y="1245662"/>
+                </a:cubicBezTo>
+                <a:cubicBezTo>
+                  <a:pt x="-55226" y="1108191"/>
+                  <a:pt x="42117" y="998153"/>
+                  <a:pt x="0" y="869719"/>
+                </a:cubicBezTo>
+                <a:cubicBezTo>
+                  <a:pt x="-42117" y="741285"/>
+                  <a:pt x="26812" y="367943"/>
+                  <a:pt x="0" y="0"/>
+                </a:cubicBezTo>
+                <a:close/>
+              </a:path>
+            </a:pathLst>
+          </a:custGeom>
+          <a:noFill/>
+          <a:ln w="38100" cap="flat" cmpd="thickThin">
+            <a:solidFill>
+              <a:srgbClr val="1DB954"/>
+            </a:solidFill>
+            <a:prstDash val="solid"/>
+            <a:bevel/>
+            <a:extLst>
+              <a:ext uri="{C807C97D-BFC1-408E-A445-0C87EB9F89A2}">
+                <ask:lineSketchStyleProps xmlns:ask="http://schemas.microsoft.com/office/drawing/2018/sketchyshapes" sd="1219033472">
+                  <a:prstGeom prst="rect">
+                    <a:avLst/>
+                  </a:prstGeom>
+                  <ask:type>
+                    <ask:lineSketchScribble/>
+                  </ask:type>
+                </ask:lineSketchStyleProps>
+              </a:ext>
+            </a:extLst>
+          </a:ln>
+        </p:spPr>
+        <p:style>
+          <a:lnRef idx="2">
+            <a:schemeClr val="accent1">
+              <a:shade val="50000"/>
+            </a:schemeClr>
+          </a:lnRef>
+          <a:fillRef idx="1">
+            <a:schemeClr val="accent1"/>
+          </a:fillRef>
+          <a:effectRef idx="0">
+            <a:schemeClr val="accent1"/>
+          </a:effectRef>
+          <a:fontRef idx="minor">
+            <a:schemeClr val="lt1"/>
+          </a:fontRef>
+        </p:style>
+        <p:txBody>
+          <a:bodyPr rtlCol="0" anchor="ctr"/>
+          <a:lstStyle/>
+          <a:p>
+            <a:pPr algn="ctr"/>
+            <a:endParaRPr lang="it-IT"/>
+          </a:p>
+        </p:txBody>
+      </p:sp>
+      <p:pic>
+        <p:nvPicPr>
+          <p:cNvPr id="3" name="Immagine 2" descr="Immagine che contiene testo, diagramma, Parallelo, Disegno tecnico&#10;&#10;Descrizione generata automaticamente">
+            <a:extLst>
+              <a:ext uri="{FF2B5EF4-FFF2-40B4-BE49-F238E27FC236}">
+                <a16:creationId xmlns:a16="http://schemas.microsoft.com/office/drawing/2014/main" id="{E4BD2F15-9B3E-6C9E-AA4E-E78772F11A80}"/>
+              </a:ext>
+            </a:extLst>
+          </p:cNvPr>
+          <p:cNvPicPr>
+            <a:picLocks noChangeAspect="1"/>
+          </p:cNvPicPr>
+          <p:nvPr/>
+        </p:nvPicPr>
+        <p:blipFill>
+          <a:blip r:embed="rId2">
+            <a:extLst>
+              <a:ext uri="{28A0092B-C50C-407E-A947-70E740481C1C}">
+                <a14:useLocalDpi xmlns:a14="http://schemas.microsoft.com/office/drawing/2010/main" val="0"/>
+              </a:ext>
+            </a:extLst>
+          </a:blip>
+          <a:stretch>
+            <a:fillRect/>
+          </a:stretch>
+        </p:blipFill>
+        <p:spPr>
+          <a:xfrm>
+            <a:off x="3533309" y="643466"/>
+            <a:ext cx="5125380" cy="5571067"/>
+          </a:xfrm>
+          <a:prstGeom prst="rect">
+            <a:avLst/>
+          </a:prstGeom>
+        </p:spPr>
+      </p:pic>
+    </p:spTree>
+    <p:extLst>
+      <p:ext uri="{BB962C8B-B14F-4D97-AF65-F5344CB8AC3E}">
+        <p14:creationId xmlns:p14="http://schemas.microsoft.com/office/powerpoint/2010/main" val="3863709178"/>
+      </p:ext>
+    </p:extLst>
+  </p:cSld>
+  <p:clrMapOvr>
+    <a:masterClrMapping/>
+  </p:clrMapOvr>
+</p:sld>
+</file>
+
+<file path=ppt/slides/slide13.xml><?xml version="1.0" encoding="utf-8"?>
+<p:sld xmlns:a="http://schemas.openxmlformats.org/drawingml/2006/main" xmlns:r="http://schemas.openxmlformats.org/officeDocument/2006/relationships" xmlns:p="http://schemas.openxmlformats.org/presentationml/2006/main">
+  <p:cSld>
+    <p:bg>
+      <p:bgPr>
+        <a:solidFill>
+          <a:schemeClr val="tx1"/>
+        </a:solidFill>
+        <a:effectLst/>
+      </p:bgPr>
+    </p:bg>
+    <p:spTree>
+      <p:nvGrpSpPr>
+        <p:cNvPr id="1" name=""/>
+        <p:cNvGrpSpPr/>
+        <p:nvPr/>
+      </p:nvGrpSpPr>
+      <p:grpSpPr>
+        <a:xfrm>
+          <a:off x="0" y="0"/>
+          <a:ext cx="0" cy="0"/>
+          <a:chOff x="0" y="0"/>
+          <a:chExt cx="0" cy="0"/>
+        </a:xfrm>
+      </p:grpSpPr>
+      <p:sp>
+        <p:nvSpPr>
+          <p:cNvPr id="4" name="Rettangolo 3">
+            <a:extLst>
+              <a:ext uri="{FF2B5EF4-FFF2-40B4-BE49-F238E27FC236}">
+                <a16:creationId xmlns:a16="http://schemas.microsoft.com/office/drawing/2014/main" id="{0587E134-8B94-FD1E-F97A-25B669D4B70D}"/>
+              </a:ext>
+            </a:extLst>
+          </p:cNvPr>
+          <p:cNvSpPr/>
+          <p:nvPr/>
+        </p:nvSpPr>
+        <p:spPr>
+          <a:xfrm>
+            <a:off x="3297848" y="342900"/>
+            <a:ext cx="5596303" cy="6172200"/>
+          </a:xfrm>
+          <a:custGeom>
+            <a:avLst/>
+            <a:gdLst>
+              <a:gd name="connsiteX0" fmla="*/ 0 w 5596303"/>
+              <a:gd name="connsiteY0" fmla="*/ 0 h 6172200"/>
+              <a:gd name="connsiteX1" fmla="*/ 503667 w 5596303"/>
+              <a:gd name="connsiteY1" fmla="*/ 0 h 6172200"/>
+              <a:gd name="connsiteX2" fmla="*/ 895408 w 5596303"/>
+              <a:gd name="connsiteY2" fmla="*/ 0 h 6172200"/>
+              <a:gd name="connsiteX3" fmla="*/ 1566965 w 5596303"/>
+              <a:gd name="connsiteY3" fmla="*/ 0 h 6172200"/>
+              <a:gd name="connsiteX4" fmla="*/ 2070632 w 5596303"/>
+              <a:gd name="connsiteY4" fmla="*/ 0 h 6172200"/>
+              <a:gd name="connsiteX5" fmla="*/ 2574299 w 5596303"/>
+              <a:gd name="connsiteY5" fmla="*/ 0 h 6172200"/>
+              <a:gd name="connsiteX6" fmla="*/ 3245856 w 5596303"/>
+              <a:gd name="connsiteY6" fmla="*/ 0 h 6172200"/>
+              <a:gd name="connsiteX7" fmla="*/ 3693560 w 5596303"/>
+              <a:gd name="connsiteY7" fmla="*/ 0 h 6172200"/>
+              <a:gd name="connsiteX8" fmla="*/ 4365116 w 5596303"/>
+              <a:gd name="connsiteY8" fmla="*/ 0 h 6172200"/>
+              <a:gd name="connsiteX9" fmla="*/ 5036673 w 5596303"/>
+              <a:gd name="connsiteY9" fmla="*/ 0 h 6172200"/>
+              <a:gd name="connsiteX10" fmla="*/ 5596303 w 5596303"/>
+              <a:gd name="connsiteY10" fmla="*/ 0 h 6172200"/>
+              <a:gd name="connsiteX11" fmla="*/ 5596303 w 5596303"/>
+              <a:gd name="connsiteY11" fmla="*/ 684553 h 6172200"/>
+              <a:gd name="connsiteX12" fmla="*/ 5596303 w 5596303"/>
+              <a:gd name="connsiteY12" fmla="*/ 1307384 h 6172200"/>
+              <a:gd name="connsiteX13" fmla="*/ 5596303 w 5596303"/>
+              <a:gd name="connsiteY13" fmla="*/ 1683327 h 6172200"/>
+              <a:gd name="connsiteX14" fmla="*/ 5596303 w 5596303"/>
+              <a:gd name="connsiteY14" fmla="*/ 2244436 h 6172200"/>
+              <a:gd name="connsiteX15" fmla="*/ 5596303 w 5596303"/>
+              <a:gd name="connsiteY15" fmla="*/ 2805545 h 6172200"/>
+              <a:gd name="connsiteX16" fmla="*/ 5596303 w 5596303"/>
+              <a:gd name="connsiteY16" fmla="*/ 3366655 h 6172200"/>
+              <a:gd name="connsiteX17" fmla="*/ 5596303 w 5596303"/>
+              <a:gd name="connsiteY17" fmla="*/ 3989486 h 6172200"/>
+              <a:gd name="connsiteX18" fmla="*/ 5596303 w 5596303"/>
+              <a:gd name="connsiteY18" fmla="*/ 4612317 h 6172200"/>
+              <a:gd name="connsiteX19" fmla="*/ 5596303 w 5596303"/>
+              <a:gd name="connsiteY19" fmla="*/ 5235148 h 6172200"/>
+              <a:gd name="connsiteX20" fmla="*/ 5596303 w 5596303"/>
+              <a:gd name="connsiteY20" fmla="*/ 5611091 h 6172200"/>
+              <a:gd name="connsiteX21" fmla="*/ 5596303 w 5596303"/>
+              <a:gd name="connsiteY21" fmla="*/ 6172200 h 6172200"/>
+              <a:gd name="connsiteX22" fmla="*/ 4980710 w 5596303"/>
+              <a:gd name="connsiteY22" fmla="*/ 6172200 h 6172200"/>
+              <a:gd name="connsiteX23" fmla="*/ 4533005 w 5596303"/>
+              <a:gd name="connsiteY23" fmla="*/ 6172200 h 6172200"/>
+              <a:gd name="connsiteX24" fmla="*/ 3973375 w 5596303"/>
+              <a:gd name="connsiteY24" fmla="*/ 6172200 h 6172200"/>
+              <a:gd name="connsiteX25" fmla="*/ 3581634 w 5596303"/>
+              <a:gd name="connsiteY25" fmla="*/ 6172200 h 6172200"/>
+              <a:gd name="connsiteX26" fmla="*/ 3189893 w 5596303"/>
+              <a:gd name="connsiteY26" fmla="*/ 6172200 h 6172200"/>
+              <a:gd name="connsiteX27" fmla="*/ 2630262 w 5596303"/>
+              <a:gd name="connsiteY27" fmla="*/ 6172200 h 6172200"/>
+              <a:gd name="connsiteX28" fmla="*/ 2182558 w 5596303"/>
+              <a:gd name="connsiteY28" fmla="*/ 6172200 h 6172200"/>
+              <a:gd name="connsiteX29" fmla="*/ 1566965 w 5596303"/>
+              <a:gd name="connsiteY29" fmla="*/ 6172200 h 6172200"/>
+              <a:gd name="connsiteX30" fmla="*/ 1119261 w 5596303"/>
+              <a:gd name="connsiteY30" fmla="*/ 6172200 h 6172200"/>
+              <a:gd name="connsiteX31" fmla="*/ 503667 w 5596303"/>
+              <a:gd name="connsiteY31" fmla="*/ 6172200 h 6172200"/>
+              <a:gd name="connsiteX32" fmla="*/ 0 w 5596303"/>
+              <a:gd name="connsiteY32" fmla="*/ 6172200 h 6172200"/>
+              <a:gd name="connsiteX33" fmla="*/ 0 w 5596303"/>
+              <a:gd name="connsiteY33" fmla="*/ 5549369 h 6172200"/>
+              <a:gd name="connsiteX34" fmla="*/ 0 w 5596303"/>
+              <a:gd name="connsiteY34" fmla="*/ 4926538 h 6172200"/>
+              <a:gd name="connsiteX35" fmla="*/ 0 w 5596303"/>
+              <a:gd name="connsiteY35" fmla="*/ 4241985 h 6172200"/>
+              <a:gd name="connsiteX36" fmla="*/ 0 w 5596303"/>
+              <a:gd name="connsiteY36" fmla="*/ 3742598 h 6172200"/>
+              <a:gd name="connsiteX37" fmla="*/ 0 w 5596303"/>
+              <a:gd name="connsiteY37" fmla="*/ 3058045 h 6172200"/>
+              <a:gd name="connsiteX38" fmla="*/ 0 w 5596303"/>
+              <a:gd name="connsiteY38" fmla="*/ 2620379 h 6172200"/>
+              <a:gd name="connsiteX39" fmla="*/ 0 w 5596303"/>
+              <a:gd name="connsiteY39" fmla="*/ 2244436 h 6172200"/>
+              <a:gd name="connsiteX40" fmla="*/ 0 w 5596303"/>
+              <a:gd name="connsiteY40" fmla="*/ 1868493 h 6172200"/>
+              <a:gd name="connsiteX41" fmla="*/ 0 w 5596303"/>
+              <a:gd name="connsiteY41" fmla="*/ 1245662 h 6172200"/>
+              <a:gd name="connsiteX42" fmla="*/ 0 w 5596303"/>
+              <a:gd name="connsiteY42" fmla="*/ 869719 h 6172200"/>
+              <a:gd name="connsiteX43" fmla="*/ 0 w 5596303"/>
+              <a:gd name="connsiteY43" fmla="*/ 0 h 6172200"/>
+            </a:gdLst>
+            <a:ahLst/>
+            <a:cxnLst>
+              <a:cxn ang="0">
+                <a:pos x="connsiteX0" y="connsiteY0"/>
+              </a:cxn>
+              <a:cxn ang="0">
+                <a:pos x="connsiteX1" y="connsiteY1"/>
+              </a:cxn>
+              <a:cxn ang="0">
+                <a:pos x="connsiteX2" y="connsiteY2"/>
+              </a:cxn>
+              <a:cxn ang="0">
+                <a:pos x="connsiteX3" y="connsiteY3"/>
+              </a:cxn>
+              <a:cxn ang="0">
+                <a:pos x="connsiteX4" y="connsiteY4"/>
+              </a:cxn>
+              <a:cxn ang="0">
+                <a:pos x="connsiteX5" y="connsiteY5"/>
+              </a:cxn>
+              <a:cxn ang="0">
+                <a:pos x="connsiteX6" y="connsiteY6"/>
+              </a:cxn>
+              <a:cxn ang="0">
+                <a:pos x="connsiteX7" y="connsiteY7"/>
+              </a:cxn>
+              <a:cxn ang="0">
+                <a:pos x="connsiteX8" y="connsiteY8"/>
+              </a:cxn>
+              <a:cxn ang="0">
+                <a:pos x="connsiteX9" y="connsiteY9"/>
+              </a:cxn>
+              <a:cxn ang="0">
+                <a:pos x="connsiteX10" y="connsiteY10"/>
+              </a:cxn>
+              <a:cxn ang="0">
+                <a:pos x="connsiteX11" y="connsiteY11"/>
+              </a:cxn>
+              <a:cxn ang="0">
+                <a:pos x="connsiteX12" y="connsiteY12"/>
+              </a:cxn>
+              <a:cxn ang="0">
+                <a:pos x="connsiteX13" y="connsiteY13"/>
+              </a:cxn>
+              <a:cxn ang="0">
+                <a:pos x="connsiteX14" y="connsiteY14"/>
+              </a:cxn>
+              <a:cxn ang="0">
+                <a:pos x="connsiteX15" y="connsiteY15"/>
+              </a:cxn>
+              <a:cxn ang="0">
+                <a:pos x="connsiteX16" y="connsiteY16"/>
+              </a:cxn>
+              <a:cxn ang="0">
+                <a:pos x="connsiteX17" y="connsiteY17"/>
+              </a:cxn>
+              <a:cxn ang="0">
+                <a:pos x="connsiteX18" y="connsiteY18"/>
+              </a:cxn>
+              <a:cxn ang="0">
+                <a:pos x="connsiteX19" y="connsiteY19"/>
+              </a:cxn>
+              <a:cxn ang="0">
+                <a:pos x="connsiteX20" y="connsiteY20"/>
+              </a:cxn>
+              <a:cxn ang="0">
+                <a:pos x="connsiteX21" y="connsiteY21"/>
+              </a:cxn>
+              <a:cxn ang="0">
+                <a:pos x="connsiteX22" y="connsiteY22"/>
+              </a:cxn>
+              <a:cxn ang="0">
+                <a:pos x="connsiteX23" y="connsiteY23"/>
+              </a:cxn>
+              <a:cxn ang="0">
+                <a:pos x="connsiteX24" y="connsiteY24"/>
+              </a:cxn>
+              <a:cxn ang="0">
+                <a:pos x="connsiteX25" y="connsiteY25"/>
+              </a:cxn>
+              <a:cxn ang="0">
+                <a:pos x="connsiteX26" y="connsiteY26"/>
+              </a:cxn>
+              <a:cxn ang="0">
+                <a:pos x="connsiteX27" y="connsiteY27"/>
+              </a:cxn>
+              <a:cxn ang="0">
+                <a:pos x="connsiteX28" y="connsiteY28"/>
+              </a:cxn>
+              <a:cxn ang="0">
+                <a:pos x="connsiteX29" y="connsiteY29"/>
+              </a:cxn>
+              <a:cxn ang="0">
+                <a:pos x="connsiteX30" y="connsiteY30"/>
+              </a:cxn>
+              <a:cxn ang="0">
+                <a:pos x="connsiteX31" y="connsiteY31"/>
+              </a:cxn>
+              <a:cxn ang="0">
+                <a:pos x="connsiteX32" y="connsiteY32"/>
+              </a:cxn>
+              <a:cxn ang="0">
+                <a:pos x="connsiteX33" y="connsiteY33"/>
+              </a:cxn>
+              <a:cxn ang="0">
+                <a:pos x="connsiteX34" y="connsiteY34"/>
+              </a:cxn>
+              <a:cxn ang="0">
+                <a:pos x="connsiteX35" y="connsiteY35"/>
+              </a:cxn>
+              <a:cxn ang="0">
+                <a:pos x="connsiteX36" y="connsiteY36"/>
+              </a:cxn>
+              <a:cxn ang="0">
+                <a:pos x="connsiteX37" y="connsiteY37"/>
+              </a:cxn>
+              <a:cxn ang="0">
+                <a:pos x="connsiteX38" y="connsiteY38"/>
+              </a:cxn>
+              <a:cxn ang="0">
+                <a:pos x="connsiteX39" y="connsiteY39"/>
+              </a:cxn>
+              <a:cxn ang="0">
+                <a:pos x="connsiteX40" y="connsiteY40"/>
+              </a:cxn>
+              <a:cxn ang="0">
+                <a:pos x="connsiteX41" y="connsiteY41"/>
+              </a:cxn>
+              <a:cxn ang="0">
+                <a:pos x="connsiteX42" y="connsiteY42"/>
+              </a:cxn>
+              <a:cxn ang="0">
+                <a:pos x="connsiteX43" y="connsiteY43"/>
+              </a:cxn>
+            </a:cxnLst>
+            <a:rect l="l" t="t" r="r" b="b"/>
+            <a:pathLst>
+              <a:path w="5596303" h="6172200" extrusionOk="0">
+                <a:moveTo>
+                  <a:pt x="0" y="0"/>
+                </a:moveTo>
+                <a:cubicBezTo>
+                  <a:pt x="207596" y="-38152"/>
+                  <a:pt x="305065" y="17182"/>
+                  <a:pt x="503667" y="0"/>
+                </a:cubicBezTo>
+                <a:cubicBezTo>
+                  <a:pt x="702269" y="-17182"/>
+                  <a:pt x="816005" y="20624"/>
+                  <a:pt x="895408" y="0"/>
+                </a:cubicBezTo>
+                <a:cubicBezTo>
+                  <a:pt x="974811" y="-20624"/>
+                  <a:pt x="1393431" y="78612"/>
+                  <a:pt x="1566965" y="0"/>
+                </a:cubicBezTo>
+                <a:cubicBezTo>
+                  <a:pt x="1740499" y="-78612"/>
+                  <a:pt x="1890248" y="52366"/>
+                  <a:pt x="2070632" y="0"/>
+                </a:cubicBezTo>
+                <a:cubicBezTo>
+                  <a:pt x="2251016" y="-52366"/>
+                  <a:pt x="2407651" y="42119"/>
+                  <a:pt x="2574299" y="0"/>
+                </a:cubicBezTo>
+                <a:cubicBezTo>
+                  <a:pt x="2740947" y="-42119"/>
+                  <a:pt x="3024878" y="77054"/>
+                  <a:pt x="3245856" y="0"/>
+                </a:cubicBezTo>
+                <a:cubicBezTo>
+                  <a:pt x="3466834" y="-77054"/>
+                  <a:pt x="3530119" y="9115"/>
+                  <a:pt x="3693560" y="0"/>
+                </a:cubicBezTo>
+                <a:cubicBezTo>
+                  <a:pt x="3857001" y="-9115"/>
+                  <a:pt x="4155897" y="47166"/>
+                  <a:pt x="4365116" y="0"/>
+                </a:cubicBezTo>
+                <a:cubicBezTo>
+                  <a:pt x="4574335" y="-47166"/>
+                  <a:pt x="4861215" y="43056"/>
+                  <a:pt x="5036673" y="0"/>
+                </a:cubicBezTo>
+                <a:cubicBezTo>
+                  <a:pt x="5212131" y="-43056"/>
+                  <a:pt x="5387088" y="23271"/>
+                  <a:pt x="5596303" y="0"/>
+                </a:cubicBezTo>
+                <a:cubicBezTo>
+                  <a:pt x="5650693" y="186262"/>
+                  <a:pt x="5539700" y="533819"/>
+                  <a:pt x="5596303" y="684553"/>
+                </a:cubicBezTo>
+                <a:cubicBezTo>
+                  <a:pt x="5652906" y="835287"/>
+                  <a:pt x="5578086" y="1119406"/>
+                  <a:pt x="5596303" y="1307384"/>
+                </a:cubicBezTo>
+                <a:cubicBezTo>
+                  <a:pt x="5614520" y="1495362"/>
+                  <a:pt x="5563588" y="1496888"/>
+                  <a:pt x="5596303" y="1683327"/>
+                </a:cubicBezTo>
+                <a:cubicBezTo>
+                  <a:pt x="5629018" y="1869766"/>
+                  <a:pt x="5573857" y="2012325"/>
+                  <a:pt x="5596303" y="2244436"/>
+                </a:cubicBezTo>
+                <a:cubicBezTo>
+                  <a:pt x="5618749" y="2476547"/>
+                  <a:pt x="5588719" y="2567849"/>
+                  <a:pt x="5596303" y="2805545"/>
+                </a:cubicBezTo>
+                <a:cubicBezTo>
+                  <a:pt x="5603887" y="3043241"/>
+                  <a:pt x="5546264" y="3116421"/>
+                  <a:pt x="5596303" y="3366655"/>
+                </a:cubicBezTo>
+                <a:cubicBezTo>
+                  <a:pt x="5646342" y="3616889"/>
+                  <a:pt x="5547882" y="3838370"/>
+                  <a:pt x="5596303" y="3989486"/>
+                </a:cubicBezTo>
+                <a:cubicBezTo>
+                  <a:pt x="5644724" y="4140602"/>
+                  <a:pt x="5531605" y="4368482"/>
+                  <a:pt x="5596303" y="4612317"/>
+                </a:cubicBezTo>
+                <a:cubicBezTo>
+                  <a:pt x="5661001" y="4856152"/>
+                  <a:pt x="5531757" y="5059850"/>
+                  <a:pt x="5596303" y="5235148"/>
+                </a:cubicBezTo>
+                <a:cubicBezTo>
+                  <a:pt x="5660849" y="5410446"/>
+                  <a:pt x="5574453" y="5493311"/>
+                  <a:pt x="5596303" y="5611091"/>
+                </a:cubicBezTo>
+                <a:cubicBezTo>
+                  <a:pt x="5618153" y="5728871"/>
+                  <a:pt x="5540108" y="5957201"/>
+                  <a:pt x="5596303" y="6172200"/>
+                </a:cubicBezTo>
+                <a:cubicBezTo>
+                  <a:pt x="5322678" y="6232217"/>
+                  <a:pt x="5175232" y="6158883"/>
+                  <a:pt x="4980710" y="6172200"/>
+                </a:cubicBezTo>
+                <a:cubicBezTo>
+                  <a:pt x="4786188" y="6185517"/>
+                  <a:pt x="4745606" y="6136022"/>
+                  <a:pt x="4533005" y="6172200"/>
+                </a:cubicBezTo>
+                <a:cubicBezTo>
+                  <a:pt x="4320404" y="6208378"/>
+                  <a:pt x="4157816" y="6107836"/>
+                  <a:pt x="3973375" y="6172200"/>
+                </a:cubicBezTo>
+                <a:cubicBezTo>
+                  <a:pt x="3788934" y="6236564"/>
+                  <a:pt x="3714033" y="6128893"/>
+                  <a:pt x="3581634" y="6172200"/>
+                </a:cubicBezTo>
+                <a:cubicBezTo>
+                  <a:pt x="3449235" y="6215507"/>
+                  <a:pt x="3349745" y="6127740"/>
+                  <a:pt x="3189893" y="6172200"/>
+                </a:cubicBezTo>
+                <a:cubicBezTo>
+                  <a:pt x="3030041" y="6216660"/>
+                  <a:pt x="2746333" y="6111595"/>
+                  <a:pt x="2630262" y="6172200"/>
+                </a:cubicBezTo>
+                <a:cubicBezTo>
+                  <a:pt x="2514191" y="6232805"/>
+                  <a:pt x="2389735" y="6128158"/>
+                  <a:pt x="2182558" y="6172200"/>
+                </a:cubicBezTo>
+                <a:cubicBezTo>
+                  <a:pt x="1975381" y="6216242"/>
+                  <a:pt x="1791225" y="6129849"/>
+                  <a:pt x="1566965" y="6172200"/>
+                </a:cubicBezTo>
+                <a:cubicBezTo>
+                  <a:pt x="1342705" y="6214551"/>
+                  <a:pt x="1276254" y="6166647"/>
+                  <a:pt x="1119261" y="6172200"/>
+                </a:cubicBezTo>
+                <a:cubicBezTo>
+                  <a:pt x="962268" y="6177753"/>
+                  <a:pt x="655795" y="6133418"/>
+                  <a:pt x="503667" y="6172200"/>
+                </a:cubicBezTo>
+                <a:cubicBezTo>
+                  <a:pt x="351539" y="6210982"/>
+                  <a:pt x="117023" y="6147242"/>
+                  <a:pt x="0" y="6172200"/>
+                </a:cubicBezTo>
+                <a:cubicBezTo>
+                  <a:pt x="-35739" y="5986930"/>
+                  <a:pt x="53014" y="5730511"/>
+                  <a:pt x="0" y="5549369"/>
+                </a:cubicBezTo>
+                <a:cubicBezTo>
+                  <a:pt x="-53014" y="5368227"/>
+                  <a:pt x="35416" y="5129808"/>
+                  <a:pt x="0" y="4926538"/>
+                </a:cubicBezTo>
+                <a:cubicBezTo>
+                  <a:pt x="-35416" y="4723268"/>
+                  <a:pt x="54809" y="4407616"/>
+                  <a:pt x="0" y="4241985"/>
+                </a:cubicBezTo>
+                <a:cubicBezTo>
+                  <a:pt x="-54809" y="4076354"/>
+                  <a:pt x="49032" y="3989416"/>
+                  <a:pt x="0" y="3742598"/>
+                </a:cubicBezTo>
+                <a:cubicBezTo>
+                  <a:pt x="-49032" y="3495780"/>
+                  <a:pt x="80100" y="3261033"/>
+                  <a:pt x="0" y="3058045"/>
+                </a:cubicBezTo>
+                <a:cubicBezTo>
+                  <a:pt x="-80100" y="2855057"/>
+                  <a:pt x="10705" y="2820740"/>
+                  <a:pt x="0" y="2620379"/>
+                </a:cubicBezTo>
+                <a:cubicBezTo>
+                  <a:pt x="-10705" y="2420018"/>
+                  <a:pt x="39369" y="2427241"/>
+                  <a:pt x="0" y="2244436"/>
+                </a:cubicBezTo>
+                <a:cubicBezTo>
+                  <a:pt x="-39369" y="2061631"/>
+                  <a:pt x="42378" y="1958353"/>
+                  <a:pt x="0" y="1868493"/>
+                </a:cubicBezTo>
+                <a:cubicBezTo>
+                  <a:pt x="-42378" y="1778633"/>
+                  <a:pt x="55226" y="1383133"/>
+                  <a:pt x="0" y="1245662"/>
+                </a:cubicBezTo>
+                <a:cubicBezTo>
+                  <a:pt x="-55226" y="1108191"/>
+                  <a:pt x="42117" y="998153"/>
+                  <a:pt x="0" y="869719"/>
+                </a:cubicBezTo>
+                <a:cubicBezTo>
+                  <a:pt x="-42117" y="741285"/>
+                  <a:pt x="26812" y="367943"/>
+                  <a:pt x="0" y="0"/>
+                </a:cubicBezTo>
+                <a:close/>
+              </a:path>
+            </a:pathLst>
+          </a:custGeom>
+          <a:noFill/>
+          <a:ln w="38100" cap="flat" cmpd="thickThin">
+            <a:solidFill>
+              <a:srgbClr val="1DB954"/>
+            </a:solidFill>
+            <a:prstDash val="solid"/>
+            <a:bevel/>
+            <a:extLst>
+              <a:ext uri="{C807C97D-BFC1-408E-A445-0C87EB9F89A2}">
+                <ask:lineSketchStyleProps xmlns:ask="http://schemas.microsoft.com/office/drawing/2018/sketchyshapes" sd="1219033472">
+                  <a:prstGeom prst="rect">
+                    <a:avLst/>
+                  </a:prstGeom>
+                  <ask:type>
+                    <ask:lineSketchScribble/>
+                  </ask:type>
+                </ask:lineSketchStyleProps>
+              </a:ext>
+            </a:extLst>
+          </a:ln>
+        </p:spPr>
+        <p:style>
+          <a:lnRef idx="2">
+            <a:schemeClr val="accent1">
+              <a:shade val="50000"/>
+            </a:schemeClr>
+          </a:lnRef>
+          <a:fillRef idx="1">
+            <a:schemeClr val="accent1"/>
+          </a:fillRef>
+          <a:effectRef idx="0">
+            <a:schemeClr val="accent1"/>
+          </a:effectRef>
+          <a:fontRef idx="minor">
+            <a:schemeClr val="lt1"/>
+          </a:fontRef>
+        </p:style>
+        <p:txBody>
+          <a:bodyPr rtlCol="0" anchor="ctr"/>
+          <a:lstStyle/>
+          <a:p>
+            <a:pPr algn="ctr"/>
+            <a:endParaRPr lang="it-IT"/>
+          </a:p>
+        </p:txBody>
+      </p:sp>
+      <p:pic>
+        <p:nvPicPr>
+          <p:cNvPr id="6" name="Immagine 5" descr="Immagine che contiene testo, diagramma, Disegno tecnico, Piano">
+            <a:extLst>
+              <a:ext uri="{FF2B5EF4-FFF2-40B4-BE49-F238E27FC236}">
+                <a16:creationId xmlns:a16="http://schemas.microsoft.com/office/drawing/2014/main" id="{58BA344F-C40A-4AB1-4456-421ED40FBE21}"/>
+              </a:ext>
+            </a:extLst>
+          </p:cNvPr>
+          <p:cNvPicPr>
+            <a:picLocks noChangeAspect="1"/>
+          </p:cNvPicPr>
+          <p:nvPr/>
+        </p:nvPicPr>
+        <p:blipFill>
+          <a:blip r:embed="rId2">
+            <a:extLst>
+              <a:ext uri="{28A0092B-C50C-407E-A947-70E740481C1C}">
+                <a14:useLocalDpi xmlns:a14="http://schemas.microsoft.com/office/drawing/2010/main" val="0"/>
+              </a:ext>
+            </a:extLst>
+          </a:blip>
+          <a:stretch>
+            <a:fillRect/>
+          </a:stretch>
+        </p:blipFill>
+        <p:spPr>
+          <a:xfrm>
+            <a:off x="3587082" y="643466"/>
+            <a:ext cx="5017833" cy="5571067"/>
+          </a:xfrm>
+          <a:prstGeom prst="rect">
+            <a:avLst/>
+          </a:prstGeom>
+        </p:spPr>
+      </p:pic>
+    </p:spTree>
+    <p:extLst>
+      <p:ext uri="{BB962C8B-B14F-4D97-AF65-F5344CB8AC3E}">
+        <p14:creationId xmlns:p14="http://schemas.microsoft.com/office/powerpoint/2010/main" val="833958567"/>
       </p:ext>
     </p:extLst>
   </p:cSld>
@@ -3490,6 +5280,114 @@
           <a:chExt cx="0" cy="0"/>
         </a:xfrm>
       </p:grpSpPr>
+      <p:sp>
+        <p:nvSpPr>
+          <p:cNvPr id="2" name="Titolo 1">
+            <a:extLst>
+              <a:ext uri="{FF2B5EF4-FFF2-40B4-BE49-F238E27FC236}">
+                <a16:creationId xmlns:a16="http://schemas.microsoft.com/office/drawing/2014/main" id="{0CEB3EC8-2CE1-4BCD-2281-1FED366F1D07}"/>
+              </a:ext>
+            </a:extLst>
+          </p:cNvPr>
+          <p:cNvSpPr>
+            <a:spLocks noGrp="1"/>
+          </p:cNvSpPr>
+          <p:nvPr>
+            <p:ph type="title"/>
+          </p:nvPr>
+        </p:nvSpPr>
+        <p:spPr>
+          <a:xfrm>
+            <a:off x="838200" y="2766218"/>
+            <a:ext cx="10515600" cy="1325563"/>
+          </a:xfrm>
+        </p:spPr>
+        <p:txBody>
+          <a:bodyPr/>
+          <a:lstStyle/>
+          <a:p>
+            <a:pPr algn="ctr"/>
+            <a:r>
+              <a:rPr lang="it-IT" b="1" dirty="0">
+                <a:solidFill>
+                  <a:schemeClr val="bg1"/>
+                </a:solidFill>
+              </a:rPr>
+              <a:t>DATABASE</a:t>
+            </a:r>
+          </a:p>
+        </p:txBody>
+      </p:sp>
+      <p:sp>
+        <p:nvSpPr>
+          <p:cNvPr id="6" name="CasellaDiTesto 5">
+            <a:extLst>
+              <a:ext uri="{FF2B5EF4-FFF2-40B4-BE49-F238E27FC236}">
+                <a16:creationId xmlns:a16="http://schemas.microsoft.com/office/drawing/2014/main" id="{6D56E6B8-BEC6-3347-CD7A-4155866B5D08}"/>
+              </a:ext>
+            </a:extLst>
+          </p:cNvPr>
+          <p:cNvSpPr txBox="1"/>
+          <p:nvPr/>
+        </p:nvSpPr>
+        <p:spPr>
+          <a:xfrm>
+            <a:off x="4193257" y="4091781"/>
+            <a:ext cx="3805485" cy="369332"/>
+          </a:xfrm>
+          <a:prstGeom prst="rect">
+            <a:avLst/>
+          </a:prstGeom>
+          <a:noFill/>
+        </p:spPr>
+        <p:txBody>
+          <a:bodyPr wrap="square" rtlCol="0">
+            <a:spAutoFit/>
+          </a:bodyPr>
+          <a:lstStyle/>
+          <a:p>
+            <a:pPr algn="ctr"/>
+            <a:r>
+              <a:rPr lang="it-IT" dirty="0">
+                <a:solidFill>
+                  <a:schemeClr val="bg1"/>
+                </a:solidFill>
+              </a:rPr>
+              <a:t>CONCETTUAL &amp; LOGICAL SCHEME</a:t>
+            </a:r>
+          </a:p>
+        </p:txBody>
+      </p:sp>
+    </p:spTree>
+    <p:extLst>
+      <p:ext uri="{BB962C8B-B14F-4D97-AF65-F5344CB8AC3E}">
+        <p14:creationId xmlns:p14="http://schemas.microsoft.com/office/powerpoint/2010/main" val="4196276086"/>
+      </p:ext>
+    </p:extLst>
+  </p:cSld>
+  <p:clrMapOvr>
+    <a:masterClrMapping/>
+  </p:clrMapOvr>
+</p:sld>
+</file>
+
+<file path=ppt/slides/slide3.xml><?xml version="1.0" encoding="utf-8"?>
+<p:sld xmlns:a="http://schemas.openxmlformats.org/drawingml/2006/main" xmlns:r="http://schemas.openxmlformats.org/officeDocument/2006/relationships" xmlns:p="http://schemas.openxmlformats.org/presentationml/2006/main">
+  <p:cSld>
+    <p:spTree>
+      <p:nvGrpSpPr>
+        <p:cNvPr id="1" name=""/>
+        <p:cNvGrpSpPr/>
+        <p:nvPr/>
+      </p:nvGrpSpPr>
+      <p:grpSpPr>
+        <a:xfrm>
+          <a:off x="0" y="0"/>
+          <a:ext cx="0" cy="0"/>
+          <a:chOff x="0" y="0"/>
+          <a:chExt cx="0" cy="0"/>
+        </a:xfrm>
+      </p:grpSpPr>
       <p:cxnSp>
         <p:nvCxnSpPr>
           <p:cNvPr id="9" name="Connettore diritto 8">
@@ -3515,7 +5413,7 @@
           </a:prstGeom>
           <a:ln w="28575">
             <a:solidFill>
-              <a:srgbClr val="CCB4DB"/>
+              <a:srgbClr val="1DB954"/>
             </a:solidFill>
           </a:ln>
         </p:spPr>
@@ -3559,7 +5457,7 @@
           </a:prstGeom>
           <a:ln w="28575">
             <a:solidFill>
-              <a:srgbClr val="CCB4DB"/>
+              <a:srgbClr val="1DB954"/>
             </a:solidFill>
           </a:ln>
         </p:spPr>
@@ -3604,7 +5502,7 @@
           </a:prstGeom>
           <a:ln w="28575">
             <a:solidFill>
-              <a:srgbClr val="CCB4DB"/>
+              <a:srgbClr val="1DB954"/>
             </a:solidFill>
           </a:ln>
         </p:spPr>
@@ -3648,7 +5546,7 @@
           </a:prstGeom>
           <a:ln w="28575">
             <a:solidFill>
-              <a:srgbClr val="CCB4DB"/>
+              <a:srgbClr val="1DB954"/>
             </a:solidFill>
           </a:ln>
         </p:spPr>
@@ -3692,7 +5590,7 @@
           </a:prstGeom>
           <a:ln w="28575">
             <a:solidFill>
-              <a:srgbClr val="CCB4DB"/>
+              <a:srgbClr val="1DB954"/>
             </a:solidFill>
           </a:ln>
         </p:spPr>
@@ -3736,7 +5634,7 @@
           </a:prstGeom>
           <a:ln w="28575">
             <a:solidFill>
-              <a:srgbClr val="CCB4DB"/>
+              <a:srgbClr val="1DB954"/>
             </a:solidFill>
           </a:ln>
         </p:spPr>
@@ -3780,7 +5678,7 @@
           </a:prstGeom>
           <a:ln w="28575">
             <a:solidFill>
-              <a:srgbClr val="CCB4DB"/>
+              <a:srgbClr val="1DB954"/>
             </a:solidFill>
           </a:ln>
         </p:spPr>
@@ -3824,7 +5722,7 @@
           </a:prstGeom>
           <a:ln w="28575">
             <a:solidFill>
-              <a:srgbClr val="CCB4DB"/>
+              <a:srgbClr val="1DB954"/>
             </a:solidFill>
           </a:ln>
         </p:spPr>
@@ -3872,46 +5770,6 @@
             <a:pPr algn="ctr"/>
             <a:r>
               <a:rPr lang="it-IT" b="1" dirty="0">
-                <a:solidFill>
-                  <a:srgbClr val="FCE68A"/>
-                </a:solidFill>
-              </a:rPr>
-              <a:t>DATABASE</a:t>
-            </a:r>
-          </a:p>
-        </p:txBody>
-      </p:sp>
-      <p:sp>
-        <p:nvSpPr>
-          <p:cNvPr id="5" name="CasellaDiTesto 4">
-            <a:extLst>
-              <a:ext uri="{FF2B5EF4-FFF2-40B4-BE49-F238E27FC236}">
-                <a16:creationId xmlns:a16="http://schemas.microsoft.com/office/drawing/2014/main" id="{CB8E7E43-F51D-F69A-C3C0-82A394726C69}"/>
-              </a:ext>
-            </a:extLst>
-          </p:cNvPr>
-          <p:cNvSpPr txBox="1"/>
-          <p:nvPr/>
-        </p:nvSpPr>
-        <p:spPr>
-          <a:xfrm>
-            <a:off x="9859347" y="180459"/>
-            <a:ext cx="2332653" cy="369332"/>
-          </a:xfrm>
-          <a:prstGeom prst="rect">
-            <a:avLst/>
-          </a:prstGeom>
-          <a:noFill/>
-        </p:spPr>
-        <p:txBody>
-          <a:bodyPr wrap="square" rtlCol="0">
-            <a:spAutoFit/>
-          </a:bodyPr>
-          <a:lstStyle/>
-          <a:p>
-            <a:pPr algn="ctr"/>
-            <a:r>
-              <a:rPr lang="it-IT" dirty="0">
                 <a:solidFill>
                   <a:schemeClr val="bg1"/>
                 </a:solidFill>
@@ -3966,7 +5824,7 @@
             </a:prstGeom>
             <a:ln w="38100">
               <a:solidFill>
-                <a:srgbClr val="CCB4DB"/>
+                <a:srgbClr val="1DB954"/>
               </a:solidFill>
               <a:headEnd type="oval"/>
             </a:ln>
@@ -4011,7 +5869,7 @@
             </a:prstGeom>
             <a:ln w="38100">
               <a:solidFill>
-                <a:srgbClr val="CCB4DB"/>
+                <a:srgbClr val="1DB954"/>
               </a:solidFill>
               <a:headEnd type="oval"/>
             </a:ln>
@@ -4055,7 +5913,7 @@
             <a:noFill/>
             <a:ln w="50800">
               <a:solidFill>
-                <a:srgbClr val="CCB4DB"/>
+                <a:srgbClr val="1DB954"/>
               </a:solidFill>
               <a:extLst>
                 <a:ext uri="{C807C97D-BFC1-408E-A445-0C87EB9F89A2}">
@@ -4364,7 +6222,7 @@
           </a:prstGeom>
           <a:ln w="38100">
             <a:solidFill>
-              <a:srgbClr val="CCB4DB"/>
+              <a:srgbClr val="1DB954"/>
             </a:solidFill>
             <a:headEnd type="oval"/>
           </a:ln>
@@ -4409,7 +6267,7 @@
           </a:prstGeom>
           <a:ln w="38100">
             <a:solidFill>
-              <a:srgbClr val="CCB4DB"/>
+              <a:srgbClr val="1DB954"/>
             </a:solidFill>
             <a:headEnd type="oval"/>
           </a:ln>
@@ -4453,7 +6311,7 @@
           <a:noFill/>
           <a:ln w="50800">
             <a:solidFill>
-              <a:srgbClr val="CCB4DB"/>
+              <a:srgbClr val="1DB954"/>
             </a:solidFill>
             <a:extLst>
               <a:ext uri="{C807C97D-BFC1-408E-A445-0C87EB9F89A2}">
@@ -4799,7 +6657,7 @@
           </a:prstGeom>
           <a:ln w="38100">
             <a:solidFill>
-              <a:srgbClr val="CCB4DB"/>
+              <a:srgbClr val="1DB954"/>
             </a:solidFill>
             <a:headEnd type="oval"/>
           </a:ln>
@@ -4883,7 +6741,7 @@
           </a:prstGeom>
           <a:ln w="38100">
             <a:solidFill>
-              <a:srgbClr val="CCB4DB"/>
+              <a:srgbClr val="1DB954"/>
             </a:solidFill>
             <a:headEnd type="oval"/>
           </a:ln>
@@ -4972,7 +6830,7 @@
           </a:prstGeom>
           <a:ln w="38100">
             <a:solidFill>
-              <a:srgbClr val="CCB4DB"/>
+              <a:srgbClr val="1DB954"/>
             </a:solidFill>
             <a:headEnd type="oval"/>
           </a:ln>
@@ -5061,7 +6919,7 @@
           </a:prstGeom>
           <a:ln w="38100">
             <a:solidFill>
-              <a:srgbClr val="CCB4DB"/>
+              <a:srgbClr val="1DB954"/>
             </a:solidFill>
             <a:headEnd type="oval"/>
           </a:ln>
@@ -5145,7 +7003,7 @@
           </a:prstGeom>
           <a:ln w="38100">
             <a:solidFill>
-              <a:srgbClr val="CCB4DB"/>
+              <a:srgbClr val="1DB954"/>
             </a:solidFill>
             <a:headEnd type="oval"/>
           </a:ln>
@@ -5229,7 +7087,7 @@
           </a:prstGeom>
           <a:ln w="38100">
             <a:solidFill>
-              <a:srgbClr val="CCB4DB"/>
+              <a:srgbClr val="1DB954"/>
             </a:solidFill>
             <a:headEnd type="oval"/>
           </a:ln>
@@ -5272,7 +7130,7 @@
           <a:noFill/>
           <a:ln w="50800">
             <a:solidFill>
-              <a:srgbClr val="CCB4DB"/>
+              <a:srgbClr val="1DB954"/>
             </a:solidFill>
             <a:extLst>
               <a:ext uri="{C807C97D-BFC1-408E-A445-0C87EB9F89A2}">
@@ -5533,7 +7391,7 @@
           </a:prstGeom>
           <a:ln w="38100">
             <a:solidFill>
-              <a:srgbClr val="CCB4DB"/>
+              <a:srgbClr val="1DB954"/>
             </a:solidFill>
             <a:headEnd type="oval"/>
           </a:ln>
@@ -5617,7 +7475,7 @@
           </a:prstGeom>
           <a:ln w="38100">
             <a:solidFill>
-              <a:srgbClr val="CCB4DB"/>
+              <a:srgbClr val="1DB954"/>
             </a:solidFill>
             <a:headEnd type="oval"/>
           </a:ln>
@@ -5706,7 +7564,7 @@
           </a:prstGeom>
           <a:ln w="38100">
             <a:solidFill>
-              <a:srgbClr val="CCB4DB"/>
+              <a:srgbClr val="1DB954"/>
             </a:solidFill>
             <a:headEnd type="oval"/>
           </a:ln>
@@ -5790,7 +7648,7 @@
           </a:prstGeom>
           <a:ln w="38100">
             <a:solidFill>
-              <a:srgbClr val="CCB4DB"/>
+              <a:srgbClr val="1DB954"/>
             </a:solidFill>
             <a:headEnd type="oval"/>
           </a:ln>
@@ -5879,7 +7737,7 @@
           </a:prstGeom>
           <a:ln w="38100">
             <a:solidFill>
-              <a:srgbClr val="CCB4DB"/>
+              <a:srgbClr val="1DB954"/>
             </a:solidFill>
             <a:headEnd type="oval"/>
           </a:ln>
@@ -5922,7 +7780,7 @@
           <a:noFill/>
           <a:ln w="50800">
             <a:solidFill>
-              <a:srgbClr val="CCB4DB"/>
+              <a:srgbClr val="1DB954"/>
             </a:solidFill>
             <a:extLst>
               <a:ext uri="{C807C97D-BFC1-408E-A445-0C87EB9F89A2}">
@@ -6143,7 +8001,7 @@
           <a:noFill/>
           <a:ln w="28575">
             <a:solidFill>
-              <a:srgbClr val="CCB4DB"/>
+              <a:srgbClr val="1DB954"/>
             </a:solidFill>
           </a:ln>
           <a:effectLst>
@@ -6205,7 +8063,7 @@
           <a:noFill/>
           <a:ln w="28575">
             <a:solidFill>
-              <a:srgbClr val="CCB4DB"/>
+              <a:srgbClr val="1DB954"/>
             </a:solidFill>
           </a:ln>
           <a:effectLst>
@@ -6268,7 +8126,7 @@
           <a:noFill/>
           <a:ln w="28575">
             <a:solidFill>
-              <a:srgbClr val="CCB4DB"/>
+              <a:srgbClr val="1DB954"/>
             </a:solidFill>
           </a:ln>
           <a:effectLst>
@@ -6330,7 +8188,7 @@
           <a:noFill/>
           <a:ln w="28575">
             <a:solidFill>
-              <a:srgbClr val="CCB4DB"/>
+              <a:srgbClr val="1DB954"/>
             </a:solidFill>
           </a:ln>
           <a:effectLst>
@@ -6767,7 +8625,7 @@
           </a:prstGeom>
           <a:ln w="38100">
             <a:solidFill>
-              <a:srgbClr val="CCB4DB"/>
+              <a:srgbClr val="1DB954"/>
             </a:solidFill>
             <a:tailEnd type="oval"/>
           </a:ln>
@@ -6807,958 +8665,6 @@
 </p:sld>
 </file>
 
-<file path=ppt/slides/slide3.xml><?xml version="1.0" encoding="utf-8"?>
-<p:sld xmlns:a="http://schemas.openxmlformats.org/drawingml/2006/main" xmlns:r="http://schemas.openxmlformats.org/officeDocument/2006/relationships" xmlns:p="http://schemas.openxmlformats.org/presentationml/2006/main">
-  <p:cSld>
-    <p:spTree>
-      <p:nvGrpSpPr>
-        <p:cNvPr id="1" name=""/>
-        <p:cNvGrpSpPr/>
-        <p:nvPr/>
-      </p:nvGrpSpPr>
-      <p:grpSpPr>
-        <a:xfrm>
-          <a:off x="0" y="0"/>
-          <a:ext cx="0" cy="0"/>
-          <a:chOff x="0" y="0"/>
-          <a:chExt cx="0" cy="0"/>
-        </a:xfrm>
-      </p:grpSpPr>
-      <p:sp>
-        <p:nvSpPr>
-          <p:cNvPr id="2" name="Titolo 1">
-            <a:extLst>
-              <a:ext uri="{FF2B5EF4-FFF2-40B4-BE49-F238E27FC236}">
-                <a16:creationId xmlns:a16="http://schemas.microsoft.com/office/drawing/2014/main" id="{0CEB3EC8-2CE1-4BCD-2281-1FED366F1D07}"/>
-              </a:ext>
-            </a:extLst>
-          </p:cNvPr>
-          <p:cNvSpPr>
-            <a:spLocks noGrp="1"/>
-          </p:cNvSpPr>
-          <p:nvPr>
-            <p:ph type="title"/>
-          </p:nvPr>
-        </p:nvSpPr>
-        <p:spPr>
-          <a:xfrm>
-            <a:off x="838200" y="180459"/>
-            <a:ext cx="10515600" cy="1325563"/>
-          </a:xfrm>
-        </p:spPr>
-        <p:txBody>
-          <a:bodyPr/>
-          <a:lstStyle/>
-          <a:p>
-            <a:pPr algn="ctr"/>
-            <a:r>
-              <a:rPr lang="it-IT" b="1" dirty="0">
-                <a:solidFill>
-                  <a:srgbClr val="FCE68A"/>
-                </a:solidFill>
-              </a:rPr>
-              <a:t>DATABASE</a:t>
-            </a:r>
-          </a:p>
-        </p:txBody>
-      </p:sp>
-      <p:sp>
-        <p:nvSpPr>
-          <p:cNvPr id="5" name="CasellaDiTesto 4">
-            <a:extLst>
-              <a:ext uri="{FF2B5EF4-FFF2-40B4-BE49-F238E27FC236}">
-                <a16:creationId xmlns:a16="http://schemas.microsoft.com/office/drawing/2014/main" id="{CB8E7E43-F51D-F69A-C3C0-82A394726C69}"/>
-              </a:ext>
-            </a:extLst>
-          </p:cNvPr>
-          <p:cNvSpPr txBox="1"/>
-          <p:nvPr/>
-        </p:nvSpPr>
-        <p:spPr>
-          <a:xfrm>
-            <a:off x="9859347" y="180459"/>
-            <a:ext cx="2332653" cy="369332"/>
-          </a:xfrm>
-          <a:prstGeom prst="rect">
-            <a:avLst/>
-          </a:prstGeom>
-          <a:noFill/>
-        </p:spPr>
-        <p:txBody>
-          <a:bodyPr wrap="square" rtlCol="0">
-            <a:spAutoFit/>
-          </a:bodyPr>
-          <a:lstStyle/>
-          <a:p>
-            <a:pPr algn="ctr"/>
-            <a:r>
-              <a:rPr lang="it-IT" dirty="0">
-                <a:solidFill>
-                  <a:schemeClr val="bg1"/>
-                </a:solidFill>
-              </a:rPr>
-              <a:t>LOGICAL SCHEME</a:t>
-            </a:r>
-          </a:p>
-        </p:txBody>
-      </p:sp>
-      <p:sp>
-        <p:nvSpPr>
-          <p:cNvPr id="6" name="CasellaDiTesto 5">
-            <a:extLst>
-              <a:ext uri="{FF2B5EF4-FFF2-40B4-BE49-F238E27FC236}">
-                <a16:creationId xmlns:a16="http://schemas.microsoft.com/office/drawing/2014/main" id="{C1D4BF56-248C-C67F-AABF-88AE56B7EF00}"/>
-              </a:ext>
-            </a:extLst>
-          </p:cNvPr>
-          <p:cNvSpPr txBox="1"/>
-          <p:nvPr/>
-        </p:nvSpPr>
-        <p:spPr>
-          <a:xfrm>
-            <a:off x="1035698" y="1782147"/>
-            <a:ext cx="4198775" cy="1015663"/>
-          </a:xfrm>
-          <a:prstGeom prst="rect">
-            <a:avLst/>
-          </a:prstGeom>
-          <a:noFill/>
-        </p:spPr>
-        <p:txBody>
-          <a:bodyPr wrap="square" rtlCol="0">
-            <a:spAutoFit/>
-          </a:bodyPr>
-          <a:lstStyle/>
-          <a:p>
-            <a:r>
-              <a:rPr lang="it-IT" sz="2400" b="1" dirty="0">
-                <a:solidFill>
-                  <a:schemeClr val="bg1"/>
-                </a:solidFill>
-              </a:rPr>
-              <a:t>USER</a:t>
-            </a:r>
-            <a:r>
-              <a:rPr lang="it-IT" dirty="0">
-                <a:solidFill>
-                  <a:schemeClr val="bg1"/>
-                </a:solidFill>
-              </a:rPr>
-              <a:t>:</a:t>
-            </a:r>
-          </a:p>
-          <a:p>
-            <a:pPr marL="285750" indent="-285750">
-              <a:buFont typeface="Courier New" panose="02070309020205020404" pitchFamily="49" charset="0"/>
-              <a:buChar char="o"/>
-            </a:pPr>
-            <a:r>
-              <a:rPr lang="it-IT" b="1" u="sng" dirty="0" err="1">
-                <a:solidFill>
-                  <a:schemeClr val="bg1"/>
-                </a:solidFill>
-              </a:rPr>
-              <a:t>UserName</a:t>
-            </a:r>
-            <a:endParaRPr lang="it-IT" b="1" u="sng" dirty="0">
-              <a:solidFill>
-                <a:schemeClr val="bg1"/>
-              </a:solidFill>
-            </a:endParaRPr>
-          </a:p>
-          <a:p>
-            <a:pPr marL="285750" indent="-285750">
-              <a:buFont typeface="Courier New" panose="02070309020205020404" pitchFamily="49" charset="0"/>
-              <a:buChar char="o"/>
-            </a:pPr>
-            <a:r>
-              <a:rPr lang="it-IT" dirty="0">
-                <a:solidFill>
-                  <a:schemeClr val="bg1"/>
-                </a:solidFill>
-              </a:rPr>
-              <a:t>Password</a:t>
-            </a:r>
-          </a:p>
-        </p:txBody>
-      </p:sp>
-      <p:sp>
-        <p:nvSpPr>
-          <p:cNvPr id="7" name="CasellaDiTesto 6">
-            <a:extLst>
-              <a:ext uri="{FF2B5EF4-FFF2-40B4-BE49-F238E27FC236}">
-                <a16:creationId xmlns:a16="http://schemas.microsoft.com/office/drawing/2014/main" id="{B6A9D4BA-EB75-7FF1-252F-20E8537CEE36}"/>
-              </a:ext>
-            </a:extLst>
-          </p:cNvPr>
-          <p:cNvSpPr txBox="1"/>
-          <p:nvPr/>
-        </p:nvSpPr>
-        <p:spPr>
-          <a:xfrm>
-            <a:off x="1035698" y="4152524"/>
-            <a:ext cx="3032449" cy="2400657"/>
-          </a:xfrm>
-          <a:prstGeom prst="rect">
-            <a:avLst/>
-          </a:prstGeom>
-          <a:noFill/>
-        </p:spPr>
-        <p:txBody>
-          <a:bodyPr wrap="square" rtlCol="0">
-            <a:spAutoFit/>
-          </a:bodyPr>
-          <a:lstStyle/>
-          <a:p>
-            <a:r>
-              <a:rPr lang="it-IT" sz="2400" b="1" dirty="0">
-                <a:solidFill>
-                  <a:schemeClr val="bg1"/>
-                </a:solidFill>
-              </a:rPr>
-              <a:t>SONG</a:t>
-            </a:r>
-            <a:r>
-              <a:rPr lang="it-IT" sz="2400" dirty="0">
-                <a:solidFill>
-                  <a:schemeClr val="bg1"/>
-                </a:solidFill>
-              </a:rPr>
-              <a:t>:</a:t>
-            </a:r>
-          </a:p>
-          <a:p>
-            <a:pPr marL="285750" indent="-285750">
-              <a:buFont typeface="Courier New" panose="02070309020205020404" pitchFamily="49" charset="0"/>
-              <a:buChar char="o"/>
-            </a:pPr>
-            <a:r>
-              <a:rPr lang="it-IT" b="1" u="sng" dirty="0">
-                <a:solidFill>
-                  <a:schemeClr val="bg1"/>
-                </a:solidFill>
-              </a:rPr>
-              <a:t>Id</a:t>
-            </a:r>
-          </a:p>
-          <a:p>
-            <a:pPr marL="285750" indent="-285750">
-              <a:buFont typeface="Courier New" panose="02070309020205020404" pitchFamily="49" charset="0"/>
-              <a:buChar char="o"/>
-            </a:pPr>
-            <a:r>
-              <a:rPr lang="it-IT" dirty="0">
-                <a:solidFill>
-                  <a:schemeClr val="bg1"/>
-                </a:solidFill>
-              </a:rPr>
-              <a:t>Title</a:t>
-            </a:r>
-          </a:p>
-          <a:p>
-            <a:pPr marL="285750" indent="-285750">
-              <a:buFont typeface="Courier New" panose="02070309020205020404" pitchFamily="49" charset="0"/>
-              <a:buChar char="o"/>
-            </a:pPr>
-            <a:r>
-              <a:rPr lang="it-IT" dirty="0" err="1">
-                <a:solidFill>
-                  <a:schemeClr val="bg1"/>
-                </a:solidFill>
-              </a:rPr>
-              <a:t>Genre</a:t>
-            </a:r>
-            <a:endParaRPr lang="it-IT" dirty="0">
-              <a:solidFill>
-                <a:schemeClr val="bg1"/>
-              </a:solidFill>
-            </a:endParaRPr>
-          </a:p>
-          <a:p>
-            <a:pPr marL="285750" indent="-285750">
-              <a:buFont typeface="Courier New" panose="02070309020205020404" pitchFamily="49" charset="0"/>
-              <a:buChar char="o"/>
-            </a:pPr>
-            <a:r>
-              <a:rPr lang="it-IT" dirty="0" err="1">
-                <a:solidFill>
-                  <a:schemeClr val="bg1"/>
-                </a:solidFill>
-              </a:rPr>
-              <a:t>FileAudio</a:t>
-            </a:r>
-            <a:endParaRPr lang="it-IT" dirty="0">
-              <a:solidFill>
-                <a:schemeClr val="bg1"/>
-              </a:solidFill>
-            </a:endParaRPr>
-          </a:p>
-          <a:p>
-            <a:pPr marL="285750" indent="-285750">
-              <a:buFont typeface="Courier New" panose="02070309020205020404" pitchFamily="49" charset="0"/>
-              <a:buChar char="o"/>
-            </a:pPr>
-            <a:r>
-              <a:rPr lang="it-IT" dirty="0">
-                <a:solidFill>
-                  <a:schemeClr val="bg1"/>
-                </a:solidFill>
-              </a:rPr>
-              <a:t>User</a:t>
-            </a:r>
-          </a:p>
-          <a:p>
-            <a:pPr marL="285750" indent="-285750">
-              <a:buFont typeface="Courier New" panose="02070309020205020404" pitchFamily="49" charset="0"/>
-              <a:buChar char="o"/>
-            </a:pPr>
-            <a:r>
-              <a:rPr lang="it-IT" dirty="0">
-                <a:solidFill>
-                  <a:schemeClr val="bg1"/>
-                </a:solidFill>
-              </a:rPr>
-              <a:t>Album</a:t>
-            </a:r>
-          </a:p>
-          <a:p>
-            <a:pPr marL="285750" indent="-285750">
-              <a:buFont typeface="Courier New" panose="02070309020205020404" pitchFamily="49" charset="0"/>
-              <a:buChar char="o"/>
-            </a:pPr>
-            <a:endParaRPr lang="it-IT" dirty="0">
-              <a:solidFill>
-                <a:schemeClr val="bg1"/>
-              </a:solidFill>
-            </a:endParaRPr>
-          </a:p>
-        </p:txBody>
-      </p:sp>
-      <p:sp>
-        <p:nvSpPr>
-          <p:cNvPr id="8" name="CasellaDiTesto 7">
-            <a:extLst>
-              <a:ext uri="{FF2B5EF4-FFF2-40B4-BE49-F238E27FC236}">
-                <a16:creationId xmlns:a16="http://schemas.microsoft.com/office/drawing/2014/main" id="{DAD676E0-40F6-69EA-1E48-1ADA00650A49}"/>
-              </a:ext>
-            </a:extLst>
-          </p:cNvPr>
-          <p:cNvSpPr txBox="1"/>
-          <p:nvPr/>
-        </p:nvSpPr>
-        <p:spPr>
-          <a:xfrm>
-            <a:off x="4068147" y="1782147"/>
-            <a:ext cx="4198775" cy="1292662"/>
-          </a:xfrm>
-          <a:prstGeom prst="rect">
-            <a:avLst/>
-          </a:prstGeom>
-          <a:noFill/>
-        </p:spPr>
-        <p:txBody>
-          <a:bodyPr wrap="square" rtlCol="0">
-            <a:spAutoFit/>
-          </a:bodyPr>
-          <a:lstStyle/>
-          <a:p>
-            <a:r>
-              <a:rPr lang="it-IT" sz="2400" b="1" dirty="0">
-                <a:solidFill>
-                  <a:schemeClr val="bg1"/>
-                </a:solidFill>
-              </a:rPr>
-              <a:t>PLAYLIST</a:t>
-            </a:r>
-            <a:r>
-              <a:rPr lang="it-IT" dirty="0">
-                <a:solidFill>
-                  <a:schemeClr val="bg1"/>
-                </a:solidFill>
-              </a:rPr>
-              <a:t>:</a:t>
-            </a:r>
-          </a:p>
-          <a:p>
-            <a:pPr marL="285750" indent="-285750">
-              <a:buFont typeface="Courier New" panose="02070309020205020404" pitchFamily="49" charset="0"/>
-              <a:buChar char="o"/>
-            </a:pPr>
-            <a:r>
-              <a:rPr lang="it-IT" b="1" u="sng" dirty="0">
-                <a:solidFill>
-                  <a:schemeClr val="bg1"/>
-                </a:solidFill>
-              </a:rPr>
-              <a:t>Name</a:t>
-            </a:r>
-          </a:p>
-          <a:p>
-            <a:pPr marL="285750" indent="-285750">
-              <a:buFont typeface="Courier New" panose="02070309020205020404" pitchFamily="49" charset="0"/>
-              <a:buChar char="o"/>
-            </a:pPr>
-            <a:r>
-              <a:rPr lang="it-IT" b="1" u="sng" dirty="0" err="1">
-                <a:solidFill>
-                  <a:schemeClr val="bg1"/>
-                </a:solidFill>
-              </a:rPr>
-              <a:t>UserName</a:t>
-            </a:r>
-            <a:endParaRPr lang="it-IT" b="1" u="sng" dirty="0">
-              <a:solidFill>
-                <a:schemeClr val="bg1"/>
-              </a:solidFill>
-            </a:endParaRPr>
-          </a:p>
-          <a:p>
-            <a:pPr marL="285750" indent="-285750">
-              <a:buFont typeface="Courier New" panose="02070309020205020404" pitchFamily="49" charset="0"/>
-              <a:buChar char="o"/>
-            </a:pPr>
-            <a:r>
-              <a:rPr lang="it-IT" dirty="0" err="1">
-                <a:solidFill>
-                  <a:schemeClr val="bg1"/>
-                </a:solidFill>
-              </a:rPr>
-              <a:t>CreationDate</a:t>
-            </a:r>
-            <a:endParaRPr lang="it-IT" dirty="0">
-              <a:solidFill>
-                <a:schemeClr val="bg1"/>
-              </a:solidFill>
-            </a:endParaRPr>
-          </a:p>
-        </p:txBody>
-      </p:sp>
-      <p:sp>
-        <p:nvSpPr>
-          <p:cNvPr id="9" name="CasellaDiTesto 8">
-            <a:extLst>
-              <a:ext uri="{FF2B5EF4-FFF2-40B4-BE49-F238E27FC236}">
-                <a16:creationId xmlns:a16="http://schemas.microsoft.com/office/drawing/2014/main" id="{8B982FD7-CB8E-3E75-B49E-4B2B2A7405EB}"/>
-              </a:ext>
-            </a:extLst>
-          </p:cNvPr>
-          <p:cNvSpPr txBox="1"/>
-          <p:nvPr/>
-        </p:nvSpPr>
-        <p:spPr>
-          <a:xfrm>
-            <a:off x="4068147" y="4152524"/>
-            <a:ext cx="3032449" cy="2123658"/>
-          </a:xfrm>
-          <a:prstGeom prst="rect">
-            <a:avLst/>
-          </a:prstGeom>
-          <a:noFill/>
-        </p:spPr>
-        <p:txBody>
-          <a:bodyPr wrap="square" rtlCol="0">
-            <a:spAutoFit/>
-          </a:bodyPr>
-          <a:lstStyle/>
-          <a:p>
-            <a:r>
-              <a:rPr lang="it-IT" sz="2400" b="1" dirty="0">
-                <a:solidFill>
-                  <a:schemeClr val="bg1"/>
-                </a:solidFill>
-              </a:rPr>
-              <a:t>ALBUM</a:t>
-            </a:r>
-            <a:r>
-              <a:rPr lang="it-IT" sz="2400" dirty="0">
-                <a:solidFill>
-                  <a:schemeClr val="bg1"/>
-                </a:solidFill>
-              </a:rPr>
-              <a:t>:</a:t>
-            </a:r>
-          </a:p>
-          <a:p>
-            <a:pPr marL="285750" indent="-285750">
-              <a:buFont typeface="Courier New" panose="02070309020205020404" pitchFamily="49" charset="0"/>
-              <a:buChar char="o"/>
-            </a:pPr>
-            <a:r>
-              <a:rPr lang="it-IT" b="1" u="sng" dirty="0">
-                <a:solidFill>
-                  <a:schemeClr val="bg1"/>
-                </a:solidFill>
-              </a:rPr>
-              <a:t>Id</a:t>
-            </a:r>
-          </a:p>
-          <a:p>
-            <a:pPr marL="285750" indent="-285750">
-              <a:buFont typeface="Courier New" panose="02070309020205020404" pitchFamily="49" charset="0"/>
-              <a:buChar char="o"/>
-            </a:pPr>
-            <a:r>
-              <a:rPr lang="it-IT" dirty="0">
-                <a:solidFill>
-                  <a:schemeClr val="bg1"/>
-                </a:solidFill>
-              </a:rPr>
-              <a:t>Title</a:t>
-            </a:r>
-          </a:p>
-          <a:p>
-            <a:pPr marL="285750" indent="-285750">
-              <a:buFont typeface="Courier New" panose="02070309020205020404" pitchFamily="49" charset="0"/>
-              <a:buChar char="o"/>
-            </a:pPr>
-            <a:r>
-              <a:rPr lang="it-IT" dirty="0" err="1">
-                <a:solidFill>
-                  <a:schemeClr val="bg1"/>
-                </a:solidFill>
-              </a:rPr>
-              <a:t>FileImage</a:t>
-            </a:r>
-            <a:endParaRPr lang="it-IT" dirty="0">
-              <a:solidFill>
-                <a:schemeClr val="bg1"/>
-              </a:solidFill>
-            </a:endParaRPr>
-          </a:p>
-          <a:p>
-            <a:pPr marL="285750" indent="-285750">
-              <a:buFont typeface="Courier New" panose="02070309020205020404" pitchFamily="49" charset="0"/>
-              <a:buChar char="o"/>
-            </a:pPr>
-            <a:r>
-              <a:rPr lang="it-IT" dirty="0">
-                <a:solidFill>
-                  <a:schemeClr val="bg1"/>
-                </a:solidFill>
-              </a:rPr>
-              <a:t>Singer</a:t>
-            </a:r>
-          </a:p>
-          <a:p>
-            <a:pPr marL="285750" indent="-285750">
-              <a:buFont typeface="Courier New" panose="02070309020205020404" pitchFamily="49" charset="0"/>
-              <a:buChar char="o"/>
-            </a:pPr>
-            <a:r>
-              <a:rPr lang="it-IT" dirty="0" err="1">
-                <a:solidFill>
-                  <a:schemeClr val="bg1"/>
-                </a:solidFill>
-              </a:rPr>
-              <a:t>PublicationYear</a:t>
-            </a:r>
-            <a:endParaRPr lang="it-IT" dirty="0">
-              <a:solidFill>
-                <a:schemeClr val="bg1"/>
-              </a:solidFill>
-            </a:endParaRPr>
-          </a:p>
-          <a:p>
-            <a:pPr marL="285750" indent="-285750">
-              <a:buFont typeface="Courier New" panose="02070309020205020404" pitchFamily="49" charset="0"/>
-              <a:buChar char="o"/>
-            </a:pPr>
-            <a:endParaRPr lang="it-IT" dirty="0">
-              <a:solidFill>
-                <a:schemeClr val="bg1"/>
-              </a:solidFill>
-            </a:endParaRPr>
-          </a:p>
-        </p:txBody>
-      </p:sp>
-      <p:sp>
-        <p:nvSpPr>
-          <p:cNvPr id="10" name="CasellaDiTesto 9">
-            <a:extLst>
-              <a:ext uri="{FF2B5EF4-FFF2-40B4-BE49-F238E27FC236}">
-                <a16:creationId xmlns:a16="http://schemas.microsoft.com/office/drawing/2014/main" id="{04F8CB51-5057-FB17-0441-279252F85A10}"/>
-              </a:ext>
-            </a:extLst>
-          </p:cNvPr>
-          <p:cNvSpPr txBox="1"/>
-          <p:nvPr/>
-        </p:nvSpPr>
-        <p:spPr>
-          <a:xfrm>
-            <a:off x="6957529" y="1782147"/>
-            <a:ext cx="2509935" cy="1292662"/>
-          </a:xfrm>
-          <a:prstGeom prst="rect">
-            <a:avLst/>
-          </a:prstGeom>
-          <a:noFill/>
-        </p:spPr>
-        <p:txBody>
-          <a:bodyPr wrap="square" rtlCol="0">
-            <a:spAutoFit/>
-          </a:bodyPr>
-          <a:lstStyle/>
-          <a:p>
-            <a:r>
-              <a:rPr lang="it-IT" sz="2400" b="1" dirty="0">
-                <a:solidFill>
-                  <a:schemeClr val="bg1"/>
-                </a:solidFill>
-              </a:rPr>
-              <a:t>CONTAINS:</a:t>
-            </a:r>
-          </a:p>
-          <a:p>
-            <a:pPr marL="342900" indent="-342900">
-              <a:buFont typeface="Courier New" panose="02070309020205020404" pitchFamily="49" charset="0"/>
-              <a:buChar char="o"/>
-            </a:pPr>
-            <a:r>
-              <a:rPr lang="it-IT" b="1" u="sng" dirty="0" err="1">
-                <a:solidFill>
-                  <a:schemeClr val="bg1"/>
-                </a:solidFill>
-              </a:rPr>
-              <a:t>PlaylistName</a:t>
-            </a:r>
-            <a:endParaRPr lang="it-IT" b="1" u="sng" dirty="0">
-              <a:solidFill>
-                <a:schemeClr val="bg1"/>
-              </a:solidFill>
-            </a:endParaRPr>
-          </a:p>
-          <a:p>
-            <a:pPr marL="342900" indent="-342900">
-              <a:buFont typeface="Courier New" panose="02070309020205020404" pitchFamily="49" charset="0"/>
-              <a:buChar char="o"/>
-            </a:pPr>
-            <a:r>
-              <a:rPr lang="it-IT" b="1" u="sng" dirty="0" err="1">
-                <a:solidFill>
-                  <a:schemeClr val="bg1"/>
-                </a:solidFill>
-              </a:rPr>
-              <a:t>PlaylistUser</a:t>
-            </a:r>
-            <a:endParaRPr lang="it-IT" b="1" u="sng" dirty="0">
-              <a:solidFill>
-                <a:schemeClr val="bg1"/>
-              </a:solidFill>
-            </a:endParaRPr>
-          </a:p>
-          <a:p>
-            <a:pPr marL="342900" indent="-342900">
-              <a:buFont typeface="Courier New" panose="02070309020205020404" pitchFamily="49" charset="0"/>
-              <a:buChar char="o"/>
-            </a:pPr>
-            <a:r>
-              <a:rPr lang="it-IT" b="1" u="sng" dirty="0">
-                <a:solidFill>
-                  <a:schemeClr val="bg1"/>
-                </a:solidFill>
-              </a:rPr>
-              <a:t>Song</a:t>
-            </a:r>
-          </a:p>
-        </p:txBody>
-      </p:sp>
-      <p:sp>
-        <p:nvSpPr>
-          <p:cNvPr id="15" name="CasellaDiTesto 14">
-            <a:extLst>
-              <a:ext uri="{FF2B5EF4-FFF2-40B4-BE49-F238E27FC236}">
-                <a16:creationId xmlns:a16="http://schemas.microsoft.com/office/drawing/2014/main" id="{7694A94F-EE0F-2CEC-5130-55564BA1AFA6}"/>
-              </a:ext>
-            </a:extLst>
-          </p:cNvPr>
-          <p:cNvSpPr txBox="1"/>
-          <p:nvPr/>
-        </p:nvSpPr>
-        <p:spPr>
-          <a:xfrm>
-            <a:off x="7926391" y="4152524"/>
-            <a:ext cx="4198773" cy="2400657"/>
-          </a:xfrm>
-          <a:prstGeom prst="rect">
-            <a:avLst/>
-          </a:prstGeom>
-          <a:noFill/>
-        </p:spPr>
-        <p:txBody>
-          <a:bodyPr wrap="square" rtlCol="0">
-            <a:spAutoFit/>
-          </a:bodyPr>
-          <a:lstStyle/>
-          <a:p>
-            <a:r>
-              <a:rPr lang="it-IT" sz="2400" b="1" dirty="0">
-                <a:solidFill>
-                  <a:srgbClr val="CCB4DB"/>
-                </a:solidFill>
-              </a:rPr>
-              <a:t>FOREIGN KEYS:</a:t>
-            </a:r>
-          </a:p>
-          <a:p>
-            <a:pPr marL="285750" indent="-285750">
-              <a:buFont typeface="Wingdings" panose="05000000000000000000" pitchFamily="2" charset="2"/>
-              <a:buChar char="§"/>
-            </a:pPr>
-            <a:r>
-              <a:rPr lang="it-IT" dirty="0">
-                <a:solidFill>
-                  <a:schemeClr val="bg1"/>
-                </a:solidFill>
-              </a:rPr>
-              <a:t>Playlist.User </a:t>
-            </a:r>
-            <a:r>
-              <a:rPr lang="it-IT" sz="1600" dirty="0">
-                <a:solidFill>
-                  <a:schemeClr val="bg1"/>
-                </a:solidFill>
-              </a:rPr>
-              <a:t>→ </a:t>
-            </a:r>
-            <a:r>
-              <a:rPr lang="it-IT" dirty="0" err="1">
-                <a:solidFill>
-                  <a:schemeClr val="bg1"/>
-                </a:solidFill>
-              </a:rPr>
-              <a:t>User.Name</a:t>
-            </a:r>
-            <a:endParaRPr lang="it-IT" dirty="0">
-              <a:solidFill>
-                <a:schemeClr val="bg1"/>
-              </a:solidFill>
-            </a:endParaRPr>
-          </a:p>
-          <a:p>
-            <a:pPr marL="285750" indent="-285750">
-              <a:buFont typeface="Wingdings" panose="05000000000000000000" pitchFamily="2" charset="2"/>
-              <a:buChar char="§"/>
-            </a:pPr>
-            <a:r>
-              <a:rPr lang="it-IT" dirty="0" err="1">
-                <a:solidFill>
-                  <a:schemeClr val="bg1"/>
-                </a:solidFill>
-              </a:rPr>
-              <a:t>Song.User</a:t>
-            </a:r>
-            <a:r>
-              <a:rPr lang="it-IT" sz="1600" dirty="0">
-                <a:solidFill>
-                  <a:schemeClr val="bg1"/>
-                </a:solidFill>
-              </a:rPr>
-              <a:t> → </a:t>
-            </a:r>
-            <a:r>
-              <a:rPr lang="it-IT" dirty="0" err="1">
-                <a:solidFill>
-                  <a:schemeClr val="bg1"/>
-                </a:solidFill>
-              </a:rPr>
-              <a:t>Usern.Name</a:t>
-            </a:r>
-            <a:endParaRPr lang="it-IT" dirty="0">
-              <a:solidFill>
-                <a:schemeClr val="bg1"/>
-              </a:solidFill>
-            </a:endParaRPr>
-          </a:p>
-          <a:p>
-            <a:pPr marL="285750" indent="-285750">
-              <a:buFont typeface="Wingdings" panose="05000000000000000000" pitchFamily="2" charset="2"/>
-              <a:buChar char="§"/>
-            </a:pPr>
-            <a:r>
-              <a:rPr lang="it-IT" dirty="0" err="1">
-                <a:solidFill>
-                  <a:schemeClr val="bg1"/>
-                </a:solidFill>
-              </a:rPr>
-              <a:t>Song.Album</a:t>
-            </a:r>
-            <a:r>
-              <a:rPr lang="it-IT" dirty="0">
-                <a:solidFill>
-                  <a:schemeClr val="bg1"/>
-                </a:solidFill>
-              </a:rPr>
-              <a:t> </a:t>
-            </a:r>
-            <a:r>
-              <a:rPr lang="it-IT" sz="1600" dirty="0">
-                <a:solidFill>
-                  <a:schemeClr val="bg1"/>
-                </a:solidFill>
-              </a:rPr>
-              <a:t>→ </a:t>
-            </a:r>
-            <a:r>
-              <a:rPr lang="it-IT" dirty="0" err="1">
-                <a:solidFill>
-                  <a:schemeClr val="bg1"/>
-                </a:solidFill>
-              </a:rPr>
-              <a:t>Album.Id</a:t>
-            </a:r>
-            <a:endParaRPr lang="it-IT" dirty="0">
-              <a:solidFill>
-                <a:schemeClr val="bg1"/>
-              </a:solidFill>
-            </a:endParaRPr>
-          </a:p>
-          <a:p>
-            <a:pPr marL="285750" indent="-285750">
-              <a:buFont typeface="Wingdings" panose="05000000000000000000" pitchFamily="2" charset="2"/>
-              <a:buChar char="§"/>
-            </a:pPr>
-            <a:r>
-              <a:rPr lang="it-IT" dirty="0" err="1">
-                <a:solidFill>
-                  <a:schemeClr val="bg1"/>
-                </a:solidFill>
-              </a:rPr>
-              <a:t>Contains</a:t>
-            </a:r>
-            <a:r>
-              <a:rPr lang="it-IT" dirty="0">
-                <a:solidFill>
-                  <a:schemeClr val="bg1"/>
-                </a:solidFill>
-              </a:rPr>
-              <a:t>.(</a:t>
-            </a:r>
-            <a:r>
-              <a:rPr lang="it-IT" dirty="0" err="1">
-                <a:solidFill>
-                  <a:schemeClr val="bg1"/>
-                </a:solidFill>
-              </a:rPr>
-              <a:t>PlaylistName</a:t>
-            </a:r>
-            <a:r>
-              <a:rPr lang="it-IT" dirty="0">
-                <a:solidFill>
-                  <a:schemeClr val="bg1"/>
-                </a:solidFill>
-              </a:rPr>
-              <a:t>, </a:t>
-            </a:r>
-            <a:r>
-              <a:rPr lang="it-IT" dirty="0" err="1">
-                <a:solidFill>
-                  <a:schemeClr val="bg1"/>
-                </a:solidFill>
-              </a:rPr>
-              <a:t>PlaylistUser</a:t>
-            </a:r>
-            <a:r>
-              <a:rPr lang="it-IT" dirty="0">
-                <a:solidFill>
-                  <a:schemeClr val="bg1"/>
-                </a:solidFill>
-              </a:rPr>
-              <a:t>)</a:t>
-            </a:r>
-            <a:r>
-              <a:rPr lang="it-IT" sz="1600" dirty="0">
-                <a:solidFill>
-                  <a:schemeClr val="bg1"/>
-                </a:solidFill>
-              </a:rPr>
-              <a:t>→ </a:t>
-            </a:r>
-            <a:r>
-              <a:rPr lang="it-IT" dirty="0">
-                <a:solidFill>
-                  <a:schemeClr val="bg1"/>
-                </a:solidFill>
-              </a:rPr>
-              <a:t>Playlist.(Name, </a:t>
-            </a:r>
-            <a:r>
-              <a:rPr lang="it-IT" dirty="0" err="1">
-                <a:solidFill>
-                  <a:schemeClr val="bg1"/>
-                </a:solidFill>
-              </a:rPr>
-              <a:t>UserName</a:t>
-            </a:r>
-            <a:r>
-              <a:rPr lang="it-IT" dirty="0">
-                <a:solidFill>
-                  <a:schemeClr val="bg1"/>
-                </a:solidFill>
-              </a:rPr>
-              <a:t>)</a:t>
-            </a:r>
-          </a:p>
-          <a:p>
-            <a:pPr marL="285750" indent="-285750">
-              <a:buFont typeface="Wingdings" panose="05000000000000000000" pitchFamily="2" charset="2"/>
-              <a:buChar char="§"/>
-            </a:pPr>
-            <a:r>
-              <a:rPr lang="it-IT" dirty="0" err="1">
-                <a:solidFill>
-                  <a:schemeClr val="bg1"/>
-                </a:solidFill>
-              </a:rPr>
-              <a:t>Contains.Song</a:t>
-            </a:r>
-            <a:r>
-              <a:rPr lang="it-IT" dirty="0">
-                <a:solidFill>
-                  <a:schemeClr val="bg1"/>
-                </a:solidFill>
-              </a:rPr>
-              <a:t> </a:t>
-            </a:r>
-            <a:r>
-              <a:rPr lang="it-IT" sz="1600" dirty="0">
-                <a:solidFill>
-                  <a:schemeClr val="bg1"/>
-                </a:solidFill>
-              </a:rPr>
-              <a:t>→ </a:t>
-            </a:r>
-            <a:r>
-              <a:rPr lang="it-IT" dirty="0" err="1">
-                <a:solidFill>
-                  <a:schemeClr val="bg1"/>
-                </a:solidFill>
-              </a:rPr>
-              <a:t>Song.Id</a:t>
-            </a:r>
-            <a:endParaRPr lang="it-IT" dirty="0">
-              <a:solidFill>
-                <a:schemeClr val="bg1"/>
-              </a:solidFill>
-            </a:endParaRPr>
-          </a:p>
-          <a:p>
-            <a:endParaRPr lang="it-IT" dirty="0"/>
-          </a:p>
-        </p:txBody>
-      </p:sp>
-    </p:spTree>
-    <p:extLst>
-      <p:ext uri="{BB962C8B-B14F-4D97-AF65-F5344CB8AC3E}">
-        <p14:creationId xmlns:p14="http://schemas.microsoft.com/office/powerpoint/2010/main" val="2196545746"/>
-      </p:ext>
-    </p:extLst>
-  </p:cSld>
-  <p:clrMapOvr>
-    <a:masterClrMapping/>
-  </p:clrMapOvr>
-</p:sld>
-</file>
-
 <file path=ppt/slides/slide4.xml><?xml version="1.0" encoding="utf-8"?>
 <p:sld xmlns:a="http://schemas.openxmlformats.org/drawingml/2006/main" xmlns:r="http://schemas.openxmlformats.org/officeDocument/2006/relationships" xmlns:p="http://schemas.openxmlformats.org/presentationml/2006/main">
   <p:cSld>
@@ -7781,7 +8687,7 @@
           <p:cNvPr id="2" name="Titolo 1">
             <a:extLst>
               <a:ext uri="{FF2B5EF4-FFF2-40B4-BE49-F238E27FC236}">
-                <a16:creationId xmlns:a16="http://schemas.microsoft.com/office/drawing/2014/main" id="{9FFE480C-E640-69E2-6690-F831E2AB217F}"/>
+                <a16:creationId xmlns:a16="http://schemas.microsoft.com/office/drawing/2014/main" id="{0CEB3EC8-2CE1-4BCD-2281-1FED366F1D07}"/>
               </a:ext>
             </a:extLst>
           </p:cNvPr>
@@ -7792,44 +8698,2362 @@
             <p:ph type="title"/>
           </p:nvPr>
         </p:nvSpPr>
-        <p:spPr/>
+        <p:spPr>
+          <a:xfrm>
+            <a:off x="838200" y="180459"/>
+            <a:ext cx="10515600" cy="1325563"/>
+          </a:xfrm>
+        </p:spPr>
         <p:txBody>
           <a:bodyPr/>
           <a:lstStyle/>
           <a:p>
-            <a:endParaRPr lang="it-IT"/>
+            <a:pPr algn="ctr"/>
+            <a:r>
+              <a:rPr lang="it-IT" b="1" dirty="0">
+                <a:solidFill>
+                  <a:schemeClr val="bg1"/>
+                </a:solidFill>
+              </a:rPr>
+              <a:t>LOGICAL SCHEME</a:t>
+            </a:r>
           </a:p>
         </p:txBody>
       </p:sp>
       <p:sp>
         <p:nvSpPr>
-          <p:cNvPr id="3" name="Segnaposto contenuto 2">
-            <a:extLst>
-              <a:ext uri="{FF2B5EF4-FFF2-40B4-BE49-F238E27FC236}">
-                <a16:creationId xmlns:a16="http://schemas.microsoft.com/office/drawing/2014/main" id="{D30B8FD1-050D-15EB-7F7F-AEE59C5828D6}"/>
-              </a:ext>
-            </a:extLst>
-          </p:cNvPr>
-          <p:cNvSpPr>
-            <a:spLocks noGrp="1"/>
-          </p:cNvSpPr>
-          <p:nvPr>
-            <p:ph idx="1"/>
-          </p:nvPr>
+          <p:cNvPr id="6" name="CasellaDiTesto 5">
+            <a:extLst>
+              <a:ext uri="{FF2B5EF4-FFF2-40B4-BE49-F238E27FC236}">
+                <a16:creationId xmlns:a16="http://schemas.microsoft.com/office/drawing/2014/main" id="{C1D4BF56-248C-C67F-AABF-88AE56B7EF00}"/>
+              </a:ext>
+            </a:extLst>
+          </p:cNvPr>
+          <p:cNvSpPr txBox="1"/>
+          <p:nvPr/>
         </p:nvSpPr>
-        <p:spPr/>
+        <p:spPr>
+          <a:xfrm>
+            <a:off x="1035698" y="1782147"/>
+            <a:ext cx="4198775" cy="1015663"/>
+          </a:xfrm>
+          <a:prstGeom prst="rect">
+            <a:avLst/>
+          </a:prstGeom>
+          <a:noFill/>
+        </p:spPr>
         <p:txBody>
-          <a:bodyPr/>
+          <a:bodyPr wrap="square" rtlCol="0">
+            <a:spAutoFit/>
+          </a:bodyPr>
           <a:lstStyle/>
           <a:p>
-            <a:endParaRPr lang="it-IT"/>
+            <a:r>
+              <a:rPr lang="it-IT" sz="2400" b="1" dirty="0">
+                <a:solidFill>
+                  <a:srgbClr val="1DB954"/>
+                </a:solidFill>
+              </a:rPr>
+              <a:t>USER:</a:t>
+            </a:r>
+          </a:p>
+          <a:p>
+            <a:pPr marL="285750" indent="-285750">
+              <a:buFont typeface="Courier New" panose="02070309020205020404" pitchFamily="49" charset="0"/>
+              <a:buChar char="o"/>
+            </a:pPr>
+            <a:r>
+              <a:rPr lang="it-IT" b="1" u="sng" dirty="0" err="1">
+                <a:solidFill>
+                  <a:schemeClr val="bg1"/>
+                </a:solidFill>
+              </a:rPr>
+              <a:t>UserName</a:t>
+            </a:r>
+            <a:endParaRPr lang="it-IT" b="1" u="sng" dirty="0">
+              <a:solidFill>
+                <a:schemeClr val="bg1"/>
+              </a:solidFill>
+            </a:endParaRPr>
+          </a:p>
+          <a:p>
+            <a:pPr marL="285750" indent="-285750">
+              <a:buFont typeface="Courier New" panose="02070309020205020404" pitchFamily="49" charset="0"/>
+              <a:buChar char="o"/>
+            </a:pPr>
+            <a:r>
+              <a:rPr lang="it-IT" dirty="0">
+                <a:solidFill>
+                  <a:schemeClr val="bg1"/>
+                </a:solidFill>
+              </a:rPr>
+              <a:t>Password</a:t>
+            </a:r>
+          </a:p>
+        </p:txBody>
+      </p:sp>
+      <p:sp>
+        <p:nvSpPr>
+          <p:cNvPr id="7" name="CasellaDiTesto 6">
+            <a:extLst>
+              <a:ext uri="{FF2B5EF4-FFF2-40B4-BE49-F238E27FC236}">
+                <a16:creationId xmlns:a16="http://schemas.microsoft.com/office/drawing/2014/main" id="{B6A9D4BA-EB75-7FF1-252F-20E8537CEE36}"/>
+              </a:ext>
+            </a:extLst>
+          </p:cNvPr>
+          <p:cNvSpPr txBox="1"/>
+          <p:nvPr/>
+        </p:nvSpPr>
+        <p:spPr>
+          <a:xfrm>
+            <a:off x="1035698" y="4152524"/>
+            <a:ext cx="3032449" cy="2400657"/>
+          </a:xfrm>
+          <a:prstGeom prst="rect">
+            <a:avLst/>
+          </a:prstGeom>
+          <a:noFill/>
+        </p:spPr>
+        <p:txBody>
+          <a:bodyPr wrap="square" rtlCol="0">
+            <a:spAutoFit/>
+          </a:bodyPr>
+          <a:lstStyle/>
+          <a:p>
+            <a:r>
+              <a:rPr lang="it-IT" sz="2400" b="1" dirty="0">
+                <a:solidFill>
+                  <a:srgbClr val="1DB954"/>
+                </a:solidFill>
+              </a:rPr>
+              <a:t>SONG:</a:t>
+            </a:r>
+          </a:p>
+          <a:p>
+            <a:pPr marL="285750" indent="-285750">
+              <a:buFont typeface="Courier New" panose="02070309020205020404" pitchFamily="49" charset="0"/>
+              <a:buChar char="o"/>
+            </a:pPr>
+            <a:r>
+              <a:rPr lang="it-IT" b="1" u="sng" dirty="0">
+                <a:solidFill>
+                  <a:schemeClr val="bg1"/>
+                </a:solidFill>
+              </a:rPr>
+              <a:t>Id</a:t>
+            </a:r>
+          </a:p>
+          <a:p>
+            <a:pPr marL="285750" indent="-285750">
+              <a:buFont typeface="Courier New" panose="02070309020205020404" pitchFamily="49" charset="0"/>
+              <a:buChar char="o"/>
+            </a:pPr>
+            <a:r>
+              <a:rPr lang="it-IT" dirty="0">
+                <a:solidFill>
+                  <a:schemeClr val="bg1"/>
+                </a:solidFill>
+              </a:rPr>
+              <a:t>Title</a:t>
+            </a:r>
+          </a:p>
+          <a:p>
+            <a:pPr marL="285750" indent="-285750">
+              <a:buFont typeface="Courier New" panose="02070309020205020404" pitchFamily="49" charset="0"/>
+              <a:buChar char="o"/>
+            </a:pPr>
+            <a:r>
+              <a:rPr lang="it-IT" dirty="0" err="1">
+                <a:solidFill>
+                  <a:schemeClr val="bg1"/>
+                </a:solidFill>
+              </a:rPr>
+              <a:t>Genre</a:t>
+            </a:r>
+            <a:endParaRPr lang="it-IT" dirty="0">
+              <a:solidFill>
+                <a:schemeClr val="bg1"/>
+              </a:solidFill>
+            </a:endParaRPr>
+          </a:p>
+          <a:p>
+            <a:pPr marL="285750" indent="-285750">
+              <a:buFont typeface="Courier New" panose="02070309020205020404" pitchFamily="49" charset="0"/>
+              <a:buChar char="o"/>
+            </a:pPr>
+            <a:r>
+              <a:rPr lang="it-IT" dirty="0" err="1">
+                <a:solidFill>
+                  <a:schemeClr val="bg1"/>
+                </a:solidFill>
+              </a:rPr>
+              <a:t>FileAudio</a:t>
+            </a:r>
+            <a:endParaRPr lang="it-IT" dirty="0">
+              <a:solidFill>
+                <a:schemeClr val="bg1"/>
+              </a:solidFill>
+            </a:endParaRPr>
+          </a:p>
+          <a:p>
+            <a:pPr marL="285750" indent="-285750">
+              <a:buFont typeface="Courier New" panose="02070309020205020404" pitchFamily="49" charset="0"/>
+              <a:buChar char="o"/>
+            </a:pPr>
+            <a:r>
+              <a:rPr lang="it-IT" dirty="0">
+                <a:solidFill>
+                  <a:schemeClr val="bg1"/>
+                </a:solidFill>
+              </a:rPr>
+              <a:t>User</a:t>
+            </a:r>
+          </a:p>
+          <a:p>
+            <a:pPr marL="285750" indent="-285750">
+              <a:buFont typeface="Courier New" panose="02070309020205020404" pitchFamily="49" charset="0"/>
+              <a:buChar char="o"/>
+            </a:pPr>
+            <a:r>
+              <a:rPr lang="it-IT" dirty="0">
+                <a:solidFill>
+                  <a:schemeClr val="bg1"/>
+                </a:solidFill>
+              </a:rPr>
+              <a:t>Album</a:t>
+            </a:r>
+          </a:p>
+          <a:p>
+            <a:pPr marL="285750" indent="-285750">
+              <a:buFont typeface="Courier New" panose="02070309020205020404" pitchFamily="49" charset="0"/>
+              <a:buChar char="o"/>
+            </a:pPr>
+            <a:endParaRPr lang="it-IT" dirty="0">
+              <a:solidFill>
+                <a:schemeClr val="bg1"/>
+              </a:solidFill>
+            </a:endParaRPr>
+          </a:p>
+        </p:txBody>
+      </p:sp>
+      <p:sp>
+        <p:nvSpPr>
+          <p:cNvPr id="8" name="CasellaDiTesto 7">
+            <a:extLst>
+              <a:ext uri="{FF2B5EF4-FFF2-40B4-BE49-F238E27FC236}">
+                <a16:creationId xmlns:a16="http://schemas.microsoft.com/office/drawing/2014/main" id="{DAD676E0-40F6-69EA-1E48-1ADA00650A49}"/>
+              </a:ext>
+            </a:extLst>
+          </p:cNvPr>
+          <p:cNvSpPr txBox="1"/>
+          <p:nvPr/>
+        </p:nvSpPr>
+        <p:spPr>
+          <a:xfrm>
+            <a:off x="4068147" y="1782147"/>
+            <a:ext cx="4198775" cy="1292662"/>
+          </a:xfrm>
+          <a:prstGeom prst="rect">
+            <a:avLst/>
+          </a:prstGeom>
+          <a:noFill/>
+        </p:spPr>
+        <p:txBody>
+          <a:bodyPr wrap="square" rtlCol="0">
+            <a:spAutoFit/>
+          </a:bodyPr>
+          <a:lstStyle/>
+          <a:p>
+            <a:r>
+              <a:rPr lang="it-IT" sz="2400" b="1" dirty="0">
+                <a:solidFill>
+                  <a:srgbClr val="1DB954"/>
+                </a:solidFill>
+              </a:rPr>
+              <a:t>PLAYLIST:</a:t>
+            </a:r>
+          </a:p>
+          <a:p>
+            <a:pPr marL="285750" indent="-285750">
+              <a:buFont typeface="Courier New" panose="02070309020205020404" pitchFamily="49" charset="0"/>
+              <a:buChar char="o"/>
+            </a:pPr>
+            <a:r>
+              <a:rPr lang="it-IT" b="1" u="sng" dirty="0">
+                <a:solidFill>
+                  <a:schemeClr val="bg1"/>
+                </a:solidFill>
+              </a:rPr>
+              <a:t>Name</a:t>
+            </a:r>
+          </a:p>
+          <a:p>
+            <a:pPr marL="285750" indent="-285750">
+              <a:buFont typeface="Courier New" panose="02070309020205020404" pitchFamily="49" charset="0"/>
+              <a:buChar char="o"/>
+            </a:pPr>
+            <a:r>
+              <a:rPr lang="it-IT" b="1" u="sng" dirty="0" err="1">
+                <a:solidFill>
+                  <a:schemeClr val="bg1"/>
+                </a:solidFill>
+              </a:rPr>
+              <a:t>UserName</a:t>
+            </a:r>
+            <a:endParaRPr lang="it-IT" b="1" u="sng" dirty="0">
+              <a:solidFill>
+                <a:schemeClr val="bg1"/>
+              </a:solidFill>
+            </a:endParaRPr>
+          </a:p>
+          <a:p>
+            <a:pPr marL="285750" indent="-285750">
+              <a:buFont typeface="Courier New" panose="02070309020205020404" pitchFamily="49" charset="0"/>
+              <a:buChar char="o"/>
+            </a:pPr>
+            <a:r>
+              <a:rPr lang="it-IT" dirty="0" err="1">
+                <a:solidFill>
+                  <a:schemeClr val="bg1"/>
+                </a:solidFill>
+              </a:rPr>
+              <a:t>CreationDate</a:t>
+            </a:r>
+            <a:endParaRPr lang="it-IT" dirty="0">
+              <a:solidFill>
+                <a:schemeClr val="bg1"/>
+              </a:solidFill>
+            </a:endParaRPr>
+          </a:p>
+        </p:txBody>
+      </p:sp>
+      <p:sp>
+        <p:nvSpPr>
+          <p:cNvPr id="9" name="CasellaDiTesto 8">
+            <a:extLst>
+              <a:ext uri="{FF2B5EF4-FFF2-40B4-BE49-F238E27FC236}">
+                <a16:creationId xmlns:a16="http://schemas.microsoft.com/office/drawing/2014/main" id="{8B982FD7-CB8E-3E75-B49E-4B2B2A7405EB}"/>
+              </a:ext>
+            </a:extLst>
+          </p:cNvPr>
+          <p:cNvSpPr txBox="1"/>
+          <p:nvPr/>
+        </p:nvSpPr>
+        <p:spPr>
+          <a:xfrm>
+            <a:off x="4068147" y="4152524"/>
+            <a:ext cx="3032449" cy="2123658"/>
+          </a:xfrm>
+          <a:prstGeom prst="rect">
+            <a:avLst/>
+          </a:prstGeom>
+          <a:noFill/>
+        </p:spPr>
+        <p:txBody>
+          <a:bodyPr wrap="square" rtlCol="0">
+            <a:spAutoFit/>
+          </a:bodyPr>
+          <a:lstStyle/>
+          <a:p>
+            <a:r>
+              <a:rPr lang="it-IT" sz="2400" b="1" dirty="0">
+                <a:solidFill>
+                  <a:srgbClr val="1DB954"/>
+                </a:solidFill>
+              </a:rPr>
+              <a:t>ALBUM:</a:t>
+            </a:r>
+          </a:p>
+          <a:p>
+            <a:pPr marL="285750" indent="-285750">
+              <a:buFont typeface="Courier New" panose="02070309020205020404" pitchFamily="49" charset="0"/>
+              <a:buChar char="o"/>
+            </a:pPr>
+            <a:r>
+              <a:rPr lang="it-IT" b="1" u="sng" dirty="0">
+                <a:solidFill>
+                  <a:schemeClr val="bg1"/>
+                </a:solidFill>
+              </a:rPr>
+              <a:t>Id</a:t>
+            </a:r>
+          </a:p>
+          <a:p>
+            <a:pPr marL="285750" indent="-285750">
+              <a:buFont typeface="Courier New" panose="02070309020205020404" pitchFamily="49" charset="0"/>
+              <a:buChar char="o"/>
+            </a:pPr>
+            <a:r>
+              <a:rPr lang="it-IT" dirty="0">
+                <a:solidFill>
+                  <a:schemeClr val="bg1"/>
+                </a:solidFill>
+              </a:rPr>
+              <a:t>Title</a:t>
+            </a:r>
+          </a:p>
+          <a:p>
+            <a:pPr marL="285750" indent="-285750">
+              <a:buFont typeface="Courier New" panose="02070309020205020404" pitchFamily="49" charset="0"/>
+              <a:buChar char="o"/>
+            </a:pPr>
+            <a:r>
+              <a:rPr lang="it-IT" dirty="0" err="1">
+                <a:solidFill>
+                  <a:schemeClr val="bg1"/>
+                </a:solidFill>
+              </a:rPr>
+              <a:t>FileImage</a:t>
+            </a:r>
+            <a:endParaRPr lang="it-IT" dirty="0">
+              <a:solidFill>
+                <a:schemeClr val="bg1"/>
+              </a:solidFill>
+            </a:endParaRPr>
+          </a:p>
+          <a:p>
+            <a:pPr marL="285750" indent="-285750">
+              <a:buFont typeface="Courier New" panose="02070309020205020404" pitchFamily="49" charset="0"/>
+              <a:buChar char="o"/>
+            </a:pPr>
+            <a:r>
+              <a:rPr lang="it-IT" dirty="0">
+                <a:solidFill>
+                  <a:schemeClr val="bg1"/>
+                </a:solidFill>
+              </a:rPr>
+              <a:t>Singer</a:t>
+            </a:r>
+          </a:p>
+          <a:p>
+            <a:pPr marL="285750" indent="-285750">
+              <a:buFont typeface="Courier New" panose="02070309020205020404" pitchFamily="49" charset="0"/>
+              <a:buChar char="o"/>
+            </a:pPr>
+            <a:r>
+              <a:rPr lang="it-IT" dirty="0" err="1">
+                <a:solidFill>
+                  <a:schemeClr val="bg1"/>
+                </a:solidFill>
+              </a:rPr>
+              <a:t>PublicationYear</a:t>
+            </a:r>
+            <a:endParaRPr lang="it-IT" dirty="0">
+              <a:solidFill>
+                <a:schemeClr val="bg1"/>
+              </a:solidFill>
+            </a:endParaRPr>
+          </a:p>
+          <a:p>
+            <a:pPr marL="285750" indent="-285750">
+              <a:buFont typeface="Courier New" panose="02070309020205020404" pitchFamily="49" charset="0"/>
+              <a:buChar char="o"/>
+            </a:pPr>
+            <a:endParaRPr lang="it-IT" dirty="0">
+              <a:solidFill>
+                <a:schemeClr val="bg1"/>
+              </a:solidFill>
+            </a:endParaRPr>
+          </a:p>
+        </p:txBody>
+      </p:sp>
+      <p:sp>
+        <p:nvSpPr>
+          <p:cNvPr id="10" name="CasellaDiTesto 9">
+            <a:extLst>
+              <a:ext uri="{FF2B5EF4-FFF2-40B4-BE49-F238E27FC236}">
+                <a16:creationId xmlns:a16="http://schemas.microsoft.com/office/drawing/2014/main" id="{04F8CB51-5057-FB17-0441-279252F85A10}"/>
+              </a:ext>
+            </a:extLst>
+          </p:cNvPr>
+          <p:cNvSpPr txBox="1"/>
+          <p:nvPr/>
+        </p:nvSpPr>
+        <p:spPr>
+          <a:xfrm>
+            <a:off x="6957529" y="1782147"/>
+            <a:ext cx="2509935" cy="1292662"/>
+          </a:xfrm>
+          <a:prstGeom prst="rect">
+            <a:avLst/>
+          </a:prstGeom>
+          <a:noFill/>
+        </p:spPr>
+        <p:txBody>
+          <a:bodyPr wrap="square" rtlCol="0">
+            <a:spAutoFit/>
+          </a:bodyPr>
+          <a:lstStyle/>
+          <a:p>
+            <a:r>
+              <a:rPr lang="it-IT" sz="2400" b="1" dirty="0">
+                <a:solidFill>
+                  <a:srgbClr val="1DB954"/>
+                </a:solidFill>
+              </a:rPr>
+              <a:t>CONTAINS:</a:t>
+            </a:r>
+          </a:p>
+          <a:p>
+            <a:pPr marL="342900" indent="-342900">
+              <a:buFont typeface="Courier New" panose="02070309020205020404" pitchFamily="49" charset="0"/>
+              <a:buChar char="o"/>
+            </a:pPr>
+            <a:r>
+              <a:rPr lang="it-IT" b="1" u="sng" dirty="0" err="1">
+                <a:solidFill>
+                  <a:schemeClr val="bg1"/>
+                </a:solidFill>
+              </a:rPr>
+              <a:t>PlaylistName</a:t>
+            </a:r>
+            <a:endParaRPr lang="it-IT" b="1" u="sng" dirty="0">
+              <a:solidFill>
+                <a:schemeClr val="bg1"/>
+              </a:solidFill>
+            </a:endParaRPr>
+          </a:p>
+          <a:p>
+            <a:pPr marL="342900" indent="-342900">
+              <a:buFont typeface="Courier New" panose="02070309020205020404" pitchFamily="49" charset="0"/>
+              <a:buChar char="o"/>
+            </a:pPr>
+            <a:r>
+              <a:rPr lang="it-IT" b="1" u="sng" dirty="0" err="1">
+                <a:solidFill>
+                  <a:schemeClr val="bg1"/>
+                </a:solidFill>
+              </a:rPr>
+              <a:t>PlaylistUser</a:t>
+            </a:r>
+            <a:endParaRPr lang="it-IT" b="1" u="sng" dirty="0">
+              <a:solidFill>
+                <a:schemeClr val="bg1"/>
+              </a:solidFill>
+            </a:endParaRPr>
+          </a:p>
+          <a:p>
+            <a:pPr marL="342900" indent="-342900">
+              <a:buFont typeface="Courier New" panose="02070309020205020404" pitchFamily="49" charset="0"/>
+              <a:buChar char="o"/>
+            </a:pPr>
+            <a:r>
+              <a:rPr lang="it-IT" b="1" u="sng" dirty="0">
+                <a:solidFill>
+                  <a:schemeClr val="bg1"/>
+                </a:solidFill>
+              </a:rPr>
+              <a:t>Song</a:t>
+            </a:r>
+          </a:p>
+        </p:txBody>
+      </p:sp>
+      <p:sp>
+        <p:nvSpPr>
+          <p:cNvPr id="15" name="CasellaDiTesto 14">
+            <a:extLst>
+              <a:ext uri="{FF2B5EF4-FFF2-40B4-BE49-F238E27FC236}">
+                <a16:creationId xmlns:a16="http://schemas.microsoft.com/office/drawing/2014/main" id="{7694A94F-EE0F-2CEC-5130-55564BA1AFA6}"/>
+              </a:ext>
+            </a:extLst>
+          </p:cNvPr>
+          <p:cNvSpPr txBox="1"/>
+          <p:nvPr/>
+        </p:nvSpPr>
+        <p:spPr>
+          <a:xfrm>
+            <a:off x="7926391" y="4152524"/>
+            <a:ext cx="4198773" cy="2400657"/>
+          </a:xfrm>
+          <a:prstGeom prst="rect">
+            <a:avLst/>
+          </a:prstGeom>
+          <a:noFill/>
+        </p:spPr>
+        <p:txBody>
+          <a:bodyPr wrap="square" rtlCol="0">
+            <a:spAutoFit/>
+          </a:bodyPr>
+          <a:lstStyle/>
+          <a:p>
+            <a:r>
+              <a:rPr lang="it-IT" sz="2400" b="1" dirty="0">
+                <a:solidFill>
+                  <a:srgbClr val="1ED760"/>
+                </a:solidFill>
+              </a:rPr>
+              <a:t>FOREIGN KEYS:</a:t>
+            </a:r>
+          </a:p>
+          <a:p>
+            <a:pPr marL="285750" indent="-285750">
+              <a:buFont typeface="Wingdings" panose="05000000000000000000" pitchFamily="2" charset="2"/>
+              <a:buChar char="§"/>
+            </a:pPr>
+            <a:r>
+              <a:rPr lang="it-IT" dirty="0">
+                <a:solidFill>
+                  <a:schemeClr val="bg1"/>
+                </a:solidFill>
+              </a:rPr>
+              <a:t>Playlist.User </a:t>
+            </a:r>
+            <a:r>
+              <a:rPr lang="it-IT" sz="1600" dirty="0">
+                <a:solidFill>
+                  <a:schemeClr val="bg1"/>
+                </a:solidFill>
+              </a:rPr>
+              <a:t>→ </a:t>
+            </a:r>
+            <a:r>
+              <a:rPr lang="it-IT" dirty="0" err="1">
+                <a:solidFill>
+                  <a:schemeClr val="bg1"/>
+                </a:solidFill>
+              </a:rPr>
+              <a:t>User.Name</a:t>
+            </a:r>
+            <a:endParaRPr lang="it-IT" dirty="0">
+              <a:solidFill>
+                <a:schemeClr val="bg1"/>
+              </a:solidFill>
+            </a:endParaRPr>
+          </a:p>
+          <a:p>
+            <a:pPr marL="285750" indent="-285750">
+              <a:buFont typeface="Wingdings" panose="05000000000000000000" pitchFamily="2" charset="2"/>
+              <a:buChar char="§"/>
+            </a:pPr>
+            <a:r>
+              <a:rPr lang="it-IT" dirty="0" err="1">
+                <a:solidFill>
+                  <a:schemeClr val="bg1"/>
+                </a:solidFill>
+              </a:rPr>
+              <a:t>Song.User</a:t>
+            </a:r>
+            <a:r>
+              <a:rPr lang="it-IT" sz="1600" dirty="0">
+                <a:solidFill>
+                  <a:schemeClr val="bg1"/>
+                </a:solidFill>
+              </a:rPr>
+              <a:t> → </a:t>
+            </a:r>
+            <a:r>
+              <a:rPr lang="it-IT" dirty="0" err="1">
+                <a:solidFill>
+                  <a:schemeClr val="bg1"/>
+                </a:solidFill>
+              </a:rPr>
+              <a:t>Usern.Name</a:t>
+            </a:r>
+            <a:endParaRPr lang="it-IT" dirty="0">
+              <a:solidFill>
+                <a:schemeClr val="bg1"/>
+              </a:solidFill>
+            </a:endParaRPr>
+          </a:p>
+          <a:p>
+            <a:pPr marL="285750" indent="-285750">
+              <a:buFont typeface="Wingdings" panose="05000000000000000000" pitchFamily="2" charset="2"/>
+              <a:buChar char="§"/>
+            </a:pPr>
+            <a:r>
+              <a:rPr lang="it-IT" dirty="0" err="1">
+                <a:solidFill>
+                  <a:schemeClr val="bg1"/>
+                </a:solidFill>
+              </a:rPr>
+              <a:t>Song.Album</a:t>
+            </a:r>
+            <a:r>
+              <a:rPr lang="it-IT" dirty="0">
+                <a:solidFill>
+                  <a:schemeClr val="bg1"/>
+                </a:solidFill>
+              </a:rPr>
+              <a:t> </a:t>
+            </a:r>
+            <a:r>
+              <a:rPr lang="it-IT" sz="1600" dirty="0">
+                <a:solidFill>
+                  <a:schemeClr val="bg1"/>
+                </a:solidFill>
+              </a:rPr>
+              <a:t>→ </a:t>
+            </a:r>
+            <a:r>
+              <a:rPr lang="it-IT" dirty="0" err="1">
+                <a:solidFill>
+                  <a:schemeClr val="bg1"/>
+                </a:solidFill>
+              </a:rPr>
+              <a:t>Album.Id</a:t>
+            </a:r>
+            <a:endParaRPr lang="it-IT" dirty="0">
+              <a:solidFill>
+                <a:schemeClr val="bg1"/>
+              </a:solidFill>
+            </a:endParaRPr>
+          </a:p>
+          <a:p>
+            <a:pPr marL="285750" indent="-285750">
+              <a:buFont typeface="Wingdings" panose="05000000000000000000" pitchFamily="2" charset="2"/>
+              <a:buChar char="§"/>
+            </a:pPr>
+            <a:r>
+              <a:rPr lang="it-IT" dirty="0" err="1">
+                <a:solidFill>
+                  <a:schemeClr val="bg1"/>
+                </a:solidFill>
+              </a:rPr>
+              <a:t>Contains</a:t>
+            </a:r>
+            <a:r>
+              <a:rPr lang="it-IT" dirty="0">
+                <a:solidFill>
+                  <a:schemeClr val="bg1"/>
+                </a:solidFill>
+              </a:rPr>
+              <a:t>.(</a:t>
+            </a:r>
+            <a:r>
+              <a:rPr lang="it-IT" dirty="0" err="1">
+                <a:solidFill>
+                  <a:schemeClr val="bg1"/>
+                </a:solidFill>
+              </a:rPr>
+              <a:t>PlaylistName</a:t>
+            </a:r>
+            <a:r>
+              <a:rPr lang="it-IT" dirty="0">
+                <a:solidFill>
+                  <a:schemeClr val="bg1"/>
+                </a:solidFill>
+              </a:rPr>
+              <a:t>, </a:t>
+            </a:r>
+            <a:r>
+              <a:rPr lang="it-IT" dirty="0" err="1">
+                <a:solidFill>
+                  <a:schemeClr val="bg1"/>
+                </a:solidFill>
+              </a:rPr>
+              <a:t>PlaylistUser</a:t>
+            </a:r>
+            <a:r>
+              <a:rPr lang="it-IT" dirty="0">
+                <a:solidFill>
+                  <a:schemeClr val="bg1"/>
+                </a:solidFill>
+              </a:rPr>
+              <a:t>)</a:t>
+            </a:r>
+            <a:r>
+              <a:rPr lang="it-IT" sz="1600" dirty="0">
+                <a:solidFill>
+                  <a:schemeClr val="bg1"/>
+                </a:solidFill>
+              </a:rPr>
+              <a:t>→ </a:t>
+            </a:r>
+            <a:r>
+              <a:rPr lang="it-IT" dirty="0">
+                <a:solidFill>
+                  <a:schemeClr val="bg1"/>
+                </a:solidFill>
+              </a:rPr>
+              <a:t>Playlist.(Name, </a:t>
+            </a:r>
+            <a:r>
+              <a:rPr lang="it-IT" dirty="0" err="1">
+                <a:solidFill>
+                  <a:schemeClr val="bg1"/>
+                </a:solidFill>
+              </a:rPr>
+              <a:t>UserName</a:t>
+            </a:r>
+            <a:r>
+              <a:rPr lang="it-IT" dirty="0">
+                <a:solidFill>
+                  <a:schemeClr val="bg1"/>
+                </a:solidFill>
+              </a:rPr>
+              <a:t>)</a:t>
+            </a:r>
+          </a:p>
+          <a:p>
+            <a:pPr marL="285750" indent="-285750">
+              <a:buFont typeface="Wingdings" panose="05000000000000000000" pitchFamily="2" charset="2"/>
+              <a:buChar char="§"/>
+            </a:pPr>
+            <a:r>
+              <a:rPr lang="it-IT" dirty="0" err="1">
+                <a:solidFill>
+                  <a:schemeClr val="bg1"/>
+                </a:solidFill>
+              </a:rPr>
+              <a:t>Contains.Song</a:t>
+            </a:r>
+            <a:r>
+              <a:rPr lang="it-IT" dirty="0">
+                <a:solidFill>
+                  <a:schemeClr val="bg1"/>
+                </a:solidFill>
+              </a:rPr>
+              <a:t> </a:t>
+            </a:r>
+            <a:r>
+              <a:rPr lang="it-IT" sz="1600" dirty="0">
+                <a:solidFill>
+                  <a:schemeClr val="bg1"/>
+                </a:solidFill>
+              </a:rPr>
+              <a:t>→ </a:t>
+            </a:r>
+            <a:r>
+              <a:rPr lang="it-IT" dirty="0" err="1">
+                <a:solidFill>
+                  <a:schemeClr val="bg1"/>
+                </a:solidFill>
+              </a:rPr>
+              <a:t>Song.Id</a:t>
+            </a:r>
+            <a:endParaRPr lang="it-IT" dirty="0">
+              <a:solidFill>
+                <a:schemeClr val="bg1"/>
+              </a:solidFill>
+            </a:endParaRPr>
+          </a:p>
+          <a:p>
+            <a:endParaRPr lang="it-IT" dirty="0"/>
           </a:p>
         </p:txBody>
       </p:sp>
     </p:spTree>
     <p:extLst>
       <p:ext uri="{BB962C8B-B14F-4D97-AF65-F5344CB8AC3E}">
-        <p14:creationId xmlns:p14="http://schemas.microsoft.com/office/powerpoint/2010/main" val="3711494915"/>
+        <p14:creationId xmlns:p14="http://schemas.microsoft.com/office/powerpoint/2010/main" val="2196545746"/>
+      </p:ext>
+    </p:extLst>
+  </p:cSld>
+  <p:clrMapOvr>
+    <a:masterClrMapping/>
+  </p:clrMapOvr>
+</p:sld>
+</file>
+
+<file path=ppt/slides/slide5.xml><?xml version="1.0" encoding="utf-8"?>
+<p:sld xmlns:a="http://schemas.openxmlformats.org/drawingml/2006/main" xmlns:r="http://schemas.openxmlformats.org/officeDocument/2006/relationships" xmlns:p="http://schemas.openxmlformats.org/presentationml/2006/main">
+  <p:cSld>
+    <p:spTree>
+      <p:nvGrpSpPr>
+        <p:cNvPr id="1" name=""/>
+        <p:cNvGrpSpPr/>
+        <p:nvPr/>
+      </p:nvGrpSpPr>
+      <p:grpSpPr>
+        <a:xfrm>
+          <a:off x="0" y="0"/>
+          <a:ext cx="0" cy="0"/>
+          <a:chOff x="0" y="0"/>
+          <a:chExt cx="0" cy="0"/>
+        </a:xfrm>
+      </p:grpSpPr>
+      <p:sp>
+        <p:nvSpPr>
+          <p:cNvPr id="2" name="Titolo 1">
+            <a:extLst>
+              <a:ext uri="{FF2B5EF4-FFF2-40B4-BE49-F238E27FC236}">
+                <a16:creationId xmlns:a16="http://schemas.microsoft.com/office/drawing/2014/main" id="{0CEB3EC8-2CE1-4BCD-2281-1FED366F1D07}"/>
+              </a:ext>
+            </a:extLst>
+          </p:cNvPr>
+          <p:cNvSpPr>
+            <a:spLocks noGrp="1"/>
+          </p:cNvSpPr>
+          <p:nvPr>
+            <p:ph type="title"/>
+          </p:nvPr>
+        </p:nvSpPr>
+        <p:spPr>
+          <a:xfrm>
+            <a:off x="838200" y="2766218"/>
+            <a:ext cx="10515600" cy="1325563"/>
+          </a:xfrm>
+        </p:spPr>
+        <p:txBody>
+          <a:bodyPr/>
+          <a:lstStyle/>
+          <a:p>
+            <a:pPr algn="ctr"/>
+            <a:r>
+              <a:rPr lang="it-IT" b="1" dirty="0">
+                <a:solidFill>
+                  <a:schemeClr val="bg1"/>
+                </a:solidFill>
+              </a:rPr>
+              <a:t>APPLICATION DESIGN</a:t>
+            </a:r>
+          </a:p>
+        </p:txBody>
+      </p:sp>
+      <p:sp>
+        <p:nvSpPr>
+          <p:cNvPr id="5" name="CasellaDiTesto 4">
+            <a:extLst>
+              <a:ext uri="{FF2B5EF4-FFF2-40B4-BE49-F238E27FC236}">
+                <a16:creationId xmlns:a16="http://schemas.microsoft.com/office/drawing/2014/main" id="{CB8E7E43-F51D-F69A-C3C0-82A394726C69}"/>
+              </a:ext>
+            </a:extLst>
+          </p:cNvPr>
+          <p:cNvSpPr txBox="1"/>
+          <p:nvPr/>
+        </p:nvSpPr>
+        <p:spPr>
+          <a:xfrm>
+            <a:off x="4929673" y="4091781"/>
+            <a:ext cx="2332653" cy="369332"/>
+          </a:xfrm>
+          <a:prstGeom prst="rect">
+            <a:avLst/>
+          </a:prstGeom>
+          <a:noFill/>
+        </p:spPr>
+        <p:txBody>
+          <a:bodyPr wrap="square" rtlCol="0">
+            <a:spAutoFit/>
+          </a:bodyPr>
+          <a:lstStyle/>
+          <a:p>
+            <a:pPr algn="ctr"/>
+            <a:r>
+              <a:rPr lang="it-IT" dirty="0">
+                <a:solidFill>
+                  <a:schemeClr val="bg1"/>
+                </a:solidFill>
+              </a:rPr>
+              <a:t>IFML</a:t>
+            </a:r>
+          </a:p>
+        </p:txBody>
+      </p:sp>
+    </p:spTree>
+    <p:extLst>
+      <p:ext uri="{BB962C8B-B14F-4D97-AF65-F5344CB8AC3E}">
+        <p14:creationId xmlns:p14="http://schemas.microsoft.com/office/powerpoint/2010/main" val="1998176971"/>
+      </p:ext>
+    </p:extLst>
+  </p:cSld>
+  <p:clrMapOvr>
+    <a:masterClrMapping/>
+  </p:clrMapOvr>
+</p:sld>
+</file>
+
+<file path=ppt/slides/slide6.xml><?xml version="1.0" encoding="utf-8"?>
+<p:sld xmlns:a="http://schemas.openxmlformats.org/drawingml/2006/main" xmlns:r="http://schemas.openxmlformats.org/officeDocument/2006/relationships" xmlns:p="http://schemas.openxmlformats.org/presentationml/2006/main">
+  <p:cSld>
+    <p:bg>
+      <p:bgPr>
+        <a:solidFill>
+          <a:schemeClr val="bg1"/>
+        </a:solidFill>
+        <a:effectLst/>
+      </p:bgPr>
+    </p:bg>
+    <p:spTree>
+      <p:nvGrpSpPr>
+        <p:cNvPr id="1" name=""/>
+        <p:cNvGrpSpPr/>
+        <p:nvPr/>
+      </p:nvGrpSpPr>
+      <p:grpSpPr>
+        <a:xfrm>
+          <a:off x="0" y="0"/>
+          <a:ext cx="0" cy="0"/>
+          <a:chOff x="0" y="0"/>
+          <a:chExt cx="0" cy="0"/>
+        </a:xfrm>
+      </p:grpSpPr>
+      <p:pic>
+        <p:nvPicPr>
+          <p:cNvPr id="4" name="Immagine 3" descr="Immagine che contiene testo, schermata, design&#10;&#10;Descrizione generata automaticamente">
+            <a:extLst>
+              <a:ext uri="{FF2B5EF4-FFF2-40B4-BE49-F238E27FC236}">
+                <a16:creationId xmlns:a16="http://schemas.microsoft.com/office/drawing/2014/main" id="{19E6E5BE-A8A1-BD61-6A5E-6B0057A23E32}"/>
+              </a:ext>
+            </a:extLst>
+          </p:cNvPr>
+          <p:cNvPicPr>
+            <a:picLocks noChangeAspect="1"/>
+          </p:cNvPicPr>
+          <p:nvPr/>
+        </p:nvPicPr>
+        <p:blipFill>
+          <a:blip r:embed="rId2">
+            <a:extLst>
+              <a:ext uri="{28A0092B-C50C-407E-A947-70E740481C1C}">
+                <a14:useLocalDpi xmlns:a14="http://schemas.microsoft.com/office/drawing/2010/main" val="0"/>
+              </a:ext>
+            </a:extLst>
+          </a:blip>
+          <a:stretch>
+            <a:fillRect/>
+          </a:stretch>
+        </p:blipFill>
+        <p:spPr>
+          <a:xfrm>
+            <a:off x="0" y="202216"/>
+            <a:ext cx="12189358" cy="6858000"/>
+          </a:xfrm>
+          <a:prstGeom prst="rect">
+            <a:avLst/>
+          </a:prstGeom>
+        </p:spPr>
+      </p:pic>
+    </p:spTree>
+    <p:extLst>
+      <p:ext uri="{BB962C8B-B14F-4D97-AF65-F5344CB8AC3E}">
+        <p14:creationId xmlns:p14="http://schemas.microsoft.com/office/powerpoint/2010/main" val="10261077"/>
+      </p:ext>
+    </p:extLst>
+  </p:cSld>
+  <p:clrMapOvr>
+    <a:masterClrMapping/>
+  </p:clrMapOvr>
+</p:sld>
+</file>
+
+<file path=ppt/slides/slide7.xml><?xml version="1.0" encoding="utf-8"?>
+<p:sld xmlns:a="http://schemas.openxmlformats.org/drawingml/2006/main" xmlns:r="http://schemas.openxmlformats.org/officeDocument/2006/relationships" xmlns:p="http://schemas.openxmlformats.org/presentationml/2006/main">
+  <p:cSld>
+    <p:spTree>
+      <p:nvGrpSpPr>
+        <p:cNvPr id="1" name=""/>
+        <p:cNvGrpSpPr/>
+        <p:nvPr/>
+      </p:nvGrpSpPr>
+      <p:grpSpPr>
+        <a:xfrm>
+          <a:off x="0" y="0"/>
+          <a:ext cx="0" cy="0"/>
+          <a:chOff x="0" y="0"/>
+          <a:chExt cx="0" cy="0"/>
+        </a:xfrm>
+      </p:grpSpPr>
+      <p:sp>
+        <p:nvSpPr>
+          <p:cNvPr id="2" name="Titolo 1">
+            <a:extLst>
+              <a:ext uri="{FF2B5EF4-FFF2-40B4-BE49-F238E27FC236}">
+                <a16:creationId xmlns:a16="http://schemas.microsoft.com/office/drawing/2014/main" id="{0CEB3EC8-2CE1-4BCD-2281-1FED366F1D07}"/>
+              </a:ext>
+            </a:extLst>
+          </p:cNvPr>
+          <p:cNvSpPr>
+            <a:spLocks noGrp="1"/>
+          </p:cNvSpPr>
+          <p:nvPr>
+            <p:ph type="title"/>
+          </p:nvPr>
+        </p:nvSpPr>
+        <p:spPr>
+          <a:xfrm>
+            <a:off x="838200" y="2766218"/>
+            <a:ext cx="10515600" cy="1325563"/>
+          </a:xfrm>
+        </p:spPr>
+        <p:txBody>
+          <a:bodyPr/>
+          <a:lstStyle/>
+          <a:p>
+            <a:pPr algn="ctr"/>
+            <a:r>
+              <a:rPr lang="it-IT" b="1" dirty="0">
+                <a:solidFill>
+                  <a:schemeClr val="bg1"/>
+                </a:solidFill>
+              </a:rPr>
+              <a:t>COMPONENTS</a:t>
+            </a:r>
+          </a:p>
+        </p:txBody>
+      </p:sp>
+      <p:sp>
+        <p:nvSpPr>
+          <p:cNvPr id="5" name="CasellaDiTesto 4">
+            <a:extLst>
+              <a:ext uri="{FF2B5EF4-FFF2-40B4-BE49-F238E27FC236}">
+                <a16:creationId xmlns:a16="http://schemas.microsoft.com/office/drawing/2014/main" id="{CB8E7E43-F51D-F69A-C3C0-82A394726C69}"/>
+              </a:ext>
+            </a:extLst>
+          </p:cNvPr>
+          <p:cNvSpPr txBox="1"/>
+          <p:nvPr/>
+        </p:nvSpPr>
+        <p:spPr>
+          <a:xfrm>
+            <a:off x="2592265" y="4091781"/>
+            <a:ext cx="7007469" cy="369332"/>
+          </a:xfrm>
+          <a:prstGeom prst="rect">
+            <a:avLst/>
+          </a:prstGeom>
+          <a:noFill/>
+        </p:spPr>
+        <p:txBody>
+          <a:bodyPr wrap="square" rtlCol="0">
+            <a:spAutoFit/>
+          </a:bodyPr>
+          <a:lstStyle/>
+          <a:p>
+            <a:pPr algn="ctr"/>
+            <a:r>
+              <a:rPr lang="it-IT" dirty="0">
+                <a:solidFill>
+                  <a:schemeClr val="bg1"/>
+                </a:solidFill>
+              </a:rPr>
+              <a:t>BEANS – DAO – SERVLETS  </a:t>
+            </a:r>
+          </a:p>
+        </p:txBody>
+      </p:sp>
+    </p:spTree>
+    <p:extLst>
+      <p:ext uri="{BB962C8B-B14F-4D97-AF65-F5344CB8AC3E}">
+        <p14:creationId xmlns:p14="http://schemas.microsoft.com/office/powerpoint/2010/main" val="2509028063"/>
+      </p:ext>
+    </p:extLst>
+  </p:cSld>
+  <p:clrMapOvr>
+    <a:masterClrMapping/>
+  </p:clrMapOvr>
+</p:sld>
+</file>
+
+<file path=ppt/slides/slide8.xml><?xml version="1.0" encoding="utf-8"?>
+<p:sld xmlns:a="http://schemas.openxmlformats.org/drawingml/2006/main" xmlns:r="http://schemas.openxmlformats.org/officeDocument/2006/relationships" xmlns:p="http://schemas.openxmlformats.org/presentationml/2006/main">
+  <p:cSld>
+    <p:spTree>
+      <p:nvGrpSpPr>
+        <p:cNvPr id="1" name=""/>
+        <p:cNvGrpSpPr/>
+        <p:nvPr/>
+      </p:nvGrpSpPr>
+      <p:grpSpPr>
+        <a:xfrm>
+          <a:off x="0" y="0"/>
+          <a:ext cx="0" cy="0"/>
+          <a:chOff x="0" y="0"/>
+          <a:chExt cx="0" cy="0"/>
+        </a:xfrm>
+      </p:grpSpPr>
+      <p:sp>
+        <p:nvSpPr>
+          <p:cNvPr id="2" name="Titolo 1">
+            <a:extLst>
+              <a:ext uri="{FF2B5EF4-FFF2-40B4-BE49-F238E27FC236}">
+                <a16:creationId xmlns:a16="http://schemas.microsoft.com/office/drawing/2014/main" id="{0CEB3EC8-2CE1-4BCD-2281-1FED366F1D07}"/>
+              </a:ext>
+            </a:extLst>
+          </p:cNvPr>
+          <p:cNvSpPr>
+            <a:spLocks noGrp="1"/>
+          </p:cNvSpPr>
+          <p:nvPr>
+            <p:ph type="title"/>
+          </p:nvPr>
+        </p:nvSpPr>
+        <p:spPr>
+          <a:xfrm>
+            <a:off x="838200" y="180459"/>
+            <a:ext cx="10515600" cy="1325563"/>
+          </a:xfrm>
+        </p:spPr>
+        <p:txBody>
+          <a:bodyPr/>
+          <a:lstStyle/>
+          <a:p>
+            <a:pPr algn="ctr"/>
+            <a:r>
+              <a:rPr lang="it-IT" b="1" dirty="0">
+                <a:solidFill>
+                  <a:schemeClr val="bg1"/>
+                </a:solidFill>
+              </a:rPr>
+              <a:t>BEANS</a:t>
+            </a:r>
+          </a:p>
+        </p:txBody>
+      </p:sp>
+      <p:grpSp>
+        <p:nvGrpSpPr>
+          <p:cNvPr id="3" name="Gruppo 2">
+            <a:extLst>
+              <a:ext uri="{FF2B5EF4-FFF2-40B4-BE49-F238E27FC236}">
+                <a16:creationId xmlns:a16="http://schemas.microsoft.com/office/drawing/2014/main" id="{EB360DB8-A537-5C00-1542-AD8B6B3FC9E7}"/>
+              </a:ext>
+            </a:extLst>
+          </p:cNvPr>
+          <p:cNvGrpSpPr/>
+          <p:nvPr/>
+        </p:nvGrpSpPr>
+        <p:grpSpPr>
+          <a:xfrm>
+            <a:off x="1683934" y="1852124"/>
+            <a:ext cx="8824131" cy="2123658"/>
+            <a:chOff x="1145602" y="2367171"/>
+            <a:chExt cx="8824131" cy="2123658"/>
+          </a:xfrm>
+        </p:grpSpPr>
+        <p:sp>
+          <p:nvSpPr>
+            <p:cNvPr id="6" name="CasellaDiTesto 5">
+              <a:extLst>
+                <a:ext uri="{FF2B5EF4-FFF2-40B4-BE49-F238E27FC236}">
+                  <a16:creationId xmlns:a16="http://schemas.microsoft.com/office/drawing/2014/main" id="{C1D4BF56-248C-C67F-AABF-88AE56B7EF00}"/>
+                </a:ext>
+              </a:extLst>
+            </p:cNvPr>
+            <p:cNvSpPr txBox="1"/>
+            <p:nvPr/>
+          </p:nvSpPr>
+          <p:spPr>
+            <a:xfrm>
+              <a:off x="1145602" y="2367171"/>
+              <a:ext cx="2736202" cy="2123658"/>
+            </a:xfrm>
+            <a:prstGeom prst="rect">
+              <a:avLst/>
+            </a:prstGeom>
+            <a:noFill/>
+          </p:spPr>
+          <p:txBody>
+            <a:bodyPr wrap="square" rtlCol="0">
+              <a:spAutoFit/>
+            </a:bodyPr>
+            <a:lstStyle/>
+            <a:p>
+              <a:r>
+                <a:rPr lang="it-IT" sz="2400" b="1" dirty="0">
+                  <a:solidFill>
+                    <a:srgbClr val="1DB954"/>
+                  </a:solidFill>
+                </a:rPr>
+                <a:t>SONG:</a:t>
+              </a:r>
+            </a:p>
+            <a:p>
+              <a:pPr marL="285750" indent="-285750">
+                <a:buFont typeface="Courier New" panose="02070309020205020404" pitchFamily="49" charset="0"/>
+                <a:buChar char="o"/>
+              </a:pPr>
+              <a:r>
+                <a:rPr lang="it-IT" dirty="0">
+                  <a:solidFill>
+                    <a:schemeClr val="bg1"/>
+                  </a:solidFill>
+                </a:rPr>
+                <a:t>id: </a:t>
+              </a:r>
+              <a:r>
+                <a:rPr lang="it-IT" dirty="0" err="1">
+                  <a:solidFill>
+                    <a:schemeClr val="bg1"/>
+                  </a:solidFill>
+                </a:rPr>
+                <a:t>int</a:t>
+              </a:r>
+              <a:endParaRPr lang="it-IT" dirty="0">
+                <a:solidFill>
+                  <a:schemeClr val="bg1"/>
+                </a:solidFill>
+              </a:endParaRPr>
+            </a:p>
+            <a:p>
+              <a:pPr marL="285750" indent="-285750">
+                <a:buFont typeface="Courier New" panose="02070309020205020404" pitchFamily="49" charset="0"/>
+                <a:buChar char="o"/>
+              </a:pPr>
+              <a:r>
+                <a:rPr lang="it-IT" dirty="0" err="1">
+                  <a:solidFill>
+                    <a:schemeClr val="bg1"/>
+                  </a:solidFill>
+                </a:rPr>
+                <a:t>title</a:t>
+              </a:r>
+              <a:r>
+                <a:rPr lang="it-IT" dirty="0">
+                  <a:solidFill>
+                    <a:schemeClr val="bg1"/>
+                  </a:solidFill>
+                </a:rPr>
+                <a:t>: </a:t>
+              </a:r>
+              <a:r>
+                <a:rPr lang="it-IT" dirty="0" err="1">
+                  <a:solidFill>
+                    <a:schemeClr val="bg1"/>
+                  </a:solidFill>
+                </a:rPr>
+                <a:t>String</a:t>
+              </a:r>
+              <a:endParaRPr lang="it-IT" dirty="0">
+                <a:solidFill>
+                  <a:schemeClr val="bg1"/>
+                </a:solidFill>
+              </a:endParaRPr>
+            </a:p>
+            <a:p>
+              <a:pPr marL="285750" indent="-285750">
+                <a:buFont typeface="Courier New" panose="02070309020205020404" pitchFamily="49" charset="0"/>
+                <a:buChar char="o"/>
+              </a:pPr>
+              <a:r>
+                <a:rPr lang="it-IT" dirty="0" err="1">
+                  <a:solidFill>
+                    <a:schemeClr val="bg1"/>
+                  </a:solidFill>
+                </a:rPr>
+                <a:t>genre</a:t>
+              </a:r>
+              <a:r>
+                <a:rPr lang="it-IT" dirty="0">
+                  <a:solidFill>
+                    <a:schemeClr val="bg1"/>
+                  </a:solidFill>
+                </a:rPr>
+                <a:t>: </a:t>
+              </a:r>
+              <a:r>
+                <a:rPr lang="it-IT" dirty="0" err="1">
+                  <a:solidFill>
+                    <a:schemeClr val="bg1"/>
+                  </a:solidFill>
+                </a:rPr>
+                <a:t>String</a:t>
+              </a:r>
+              <a:endParaRPr lang="it-IT" dirty="0">
+                <a:solidFill>
+                  <a:schemeClr val="bg1"/>
+                </a:solidFill>
+              </a:endParaRPr>
+            </a:p>
+            <a:p>
+              <a:pPr marL="285750" indent="-285750">
+                <a:buFont typeface="Courier New" panose="02070309020205020404" pitchFamily="49" charset="0"/>
+                <a:buChar char="o"/>
+              </a:pPr>
+              <a:r>
+                <a:rPr lang="it-IT" dirty="0" err="1">
+                  <a:solidFill>
+                    <a:schemeClr val="bg1"/>
+                  </a:solidFill>
+                </a:rPr>
+                <a:t>fileAudio</a:t>
+              </a:r>
+              <a:r>
+                <a:rPr lang="it-IT" dirty="0">
+                  <a:solidFill>
+                    <a:schemeClr val="bg1"/>
+                  </a:solidFill>
+                </a:rPr>
+                <a:t>: </a:t>
+              </a:r>
+              <a:r>
+                <a:rPr lang="it-IT" dirty="0" err="1">
+                  <a:solidFill>
+                    <a:schemeClr val="bg1"/>
+                  </a:solidFill>
+                </a:rPr>
+                <a:t>String</a:t>
+              </a:r>
+              <a:endParaRPr lang="it-IT" dirty="0">
+                <a:solidFill>
+                  <a:schemeClr val="bg1"/>
+                </a:solidFill>
+              </a:endParaRPr>
+            </a:p>
+            <a:p>
+              <a:pPr marL="285750" indent="-285750">
+                <a:buFont typeface="Courier New" panose="02070309020205020404" pitchFamily="49" charset="0"/>
+                <a:buChar char="o"/>
+              </a:pPr>
+              <a:r>
+                <a:rPr lang="it-IT" dirty="0">
+                  <a:solidFill>
+                    <a:schemeClr val="bg1"/>
+                  </a:solidFill>
+                </a:rPr>
+                <a:t>album: Album</a:t>
+              </a:r>
+            </a:p>
+            <a:p>
+              <a:pPr marL="285750" indent="-285750">
+                <a:buFont typeface="Courier New" panose="02070309020205020404" pitchFamily="49" charset="0"/>
+                <a:buChar char="o"/>
+              </a:pPr>
+              <a:endParaRPr lang="it-IT" dirty="0">
+                <a:solidFill>
+                  <a:schemeClr val="bg1"/>
+                </a:solidFill>
+              </a:endParaRPr>
+            </a:p>
+          </p:txBody>
+        </p:sp>
+        <p:sp>
+          <p:nvSpPr>
+            <p:cNvPr id="8" name="CasellaDiTesto 7">
+              <a:extLst>
+                <a:ext uri="{FF2B5EF4-FFF2-40B4-BE49-F238E27FC236}">
+                  <a16:creationId xmlns:a16="http://schemas.microsoft.com/office/drawing/2014/main" id="{DAD676E0-40F6-69EA-1E48-1ADA00650A49}"/>
+                </a:ext>
+              </a:extLst>
+            </p:cNvPr>
+            <p:cNvSpPr txBox="1"/>
+            <p:nvPr/>
+          </p:nvSpPr>
+          <p:spPr>
+            <a:xfrm>
+              <a:off x="7707419" y="2367171"/>
+              <a:ext cx="2262314" cy="1015663"/>
+            </a:xfrm>
+            <a:prstGeom prst="rect">
+              <a:avLst/>
+            </a:prstGeom>
+            <a:noFill/>
+          </p:spPr>
+          <p:txBody>
+            <a:bodyPr wrap="square" rtlCol="0">
+              <a:spAutoFit/>
+            </a:bodyPr>
+            <a:lstStyle/>
+            <a:p>
+              <a:r>
+                <a:rPr lang="it-IT" sz="2400" b="1" dirty="0">
+                  <a:solidFill>
+                    <a:srgbClr val="1DB954"/>
+                  </a:solidFill>
+                </a:rPr>
+                <a:t>PLAYLIST:</a:t>
+              </a:r>
+            </a:p>
+            <a:p>
+              <a:pPr marL="285750" indent="-285750">
+                <a:buFont typeface="Courier New" panose="02070309020205020404" pitchFamily="49" charset="0"/>
+                <a:buChar char="o"/>
+              </a:pPr>
+              <a:r>
+                <a:rPr lang="it-IT" dirty="0">
+                  <a:solidFill>
+                    <a:schemeClr val="bg1"/>
+                  </a:solidFill>
+                </a:rPr>
+                <a:t>name: </a:t>
+              </a:r>
+              <a:r>
+                <a:rPr lang="it-IT" dirty="0" err="1">
+                  <a:solidFill>
+                    <a:schemeClr val="bg1"/>
+                  </a:solidFill>
+                </a:rPr>
+                <a:t>String</a:t>
+              </a:r>
+              <a:endParaRPr lang="it-IT" dirty="0">
+                <a:solidFill>
+                  <a:schemeClr val="bg1"/>
+                </a:solidFill>
+              </a:endParaRPr>
+            </a:p>
+            <a:p>
+              <a:pPr marL="285750" indent="-285750">
+                <a:buFont typeface="Courier New" panose="02070309020205020404" pitchFamily="49" charset="0"/>
+                <a:buChar char="o"/>
+              </a:pPr>
+              <a:r>
+                <a:rPr lang="it-IT" dirty="0" err="1">
+                  <a:solidFill>
+                    <a:schemeClr val="bg1"/>
+                  </a:solidFill>
+                </a:rPr>
+                <a:t>creationDate</a:t>
+              </a:r>
+              <a:r>
+                <a:rPr lang="it-IT" dirty="0">
+                  <a:solidFill>
+                    <a:schemeClr val="bg1"/>
+                  </a:solidFill>
+                </a:rPr>
+                <a:t>: Date</a:t>
+              </a:r>
+            </a:p>
+          </p:txBody>
+        </p:sp>
+        <p:sp>
+          <p:nvSpPr>
+            <p:cNvPr id="10" name="CasellaDiTesto 9">
+              <a:extLst>
+                <a:ext uri="{FF2B5EF4-FFF2-40B4-BE49-F238E27FC236}">
+                  <a16:creationId xmlns:a16="http://schemas.microsoft.com/office/drawing/2014/main" id="{04F8CB51-5057-FB17-0441-279252F85A10}"/>
+                </a:ext>
+              </a:extLst>
+            </p:cNvPr>
+            <p:cNvSpPr txBox="1"/>
+            <p:nvPr/>
+          </p:nvSpPr>
+          <p:spPr>
+            <a:xfrm>
+              <a:off x="4539644" y="2367171"/>
+              <a:ext cx="2509935" cy="1846659"/>
+            </a:xfrm>
+            <a:prstGeom prst="rect">
+              <a:avLst/>
+            </a:prstGeom>
+            <a:noFill/>
+          </p:spPr>
+          <p:txBody>
+            <a:bodyPr wrap="square" rtlCol="0">
+              <a:spAutoFit/>
+            </a:bodyPr>
+            <a:lstStyle/>
+            <a:p>
+              <a:r>
+                <a:rPr lang="it-IT" sz="2400" b="1" dirty="0">
+                  <a:solidFill>
+                    <a:srgbClr val="1DB954"/>
+                  </a:solidFill>
+                </a:rPr>
+                <a:t>ALBUM:</a:t>
+              </a:r>
+            </a:p>
+            <a:p>
+              <a:pPr marL="342900" indent="-342900">
+                <a:buFont typeface="Courier New" panose="02070309020205020404" pitchFamily="49" charset="0"/>
+                <a:buChar char="o"/>
+              </a:pPr>
+              <a:r>
+                <a:rPr lang="it-IT" dirty="0">
+                  <a:solidFill>
+                    <a:schemeClr val="bg1"/>
+                  </a:solidFill>
+                </a:rPr>
+                <a:t>id: </a:t>
+              </a:r>
+              <a:r>
+                <a:rPr lang="it-IT" dirty="0" err="1">
+                  <a:solidFill>
+                    <a:schemeClr val="bg1"/>
+                  </a:solidFill>
+                </a:rPr>
+                <a:t>int</a:t>
+              </a:r>
+              <a:endParaRPr lang="it-IT" dirty="0">
+                <a:solidFill>
+                  <a:schemeClr val="bg1"/>
+                </a:solidFill>
+              </a:endParaRPr>
+            </a:p>
+            <a:p>
+              <a:pPr marL="342900" indent="-342900">
+                <a:buFont typeface="Courier New" panose="02070309020205020404" pitchFamily="49" charset="0"/>
+                <a:buChar char="o"/>
+              </a:pPr>
+              <a:r>
+                <a:rPr lang="it-IT" dirty="0" err="1">
+                  <a:solidFill>
+                    <a:schemeClr val="bg1"/>
+                  </a:solidFill>
+                </a:rPr>
+                <a:t>title</a:t>
+              </a:r>
+              <a:r>
+                <a:rPr lang="it-IT" dirty="0">
+                  <a:solidFill>
+                    <a:schemeClr val="bg1"/>
+                  </a:solidFill>
+                </a:rPr>
+                <a:t>: </a:t>
+              </a:r>
+              <a:r>
+                <a:rPr lang="it-IT" dirty="0" err="1">
+                  <a:solidFill>
+                    <a:schemeClr val="bg1"/>
+                  </a:solidFill>
+                </a:rPr>
+                <a:t>String</a:t>
+              </a:r>
+              <a:endParaRPr lang="it-IT" dirty="0">
+                <a:solidFill>
+                  <a:schemeClr val="bg1"/>
+                </a:solidFill>
+              </a:endParaRPr>
+            </a:p>
+            <a:p>
+              <a:pPr marL="342900" indent="-342900">
+                <a:buFont typeface="Courier New" panose="02070309020205020404" pitchFamily="49" charset="0"/>
+                <a:buChar char="o"/>
+              </a:pPr>
+              <a:r>
+                <a:rPr lang="it-IT" dirty="0" err="1">
+                  <a:solidFill>
+                    <a:schemeClr val="bg1"/>
+                  </a:solidFill>
+                </a:rPr>
+                <a:t>fileImage</a:t>
+              </a:r>
+              <a:r>
+                <a:rPr lang="it-IT" dirty="0">
+                  <a:solidFill>
+                    <a:schemeClr val="bg1"/>
+                  </a:solidFill>
+                </a:rPr>
+                <a:t>: </a:t>
+              </a:r>
+              <a:r>
+                <a:rPr lang="it-IT" dirty="0" err="1">
+                  <a:solidFill>
+                    <a:schemeClr val="bg1"/>
+                  </a:solidFill>
+                </a:rPr>
+                <a:t>String</a:t>
+              </a:r>
+              <a:endParaRPr lang="it-IT" dirty="0">
+                <a:solidFill>
+                  <a:schemeClr val="bg1"/>
+                </a:solidFill>
+              </a:endParaRPr>
+            </a:p>
+            <a:p>
+              <a:pPr marL="342900" indent="-342900">
+                <a:buFont typeface="Courier New" panose="02070309020205020404" pitchFamily="49" charset="0"/>
+                <a:buChar char="o"/>
+              </a:pPr>
+              <a:r>
+                <a:rPr lang="it-IT" dirty="0" err="1">
+                  <a:solidFill>
+                    <a:schemeClr val="bg1"/>
+                  </a:solidFill>
+                </a:rPr>
+                <a:t>singer</a:t>
+              </a:r>
+              <a:r>
+                <a:rPr lang="it-IT" dirty="0">
+                  <a:solidFill>
+                    <a:schemeClr val="bg1"/>
+                  </a:solidFill>
+                </a:rPr>
+                <a:t>: </a:t>
+              </a:r>
+              <a:r>
+                <a:rPr lang="it-IT" dirty="0" err="1">
+                  <a:solidFill>
+                    <a:schemeClr val="bg1"/>
+                  </a:solidFill>
+                </a:rPr>
+                <a:t>String</a:t>
+              </a:r>
+              <a:endParaRPr lang="it-IT" dirty="0">
+                <a:solidFill>
+                  <a:schemeClr val="bg1"/>
+                </a:solidFill>
+              </a:endParaRPr>
+            </a:p>
+            <a:p>
+              <a:pPr marL="342900" indent="-342900">
+                <a:buFont typeface="Courier New" panose="02070309020205020404" pitchFamily="49" charset="0"/>
+                <a:buChar char="o"/>
+              </a:pPr>
+              <a:r>
+                <a:rPr lang="it-IT" dirty="0" err="1">
+                  <a:solidFill>
+                    <a:schemeClr val="bg1"/>
+                  </a:solidFill>
+                </a:rPr>
+                <a:t>year</a:t>
+              </a:r>
+              <a:r>
+                <a:rPr lang="it-IT" dirty="0">
+                  <a:solidFill>
+                    <a:schemeClr val="bg1"/>
+                  </a:solidFill>
+                </a:rPr>
+                <a:t>: </a:t>
+              </a:r>
+              <a:r>
+                <a:rPr lang="it-IT" dirty="0" err="1">
+                  <a:solidFill>
+                    <a:schemeClr val="bg1"/>
+                  </a:solidFill>
+                </a:rPr>
+                <a:t>int</a:t>
+              </a:r>
+              <a:endParaRPr lang="it-IT" dirty="0">
+                <a:solidFill>
+                  <a:schemeClr val="bg1"/>
+                </a:solidFill>
+              </a:endParaRPr>
+            </a:p>
+          </p:txBody>
+        </p:sp>
+      </p:grpSp>
+    </p:spTree>
+    <p:extLst>
+      <p:ext uri="{BB962C8B-B14F-4D97-AF65-F5344CB8AC3E}">
+        <p14:creationId xmlns:p14="http://schemas.microsoft.com/office/powerpoint/2010/main" val="3441747994"/>
+      </p:ext>
+    </p:extLst>
+  </p:cSld>
+  <p:clrMapOvr>
+    <a:masterClrMapping/>
+  </p:clrMapOvr>
+</p:sld>
+</file>
+
+<file path=ppt/slides/slide9.xml><?xml version="1.0" encoding="utf-8"?>
+<p:sld xmlns:a="http://schemas.openxmlformats.org/drawingml/2006/main" xmlns:r="http://schemas.openxmlformats.org/officeDocument/2006/relationships" xmlns:p="http://schemas.openxmlformats.org/presentationml/2006/main">
+  <p:cSld>
+    <p:spTree>
+      <p:nvGrpSpPr>
+        <p:cNvPr id="1" name=""/>
+        <p:cNvGrpSpPr/>
+        <p:nvPr/>
+      </p:nvGrpSpPr>
+      <p:grpSpPr>
+        <a:xfrm>
+          <a:off x="0" y="0"/>
+          <a:ext cx="0" cy="0"/>
+          <a:chOff x="0" y="0"/>
+          <a:chExt cx="0" cy="0"/>
+        </a:xfrm>
+      </p:grpSpPr>
+      <p:sp>
+        <p:nvSpPr>
+          <p:cNvPr id="2" name="Titolo 1">
+            <a:extLst>
+              <a:ext uri="{FF2B5EF4-FFF2-40B4-BE49-F238E27FC236}">
+                <a16:creationId xmlns:a16="http://schemas.microsoft.com/office/drawing/2014/main" id="{0CEB3EC8-2CE1-4BCD-2281-1FED366F1D07}"/>
+              </a:ext>
+            </a:extLst>
+          </p:cNvPr>
+          <p:cNvSpPr>
+            <a:spLocks noGrp="1"/>
+          </p:cNvSpPr>
+          <p:nvPr>
+            <p:ph type="title"/>
+          </p:nvPr>
+        </p:nvSpPr>
+        <p:spPr>
+          <a:xfrm>
+            <a:off x="838200" y="180459"/>
+            <a:ext cx="10515600" cy="1325563"/>
+          </a:xfrm>
+        </p:spPr>
+        <p:txBody>
+          <a:bodyPr/>
+          <a:lstStyle/>
+          <a:p>
+            <a:pPr algn="ctr"/>
+            <a:r>
+              <a:rPr lang="it-IT" b="1" dirty="0">
+                <a:solidFill>
+                  <a:schemeClr val="bg1"/>
+                </a:solidFill>
+              </a:rPr>
+              <a:t>DAO</a:t>
+            </a:r>
+          </a:p>
+        </p:txBody>
+      </p:sp>
+      <p:grpSp>
+        <p:nvGrpSpPr>
+          <p:cNvPr id="4" name="Gruppo 3">
+            <a:extLst>
+              <a:ext uri="{FF2B5EF4-FFF2-40B4-BE49-F238E27FC236}">
+                <a16:creationId xmlns:a16="http://schemas.microsoft.com/office/drawing/2014/main" id="{C7E40BB6-E329-5F4D-70F6-738A4E2F616B}"/>
+              </a:ext>
+            </a:extLst>
+          </p:cNvPr>
+          <p:cNvGrpSpPr/>
+          <p:nvPr/>
+        </p:nvGrpSpPr>
+        <p:grpSpPr>
+          <a:xfrm>
+            <a:off x="1333032" y="1844525"/>
+            <a:ext cx="9525936" cy="4341690"/>
+            <a:chOff x="391466" y="2371567"/>
+            <a:chExt cx="9525936" cy="4341690"/>
+          </a:xfrm>
+        </p:grpSpPr>
+        <p:sp>
+          <p:nvSpPr>
+            <p:cNvPr id="6" name="CasellaDiTesto 5">
+              <a:extLst>
+                <a:ext uri="{FF2B5EF4-FFF2-40B4-BE49-F238E27FC236}">
+                  <a16:creationId xmlns:a16="http://schemas.microsoft.com/office/drawing/2014/main" id="{C1D4BF56-248C-C67F-AABF-88AE56B7EF00}"/>
+                </a:ext>
+              </a:extLst>
+            </p:cNvPr>
+            <p:cNvSpPr txBox="1"/>
+            <p:nvPr/>
+          </p:nvSpPr>
+          <p:spPr>
+            <a:xfrm>
+              <a:off x="391466" y="2371567"/>
+              <a:ext cx="2693890" cy="2400657"/>
+            </a:xfrm>
+            <a:prstGeom prst="rect">
+              <a:avLst/>
+            </a:prstGeom>
+            <a:noFill/>
+          </p:spPr>
+          <p:txBody>
+            <a:bodyPr wrap="square" rtlCol="0">
+              <a:spAutoFit/>
+            </a:bodyPr>
+            <a:lstStyle/>
+            <a:p>
+              <a:r>
+                <a:rPr lang="it-IT" sz="2400" b="1" dirty="0">
+                  <a:solidFill>
+                    <a:srgbClr val="1DB954"/>
+                  </a:solidFill>
+                </a:rPr>
+                <a:t>PLAYLIST:</a:t>
+              </a:r>
+            </a:p>
+            <a:p>
+              <a:pPr marL="285750" indent="-285750">
+                <a:buFont typeface="Courier New" panose="02070309020205020404" pitchFamily="49" charset="0"/>
+                <a:buChar char="o"/>
+              </a:pPr>
+              <a:r>
+                <a:rPr lang="it-IT" dirty="0" err="1">
+                  <a:solidFill>
+                    <a:schemeClr val="bg1"/>
+                  </a:solidFill>
+                </a:rPr>
+                <a:t>allPlaylists</a:t>
+              </a:r>
+              <a:endParaRPr lang="it-IT" dirty="0">
+                <a:solidFill>
+                  <a:schemeClr val="bg1"/>
+                </a:solidFill>
+              </a:endParaRPr>
+            </a:p>
+            <a:p>
+              <a:pPr marL="285750" indent="-285750">
+                <a:buFont typeface="Courier New" panose="02070309020205020404" pitchFamily="49" charset="0"/>
+                <a:buChar char="o"/>
+              </a:pPr>
+              <a:r>
+                <a:rPr lang="it-IT" dirty="0" err="1">
+                  <a:solidFill>
+                    <a:schemeClr val="bg1"/>
+                  </a:solidFill>
+                </a:rPr>
+                <a:t>taken</a:t>
+              </a:r>
+              <a:endParaRPr lang="it-IT" dirty="0">
+                <a:solidFill>
+                  <a:schemeClr val="bg1"/>
+                </a:solidFill>
+              </a:endParaRPr>
+            </a:p>
+            <a:p>
+              <a:pPr marL="285750" indent="-285750">
+                <a:buFont typeface="Courier New" panose="02070309020205020404" pitchFamily="49" charset="0"/>
+                <a:buChar char="o"/>
+              </a:pPr>
+              <a:r>
+                <a:rPr lang="it-IT" dirty="0" err="1">
+                  <a:solidFill>
+                    <a:schemeClr val="bg1"/>
+                  </a:solidFill>
+                </a:rPr>
+                <a:t>addPlaylist</a:t>
+              </a:r>
+              <a:endParaRPr lang="it-IT" dirty="0">
+                <a:solidFill>
+                  <a:schemeClr val="bg1"/>
+                </a:solidFill>
+              </a:endParaRPr>
+            </a:p>
+            <a:p>
+              <a:pPr marL="285750" indent="-285750">
+                <a:buFont typeface="Courier New" panose="02070309020205020404" pitchFamily="49" charset="0"/>
+                <a:buChar char="o"/>
+              </a:pPr>
+              <a:r>
+                <a:rPr lang="it-IT" dirty="0" err="1">
+                  <a:solidFill>
+                    <a:schemeClr val="bg1"/>
+                  </a:solidFill>
+                </a:rPr>
+                <a:t>songAlreadyIn</a:t>
+              </a:r>
+              <a:endParaRPr lang="it-IT" dirty="0">
+                <a:solidFill>
+                  <a:schemeClr val="bg1"/>
+                </a:solidFill>
+              </a:endParaRPr>
+            </a:p>
+            <a:p>
+              <a:pPr marL="285750" indent="-285750">
+                <a:buFont typeface="Courier New" panose="02070309020205020404" pitchFamily="49" charset="0"/>
+                <a:buChar char="o"/>
+              </a:pPr>
+              <a:r>
+                <a:rPr lang="it-IT" dirty="0" err="1">
+                  <a:solidFill>
+                    <a:schemeClr val="bg1"/>
+                  </a:solidFill>
+                </a:rPr>
+                <a:t>addSongToPlaylist</a:t>
+              </a:r>
+              <a:endParaRPr lang="it-IT" dirty="0">
+                <a:solidFill>
+                  <a:schemeClr val="bg1"/>
+                </a:solidFill>
+              </a:endParaRPr>
+            </a:p>
+            <a:p>
+              <a:pPr marL="285750" indent="-285750">
+                <a:buFont typeface="Courier New" panose="02070309020205020404" pitchFamily="49" charset="0"/>
+                <a:buChar char="o"/>
+              </a:pPr>
+              <a:r>
+                <a:rPr lang="it-IT" dirty="0" err="1">
+                  <a:solidFill>
+                    <a:schemeClr val="bg1"/>
+                  </a:solidFill>
+                </a:rPr>
+                <a:t>addPlaylistWithSongs</a:t>
+              </a:r>
+              <a:endParaRPr lang="it-IT" dirty="0">
+                <a:solidFill>
+                  <a:schemeClr val="bg1"/>
+                </a:solidFill>
+              </a:endParaRPr>
+            </a:p>
+            <a:p>
+              <a:pPr marL="285750" indent="-285750">
+                <a:buFont typeface="Courier New" panose="02070309020205020404" pitchFamily="49" charset="0"/>
+                <a:buChar char="o"/>
+              </a:pPr>
+              <a:r>
+                <a:rPr lang="it-IT" dirty="0" err="1">
+                  <a:solidFill>
+                    <a:schemeClr val="bg1"/>
+                  </a:solidFill>
+                </a:rPr>
+                <a:t>belongTo</a:t>
+              </a:r>
+              <a:endParaRPr lang="it-IT" dirty="0">
+                <a:solidFill>
+                  <a:schemeClr val="bg1"/>
+                </a:solidFill>
+              </a:endParaRPr>
+            </a:p>
+          </p:txBody>
+        </p:sp>
+        <p:sp>
+          <p:nvSpPr>
+            <p:cNvPr id="8" name="CasellaDiTesto 7">
+              <a:extLst>
+                <a:ext uri="{FF2B5EF4-FFF2-40B4-BE49-F238E27FC236}">
+                  <a16:creationId xmlns:a16="http://schemas.microsoft.com/office/drawing/2014/main" id="{DAD676E0-40F6-69EA-1E48-1ADA00650A49}"/>
+                </a:ext>
+              </a:extLst>
+            </p:cNvPr>
+            <p:cNvSpPr txBox="1"/>
+            <p:nvPr/>
+          </p:nvSpPr>
+          <p:spPr>
+            <a:xfrm>
+              <a:off x="7223512" y="2371567"/>
+              <a:ext cx="2693890" cy="1292662"/>
+            </a:xfrm>
+            <a:prstGeom prst="rect">
+              <a:avLst/>
+            </a:prstGeom>
+            <a:noFill/>
+          </p:spPr>
+          <p:txBody>
+            <a:bodyPr wrap="square" rtlCol="0">
+              <a:spAutoFit/>
+            </a:bodyPr>
+            <a:lstStyle/>
+            <a:p>
+              <a:r>
+                <a:rPr lang="it-IT" sz="2400" b="1" dirty="0">
+                  <a:solidFill>
+                    <a:srgbClr val="1DB954"/>
+                  </a:solidFill>
+                </a:rPr>
+                <a:t>USER:</a:t>
+              </a:r>
+            </a:p>
+            <a:p>
+              <a:pPr marL="285750" indent="-285750">
+                <a:buFont typeface="Courier New" panose="02070309020205020404" pitchFamily="49" charset="0"/>
+                <a:buChar char="o"/>
+              </a:pPr>
+              <a:r>
+                <a:rPr lang="it-IT" dirty="0" err="1">
+                  <a:solidFill>
+                    <a:schemeClr val="bg1"/>
+                  </a:solidFill>
+                </a:rPr>
+                <a:t>taken</a:t>
+              </a:r>
+              <a:endParaRPr lang="it-IT" dirty="0">
+                <a:solidFill>
+                  <a:schemeClr val="bg1"/>
+                </a:solidFill>
+              </a:endParaRPr>
+            </a:p>
+            <a:p>
+              <a:pPr marL="285750" indent="-285750">
+                <a:buFont typeface="Courier New" panose="02070309020205020404" pitchFamily="49" charset="0"/>
+                <a:buChar char="o"/>
+              </a:pPr>
+              <a:r>
+                <a:rPr lang="it-IT" dirty="0">
+                  <a:solidFill>
+                    <a:schemeClr val="bg1"/>
+                  </a:solidFill>
+                </a:rPr>
+                <a:t>authentication</a:t>
+              </a:r>
+            </a:p>
+            <a:p>
+              <a:pPr marL="285750" indent="-285750">
+                <a:buFont typeface="Courier New" panose="02070309020205020404" pitchFamily="49" charset="0"/>
+                <a:buChar char="o"/>
+              </a:pPr>
+              <a:r>
+                <a:rPr lang="it-IT" dirty="0" err="1">
+                  <a:solidFill>
+                    <a:schemeClr val="bg1"/>
+                  </a:solidFill>
+                </a:rPr>
+                <a:t>registration</a:t>
+              </a:r>
+              <a:endParaRPr lang="it-IT" dirty="0">
+                <a:solidFill>
+                  <a:schemeClr val="bg1"/>
+                </a:solidFill>
+              </a:endParaRPr>
+            </a:p>
+          </p:txBody>
+        </p:sp>
+        <p:sp>
+          <p:nvSpPr>
+            <p:cNvPr id="10" name="CasellaDiTesto 9">
+              <a:extLst>
+                <a:ext uri="{FF2B5EF4-FFF2-40B4-BE49-F238E27FC236}">
+                  <a16:creationId xmlns:a16="http://schemas.microsoft.com/office/drawing/2014/main" id="{04F8CB51-5057-FB17-0441-279252F85A10}"/>
+                </a:ext>
+              </a:extLst>
+            </p:cNvPr>
+            <p:cNvSpPr txBox="1"/>
+            <p:nvPr/>
+          </p:nvSpPr>
+          <p:spPr>
+            <a:xfrm>
+              <a:off x="3807489" y="2373607"/>
+              <a:ext cx="2693890" cy="4339650"/>
+            </a:xfrm>
+            <a:prstGeom prst="rect">
+              <a:avLst/>
+            </a:prstGeom>
+            <a:noFill/>
+          </p:spPr>
+          <p:txBody>
+            <a:bodyPr wrap="square" rtlCol="0">
+              <a:spAutoFit/>
+            </a:bodyPr>
+            <a:lstStyle/>
+            <a:p>
+              <a:r>
+                <a:rPr lang="it-IT" sz="2400" b="1" dirty="0">
+                  <a:solidFill>
+                    <a:srgbClr val="1DB954"/>
+                  </a:solidFill>
+                </a:rPr>
+                <a:t>SONG:</a:t>
+              </a:r>
+            </a:p>
+            <a:p>
+              <a:pPr marL="342900" indent="-342900">
+                <a:buFont typeface="Courier New" panose="02070309020205020404" pitchFamily="49" charset="0"/>
+                <a:buChar char="o"/>
+              </a:pPr>
+              <a:r>
+                <a:rPr lang="it-IT" dirty="0" err="1">
+                  <a:solidFill>
+                    <a:schemeClr val="bg1"/>
+                  </a:solidFill>
+                </a:rPr>
+                <a:t>findAlbumId</a:t>
+              </a:r>
+              <a:endParaRPr lang="it-IT" dirty="0">
+                <a:solidFill>
+                  <a:schemeClr val="bg1"/>
+                </a:solidFill>
+              </a:endParaRPr>
+            </a:p>
+            <a:p>
+              <a:pPr marL="342900" indent="-342900">
+                <a:buFont typeface="Courier New" panose="02070309020205020404" pitchFamily="49" charset="0"/>
+                <a:buChar char="o"/>
+              </a:pPr>
+              <a:r>
+                <a:rPr lang="it-IT" dirty="0" err="1">
+                  <a:solidFill>
+                    <a:schemeClr val="bg1"/>
+                  </a:solidFill>
+                </a:rPr>
+                <a:t>addAlbum</a:t>
+              </a:r>
+              <a:endParaRPr lang="it-IT" dirty="0">
+                <a:solidFill>
+                  <a:schemeClr val="bg1"/>
+                </a:solidFill>
+              </a:endParaRPr>
+            </a:p>
+            <a:p>
+              <a:pPr marL="342900" indent="-342900">
+                <a:buFont typeface="Courier New" panose="02070309020205020404" pitchFamily="49" charset="0"/>
+                <a:buChar char="o"/>
+              </a:pPr>
+              <a:r>
+                <a:rPr lang="it-IT" dirty="0" err="1">
+                  <a:solidFill>
+                    <a:schemeClr val="bg1"/>
+                  </a:solidFill>
+                </a:rPr>
+                <a:t>songAlreadyIn</a:t>
+              </a:r>
+              <a:endParaRPr lang="it-IT" dirty="0">
+                <a:solidFill>
+                  <a:schemeClr val="bg1"/>
+                </a:solidFill>
+              </a:endParaRPr>
+            </a:p>
+            <a:p>
+              <a:pPr marL="342900" indent="-342900">
+                <a:buFont typeface="Courier New" panose="02070309020205020404" pitchFamily="49" charset="0"/>
+                <a:buChar char="o"/>
+              </a:pPr>
+              <a:r>
+                <a:rPr lang="it-IT" dirty="0" err="1">
+                  <a:solidFill>
+                    <a:schemeClr val="bg1"/>
+                  </a:solidFill>
+                </a:rPr>
+                <a:t>addSong</a:t>
+              </a:r>
+              <a:endParaRPr lang="it-IT" dirty="0">
+                <a:solidFill>
+                  <a:schemeClr val="bg1"/>
+                </a:solidFill>
+              </a:endParaRPr>
+            </a:p>
+            <a:p>
+              <a:pPr marL="342900" indent="-342900">
+                <a:buFont typeface="Courier New" panose="02070309020205020404" pitchFamily="49" charset="0"/>
+                <a:buChar char="o"/>
+              </a:pPr>
+              <a:r>
+                <a:rPr lang="it-IT" dirty="0" err="1">
+                  <a:solidFill>
+                    <a:schemeClr val="bg1"/>
+                  </a:solidFill>
+                </a:rPr>
+                <a:t>addSongAndAlbum</a:t>
+              </a:r>
+              <a:endParaRPr lang="it-IT" dirty="0">
+                <a:solidFill>
+                  <a:schemeClr val="bg1"/>
+                </a:solidFill>
+              </a:endParaRPr>
+            </a:p>
+            <a:p>
+              <a:pPr marL="342900" indent="-342900">
+                <a:buFont typeface="Courier New" panose="02070309020205020404" pitchFamily="49" charset="0"/>
+                <a:buChar char="o"/>
+              </a:pPr>
+              <a:r>
+                <a:rPr lang="it-IT" dirty="0" err="1">
+                  <a:solidFill>
+                    <a:schemeClr val="bg1"/>
+                  </a:solidFill>
+                </a:rPr>
+                <a:t>getSongTitleAndImage</a:t>
+              </a:r>
+              <a:endParaRPr lang="it-IT" dirty="0">
+                <a:solidFill>
+                  <a:schemeClr val="bg1"/>
+                </a:solidFill>
+              </a:endParaRPr>
+            </a:p>
+            <a:p>
+              <a:pPr marL="342900" indent="-342900">
+                <a:buFont typeface="Courier New" panose="02070309020205020404" pitchFamily="49" charset="0"/>
+                <a:buChar char="o"/>
+              </a:pPr>
+              <a:r>
+                <a:rPr lang="it-IT" dirty="0" err="1">
+                  <a:solidFill>
+                    <a:schemeClr val="bg1"/>
+                  </a:solidFill>
+                </a:rPr>
+                <a:t>getSongsNotInPlaylist</a:t>
+              </a:r>
+              <a:endParaRPr lang="it-IT" dirty="0">
+                <a:solidFill>
+                  <a:schemeClr val="bg1"/>
+                </a:solidFill>
+              </a:endParaRPr>
+            </a:p>
+            <a:p>
+              <a:pPr marL="342900" indent="-342900">
+                <a:buFont typeface="Courier New" panose="02070309020205020404" pitchFamily="49" charset="0"/>
+                <a:buChar char="o"/>
+              </a:pPr>
+              <a:r>
+                <a:rPr lang="it-IT" dirty="0" err="1">
+                  <a:solidFill>
+                    <a:schemeClr val="bg1"/>
+                  </a:solidFill>
+                </a:rPr>
+                <a:t>getSongsByUser</a:t>
+              </a:r>
+              <a:endParaRPr lang="it-IT" dirty="0">
+                <a:solidFill>
+                  <a:schemeClr val="bg1"/>
+                </a:solidFill>
+              </a:endParaRPr>
+            </a:p>
+            <a:p>
+              <a:pPr marL="342900" indent="-342900">
+                <a:buFont typeface="Courier New" panose="02070309020205020404" pitchFamily="49" charset="0"/>
+                <a:buChar char="o"/>
+              </a:pPr>
+              <a:r>
+                <a:rPr lang="it-IT" dirty="0" err="1">
+                  <a:solidFill>
+                    <a:schemeClr val="bg1"/>
+                  </a:solidFill>
+                </a:rPr>
+                <a:t>playSong</a:t>
+              </a:r>
+              <a:endParaRPr lang="it-IT" dirty="0">
+                <a:solidFill>
+                  <a:schemeClr val="bg1"/>
+                </a:solidFill>
+              </a:endParaRPr>
+            </a:p>
+            <a:p>
+              <a:pPr marL="342900" indent="-342900">
+                <a:buFont typeface="Courier New" panose="02070309020205020404" pitchFamily="49" charset="0"/>
+                <a:buChar char="o"/>
+              </a:pPr>
+              <a:r>
+                <a:rPr lang="it-IT" dirty="0" err="1">
+                  <a:solidFill>
+                    <a:schemeClr val="bg1"/>
+                  </a:solidFill>
+                </a:rPr>
+                <a:t>belongTo</a:t>
+              </a:r>
+              <a:endParaRPr lang="it-IT" dirty="0">
+                <a:solidFill>
+                  <a:schemeClr val="bg1"/>
+                </a:solidFill>
+              </a:endParaRPr>
+            </a:p>
+            <a:p>
+              <a:pPr marL="342900" indent="-342900">
+                <a:buFont typeface="Courier New" panose="02070309020205020404" pitchFamily="49" charset="0"/>
+                <a:buChar char="o"/>
+              </a:pPr>
+              <a:r>
+                <a:rPr lang="it-IT" dirty="0" err="1">
+                  <a:solidFill>
+                    <a:schemeClr val="bg1"/>
+                  </a:solidFill>
+                </a:rPr>
+                <a:t>getNumOfSongsByUser</a:t>
+              </a:r>
+              <a:endParaRPr lang="it-IT" dirty="0">
+                <a:solidFill>
+                  <a:schemeClr val="bg1"/>
+                </a:solidFill>
+              </a:endParaRPr>
+            </a:p>
+            <a:p>
+              <a:pPr marL="342900" indent="-342900">
+                <a:buFont typeface="Courier New" panose="02070309020205020404" pitchFamily="49" charset="0"/>
+                <a:buChar char="o"/>
+              </a:pPr>
+              <a:r>
+                <a:rPr lang="it-IT" dirty="0" err="1">
+                  <a:solidFill>
+                    <a:schemeClr val="bg1"/>
+                  </a:solidFill>
+                </a:rPr>
+                <a:t>imgBelongTo</a:t>
+              </a:r>
+              <a:endParaRPr lang="it-IT" dirty="0">
+                <a:solidFill>
+                  <a:schemeClr val="bg1"/>
+                </a:solidFill>
+              </a:endParaRPr>
+            </a:p>
+            <a:p>
+              <a:pPr marL="342900" indent="-342900">
+                <a:buFont typeface="Courier New" panose="02070309020205020404" pitchFamily="49" charset="0"/>
+                <a:buChar char="o"/>
+              </a:pPr>
+              <a:r>
+                <a:rPr lang="it-IT" dirty="0" err="1">
+                  <a:solidFill>
+                    <a:schemeClr val="bg1"/>
+                  </a:solidFill>
+                </a:rPr>
+                <a:t>audioBelongTo</a:t>
+              </a:r>
+              <a:endParaRPr lang="it-IT" dirty="0">
+                <a:solidFill>
+                  <a:schemeClr val="bg1"/>
+                </a:solidFill>
+              </a:endParaRPr>
+            </a:p>
+            <a:p>
+              <a:pPr marL="342900" indent="-342900">
+                <a:buFont typeface="Courier New" panose="02070309020205020404" pitchFamily="49" charset="0"/>
+                <a:buChar char="o"/>
+              </a:pPr>
+              <a:endParaRPr lang="it-IT" dirty="0">
+                <a:solidFill>
+                  <a:schemeClr val="bg1"/>
+                </a:solidFill>
+              </a:endParaRPr>
+            </a:p>
+          </p:txBody>
+        </p:sp>
+      </p:grpSp>
+    </p:spTree>
+    <p:extLst>
+      <p:ext uri="{BB962C8B-B14F-4D97-AF65-F5344CB8AC3E}">
+        <p14:creationId xmlns:p14="http://schemas.microsoft.com/office/powerpoint/2010/main" val="3833771164"/>
       </p:ext>
     </p:extLst>
   </p:cSld>

--- a/delivers/THE PLAYLIST.pptx
+++ b/delivers/THE PLAYLIST.pptx
@@ -2,22 +2,27 @@
 <file path=ppt/presentation.xml><?xml version="1.0" encoding="utf-8"?>
 <p:presentation xmlns:a="http://schemas.openxmlformats.org/drawingml/2006/main" xmlns:r="http://schemas.openxmlformats.org/officeDocument/2006/relationships" xmlns:p="http://schemas.openxmlformats.org/presentationml/2006/main" saveSubsetFonts="1">
   <p:sldMasterIdLst>
-    <p:sldMasterId id="2147483648" r:id="rId1"/>
+    <p:sldMasterId id="2147483648" r:id="rId4"/>
   </p:sldMasterIdLst>
   <p:sldIdLst>
-    <p:sldId id="256" r:id="rId2"/>
-    <p:sldId id="263" r:id="rId3"/>
-    <p:sldId id="259" r:id="rId4"/>
-    <p:sldId id="257" r:id="rId5"/>
-    <p:sldId id="262" r:id="rId6"/>
-    <p:sldId id="261" r:id="rId7"/>
-    <p:sldId id="265" r:id="rId8"/>
-    <p:sldId id="266" r:id="rId9"/>
-    <p:sldId id="269" r:id="rId10"/>
-    <p:sldId id="268" r:id="rId11"/>
-    <p:sldId id="270" r:id="rId12"/>
-    <p:sldId id="271" r:id="rId13"/>
-    <p:sldId id="272" r:id="rId14"/>
+    <p:sldId id="256" r:id="rId5"/>
+    <p:sldId id="263" r:id="rId6"/>
+    <p:sldId id="259" r:id="rId7"/>
+    <p:sldId id="257" r:id="rId8"/>
+    <p:sldId id="262" r:id="rId9"/>
+    <p:sldId id="261" r:id="rId10"/>
+    <p:sldId id="265" r:id="rId11"/>
+    <p:sldId id="266" r:id="rId12"/>
+    <p:sldId id="269" r:id="rId13"/>
+    <p:sldId id="268" r:id="rId14"/>
+    <p:sldId id="270" r:id="rId15"/>
+    <p:sldId id="271" r:id="rId16"/>
+    <p:sldId id="272" r:id="rId17"/>
+    <p:sldId id="275" r:id="rId18"/>
+    <p:sldId id="273" r:id="rId19"/>
+    <p:sldId id="276" r:id="rId20"/>
+    <p:sldId id="277" r:id="rId21"/>
+    <p:sldId id="279" r:id="rId22"/>
   </p:sldIdLst>
   <p:sldSz cx="12192000" cy="6858000"/>
   <p:notesSz cx="6858000" cy="9144000"/>
@@ -133,6 +138,14 @@
     </p:ext>
   </p:extLst>
 </p:presentation>
+</file>
+
+<file path=ppt/revisionInfo.xml><?xml version="1.0" encoding="utf-8"?>
+<p1510:revInfo xmlns:a="http://schemas.openxmlformats.org/drawingml/2006/main" xmlns:r="http://schemas.openxmlformats.org/officeDocument/2006/relationships" xmlns:p1510="http://schemas.microsoft.com/office/powerpoint/2015/10/main">
+  <p1510:revLst>
+    <p1510:client id="{9ED2B560-AA97-46BD-82AA-F8FD446E9B37}" v="32" dt="2023-05-07T00:46:13.147"/>
+  </p1510:revLst>
+</p1510:revInfo>
 </file>
 
 <file path=ppt/slideLayouts/slideLayout1.xml><?xml version="1.0" encoding="utf-8"?>
@@ -4110,527 +4123,1063 @@
           <a:chExt cx="0" cy="0"/>
         </a:xfrm>
       </p:grpSpPr>
-      <p:sp>
-        <p:nvSpPr>
-          <p:cNvPr id="4" name="Rettangolo 3">
-            <a:extLst>
-              <a:ext uri="{FF2B5EF4-FFF2-40B4-BE49-F238E27FC236}">
-                <a16:creationId xmlns:a16="http://schemas.microsoft.com/office/drawing/2014/main" id="{0587E134-8B94-FD1E-F97A-25B669D4B70D}"/>
-              </a:ext>
-            </a:extLst>
-          </p:cNvPr>
-          <p:cNvSpPr/>
+      <p:grpSp>
+        <p:nvGrpSpPr>
+          <p:cNvPr id="21" name="Gruppo 20">
+            <a:extLst>
+              <a:ext uri="{FF2B5EF4-FFF2-40B4-BE49-F238E27FC236}">
+                <a16:creationId xmlns:a16="http://schemas.microsoft.com/office/drawing/2014/main" id="{33363B38-40E5-4008-4457-D211180506A2}"/>
+              </a:ext>
+            </a:extLst>
+          </p:cNvPr>
+          <p:cNvGrpSpPr/>
           <p:nvPr/>
-        </p:nvSpPr>
-        <p:spPr>
+        </p:nvGrpSpPr>
+        <p:grpSpPr>
           <a:xfrm>
-            <a:off x="3297848" y="342900"/>
-            <a:ext cx="5596303" cy="6172200"/>
+            <a:off x="308095" y="342899"/>
+            <a:ext cx="11575809" cy="6172201"/>
+            <a:chOff x="299671" y="382464"/>
+            <a:chExt cx="11575809" cy="6172201"/>
           </a:xfrm>
-          <a:custGeom>
-            <a:avLst/>
-            <a:gdLst>
-              <a:gd name="connsiteX0" fmla="*/ 0 w 5596303"/>
-              <a:gd name="connsiteY0" fmla="*/ 0 h 6172200"/>
-              <a:gd name="connsiteX1" fmla="*/ 503667 w 5596303"/>
-              <a:gd name="connsiteY1" fmla="*/ 0 h 6172200"/>
-              <a:gd name="connsiteX2" fmla="*/ 895408 w 5596303"/>
-              <a:gd name="connsiteY2" fmla="*/ 0 h 6172200"/>
-              <a:gd name="connsiteX3" fmla="*/ 1566965 w 5596303"/>
-              <a:gd name="connsiteY3" fmla="*/ 0 h 6172200"/>
-              <a:gd name="connsiteX4" fmla="*/ 2070632 w 5596303"/>
-              <a:gd name="connsiteY4" fmla="*/ 0 h 6172200"/>
-              <a:gd name="connsiteX5" fmla="*/ 2574299 w 5596303"/>
-              <a:gd name="connsiteY5" fmla="*/ 0 h 6172200"/>
-              <a:gd name="connsiteX6" fmla="*/ 3245856 w 5596303"/>
-              <a:gd name="connsiteY6" fmla="*/ 0 h 6172200"/>
-              <a:gd name="connsiteX7" fmla="*/ 3693560 w 5596303"/>
-              <a:gd name="connsiteY7" fmla="*/ 0 h 6172200"/>
-              <a:gd name="connsiteX8" fmla="*/ 4365116 w 5596303"/>
-              <a:gd name="connsiteY8" fmla="*/ 0 h 6172200"/>
-              <a:gd name="connsiteX9" fmla="*/ 5036673 w 5596303"/>
-              <a:gd name="connsiteY9" fmla="*/ 0 h 6172200"/>
-              <a:gd name="connsiteX10" fmla="*/ 5596303 w 5596303"/>
-              <a:gd name="connsiteY10" fmla="*/ 0 h 6172200"/>
-              <a:gd name="connsiteX11" fmla="*/ 5596303 w 5596303"/>
-              <a:gd name="connsiteY11" fmla="*/ 684553 h 6172200"/>
-              <a:gd name="connsiteX12" fmla="*/ 5596303 w 5596303"/>
-              <a:gd name="connsiteY12" fmla="*/ 1307384 h 6172200"/>
-              <a:gd name="connsiteX13" fmla="*/ 5596303 w 5596303"/>
-              <a:gd name="connsiteY13" fmla="*/ 1683327 h 6172200"/>
-              <a:gd name="connsiteX14" fmla="*/ 5596303 w 5596303"/>
-              <a:gd name="connsiteY14" fmla="*/ 2244436 h 6172200"/>
-              <a:gd name="connsiteX15" fmla="*/ 5596303 w 5596303"/>
-              <a:gd name="connsiteY15" fmla="*/ 2805545 h 6172200"/>
-              <a:gd name="connsiteX16" fmla="*/ 5596303 w 5596303"/>
-              <a:gd name="connsiteY16" fmla="*/ 3366655 h 6172200"/>
-              <a:gd name="connsiteX17" fmla="*/ 5596303 w 5596303"/>
-              <a:gd name="connsiteY17" fmla="*/ 3989486 h 6172200"/>
-              <a:gd name="connsiteX18" fmla="*/ 5596303 w 5596303"/>
-              <a:gd name="connsiteY18" fmla="*/ 4612317 h 6172200"/>
-              <a:gd name="connsiteX19" fmla="*/ 5596303 w 5596303"/>
-              <a:gd name="connsiteY19" fmla="*/ 5235148 h 6172200"/>
-              <a:gd name="connsiteX20" fmla="*/ 5596303 w 5596303"/>
-              <a:gd name="connsiteY20" fmla="*/ 5611091 h 6172200"/>
-              <a:gd name="connsiteX21" fmla="*/ 5596303 w 5596303"/>
-              <a:gd name="connsiteY21" fmla="*/ 6172200 h 6172200"/>
-              <a:gd name="connsiteX22" fmla="*/ 4980710 w 5596303"/>
-              <a:gd name="connsiteY22" fmla="*/ 6172200 h 6172200"/>
-              <a:gd name="connsiteX23" fmla="*/ 4533005 w 5596303"/>
-              <a:gd name="connsiteY23" fmla="*/ 6172200 h 6172200"/>
-              <a:gd name="connsiteX24" fmla="*/ 3973375 w 5596303"/>
-              <a:gd name="connsiteY24" fmla="*/ 6172200 h 6172200"/>
-              <a:gd name="connsiteX25" fmla="*/ 3581634 w 5596303"/>
-              <a:gd name="connsiteY25" fmla="*/ 6172200 h 6172200"/>
-              <a:gd name="connsiteX26" fmla="*/ 3189893 w 5596303"/>
-              <a:gd name="connsiteY26" fmla="*/ 6172200 h 6172200"/>
-              <a:gd name="connsiteX27" fmla="*/ 2630262 w 5596303"/>
-              <a:gd name="connsiteY27" fmla="*/ 6172200 h 6172200"/>
-              <a:gd name="connsiteX28" fmla="*/ 2182558 w 5596303"/>
-              <a:gd name="connsiteY28" fmla="*/ 6172200 h 6172200"/>
-              <a:gd name="connsiteX29" fmla="*/ 1566965 w 5596303"/>
-              <a:gd name="connsiteY29" fmla="*/ 6172200 h 6172200"/>
-              <a:gd name="connsiteX30" fmla="*/ 1119261 w 5596303"/>
-              <a:gd name="connsiteY30" fmla="*/ 6172200 h 6172200"/>
-              <a:gd name="connsiteX31" fmla="*/ 503667 w 5596303"/>
-              <a:gd name="connsiteY31" fmla="*/ 6172200 h 6172200"/>
-              <a:gd name="connsiteX32" fmla="*/ 0 w 5596303"/>
-              <a:gd name="connsiteY32" fmla="*/ 6172200 h 6172200"/>
-              <a:gd name="connsiteX33" fmla="*/ 0 w 5596303"/>
-              <a:gd name="connsiteY33" fmla="*/ 5549369 h 6172200"/>
-              <a:gd name="connsiteX34" fmla="*/ 0 w 5596303"/>
-              <a:gd name="connsiteY34" fmla="*/ 4926538 h 6172200"/>
-              <a:gd name="connsiteX35" fmla="*/ 0 w 5596303"/>
-              <a:gd name="connsiteY35" fmla="*/ 4241985 h 6172200"/>
-              <a:gd name="connsiteX36" fmla="*/ 0 w 5596303"/>
-              <a:gd name="connsiteY36" fmla="*/ 3742598 h 6172200"/>
-              <a:gd name="connsiteX37" fmla="*/ 0 w 5596303"/>
-              <a:gd name="connsiteY37" fmla="*/ 3058045 h 6172200"/>
-              <a:gd name="connsiteX38" fmla="*/ 0 w 5596303"/>
-              <a:gd name="connsiteY38" fmla="*/ 2620379 h 6172200"/>
-              <a:gd name="connsiteX39" fmla="*/ 0 w 5596303"/>
-              <a:gd name="connsiteY39" fmla="*/ 2244436 h 6172200"/>
-              <a:gd name="connsiteX40" fmla="*/ 0 w 5596303"/>
-              <a:gd name="connsiteY40" fmla="*/ 1868493 h 6172200"/>
-              <a:gd name="connsiteX41" fmla="*/ 0 w 5596303"/>
-              <a:gd name="connsiteY41" fmla="*/ 1245662 h 6172200"/>
-              <a:gd name="connsiteX42" fmla="*/ 0 w 5596303"/>
-              <a:gd name="connsiteY42" fmla="*/ 869719 h 6172200"/>
-              <a:gd name="connsiteX43" fmla="*/ 0 w 5596303"/>
-              <a:gd name="connsiteY43" fmla="*/ 0 h 6172200"/>
-            </a:gdLst>
-            <a:ahLst/>
-            <a:cxnLst>
-              <a:cxn ang="0">
-                <a:pos x="connsiteX0" y="connsiteY0"/>
-              </a:cxn>
-              <a:cxn ang="0">
-                <a:pos x="connsiteX1" y="connsiteY1"/>
-              </a:cxn>
-              <a:cxn ang="0">
-                <a:pos x="connsiteX2" y="connsiteY2"/>
-              </a:cxn>
-              <a:cxn ang="0">
-                <a:pos x="connsiteX3" y="connsiteY3"/>
-              </a:cxn>
-              <a:cxn ang="0">
-                <a:pos x="connsiteX4" y="connsiteY4"/>
-              </a:cxn>
-              <a:cxn ang="0">
-                <a:pos x="connsiteX5" y="connsiteY5"/>
-              </a:cxn>
-              <a:cxn ang="0">
-                <a:pos x="connsiteX6" y="connsiteY6"/>
-              </a:cxn>
-              <a:cxn ang="0">
-                <a:pos x="connsiteX7" y="connsiteY7"/>
-              </a:cxn>
-              <a:cxn ang="0">
-                <a:pos x="connsiteX8" y="connsiteY8"/>
-              </a:cxn>
-              <a:cxn ang="0">
-                <a:pos x="connsiteX9" y="connsiteY9"/>
-              </a:cxn>
-              <a:cxn ang="0">
-                <a:pos x="connsiteX10" y="connsiteY10"/>
-              </a:cxn>
-              <a:cxn ang="0">
-                <a:pos x="connsiteX11" y="connsiteY11"/>
-              </a:cxn>
-              <a:cxn ang="0">
-                <a:pos x="connsiteX12" y="connsiteY12"/>
-              </a:cxn>
-              <a:cxn ang="0">
-                <a:pos x="connsiteX13" y="connsiteY13"/>
-              </a:cxn>
-              <a:cxn ang="0">
-                <a:pos x="connsiteX14" y="connsiteY14"/>
-              </a:cxn>
-              <a:cxn ang="0">
-                <a:pos x="connsiteX15" y="connsiteY15"/>
-              </a:cxn>
-              <a:cxn ang="0">
-                <a:pos x="connsiteX16" y="connsiteY16"/>
-              </a:cxn>
-              <a:cxn ang="0">
-                <a:pos x="connsiteX17" y="connsiteY17"/>
-              </a:cxn>
-              <a:cxn ang="0">
-                <a:pos x="connsiteX18" y="connsiteY18"/>
-              </a:cxn>
-              <a:cxn ang="0">
-                <a:pos x="connsiteX19" y="connsiteY19"/>
-              </a:cxn>
-              <a:cxn ang="0">
-                <a:pos x="connsiteX20" y="connsiteY20"/>
-              </a:cxn>
-              <a:cxn ang="0">
-                <a:pos x="connsiteX21" y="connsiteY21"/>
-              </a:cxn>
-              <a:cxn ang="0">
-                <a:pos x="connsiteX22" y="connsiteY22"/>
-              </a:cxn>
-              <a:cxn ang="0">
-                <a:pos x="connsiteX23" y="connsiteY23"/>
-              </a:cxn>
-              <a:cxn ang="0">
-                <a:pos x="connsiteX24" y="connsiteY24"/>
-              </a:cxn>
-              <a:cxn ang="0">
-                <a:pos x="connsiteX25" y="connsiteY25"/>
-              </a:cxn>
-              <a:cxn ang="0">
-                <a:pos x="connsiteX26" y="connsiteY26"/>
-              </a:cxn>
-              <a:cxn ang="0">
-                <a:pos x="connsiteX27" y="connsiteY27"/>
-              </a:cxn>
-              <a:cxn ang="0">
-                <a:pos x="connsiteX28" y="connsiteY28"/>
-              </a:cxn>
-              <a:cxn ang="0">
-                <a:pos x="connsiteX29" y="connsiteY29"/>
-              </a:cxn>
-              <a:cxn ang="0">
-                <a:pos x="connsiteX30" y="connsiteY30"/>
-              </a:cxn>
-              <a:cxn ang="0">
-                <a:pos x="connsiteX31" y="connsiteY31"/>
-              </a:cxn>
-              <a:cxn ang="0">
-                <a:pos x="connsiteX32" y="connsiteY32"/>
-              </a:cxn>
-              <a:cxn ang="0">
-                <a:pos x="connsiteX33" y="connsiteY33"/>
-              </a:cxn>
-              <a:cxn ang="0">
-                <a:pos x="connsiteX34" y="connsiteY34"/>
-              </a:cxn>
-              <a:cxn ang="0">
-                <a:pos x="connsiteX35" y="connsiteY35"/>
-              </a:cxn>
-              <a:cxn ang="0">
-                <a:pos x="connsiteX36" y="connsiteY36"/>
-              </a:cxn>
-              <a:cxn ang="0">
-                <a:pos x="connsiteX37" y="connsiteY37"/>
-              </a:cxn>
-              <a:cxn ang="0">
-                <a:pos x="connsiteX38" y="connsiteY38"/>
-              </a:cxn>
-              <a:cxn ang="0">
-                <a:pos x="connsiteX39" y="connsiteY39"/>
-              </a:cxn>
-              <a:cxn ang="0">
-                <a:pos x="connsiteX40" y="connsiteY40"/>
-              </a:cxn>
-              <a:cxn ang="0">
-                <a:pos x="connsiteX41" y="connsiteY41"/>
-              </a:cxn>
-              <a:cxn ang="0">
-                <a:pos x="connsiteX42" y="connsiteY42"/>
-              </a:cxn>
-              <a:cxn ang="0">
-                <a:pos x="connsiteX43" y="connsiteY43"/>
-              </a:cxn>
-            </a:cxnLst>
-            <a:rect l="l" t="t" r="r" b="b"/>
-            <a:pathLst>
-              <a:path w="5596303" h="6172200" extrusionOk="0">
-                <a:moveTo>
-                  <a:pt x="0" y="0"/>
-                </a:moveTo>
-                <a:cubicBezTo>
-                  <a:pt x="207596" y="-38152"/>
-                  <a:pt x="305065" y="17182"/>
-                  <a:pt x="503667" y="0"/>
-                </a:cubicBezTo>
-                <a:cubicBezTo>
-                  <a:pt x="702269" y="-17182"/>
-                  <a:pt x="816005" y="20624"/>
-                  <a:pt x="895408" y="0"/>
-                </a:cubicBezTo>
-                <a:cubicBezTo>
-                  <a:pt x="974811" y="-20624"/>
-                  <a:pt x="1393431" y="78612"/>
-                  <a:pt x="1566965" y="0"/>
-                </a:cubicBezTo>
-                <a:cubicBezTo>
-                  <a:pt x="1740499" y="-78612"/>
-                  <a:pt x="1890248" y="52366"/>
-                  <a:pt x="2070632" y="0"/>
-                </a:cubicBezTo>
-                <a:cubicBezTo>
-                  <a:pt x="2251016" y="-52366"/>
-                  <a:pt x="2407651" y="42119"/>
-                  <a:pt x="2574299" y="0"/>
-                </a:cubicBezTo>
-                <a:cubicBezTo>
-                  <a:pt x="2740947" y="-42119"/>
-                  <a:pt x="3024878" y="77054"/>
-                  <a:pt x="3245856" y="0"/>
-                </a:cubicBezTo>
-                <a:cubicBezTo>
-                  <a:pt x="3466834" y="-77054"/>
-                  <a:pt x="3530119" y="9115"/>
-                  <a:pt x="3693560" y="0"/>
-                </a:cubicBezTo>
-                <a:cubicBezTo>
-                  <a:pt x="3857001" y="-9115"/>
-                  <a:pt x="4155897" y="47166"/>
-                  <a:pt x="4365116" y="0"/>
-                </a:cubicBezTo>
-                <a:cubicBezTo>
-                  <a:pt x="4574335" y="-47166"/>
-                  <a:pt x="4861215" y="43056"/>
-                  <a:pt x="5036673" y="0"/>
-                </a:cubicBezTo>
-                <a:cubicBezTo>
-                  <a:pt x="5212131" y="-43056"/>
-                  <a:pt x="5387088" y="23271"/>
-                  <a:pt x="5596303" y="0"/>
-                </a:cubicBezTo>
-                <a:cubicBezTo>
-                  <a:pt x="5650693" y="186262"/>
-                  <a:pt x="5539700" y="533819"/>
-                  <a:pt x="5596303" y="684553"/>
-                </a:cubicBezTo>
-                <a:cubicBezTo>
-                  <a:pt x="5652906" y="835287"/>
-                  <a:pt x="5578086" y="1119406"/>
-                  <a:pt x="5596303" y="1307384"/>
-                </a:cubicBezTo>
-                <a:cubicBezTo>
-                  <a:pt x="5614520" y="1495362"/>
-                  <a:pt x="5563588" y="1496888"/>
-                  <a:pt x="5596303" y="1683327"/>
-                </a:cubicBezTo>
-                <a:cubicBezTo>
-                  <a:pt x="5629018" y="1869766"/>
-                  <a:pt x="5573857" y="2012325"/>
-                  <a:pt x="5596303" y="2244436"/>
-                </a:cubicBezTo>
-                <a:cubicBezTo>
-                  <a:pt x="5618749" y="2476547"/>
-                  <a:pt x="5588719" y="2567849"/>
-                  <a:pt x="5596303" y="2805545"/>
-                </a:cubicBezTo>
-                <a:cubicBezTo>
-                  <a:pt x="5603887" y="3043241"/>
-                  <a:pt x="5546264" y="3116421"/>
-                  <a:pt x="5596303" y="3366655"/>
-                </a:cubicBezTo>
-                <a:cubicBezTo>
-                  <a:pt x="5646342" y="3616889"/>
-                  <a:pt x="5547882" y="3838370"/>
-                  <a:pt x="5596303" y="3989486"/>
-                </a:cubicBezTo>
-                <a:cubicBezTo>
-                  <a:pt x="5644724" y="4140602"/>
-                  <a:pt x="5531605" y="4368482"/>
-                  <a:pt x="5596303" y="4612317"/>
-                </a:cubicBezTo>
-                <a:cubicBezTo>
-                  <a:pt x="5661001" y="4856152"/>
-                  <a:pt x="5531757" y="5059850"/>
-                  <a:pt x="5596303" y="5235148"/>
-                </a:cubicBezTo>
-                <a:cubicBezTo>
-                  <a:pt x="5660849" y="5410446"/>
-                  <a:pt x="5574453" y="5493311"/>
-                  <a:pt x="5596303" y="5611091"/>
-                </a:cubicBezTo>
-                <a:cubicBezTo>
-                  <a:pt x="5618153" y="5728871"/>
-                  <a:pt x="5540108" y="5957201"/>
-                  <a:pt x="5596303" y="6172200"/>
-                </a:cubicBezTo>
-                <a:cubicBezTo>
-                  <a:pt x="5322678" y="6232217"/>
-                  <a:pt x="5175232" y="6158883"/>
-                  <a:pt x="4980710" y="6172200"/>
-                </a:cubicBezTo>
-                <a:cubicBezTo>
-                  <a:pt x="4786188" y="6185517"/>
-                  <a:pt x="4745606" y="6136022"/>
-                  <a:pt x="4533005" y="6172200"/>
-                </a:cubicBezTo>
-                <a:cubicBezTo>
-                  <a:pt x="4320404" y="6208378"/>
-                  <a:pt x="4157816" y="6107836"/>
-                  <a:pt x="3973375" y="6172200"/>
-                </a:cubicBezTo>
-                <a:cubicBezTo>
-                  <a:pt x="3788934" y="6236564"/>
-                  <a:pt x="3714033" y="6128893"/>
-                  <a:pt x="3581634" y="6172200"/>
-                </a:cubicBezTo>
-                <a:cubicBezTo>
-                  <a:pt x="3449235" y="6215507"/>
-                  <a:pt x="3349745" y="6127740"/>
-                  <a:pt x="3189893" y="6172200"/>
-                </a:cubicBezTo>
-                <a:cubicBezTo>
-                  <a:pt x="3030041" y="6216660"/>
-                  <a:pt x="2746333" y="6111595"/>
-                  <a:pt x="2630262" y="6172200"/>
-                </a:cubicBezTo>
-                <a:cubicBezTo>
-                  <a:pt x="2514191" y="6232805"/>
-                  <a:pt x="2389735" y="6128158"/>
-                  <a:pt x="2182558" y="6172200"/>
-                </a:cubicBezTo>
-                <a:cubicBezTo>
-                  <a:pt x="1975381" y="6216242"/>
-                  <a:pt x="1791225" y="6129849"/>
-                  <a:pt x="1566965" y="6172200"/>
-                </a:cubicBezTo>
-                <a:cubicBezTo>
-                  <a:pt x="1342705" y="6214551"/>
-                  <a:pt x="1276254" y="6166647"/>
-                  <a:pt x="1119261" y="6172200"/>
-                </a:cubicBezTo>
-                <a:cubicBezTo>
-                  <a:pt x="962268" y="6177753"/>
-                  <a:pt x="655795" y="6133418"/>
-                  <a:pt x="503667" y="6172200"/>
-                </a:cubicBezTo>
-                <a:cubicBezTo>
-                  <a:pt x="351539" y="6210982"/>
-                  <a:pt x="117023" y="6147242"/>
-                  <a:pt x="0" y="6172200"/>
-                </a:cubicBezTo>
-                <a:cubicBezTo>
-                  <a:pt x="-35739" y="5986930"/>
-                  <a:pt x="53014" y="5730511"/>
-                  <a:pt x="0" y="5549369"/>
-                </a:cubicBezTo>
-                <a:cubicBezTo>
-                  <a:pt x="-53014" y="5368227"/>
-                  <a:pt x="35416" y="5129808"/>
-                  <a:pt x="0" y="4926538"/>
-                </a:cubicBezTo>
-                <a:cubicBezTo>
-                  <a:pt x="-35416" y="4723268"/>
-                  <a:pt x="54809" y="4407616"/>
-                  <a:pt x="0" y="4241985"/>
-                </a:cubicBezTo>
-                <a:cubicBezTo>
-                  <a:pt x="-54809" y="4076354"/>
-                  <a:pt x="49032" y="3989416"/>
-                  <a:pt x="0" y="3742598"/>
-                </a:cubicBezTo>
-                <a:cubicBezTo>
-                  <a:pt x="-49032" y="3495780"/>
-                  <a:pt x="80100" y="3261033"/>
-                  <a:pt x="0" y="3058045"/>
-                </a:cubicBezTo>
-                <a:cubicBezTo>
-                  <a:pt x="-80100" y="2855057"/>
-                  <a:pt x="10705" y="2820740"/>
-                  <a:pt x="0" y="2620379"/>
-                </a:cubicBezTo>
-                <a:cubicBezTo>
-                  <a:pt x="-10705" y="2420018"/>
-                  <a:pt x="39369" y="2427241"/>
-                  <a:pt x="0" y="2244436"/>
-                </a:cubicBezTo>
-                <a:cubicBezTo>
-                  <a:pt x="-39369" y="2061631"/>
-                  <a:pt x="42378" y="1958353"/>
-                  <a:pt x="0" y="1868493"/>
-                </a:cubicBezTo>
-                <a:cubicBezTo>
-                  <a:pt x="-42378" y="1778633"/>
-                  <a:pt x="55226" y="1383133"/>
-                  <a:pt x="0" y="1245662"/>
-                </a:cubicBezTo>
-                <a:cubicBezTo>
-                  <a:pt x="-55226" y="1108191"/>
-                  <a:pt x="42117" y="998153"/>
-                  <a:pt x="0" y="869719"/>
-                </a:cubicBezTo>
-                <a:cubicBezTo>
-                  <a:pt x="-42117" y="741285"/>
-                  <a:pt x="26812" y="367943"/>
-                  <a:pt x="0" y="0"/>
-                </a:cubicBezTo>
-                <a:close/>
-              </a:path>
-            </a:pathLst>
-          </a:custGeom>
-          <a:noFill/>
-          <a:ln w="38100" cap="flat" cmpd="thickThin">
-            <a:solidFill>
-              <a:srgbClr val="1DB954"/>
-            </a:solidFill>
-            <a:prstDash val="solid"/>
-            <a:bevel/>
-            <a:extLst>
-              <a:ext uri="{C807C97D-BFC1-408E-A445-0C87EB9F89A2}">
-                <ask:lineSketchStyleProps xmlns:ask="http://schemas.microsoft.com/office/drawing/2018/sketchyshapes" sd="1219033472">
-                  <a:prstGeom prst="rect">
-                    <a:avLst/>
-                  </a:prstGeom>
-                  <ask:type>
-                    <ask:lineSketchScribble/>
-                  </ask:type>
-                </ask:lineSketchStyleProps>
-              </a:ext>
-            </a:extLst>
-          </a:ln>
-        </p:spPr>
-        <p:style>
-          <a:lnRef idx="2">
-            <a:schemeClr val="accent1">
-              <a:shade val="50000"/>
-            </a:schemeClr>
-          </a:lnRef>
-          <a:fillRef idx="1">
-            <a:schemeClr val="accent1"/>
-          </a:fillRef>
-          <a:effectRef idx="0">
-            <a:schemeClr val="accent1"/>
-          </a:effectRef>
-          <a:fontRef idx="minor">
-            <a:schemeClr val="lt1"/>
-          </a:fontRef>
-        </p:style>
-        <p:txBody>
-          <a:bodyPr rtlCol="0" anchor="ctr"/>
-          <a:lstStyle/>
-          <a:p>
-            <a:pPr algn="ctr"/>
-            <a:endParaRPr lang="it-IT"/>
-          </a:p>
-        </p:txBody>
-      </p:sp>
+        </p:grpSpPr>
+        <p:sp>
+          <p:nvSpPr>
+            <p:cNvPr id="4" name="Rettangolo 3">
+              <a:extLst>
+                <a:ext uri="{FF2B5EF4-FFF2-40B4-BE49-F238E27FC236}">
+                  <a16:creationId xmlns:a16="http://schemas.microsoft.com/office/drawing/2014/main" id="{0587E134-8B94-FD1E-F97A-25B669D4B70D}"/>
+                </a:ext>
+              </a:extLst>
+            </p:cNvPr>
+            <p:cNvSpPr/>
+            <p:nvPr/>
+          </p:nvSpPr>
+          <p:spPr>
+            <a:xfrm>
+              <a:off x="299671" y="382465"/>
+              <a:ext cx="5596303" cy="6172200"/>
+            </a:xfrm>
+            <a:custGeom>
+              <a:avLst/>
+              <a:gdLst>
+                <a:gd name="connsiteX0" fmla="*/ 0 w 5596303"/>
+                <a:gd name="connsiteY0" fmla="*/ 0 h 6172200"/>
+                <a:gd name="connsiteX1" fmla="*/ 503667 w 5596303"/>
+                <a:gd name="connsiteY1" fmla="*/ 0 h 6172200"/>
+                <a:gd name="connsiteX2" fmla="*/ 895408 w 5596303"/>
+                <a:gd name="connsiteY2" fmla="*/ 0 h 6172200"/>
+                <a:gd name="connsiteX3" fmla="*/ 1566965 w 5596303"/>
+                <a:gd name="connsiteY3" fmla="*/ 0 h 6172200"/>
+                <a:gd name="connsiteX4" fmla="*/ 2070632 w 5596303"/>
+                <a:gd name="connsiteY4" fmla="*/ 0 h 6172200"/>
+                <a:gd name="connsiteX5" fmla="*/ 2574299 w 5596303"/>
+                <a:gd name="connsiteY5" fmla="*/ 0 h 6172200"/>
+                <a:gd name="connsiteX6" fmla="*/ 3245856 w 5596303"/>
+                <a:gd name="connsiteY6" fmla="*/ 0 h 6172200"/>
+                <a:gd name="connsiteX7" fmla="*/ 3693560 w 5596303"/>
+                <a:gd name="connsiteY7" fmla="*/ 0 h 6172200"/>
+                <a:gd name="connsiteX8" fmla="*/ 4365116 w 5596303"/>
+                <a:gd name="connsiteY8" fmla="*/ 0 h 6172200"/>
+                <a:gd name="connsiteX9" fmla="*/ 5036673 w 5596303"/>
+                <a:gd name="connsiteY9" fmla="*/ 0 h 6172200"/>
+                <a:gd name="connsiteX10" fmla="*/ 5596303 w 5596303"/>
+                <a:gd name="connsiteY10" fmla="*/ 0 h 6172200"/>
+                <a:gd name="connsiteX11" fmla="*/ 5596303 w 5596303"/>
+                <a:gd name="connsiteY11" fmla="*/ 684553 h 6172200"/>
+                <a:gd name="connsiteX12" fmla="*/ 5596303 w 5596303"/>
+                <a:gd name="connsiteY12" fmla="*/ 1307384 h 6172200"/>
+                <a:gd name="connsiteX13" fmla="*/ 5596303 w 5596303"/>
+                <a:gd name="connsiteY13" fmla="*/ 1683327 h 6172200"/>
+                <a:gd name="connsiteX14" fmla="*/ 5596303 w 5596303"/>
+                <a:gd name="connsiteY14" fmla="*/ 2244436 h 6172200"/>
+                <a:gd name="connsiteX15" fmla="*/ 5596303 w 5596303"/>
+                <a:gd name="connsiteY15" fmla="*/ 2805545 h 6172200"/>
+                <a:gd name="connsiteX16" fmla="*/ 5596303 w 5596303"/>
+                <a:gd name="connsiteY16" fmla="*/ 3366655 h 6172200"/>
+                <a:gd name="connsiteX17" fmla="*/ 5596303 w 5596303"/>
+                <a:gd name="connsiteY17" fmla="*/ 3989486 h 6172200"/>
+                <a:gd name="connsiteX18" fmla="*/ 5596303 w 5596303"/>
+                <a:gd name="connsiteY18" fmla="*/ 4612317 h 6172200"/>
+                <a:gd name="connsiteX19" fmla="*/ 5596303 w 5596303"/>
+                <a:gd name="connsiteY19" fmla="*/ 5235148 h 6172200"/>
+                <a:gd name="connsiteX20" fmla="*/ 5596303 w 5596303"/>
+                <a:gd name="connsiteY20" fmla="*/ 5611091 h 6172200"/>
+                <a:gd name="connsiteX21" fmla="*/ 5596303 w 5596303"/>
+                <a:gd name="connsiteY21" fmla="*/ 6172200 h 6172200"/>
+                <a:gd name="connsiteX22" fmla="*/ 4980710 w 5596303"/>
+                <a:gd name="connsiteY22" fmla="*/ 6172200 h 6172200"/>
+                <a:gd name="connsiteX23" fmla="*/ 4533005 w 5596303"/>
+                <a:gd name="connsiteY23" fmla="*/ 6172200 h 6172200"/>
+                <a:gd name="connsiteX24" fmla="*/ 3973375 w 5596303"/>
+                <a:gd name="connsiteY24" fmla="*/ 6172200 h 6172200"/>
+                <a:gd name="connsiteX25" fmla="*/ 3581634 w 5596303"/>
+                <a:gd name="connsiteY25" fmla="*/ 6172200 h 6172200"/>
+                <a:gd name="connsiteX26" fmla="*/ 3189893 w 5596303"/>
+                <a:gd name="connsiteY26" fmla="*/ 6172200 h 6172200"/>
+                <a:gd name="connsiteX27" fmla="*/ 2630262 w 5596303"/>
+                <a:gd name="connsiteY27" fmla="*/ 6172200 h 6172200"/>
+                <a:gd name="connsiteX28" fmla="*/ 2182558 w 5596303"/>
+                <a:gd name="connsiteY28" fmla="*/ 6172200 h 6172200"/>
+                <a:gd name="connsiteX29" fmla="*/ 1566965 w 5596303"/>
+                <a:gd name="connsiteY29" fmla="*/ 6172200 h 6172200"/>
+                <a:gd name="connsiteX30" fmla="*/ 1119261 w 5596303"/>
+                <a:gd name="connsiteY30" fmla="*/ 6172200 h 6172200"/>
+                <a:gd name="connsiteX31" fmla="*/ 503667 w 5596303"/>
+                <a:gd name="connsiteY31" fmla="*/ 6172200 h 6172200"/>
+                <a:gd name="connsiteX32" fmla="*/ 0 w 5596303"/>
+                <a:gd name="connsiteY32" fmla="*/ 6172200 h 6172200"/>
+                <a:gd name="connsiteX33" fmla="*/ 0 w 5596303"/>
+                <a:gd name="connsiteY33" fmla="*/ 5549369 h 6172200"/>
+                <a:gd name="connsiteX34" fmla="*/ 0 w 5596303"/>
+                <a:gd name="connsiteY34" fmla="*/ 4926538 h 6172200"/>
+                <a:gd name="connsiteX35" fmla="*/ 0 w 5596303"/>
+                <a:gd name="connsiteY35" fmla="*/ 4241985 h 6172200"/>
+                <a:gd name="connsiteX36" fmla="*/ 0 w 5596303"/>
+                <a:gd name="connsiteY36" fmla="*/ 3742598 h 6172200"/>
+                <a:gd name="connsiteX37" fmla="*/ 0 w 5596303"/>
+                <a:gd name="connsiteY37" fmla="*/ 3058045 h 6172200"/>
+                <a:gd name="connsiteX38" fmla="*/ 0 w 5596303"/>
+                <a:gd name="connsiteY38" fmla="*/ 2620379 h 6172200"/>
+                <a:gd name="connsiteX39" fmla="*/ 0 w 5596303"/>
+                <a:gd name="connsiteY39" fmla="*/ 2244436 h 6172200"/>
+                <a:gd name="connsiteX40" fmla="*/ 0 w 5596303"/>
+                <a:gd name="connsiteY40" fmla="*/ 1868493 h 6172200"/>
+                <a:gd name="connsiteX41" fmla="*/ 0 w 5596303"/>
+                <a:gd name="connsiteY41" fmla="*/ 1245662 h 6172200"/>
+                <a:gd name="connsiteX42" fmla="*/ 0 w 5596303"/>
+                <a:gd name="connsiteY42" fmla="*/ 869719 h 6172200"/>
+                <a:gd name="connsiteX43" fmla="*/ 0 w 5596303"/>
+                <a:gd name="connsiteY43" fmla="*/ 0 h 6172200"/>
+              </a:gdLst>
+              <a:ahLst/>
+              <a:cxnLst>
+                <a:cxn ang="0">
+                  <a:pos x="connsiteX0" y="connsiteY0"/>
+                </a:cxn>
+                <a:cxn ang="0">
+                  <a:pos x="connsiteX1" y="connsiteY1"/>
+                </a:cxn>
+                <a:cxn ang="0">
+                  <a:pos x="connsiteX2" y="connsiteY2"/>
+                </a:cxn>
+                <a:cxn ang="0">
+                  <a:pos x="connsiteX3" y="connsiteY3"/>
+                </a:cxn>
+                <a:cxn ang="0">
+                  <a:pos x="connsiteX4" y="connsiteY4"/>
+                </a:cxn>
+                <a:cxn ang="0">
+                  <a:pos x="connsiteX5" y="connsiteY5"/>
+                </a:cxn>
+                <a:cxn ang="0">
+                  <a:pos x="connsiteX6" y="connsiteY6"/>
+                </a:cxn>
+                <a:cxn ang="0">
+                  <a:pos x="connsiteX7" y="connsiteY7"/>
+                </a:cxn>
+                <a:cxn ang="0">
+                  <a:pos x="connsiteX8" y="connsiteY8"/>
+                </a:cxn>
+                <a:cxn ang="0">
+                  <a:pos x="connsiteX9" y="connsiteY9"/>
+                </a:cxn>
+                <a:cxn ang="0">
+                  <a:pos x="connsiteX10" y="connsiteY10"/>
+                </a:cxn>
+                <a:cxn ang="0">
+                  <a:pos x="connsiteX11" y="connsiteY11"/>
+                </a:cxn>
+                <a:cxn ang="0">
+                  <a:pos x="connsiteX12" y="connsiteY12"/>
+                </a:cxn>
+                <a:cxn ang="0">
+                  <a:pos x="connsiteX13" y="connsiteY13"/>
+                </a:cxn>
+                <a:cxn ang="0">
+                  <a:pos x="connsiteX14" y="connsiteY14"/>
+                </a:cxn>
+                <a:cxn ang="0">
+                  <a:pos x="connsiteX15" y="connsiteY15"/>
+                </a:cxn>
+                <a:cxn ang="0">
+                  <a:pos x="connsiteX16" y="connsiteY16"/>
+                </a:cxn>
+                <a:cxn ang="0">
+                  <a:pos x="connsiteX17" y="connsiteY17"/>
+                </a:cxn>
+                <a:cxn ang="0">
+                  <a:pos x="connsiteX18" y="connsiteY18"/>
+                </a:cxn>
+                <a:cxn ang="0">
+                  <a:pos x="connsiteX19" y="connsiteY19"/>
+                </a:cxn>
+                <a:cxn ang="0">
+                  <a:pos x="connsiteX20" y="connsiteY20"/>
+                </a:cxn>
+                <a:cxn ang="0">
+                  <a:pos x="connsiteX21" y="connsiteY21"/>
+                </a:cxn>
+                <a:cxn ang="0">
+                  <a:pos x="connsiteX22" y="connsiteY22"/>
+                </a:cxn>
+                <a:cxn ang="0">
+                  <a:pos x="connsiteX23" y="connsiteY23"/>
+                </a:cxn>
+                <a:cxn ang="0">
+                  <a:pos x="connsiteX24" y="connsiteY24"/>
+                </a:cxn>
+                <a:cxn ang="0">
+                  <a:pos x="connsiteX25" y="connsiteY25"/>
+                </a:cxn>
+                <a:cxn ang="0">
+                  <a:pos x="connsiteX26" y="connsiteY26"/>
+                </a:cxn>
+                <a:cxn ang="0">
+                  <a:pos x="connsiteX27" y="connsiteY27"/>
+                </a:cxn>
+                <a:cxn ang="0">
+                  <a:pos x="connsiteX28" y="connsiteY28"/>
+                </a:cxn>
+                <a:cxn ang="0">
+                  <a:pos x="connsiteX29" y="connsiteY29"/>
+                </a:cxn>
+                <a:cxn ang="0">
+                  <a:pos x="connsiteX30" y="connsiteY30"/>
+                </a:cxn>
+                <a:cxn ang="0">
+                  <a:pos x="connsiteX31" y="connsiteY31"/>
+                </a:cxn>
+                <a:cxn ang="0">
+                  <a:pos x="connsiteX32" y="connsiteY32"/>
+                </a:cxn>
+                <a:cxn ang="0">
+                  <a:pos x="connsiteX33" y="connsiteY33"/>
+                </a:cxn>
+                <a:cxn ang="0">
+                  <a:pos x="connsiteX34" y="connsiteY34"/>
+                </a:cxn>
+                <a:cxn ang="0">
+                  <a:pos x="connsiteX35" y="connsiteY35"/>
+                </a:cxn>
+                <a:cxn ang="0">
+                  <a:pos x="connsiteX36" y="connsiteY36"/>
+                </a:cxn>
+                <a:cxn ang="0">
+                  <a:pos x="connsiteX37" y="connsiteY37"/>
+                </a:cxn>
+                <a:cxn ang="0">
+                  <a:pos x="connsiteX38" y="connsiteY38"/>
+                </a:cxn>
+                <a:cxn ang="0">
+                  <a:pos x="connsiteX39" y="connsiteY39"/>
+                </a:cxn>
+                <a:cxn ang="0">
+                  <a:pos x="connsiteX40" y="connsiteY40"/>
+                </a:cxn>
+                <a:cxn ang="0">
+                  <a:pos x="connsiteX41" y="connsiteY41"/>
+                </a:cxn>
+                <a:cxn ang="0">
+                  <a:pos x="connsiteX42" y="connsiteY42"/>
+                </a:cxn>
+                <a:cxn ang="0">
+                  <a:pos x="connsiteX43" y="connsiteY43"/>
+                </a:cxn>
+              </a:cxnLst>
+              <a:rect l="l" t="t" r="r" b="b"/>
+              <a:pathLst>
+                <a:path w="5596303" h="6172200" extrusionOk="0">
+                  <a:moveTo>
+                    <a:pt x="0" y="0"/>
+                  </a:moveTo>
+                  <a:cubicBezTo>
+                    <a:pt x="207596" y="-38152"/>
+                    <a:pt x="305065" y="17182"/>
+                    <a:pt x="503667" y="0"/>
+                  </a:cubicBezTo>
+                  <a:cubicBezTo>
+                    <a:pt x="702269" y="-17182"/>
+                    <a:pt x="816005" y="20624"/>
+                    <a:pt x="895408" y="0"/>
+                  </a:cubicBezTo>
+                  <a:cubicBezTo>
+                    <a:pt x="974811" y="-20624"/>
+                    <a:pt x="1393431" y="78612"/>
+                    <a:pt x="1566965" y="0"/>
+                  </a:cubicBezTo>
+                  <a:cubicBezTo>
+                    <a:pt x="1740499" y="-78612"/>
+                    <a:pt x="1890248" y="52366"/>
+                    <a:pt x="2070632" y="0"/>
+                  </a:cubicBezTo>
+                  <a:cubicBezTo>
+                    <a:pt x="2251016" y="-52366"/>
+                    <a:pt x="2407651" y="42119"/>
+                    <a:pt x="2574299" y="0"/>
+                  </a:cubicBezTo>
+                  <a:cubicBezTo>
+                    <a:pt x="2740947" y="-42119"/>
+                    <a:pt x="3024878" y="77054"/>
+                    <a:pt x="3245856" y="0"/>
+                  </a:cubicBezTo>
+                  <a:cubicBezTo>
+                    <a:pt x="3466834" y="-77054"/>
+                    <a:pt x="3530119" y="9115"/>
+                    <a:pt x="3693560" y="0"/>
+                  </a:cubicBezTo>
+                  <a:cubicBezTo>
+                    <a:pt x="3857001" y="-9115"/>
+                    <a:pt x="4155897" y="47166"/>
+                    <a:pt x="4365116" y="0"/>
+                  </a:cubicBezTo>
+                  <a:cubicBezTo>
+                    <a:pt x="4574335" y="-47166"/>
+                    <a:pt x="4861215" y="43056"/>
+                    <a:pt x="5036673" y="0"/>
+                  </a:cubicBezTo>
+                  <a:cubicBezTo>
+                    <a:pt x="5212131" y="-43056"/>
+                    <a:pt x="5387088" y="23271"/>
+                    <a:pt x="5596303" y="0"/>
+                  </a:cubicBezTo>
+                  <a:cubicBezTo>
+                    <a:pt x="5650693" y="186262"/>
+                    <a:pt x="5539700" y="533819"/>
+                    <a:pt x="5596303" y="684553"/>
+                  </a:cubicBezTo>
+                  <a:cubicBezTo>
+                    <a:pt x="5652906" y="835287"/>
+                    <a:pt x="5578086" y="1119406"/>
+                    <a:pt x="5596303" y="1307384"/>
+                  </a:cubicBezTo>
+                  <a:cubicBezTo>
+                    <a:pt x="5614520" y="1495362"/>
+                    <a:pt x="5563588" y="1496888"/>
+                    <a:pt x="5596303" y="1683327"/>
+                  </a:cubicBezTo>
+                  <a:cubicBezTo>
+                    <a:pt x="5629018" y="1869766"/>
+                    <a:pt x="5573857" y="2012325"/>
+                    <a:pt x="5596303" y="2244436"/>
+                  </a:cubicBezTo>
+                  <a:cubicBezTo>
+                    <a:pt x="5618749" y="2476547"/>
+                    <a:pt x="5588719" y="2567849"/>
+                    <a:pt x="5596303" y="2805545"/>
+                  </a:cubicBezTo>
+                  <a:cubicBezTo>
+                    <a:pt x="5603887" y="3043241"/>
+                    <a:pt x="5546264" y="3116421"/>
+                    <a:pt x="5596303" y="3366655"/>
+                  </a:cubicBezTo>
+                  <a:cubicBezTo>
+                    <a:pt x="5646342" y="3616889"/>
+                    <a:pt x="5547882" y="3838370"/>
+                    <a:pt x="5596303" y="3989486"/>
+                  </a:cubicBezTo>
+                  <a:cubicBezTo>
+                    <a:pt x="5644724" y="4140602"/>
+                    <a:pt x="5531605" y="4368482"/>
+                    <a:pt x="5596303" y="4612317"/>
+                  </a:cubicBezTo>
+                  <a:cubicBezTo>
+                    <a:pt x="5661001" y="4856152"/>
+                    <a:pt x="5531757" y="5059850"/>
+                    <a:pt x="5596303" y="5235148"/>
+                  </a:cubicBezTo>
+                  <a:cubicBezTo>
+                    <a:pt x="5660849" y="5410446"/>
+                    <a:pt x="5574453" y="5493311"/>
+                    <a:pt x="5596303" y="5611091"/>
+                  </a:cubicBezTo>
+                  <a:cubicBezTo>
+                    <a:pt x="5618153" y="5728871"/>
+                    <a:pt x="5540108" y="5957201"/>
+                    <a:pt x="5596303" y="6172200"/>
+                  </a:cubicBezTo>
+                  <a:cubicBezTo>
+                    <a:pt x="5322678" y="6232217"/>
+                    <a:pt x="5175232" y="6158883"/>
+                    <a:pt x="4980710" y="6172200"/>
+                  </a:cubicBezTo>
+                  <a:cubicBezTo>
+                    <a:pt x="4786188" y="6185517"/>
+                    <a:pt x="4745606" y="6136022"/>
+                    <a:pt x="4533005" y="6172200"/>
+                  </a:cubicBezTo>
+                  <a:cubicBezTo>
+                    <a:pt x="4320404" y="6208378"/>
+                    <a:pt x="4157816" y="6107836"/>
+                    <a:pt x="3973375" y="6172200"/>
+                  </a:cubicBezTo>
+                  <a:cubicBezTo>
+                    <a:pt x="3788934" y="6236564"/>
+                    <a:pt x="3714033" y="6128893"/>
+                    <a:pt x="3581634" y="6172200"/>
+                  </a:cubicBezTo>
+                  <a:cubicBezTo>
+                    <a:pt x="3449235" y="6215507"/>
+                    <a:pt x="3349745" y="6127740"/>
+                    <a:pt x="3189893" y="6172200"/>
+                  </a:cubicBezTo>
+                  <a:cubicBezTo>
+                    <a:pt x="3030041" y="6216660"/>
+                    <a:pt x="2746333" y="6111595"/>
+                    <a:pt x="2630262" y="6172200"/>
+                  </a:cubicBezTo>
+                  <a:cubicBezTo>
+                    <a:pt x="2514191" y="6232805"/>
+                    <a:pt x="2389735" y="6128158"/>
+                    <a:pt x="2182558" y="6172200"/>
+                  </a:cubicBezTo>
+                  <a:cubicBezTo>
+                    <a:pt x="1975381" y="6216242"/>
+                    <a:pt x="1791225" y="6129849"/>
+                    <a:pt x="1566965" y="6172200"/>
+                  </a:cubicBezTo>
+                  <a:cubicBezTo>
+                    <a:pt x="1342705" y="6214551"/>
+                    <a:pt x="1276254" y="6166647"/>
+                    <a:pt x="1119261" y="6172200"/>
+                  </a:cubicBezTo>
+                  <a:cubicBezTo>
+                    <a:pt x="962268" y="6177753"/>
+                    <a:pt x="655795" y="6133418"/>
+                    <a:pt x="503667" y="6172200"/>
+                  </a:cubicBezTo>
+                  <a:cubicBezTo>
+                    <a:pt x="351539" y="6210982"/>
+                    <a:pt x="117023" y="6147242"/>
+                    <a:pt x="0" y="6172200"/>
+                  </a:cubicBezTo>
+                  <a:cubicBezTo>
+                    <a:pt x="-35739" y="5986930"/>
+                    <a:pt x="53014" y="5730511"/>
+                    <a:pt x="0" y="5549369"/>
+                  </a:cubicBezTo>
+                  <a:cubicBezTo>
+                    <a:pt x="-53014" y="5368227"/>
+                    <a:pt x="35416" y="5129808"/>
+                    <a:pt x="0" y="4926538"/>
+                  </a:cubicBezTo>
+                  <a:cubicBezTo>
+                    <a:pt x="-35416" y="4723268"/>
+                    <a:pt x="54809" y="4407616"/>
+                    <a:pt x="0" y="4241985"/>
+                  </a:cubicBezTo>
+                  <a:cubicBezTo>
+                    <a:pt x="-54809" y="4076354"/>
+                    <a:pt x="49032" y="3989416"/>
+                    <a:pt x="0" y="3742598"/>
+                  </a:cubicBezTo>
+                  <a:cubicBezTo>
+                    <a:pt x="-49032" y="3495780"/>
+                    <a:pt x="80100" y="3261033"/>
+                    <a:pt x="0" y="3058045"/>
+                  </a:cubicBezTo>
+                  <a:cubicBezTo>
+                    <a:pt x="-80100" y="2855057"/>
+                    <a:pt x="10705" y="2820740"/>
+                    <a:pt x="0" y="2620379"/>
+                  </a:cubicBezTo>
+                  <a:cubicBezTo>
+                    <a:pt x="-10705" y="2420018"/>
+                    <a:pt x="39369" y="2427241"/>
+                    <a:pt x="0" y="2244436"/>
+                  </a:cubicBezTo>
+                  <a:cubicBezTo>
+                    <a:pt x="-39369" y="2061631"/>
+                    <a:pt x="42378" y="1958353"/>
+                    <a:pt x="0" y="1868493"/>
+                  </a:cubicBezTo>
+                  <a:cubicBezTo>
+                    <a:pt x="-42378" y="1778633"/>
+                    <a:pt x="55226" y="1383133"/>
+                    <a:pt x="0" y="1245662"/>
+                  </a:cubicBezTo>
+                  <a:cubicBezTo>
+                    <a:pt x="-55226" y="1108191"/>
+                    <a:pt x="42117" y="998153"/>
+                    <a:pt x="0" y="869719"/>
+                  </a:cubicBezTo>
+                  <a:cubicBezTo>
+                    <a:pt x="-42117" y="741285"/>
+                    <a:pt x="26812" y="367943"/>
+                    <a:pt x="0" y="0"/>
+                  </a:cubicBezTo>
+                  <a:close/>
+                </a:path>
+              </a:pathLst>
+            </a:custGeom>
+            <a:noFill/>
+            <a:ln w="38100" cap="flat" cmpd="thickThin">
+              <a:solidFill>
+                <a:srgbClr val="1DB954"/>
+              </a:solidFill>
+              <a:prstDash val="solid"/>
+              <a:bevel/>
+              <a:extLst>
+                <a:ext uri="{C807C97D-BFC1-408E-A445-0C87EB9F89A2}">
+                  <ask:lineSketchStyleProps xmlns:ask="http://schemas.microsoft.com/office/drawing/2018/sketchyshapes" sd="1219033472">
+                    <a:prstGeom prst="rect">
+                      <a:avLst/>
+                    </a:prstGeom>
+                    <ask:type>
+                      <ask:lineSketchScribble/>
+                    </ask:type>
+                  </ask:lineSketchStyleProps>
+                </a:ext>
+              </a:extLst>
+            </a:ln>
+          </p:spPr>
+          <p:style>
+            <a:lnRef idx="2">
+              <a:schemeClr val="accent1">
+                <a:shade val="50000"/>
+              </a:schemeClr>
+            </a:lnRef>
+            <a:fillRef idx="1">
+              <a:schemeClr val="accent1"/>
+            </a:fillRef>
+            <a:effectRef idx="0">
+              <a:schemeClr val="accent1"/>
+            </a:effectRef>
+            <a:fontRef idx="minor">
+              <a:schemeClr val="lt1"/>
+            </a:fontRef>
+          </p:style>
+          <p:txBody>
+            <a:bodyPr rtlCol="0" anchor="ctr"/>
+            <a:lstStyle/>
+            <a:p>
+              <a:pPr algn="ctr"/>
+              <a:endParaRPr lang="it-IT"/>
+            </a:p>
+          </p:txBody>
+        </p:sp>
+        <p:sp>
+          <p:nvSpPr>
+            <p:cNvPr id="9" name="Rettangolo 8">
+              <a:extLst>
+                <a:ext uri="{FF2B5EF4-FFF2-40B4-BE49-F238E27FC236}">
+                  <a16:creationId xmlns:a16="http://schemas.microsoft.com/office/drawing/2014/main" id="{71F5D64C-5A96-94EF-11DA-C5627B4891A6}"/>
+                </a:ext>
+              </a:extLst>
+            </p:cNvPr>
+            <p:cNvSpPr/>
+            <p:nvPr/>
+          </p:nvSpPr>
+          <p:spPr>
+            <a:xfrm>
+              <a:off x="6279177" y="382464"/>
+              <a:ext cx="5596303" cy="6172200"/>
+            </a:xfrm>
+            <a:custGeom>
+              <a:avLst/>
+              <a:gdLst>
+                <a:gd name="connsiteX0" fmla="*/ 0 w 5596303"/>
+                <a:gd name="connsiteY0" fmla="*/ 0 h 6172200"/>
+                <a:gd name="connsiteX1" fmla="*/ 503667 w 5596303"/>
+                <a:gd name="connsiteY1" fmla="*/ 0 h 6172200"/>
+                <a:gd name="connsiteX2" fmla="*/ 895408 w 5596303"/>
+                <a:gd name="connsiteY2" fmla="*/ 0 h 6172200"/>
+                <a:gd name="connsiteX3" fmla="*/ 1566965 w 5596303"/>
+                <a:gd name="connsiteY3" fmla="*/ 0 h 6172200"/>
+                <a:gd name="connsiteX4" fmla="*/ 2070632 w 5596303"/>
+                <a:gd name="connsiteY4" fmla="*/ 0 h 6172200"/>
+                <a:gd name="connsiteX5" fmla="*/ 2574299 w 5596303"/>
+                <a:gd name="connsiteY5" fmla="*/ 0 h 6172200"/>
+                <a:gd name="connsiteX6" fmla="*/ 3245856 w 5596303"/>
+                <a:gd name="connsiteY6" fmla="*/ 0 h 6172200"/>
+                <a:gd name="connsiteX7" fmla="*/ 3693560 w 5596303"/>
+                <a:gd name="connsiteY7" fmla="*/ 0 h 6172200"/>
+                <a:gd name="connsiteX8" fmla="*/ 4365116 w 5596303"/>
+                <a:gd name="connsiteY8" fmla="*/ 0 h 6172200"/>
+                <a:gd name="connsiteX9" fmla="*/ 5036673 w 5596303"/>
+                <a:gd name="connsiteY9" fmla="*/ 0 h 6172200"/>
+                <a:gd name="connsiteX10" fmla="*/ 5596303 w 5596303"/>
+                <a:gd name="connsiteY10" fmla="*/ 0 h 6172200"/>
+                <a:gd name="connsiteX11" fmla="*/ 5596303 w 5596303"/>
+                <a:gd name="connsiteY11" fmla="*/ 684553 h 6172200"/>
+                <a:gd name="connsiteX12" fmla="*/ 5596303 w 5596303"/>
+                <a:gd name="connsiteY12" fmla="*/ 1307384 h 6172200"/>
+                <a:gd name="connsiteX13" fmla="*/ 5596303 w 5596303"/>
+                <a:gd name="connsiteY13" fmla="*/ 1683327 h 6172200"/>
+                <a:gd name="connsiteX14" fmla="*/ 5596303 w 5596303"/>
+                <a:gd name="connsiteY14" fmla="*/ 2244436 h 6172200"/>
+                <a:gd name="connsiteX15" fmla="*/ 5596303 w 5596303"/>
+                <a:gd name="connsiteY15" fmla="*/ 2805545 h 6172200"/>
+                <a:gd name="connsiteX16" fmla="*/ 5596303 w 5596303"/>
+                <a:gd name="connsiteY16" fmla="*/ 3366655 h 6172200"/>
+                <a:gd name="connsiteX17" fmla="*/ 5596303 w 5596303"/>
+                <a:gd name="connsiteY17" fmla="*/ 3989486 h 6172200"/>
+                <a:gd name="connsiteX18" fmla="*/ 5596303 w 5596303"/>
+                <a:gd name="connsiteY18" fmla="*/ 4612317 h 6172200"/>
+                <a:gd name="connsiteX19" fmla="*/ 5596303 w 5596303"/>
+                <a:gd name="connsiteY19" fmla="*/ 5235148 h 6172200"/>
+                <a:gd name="connsiteX20" fmla="*/ 5596303 w 5596303"/>
+                <a:gd name="connsiteY20" fmla="*/ 5611091 h 6172200"/>
+                <a:gd name="connsiteX21" fmla="*/ 5596303 w 5596303"/>
+                <a:gd name="connsiteY21" fmla="*/ 6172200 h 6172200"/>
+                <a:gd name="connsiteX22" fmla="*/ 4980710 w 5596303"/>
+                <a:gd name="connsiteY22" fmla="*/ 6172200 h 6172200"/>
+                <a:gd name="connsiteX23" fmla="*/ 4533005 w 5596303"/>
+                <a:gd name="connsiteY23" fmla="*/ 6172200 h 6172200"/>
+                <a:gd name="connsiteX24" fmla="*/ 3973375 w 5596303"/>
+                <a:gd name="connsiteY24" fmla="*/ 6172200 h 6172200"/>
+                <a:gd name="connsiteX25" fmla="*/ 3581634 w 5596303"/>
+                <a:gd name="connsiteY25" fmla="*/ 6172200 h 6172200"/>
+                <a:gd name="connsiteX26" fmla="*/ 3189893 w 5596303"/>
+                <a:gd name="connsiteY26" fmla="*/ 6172200 h 6172200"/>
+                <a:gd name="connsiteX27" fmla="*/ 2630262 w 5596303"/>
+                <a:gd name="connsiteY27" fmla="*/ 6172200 h 6172200"/>
+                <a:gd name="connsiteX28" fmla="*/ 2182558 w 5596303"/>
+                <a:gd name="connsiteY28" fmla="*/ 6172200 h 6172200"/>
+                <a:gd name="connsiteX29" fmla="*/ 1566965 w 5596303"/>
+                <a:gd name="connsiteY29" fmla="*/ 6172200 h 6172200"/>
+                <a:gd name="connsiteX30" fmla="*/ 1119261 w 5596303"/>
+                <a:gd name="connsiteY30" fmla="*/ 6172200 h 6172200"/>
+                <a:gd name="connsiteX31" fmla="*/ 503667 w 5596303"/>
+                <a:gd name="connsiteY31" fmla="*/ 6172200 h 6172200"/>
+                <a:gd name="connsiteX32" fmla="*/ 0 w 5596303"/>
+                <a:gd name="connsiteY32" fmla="*/ 6172200 h 6172200"/>
+                <a:gd name="connsiteX33" fmla="*/ 0 w 5596303"/>
+                <a:gd name="connsiteY33" fmla="*/ 5549369 h 6172200"/>
+                <a:gd name="connsiteX34" fmla="*/ 0 w 5596303"/>
+                <a:gd name="connsiteY34" fmla="*/ 4926538 h 6172200"/>
+                <a:gd name="connsiteX35" fmla="*/ 0 w 5596303"/>
+                <a:gd name="connsiteY35" fmla="*/ 4241985 h 6172200"/>
+                <a:gd name="connsiteX36" fmla="*/ 0 w 5596303"/>
+                <a:gd name="connsiteY36" fmla="*/ 3742598 h 6172200"/>
+                <a:gd name="connsiteX37" fmla="*/ 0 w 5596303"/>
+                <a:gd name="connsiteY37" fmla="*/ 3058045 h 6172200"/>
+                <a:gd name="connsiteX38" fmla="*/ 0 w 5596303"/>
+                <a:gd name="connsiteY38" fmla="*/ 2620379 h 6172200"/>
+                <a:gd name="connsiteX39" fmla="*/ 0 w 5596303"/>
+                <a:gd name="connsiteY39" fmla="*/ 2244436 h 6172200"/>
+                <a:gd name="connsiteX40" fmla="*/ 0 w 5596303"/>
+                <a:gd name="connsiteY40" fmla="*/ 1868493 h 6172200"/>
+                <a:gd name="connsiteX41" fmla="*/ 0 w 5596303"/>
+                <a:gd name="connsiteY41" fmla="*/ 1245662 h 6172200"/>
+                <a:gd name="connsiteX42" fmla="*/ 0 w 5596303"/>
+                <a:gd name="connsiteY42" fmla="*/ 869719 h 6172200"/>
+                <a:gd name="connsiteX43" fmla="*/ 0 w 5596303"/>
+                <a:gd name="connsiteY43" fmla="*/ 0 h 6172200"/>
+              </a:gdLst>
+              <a:ahLst/>
+              <a:cxnLst>
+                <a:cxn ang="0">
+                  <a:pos x="connsiteX0" y="connsiteY0"/>
+                </a:cxn>
+                <a:cxn ang="0">
+                  <a:pos x="connsiteX1" y="connsiteY1"/>
+                </a:cxn>
+                <a:cxn ang="0">
+                  <a:pos x="connsiteX2" y="connsiteY2"/>
+                </a:cxn>
+                <a:cxn ang="0">
+                  <a:pos x="connsiteX3" y="connsiteY3"/>
+                </a:cxn>
+                <a:cxn ang="0">
+                  <a:pos x="connsiteX4" y="connsiteY4"/>
+                </a:cxn>
+                <a:cxn ang="0">
+                  <a:pos x="connsiteX5" y="connsiteY5"/>
+                </a:cxn>
+                <a:cxn ang="0">
+                  <a:pos x="connsiteX6" y="connsiteY6"/>
+                </a:cxn>
+                <a:cxn ang="0">
+                  <a:pos x="connsiteX7" y="connsiteY7"/>
+                </a:cxn>
+                <a:cxn ang="0">
+                  <a:pos x="connsiteX8" y="connsiteY8"/>
+                </a:cxn>
+                <a:cxn ang="0">
+                  <a:pos x="connsiteX9" y="connsiteY9"/>
+                </a:cxn>
+                <a:cxn ang="0">
+                  <a:pos x="connsiteX10" y="connsiteY10"/>
+                </a:cxn>
+                <a:cxn ang="0">
+                  <a:pos x="connsiteX11" y="connsiteY11"/>
+                </a:cxn>
+                <a:cxn ang="0">
+                  <a:pos x="connsiteX12" y="connsiteY12"/>
+                </a:cxn>
+                <a:cxn ang="0">
+                  <a:pos x="connsiteX13" y="connsiteY13"/>
+                </a:cxn>
+                <a:cxn ang="0">
+                  <a:pos x="connsiteX14" y="connsiteY14"/>
+                </a:cxn>
+                <a:cxn ang="0">
+                  <a:pos x="connsiteX15" y="connsiteY15"/>
+                </a:cxn>
+                <a:cxn ang="0">
+                  <a:pos x="connsiteX16" y="connsiteY16"/>
+                </a:cxn>
+                <a:cxn ang="0">
+                  <a:pos x="connsiteX17" y="connsiteY17"/>
+                </a:cxn>
+                <a:cxn ang="0">
+                  <a:pos x="connsiteX18" y="connsiteY18"/>
+                </a:cxn>
+                <a:cxn ang="0">
+                  <a:pos x="connsiteX19" y="connsiteY19"/>
+                </a:cxn>
+                <a:cxn ang="0">
+                  <a:pos x="connsiteX20" y="connsiteY20"/>
+                </a:cxn>
+                <a:cxn ang="0">
+                  <a:pos x="connsiteX21" y="connsiteY21"/>
+                </a:cxn>
+                <a:cxn ang="0">
+                  <a:pos x="connsiteX22" y="connsiteY22"/>
+                </a:cxn>
+                <a:cxn ang="0">
+                  <a:pos x="connsiteX23" y="connsiteY23"/>
+                </a:cxn>
+                <a:cxn ang="0">
+                  <a:pos x="connsiteX24" y="connsiteY24"/>
+                </a:cxn>
+                <a:cxn ang="0">
+                  <a:pos x="connsiteX25" y="connsiteY25"/>
+                </a:cxn>
+                <a:cxn ang="0">
+                  <a:pos x="connsiteX26" y="connsiteY26"/>
+                </a:cxn>
+                <a:cxn ang="0">
+                  <a:pos x="connsiteX27" y="connsiteY27"/>
+                </a:cxn>
+                <a:cxn ang="0">
+                  <a:pos x="connsiteX28" y="connsiteY28"/>
+                </a:cxn>
+                <a:cxn ang="0">
+                  <a:pos x="connsiteX29" y="connsiteY29"/>
+                </a:cxn>
+                <a:cxn ang="0">
+                  <a:pos x="connsiteX30" y="connsiteY30"/>
+                </a:cxn>
+                <a:cxn ang="0">
+                  <a:pos x="connsiteX31" y="connsiteY31"/>
+                </a:cxn>
+                <a:cxn ang="0">
+                  <a:pos x="connsiteX32" y="connsiteY32"/>
+                </a:cxn>
+                <a:cxn ang="0">
+                  <a:pos x="connsiteX33" y="connsiteY33"/>
+                </a:cxn>
+                <a:cxn ang="0">
+                  <a:pos x="connsiteX34" y="connsiteY34"/>
+                </a:cxn>
+                <a:cxn ang="0">
+                  <a:pos x="connsiteX35" y="connsiteY35"/>
+                </a:cxn>
+                <a:cxn ang="0">
+                  <a:pos x="connsiteX36" y="connsiteY36"/>
+                </a:cxn>
+                <a:cxn ang="0">
+                  <a:pos x="connsiteX37" y="connsiteY37"/>
+                </a:cxn>
+                <a:cxn ang="0">
+                  <a:pos x="connsiteX38" y="connsiteY38"/>
+                </a:cxn>
+                <a:cxn ang="0">
+                  <a:pos x="connsiteX39" y="connsiteY39"/>
+                </a:cxn>
+                <a:cxn ang="0">
+                  <a:pos x="connsiteX40" y="connsiteY40"/>
+                </a:cxn>
+                <a:cxn ang="0">
+                  <a:pos x="connsiteX41" y="connsiteY41"/>
+                </a:cxn>
+                <a:cxn ang="0">
+                  <a:pos x="connsiteX42" y="connsiteY42"/>
+                </a:cxn>
+                <a:cxn ang="0">
+                  <a:pos x="connsiteX43" y="connsiteY43"/>
+                </a:cxn>
+              </a:cxnLst>
+              <a:rect l="l" t="t" r="r" b="b"/>
+              <a:pathLst>
+                <a:path w="5596303" h="6172200" extrusionOk="0">
+                  <a:moveTo>
+                    <a:pt x="0" y="0"/>
+                  </a:moveTo>
+                  <a:cubicBezTo>
+                    <a:pt x="207596" y="-38152"/>
+                    <a:pt x="305065" y="17182"/>
+                    <a:pt x="503667" y="0"/>
+                  </a:cubicBezTo>
+                  <a:cubicBezTo>
+                    <a:pt x="702269" y="-17182"/>
+                    <a:pt x="816005" y="20624"/>
+                    <a:pt x="895408" y="0"/>
+                  </a:cubicBezTo>
+                  <a:cubicBezTo>
+                    <a:pt x="974811" y="-20624"/>
+                    <a:pt x="1393431" y="78612"/>
+                    <a:pt x="1566965" y="0"/>
+                  </a:cubicBezTo>
+                  <a:cubicBezTo>
+                    <a:pt x="1740499" y="-78612"/>
+                    <a:pt x="1890248" y="52366"/>
+                    <a:pt x="2070632" y="0"/>
+                  </a:cubicBezTo>
+                  <a:cubicBezTo>
+                    <a:pt x="2251016" y="-52366"/>
+                    <a:pt x="2407651" y="42119"/>
+                    <a:pt x="2574299" y="0"/>
+                  </a:cubicBezTo>
+                  <a:cubicBezTo>
+                    <a:pt x="2740947" y="-42119"/>
+                    <a:pt x="3024878" y="77054"/>
+                    <a:pt x="3245856" y="0"/>
+                  </a:cubicBezTo>
+                  <a:cubicBezTo>
+                    <a:pt x="3466834" y="-77054"/>
+                    <a:pt x="3530119" y="9115"/>
+                    <a:pt x="3693560" y="0"/>
+                  </a:cubicBezTo>
+                  <a:cubicBezTo>
+                    <a:pt x="3857001" y="-9115"/>
+                    <a:pt x="4155897" y="47166"/>
+                    <a:pt x="4365116" y="0"/>
+                  </a:cubicBezTo>
+                  <a:cubicBezTo>
+                    <a:pt x="4574335" y="-47166"/>
+                    <a:pt x="4861215" y="43056"/>
+                    <a:pt x="5036673" y="0"/>
+                  </a:cubicBezTo>
+                  <a:cubicBezTo>
+                    <a:pt x="5212131" y="-43056"/>
+                    <a:pt x="5387088" y="23271"/>
+                    <a:pt x="5596303" y="0"/>
+                  </a:cubicBezTo>
+                  <a:cubicBezTo>
+                    <a:pt x="5650693" y="186262"/>
+                    <a:pt x="5539700" y="533819"/>
+                    <a:pt x="5596303" y="684553"/>
+                  </a:cubicBezTo>
+                  <a:cubicBezTo>
+                    <a:pt x="5652906" y="835287"/>
+                    <a:pt x="5578086" y="1119406"/>
+                    <a:pt x="5596303" y="1307384"/>
+                  </a:cubicBezTo>
+                  <a:cubicBezTo>
+                    <a:pt x="5614520" y="1495362"/>
+                    <a:pt x="5563588" y="1496888"/>
+                    <a:pt x="5596303" y="1683327"/>
+                  </a:cubicBezTo>
+                  <a:cubicBezTo>
+                    <a:pt x="5629018" y="1869766"/>
+                    <a:pt x="5573857" y="2012325"/>
+                    <a:pt x="5596303" y="2244436"/>
+                  </a:cubicBezTo>
+                  <a:cubicBezTo>
+                    <a:pt x="5618749" y="2476547"/>
+                    <a:pt x="5588719" y="2567849"/>
+                    <a:pt x="5596303" y="2805545"/>
+                  </a:cubicBezTo>
+                  <a:cubicBezTo>
+                    <a:pt x="5603887" y="3043241"/>
+                    <a:pt x="5546264" y="3116421"/>
+                    <a:pt x="5596303" y="3366655"/>
+                  </a:cubicBezTo>
+                  <a:cubicBezTo>
+                    <a:pt x="5646342" y="3616889"/>
+                    <a:pt x="5547882" y="3838370"/>
+                    <a:pt x="5596303" y="3989486"/>
+                  </a:cubicBezTo>
+                  <a:cubicBezTo>
+                    <a:pt x="5644724" y="4140602"/>
+                    <a:pt x="5531605" y="4368482"/>
+                    <a:pt x="5596303" y="4612317"/>
+                  </a:cubicBezTo>
+                  <a:cubicBezTo>
+                    <a:pt x="5661001" y="4856152"/>
+                    <a:pt x="5531757" y="5059850"/>
+                    <a:pt x="5596303" y="5235148"/>
+                  </a:cubicBezTo>
+                  <a:cubicBezTo>
+                    <a:pt x="5660849" y="5410446"/>
+                    <a:pt x="5574453" y="5493311"/>
+                    <a:pt x="5596303" y="5611091"/>
+                  </a:cubicBezTo>
+                  <a:cubicBezTo>
+                    <a:pt x="5618153" y="5728871"/>
+                    <a:pt x="5540108" y="5957201"/>
+                    <a:pt x="5596303" y="6172200"/>
+                  </a:cubicBezTo>
+                  <a:cubicBezTo>
+                    <a:pt x="5322678" y="6232217"/>
+                    <a:pt x="5175232" y="6158883"/>
+                    <a:pt x="4980710" y="6172200"/>
+                  </a:cubicBezTo>
+                  <a:cubicBezTo>
+                    <a:pt x="4786188" y="6185517"/>
+                    <a:pt x="4745606" y="6136022"/>
+                    <a:pt x="4533005" y="6172200"/>
+                  </a:cubicBezTo>
+                  <a:cubicBezTo>
+                    <a:pt x="4320404" y="6208378"/>
+                    <a:pt x="4157816" y="6107836"/>
+                    <a:pt x="3973375" y="6172200"/>
+                  </a:cubicBezTo>
+                  <a:cubicBezTo>
+                    <a:pt x="3788934" y="6236564"/>
+                    <a:pt x="3714033" y="6128893"/>
+                    <a:pt x="3581634" y="6172200"/>
+                  </a:cubicBezTo>
+                  <a:cubicBezTo>
+                    <a:pt x="3449235" y="6215507"/>
+                    <a:pt x="3349745" y="6127740"/>
+                    <a:pt x="3189893" y="6172200"/>
+                  </a:cubicBezTo>
+                  <a:cubicBezTo>
+                    <a:pt x="3030041" y="6216660"/>
+                    <a:pt x="2746333" y="6111595"/>
+                    <a:pt x="2630262" y="6172200"/>
+                  </a:cubicBezTo>
+                  <a:cubicBezTo>
+                    <a:pt x="2514191" y="6232805"/>
+                    <a:pt x="2389735" y="6128158"/>
+                    <a:pt x="2182558" y="6172200"/>
+                  </a:cubicBezTo>
+                  <a:cubicBezTo>
+                    <a:pt x="1975381" y="6216242"/>
+                    <a:pt x="1791225" y="6129849"/>
+                    <a:pt x="1566965" y="6172200"/>
+                  </a:cubicBezTo>
+                  <a:cubicBezTo>
+                    <a:pt x="1342705" y="6214551"/>
+                    <a:pt x="1276254" y="6166647"/>
+                    <a:pt x="1119261" y="6172200"/>
+                  </a:cubicBezTo>
+                  <a:cubicBezTo>
+                    <a:pt x="962268" y="6177753"/>
+                    <a:pt x="655795" y="6133418"/>
+                    <a:pt x="503667" y="6172200"/>
+                  </a:cubicBezTo>
+                  <a:cubicBezTo>
+                    <a:pt x="351539" y="6210982"/>
+                    <a:pt x="117023" y="6147242"/>
+                    <a:pt x="0" y="6172200"/>
+                  </a:cubicBezTo>
+                  <a:cubicBezTo>
+                    <a:pt x="-35739" y="5986930"/>
+                    <a:pt x="53014" y="5730511"/>
+                    <a:pt x="0" y="5549369"/>
+                  </a:cubicBezTo>
+                  <a:cubicBezTo>
+                    <a:pt x="-53014" y="5368227"/>
+                    <a:pt x="35416" y="5129808"/>
+                    <a:pt x="0" y="4926538"/>
+                  </a:cubicBezTo>
+                  <a:cubicBezTo>
+                    <a:pt x="-35416" y="4723268"/>
+                    <a:pt x="54809" y="4407616"/>
+                    <a:pt x="0" y="4241985"/>
+                  </a:cubicBezTo>
+                  <a:cubicBezTo>
+                    <a:pt x="-54809" y="4076354"/>
+                    <a:pt x="49032" y="3989416"/>
+                    <a:pt x="0" y="3742598"/>
+                  </a:cubicBezTo>
+                  <a:cubicBezTo>
+                    <a:pt x="-49032" y="3495780"/>
+                    <a:pt x="80100" y="3261033"/>
+                    <a:pt x="0" y="3058045"/>
+                  </a:cubicBezTo>
+                  <a:cubicBezTo>
+                    <a:pt x="-80100" y="2855057"/>
+                    <a:pt x="10705" y="2820740"/>
+                    <a:pt x="0" y="2620379"/>
+                  </a:cubicBezTo>
+                  <a:cubicBezTo>
+                    <a:pt x="-10705" y="2420018"/>
+                    <a:pt x="39369" y="2427241"/>
+                    <a:pt x="0" y="2244436"/>
+                  </a:cubicBezTo>
+                  <a:cubicBezTo>
+                    <a:pt x="-39369" y="2061631"/>
+                    <a:pt x="42378" y="1958353"/>
+                    <a:pt x="0" y="1868493"/>
+                  </a:cubicBezTo>
+                  <a:cubicBezTo>
+                    <a:pt x="-42378" y="1778633"/>
+                    <a:pt x="55226" y="1383133"/>
+                    <a:pt x="0" y="1245662"/>
+                  </a:cubicBezTo>
+                  <a:cubicBezTo>
+                    <a:pt x="-55226" y="1108191"/>
+                    <a:pt x="42117" y="998153"/>
+                    <a:pt x="0" y="869719"/>
+                  </a:cubicBezTo>
+                  <a:cubicBezTo>
+                    <a:pt x="-42117" y="741285"/>
+                    <a:pt x="26812" y="367943"/>
+                    <a:pt x="0" y="0"/>
+                  </a:cubicBezTo>
+                  <a:close/>
+                </a:path>
+              </a:pathLst>
+            </a:custGeom>
+            <a:noFill/>
+            <a:ln w="38100" cap="flat" cmpd="thickThin">
+              <a:solidFill>
+                <a:srgbClr val="1DB954"/>
+              </a:solidFill>
+              <a:prstDash val="solid"/>
+              <a:bevel/>
+              <a:extLst>
+                <a:ext uri="{C807C97D-BFC1-408E-A445-0C87EB9F89A2}">
+                  <ask:lineSketchStyleProps xmlns:ask="http://schemas.microsoft.com/office/drawing/2018/sketchyshapes" sd="1219033472">
+                    <a:prstGeom prst="rect">
+                      <a:avLst/>
+                    </a:prstGeom>
+                    <ask:type>
+                      <ask:lineSketchScribble/>
+                    </ask:type>
+                  </ask:lineSketchStyleProps>
+                </a:ext>
+              </a:extLst>
+            </a:ln>
+          </p:spPr>
+          <p:style>
+            <a:lnRef idx="2">
+              <a:schemeClr val="accent1">
+                <a:shade val="50000"/>
+              </a:schemeClr>
+            </a:lnRef>
+            <a:fillRef idx="1">
+              <a:schemeClr val="accent1"/>
+            </a:fillRef>
+            <a:effectRef idx="0">
+              <a:schemeClr val="accent1"/>
+            </a:effectRef>
+            <a:fontRef idx="minor">
+              <a:schemeClr val="lt1"/>
+            </a:fontRef>
+          </p:style>
+          <p:txBody>
+            <a:bodyPr rtlCol="0" anchor="ctr"/>
+            <a:lstStyle/>
+            <a:p>
+              <a:pPr algn="ctr"/>
+              <a:endParaRPr lang="it-IT"/>
+            </a:p>
+          </p:txBody>
+        </p:sp>
+      </p:grpSp>
       <p:pic>
         <p:nvPicPr>
-          <p:cNvPr id="3" name="Immagine 2" descr="Immagine che contiene testo, diagramma, Parallelo, Disegno tecnico&#10;&#10;Descrizione generata automaticamente">
-            <a:extLst>
-              <a:ext uri="{FF2B5EF4-FFF2-40B4-BE49-F238E27FC236}">
-                <a16:creationId xmlns:a16="http://schemas.microsoft.com/office/drawing/2014/main" id="{E4BD2F15-9B3E-6C9E-AA4E-E78772F11A80}"/>
+          <p:cNvPr id="27" name="Immagine 26" descr="Immagine che contiene testo, diagramma, Parallelo, Disegno tecnico&#10;&#10;Descrizione generata automaticamente">
+            <a:extLst>
+              <a:ext uri="{FF2B5EF4-FFF2-40B4-BE49-F238E27FC236}">
+                <a16:creationId xmlns:a16="http://schemas.microsoft.com/office/drawing/2014/main" id="{A259AE70-0C3E-EBA2-4BBB-F4D3DD9752B3}"/>
               </a:ext>
             </a:extLst>
           </p:cNvPr>
@@ -4653,8 +5202,44 @@
         </p:blipFill>
         <p:spPr>
           <a:xfrm>
-            <a:off x="3533309" y="643466"/>
-            <a:ext cx="5125380" cy="5571067"/>
+            <a:off x="543556" y="643465"/>
+            <a:ext cx="5125380" cy="5573712"/>
+          </a:xfrm>
+          <a:prstGeom prst="rect">
+            <a:avLst/>
+          </a:prstGeom>
+        </p:spPr>
+      </p:pic>
+      <p:pic>
+        <p:nvPicPr>
+          <p:cNvPr id="29" name="Immagine 28" descr="Immagine che contiene testo, diagramma, Disegno tecnico, Piano&#10;&#10;Descrizione generata automaticamente">
+            <a:extLst>
+              <a:ext uri="{FF2B5EF4-FFF2-40B4-BE49-F238E27FC236}">
+                <a16:creationId xmlns:a16="http://schemas.microsoft.com/office/drawing/2014/main" id="{859A6AD5-9145-5143-F9EA-1F55FF6B6AE1}"/>
+              </a:ext>
+            </a:extLst>
+          </p:cNvPr>
+          <p:cNvPicPr>
+            <a:picLocks noChangeAspect="1"/>
+          </p:cNvPicPr>
+          <p:nvPr/>
+        </p:nvPicPr>
+        <p:blipFill>
+          <a:blip r:embed="rId3">
+            <a:extLst>
+              <a:ext uri="{28A0092B-C50C-407E-A947-70E740481C1C}">
+                <a14:useLocalDpi xmlns:a14="http://schemas.microsoft.com/office/drawing/2010/main" val="0"/>
+              </a:ext>
+            </a:extLst>
+          </a:blip>
+          <a:stretch>
+            <a:fillRect/>
+          </a:stretch>
+        </p:blipFill>
+        <p:spPr>
+          <a:xfrm>
+            <a:off x="6576835" y="646110"/>
+            <a:ext cx="5017833" cy="5571067"/>
           </a:xfrm>
           <a:prstGeom prst="rect">
             <a:avLst/>
@@ -4699,527 +5284,953 @@
           <a:chExt cx="0" cy="0"/>
         </a:xfrm>
       </p:grpSpPr>
-      <p:sp>
-        <p:nvSpPr>
-          <p:cNvPr id="4" name="Rettangolo 3">
-            <a:extLst>
-              <a:ext uri="{FF2B5EF4-FFF2-40B4-BE49-F238E27FC236}">
-                <a16:creationId xmlns:a16="http://schemas.microsoft.com/office/drawing/2014/main" id="{0587E134-8B94-FD1E-F97A-25B669D4B70D}"/>
-              </a:ext>
-            </a:extLst>
-          </p:cNvPr>
-          <p:cNvSpPr/>
+      <p:grpSp>
+        <p:nvGrpSpPr>
+          <p:cNvPr id="8" name="Gruppo 7">
+            <a:extLst>
+              <a:ext uri="{FF2B5EF4-FFF2-40B4-BE49-F238E27FC236}">
+                <a16:creationId xmlns:a16="http://schemas.microsoft.com/office/drawing/2014/main" id="{967F3CFC-22B1-4307-B43E-68DD81EBA9F9}"/>
+              </a:ext>
+            </a:extLst>
+          </p:cNvPr>
+          <p:cNvGrpSpPr/>
           <p:nvPr/>
-        </p:nvSpPr>
-        <p:spPr>
+        </p:nvGrpSpPr>
+        <p:grpSpPr>
           <a:xfrm>
-            <a:off x="3297848" y="342900"/>
-            <a:ext cx="5596303" cy="6172200"/>
+            <a:off x="925572" y="342899"/>
+            <a:ext cx="10958332" cy="6172200"/>
+            <a:chOff x="917148" y="382464"/>
+            <a:chExt cx="10958332" cy="6172200"/>
           </a:xfrm>
-          <a:custGeom>
-            <a:avLst/>
-            <a:gdLst>
-              <a:gd name="connsiteX0" fmla="*/ 0 w 5596303"/>
-              <a:gd name="connsiteY0" fmla="*/ 0 h 6172200"/>
-              <a:gd name="connsiteX1" fmla="*/ 503667 w 5596303"/>
-              <a:gd name="connsiteY1" fmla="*/ 0 h 6172200"/>
-              <a:gd name="connsiteX2" fmla="*/ 895408 w 5596303"/>
-              <a:gd name="connsiteY2" fmla="*/ 0 h 6172200"/>
-              <a:gd name="connsiteX3" fmla="*/ 1566965 w 5596303"/>
-              <a:gd name="connsiteY3" fmla="*/ 0 h 6172200"/>
-              <a:gd name="connsiteX4" fmla="*/ 2070632 w 5596303"/>
-              <a:gd name="connsiteY4" fmla="*/ 0 h 6172200"/>
-              <a:gd name="connsiteX5" fmla="*/ 2574299 w 5596303"/>
-              <a:gd name="connsiteY5" fmla="*/ 0 h 6172200"/>
-              <a:gd name="connsiteX6" fmla="*/ 3245856 w 5596303"/>
-              <a:gd name="connsiteY6" fmla="*/ 0 h 6172200"/>
-              <a:gd name="connsiteX7" fmla="*/ 3693560 w 5596303"/>
-              <a:gd name="connsiteY7" fmla="*/ 0 h 6172200"/>
-              <a:gd name="connsiteX8" fmla="*/ 4365116 w 5596303"/>
-              <a:gd name="connsiteY8" fmla="*/ 0 h 6172200"/>
-              <a:gd name="connsiteX9" fmla="*/ 5036673 w 5596303"/>
-              <a:gd name="connsiteY9" fmla="*/ 0 h 6172200"/>
-              <a:gd name="connsiteX10" fmla="*/ 5596303 w 5596303"/>
-              <a:gd name="connsiteY10" fmla="*/ 0 h 6172200"/>
-              <a:gd name="connsiteX11" fmla="*/ 5596303 w 5596303"/>
-              <a:gd name="connsiteY11" fmla="*/ 684553 h 6172200"/>
-              <a:gd name="connsiteX12" fmla="*/ 5596303 w 5596303"/>
-              <a:gd name="connsiteY12" fmla="*/ 1307384 h 6172200"/>
-              <a:gd name="connsiteX13" fmla="*/ 5596303 w 5596303"/>
-              <a:gd name="connsiteY13" fmla="*/ 1683327 h 6172200"/>
-              <a:gd name="connsiteX14" fmla="*/ 5596303 w 5596303"/>
-              <a:gd name="connsiteY14" fmla="*/ 2244436 h 6172200"/>
-              <a:gd name="connsiteX15" fmla="*/ 5596303 w 5596303"/>
-              <a:gd name="connsiteY15" fmla="*/ 2805545 h 6172200"/>
-              <a:gd name="connsiteX16" fmla="*/ 5596303 w 5596303"/>
-              <a:gd name="connsiteY16" fmla="*/ 3366655 h 6172200"/>
-              <a:gd name="connsiteX17" fmla="*/ 5596303 w 5596303"/>
-              <a:gd name="connsiteY17" fmla="*/ 3989486 h 6172200"/>
-              <a:gd name="connsiteX18" fmla="*/ 5596303 w 5596303"/>
-              <a:gd name="connsiteY18" fmla="*/ 4612317 h 6172200"/>
-              <a:gd name="connsiteX19" fmla="*/ 5596303 w 5596303"/>
-              <a:gd name="connsiteY19" fmla="*/ 5235148 h 6172200"/>
-              <a:gd name="connsiteX20" fmla="*/ 5596303 w 5596303"/>
-              <a:gd name="connsiteY20" fmla="*/ 5611091 h 6172200"/>
-              <a:gd name="connsiteX21" fmla="*/ 5596303 w 5596303"/>
-              <a:gd name="connsiteY21" fmla="*/ 6172200 h 6172200"/>
-              <a:gd name="connsiteX22" fmla="*/ 4980710 w 5596303"/>
-              <a:gd name="connsiteY22" fmla="*/ 6172200 h 6172200"/>
-              <a:gd name="connsiteX23" fmla="*/ 4533005 w 5596303"/>
-              <a:gd name="connsiteY23" fmla="*/ 6172200 h 6172200"/>
-              <a:gd name="connsiteX24" fmla="*/ 3973375 w 5596303"/>
-              <a:gd name="connsiteY24" fmla="*/ 6172200 h 6172200"/>
-              <a:gd name="connsiteX25" fmla="*/ 3581634 w 5596303"/>
-              <a:gd name="connsiteY25" fmla="*/ 6172200 h 6172200"/>
-              <a:gd name="connsiteX26" fmla="*/ 3189893 w 5596303"/>
-              <a:gd name="connsiteY26" fmla="*/ 6172200 h 6172200"/>
-              <a:gd name="connsiteX27" fmla="*/ 2630262 w 5596303"/>
-              <a:gd name="connsiteY27" fmla="*/ 6172200 h 6172200"/>
-              <a:gd name="connsiteX28" fmla="*/ 2182558 w 5596303"/>
-              <a:gd name="connsiteY28" fmla="*/ 6172200 h 6172200"/>
-              <a:gd name="connsiteX29" fmla="*/ 1566965 w 5596303"/>
-              <a:gd name="connsiteY29" fmla="*/ 6172200 h 6172200"/>
-              <a:gd name="connsiteX30" fmla="*/ 1119261 w 5596303"/>
-              <a:gd name="connsiteY30" fmla="*/ 6172200 h 6172200"/>
-              <a:gd name="connsiteX31" fmla="*/ 503667 w 5596303"/>
-              <a:gd name="connsiteY31" fmla="*/ 6172200 h 6172200"/>
-              <a:gd name="connsiteX32" fmla="*/ 0 w 5596303"/>
-              <a:gd name="connsiteY32" fmla="*/ 6172200 h 6172200"/>
-              <a:gd name="connsiteX33" fmla="*/ 0 w 5596303"/>
-              <a:gd name="connsiteY33" fmla="*/ 5549369 h 6172200"/>
-              <a:gd name="connsiteX34" fmla="*/ 0 w 5596303"/>
-              <a:gd name="connsiteY34" fmla="*/ 4926538 h 6172200"/>
-              <a:gd name="connsiteX35" fmla="*/ 0 w 5596303"/>
-              <a:gd name="connsiteY35" fmla="*/ 4241985 h 6172200"/>
-              <a:gd name="connsiteX36" fmla="*/ 0 w 5596303"/>
-              <a:gd name="connsiteY36" fmla="*/ 3742598 h 6172200"/>
-              <a:gd name="connsiteX37" fmla="*/ 0 w 5596303"/>
-              <a:gd name="connsiteY37" fmla="*/ 3058045 h 6172200"/>
-              <a:gd name="connsiteX38" fmla="*/ 0 w 5596303"/>
-              <a:gd name="connsiteY38" fmla="*/ 2620379 h 6172200"/>
-              <a:gd name="connsiteX39" fmla="*/ 0 w 5596303"/>
-              <a:gd name="connsiteY39" fmla="*/ 2244436 h 6172200"/>
-              <a:gd name="connsiteX40" fmla="*/ 0 w 5596303"/>
-              <a:gd name="connsiteY40" fmla="*/ 1868493 h 6172200"/>
-              <a:gd name="connsiteX41" fmla="*/ 0 w 5596303"/>
-              <a:gd name="connsiteY41" fmla="*/ 1245662 h 6172200"/>
-              <a:gd name="connsiteX42" fmla="*/ 0 w 5596303"/>
-              <a:gd name="connsiteY42" fmla="*/ 869719 h 6172200"/>
-              <a:gd name="connsiteX43" fmla="*/ 0 w 5596303"/>
-              <a:gd name="connsiteY43" fmla="*/ 0 h 6172200"/>
-            </a:gdLst>
-            <a:ahLst/>
-            <a:cxnLst>
-              <a:cxn ang="0">
-                <a:pos x="connsiteX0" y="connsiteY0"/>
-              </a:cxn>
-              <a:cxn ang="0">
-                <a:pos x="connsiteX1" y="connsiteY1"/>
-              </a:cxn>
-              <a:cxn ang="0">
-                <a:pos x="connsiteX2" y="connsiteY2"/>
-              </a:cxn>
-              <a:cxn ang="0">
-                <a:pos x="connsiteX3" y="connsiteY3"/>
-              </a:cxn>
-              <a:cxn ang="0">
-                <a:pos x="connsiteX4" y="connsiteY4"/>
-              </a:cxn>
-              <a:cxn ang="0">
-                <a:pos x="connsiteX5" y="connsiteY5"/>
-              </a:cxn>
-              <a:cxn ang="0">
-                <a:pos x="connsiteX6" y="connsiteY6"/>
-              </a:cxn>
-              <a:cxn ang="0">
-                <a:pos x="connsiteX7" y="connsiteY7"/>
-              </a:cxn>
-              <a:cxn ang="0">
-                <a:pos x="connsiteX8" y="connsiteY8"/>
-              </a:cxn>
-              <a:cxn ang="0">
-                <a:pos x="connsiteX9" y="connsiteY9"/>
-              </a:cxn>
-              <a:cxn ang="0">
-                <a:pos x="connsiteX10" y="connsiteY10"/>
-              </a:cxn>
-              <a:cxn ang="0">
-                <a:pos x="connsiteX11" y="connsiteY11"/>
-              </a:cxn>
-              <a:cxn ang="0">
-                <a:pos x="connsiteX12" y="connsiteY12"/>
-              </a:cxn>
-              <a:cxn ang="0">
-                <a:pos x="connsiteX13" y="connsiteY13"/>
-              </a:cxn>
-              <a:cxn ang="0">
-                <a:pos x="connsiteX14" y="connsiteY14"/>
-              </a:cxn>
-              <a:cxn ang="0">
-                <a:pos x="connsiteX15" y="connsiteY15"/>
-              </a:cxn>
-              <a:cxn ang="0">
-                <a:pos x="connsiteX16" y="connsiteY16"/>
-              </a:cxn>
-              <a:cxn ang="0">
-                <a:pos x="connsiteX17" y="connsiteY17"/>
-              </a:cxn>
-              <a:cxn ang="0">
-                <a:pos x="connsiteX18" y="connsiteY18"/>
-              </a:cxn>
-              <a:cxn ang="0">
-                <a:pos x="connsiteX19" y="connsiteY19"/>
-              </a:cxn>
-              <a:cxn ang="0">
-                <a:pos x="connsiteX20" y="connsiteY20"/>
-              </a:cxn>
-              <a:cxn ang="0">
-                <a:pos x="connsiteX21" y="connsiteY21"/>
-              </a:cxn>
-              <a:cxn ang="0">
-                <a:pos x="connsiteX22" y="connsiteY22"/>
-              </a:cxn>
-              <a:cxn ang="0">
-                <a:pos x="connsiteX23" y="connsiteY23"/>
-              </a:cxn>
-              <a:cxn ang="0">
-                <a:pos x="connsiteX24" y="connsiteY24"/>
-              </a:cxn>
-              <a:cxn ang="0">
-                <a:pos x="connsiteX25" y="connsiteY25"/>
-              </a:cxn>
-              <a:cxn ang="0">
-                <a:pos x="connsiteX26" y="connsiteY26"/>
-              </a:cxn>
-              <a:cxn ang="0">
-                <a:pos x="connsiteX27" y="connsiteY27"/>
-              </a:cxn>
-              <a:cxn ang="0">
-                <a:pos x="connsiteX28" y="connsiteY28"/>
-              </a:cxn>
-              <a:cxn ang="0">
-                <a:pos x="connsiteX29" y="connsiteY29"/>
-              </a:cxn>
-              <a:cxn ang="0">
-                <a:pos x="connsiteX30" y="connsiteY30"/>
-              </a:cxn>
-              <a:cxn ang="0">
-                <a:pos x="connsiteX31" y="connsiteY31"/>
-              </a:cxn>
-              <a:cxn ang="0">
-                <a:pos x="connsiteX32" y="connsiteY32"/>
-              </a:cxn>
-              <a:cxn ang="0">
-                <a:pos x="connsiteX33" y="connsiteY33"/>
-              </a:cxn>
-              <a:cxn ang="0">
-                <a:pos x="connsiteX34" y="connsiteY34"/>
-              </a:cxn>
-              <a:cxn ang="0">
-                <a:pos x="connsiteX35" y="connsiteY35"/>
-              </a:cxn>
-              <a:cxn ang="0">
-                <a:pos x="connsiteX36" y="connsiteY36"/>
-              </a:cxn>
-              <a:cxn ang="0">
-                <a:pos x="connsiteX37" y="connsiteY37"/>
-              </a:cxn>
-              <a:cxn ang="0">
-                <a:pos x="connsiteX38" y="connsiteY38"/>
-              </a:cxn>
-              <a:cxn ang="0">
-                <a:pos x="connsiteX39" y="connsiteY39"/>
-              </a:cxn>
-              <a:cxn ang="0">
-                <a:pos x="connsiteX40" y="connsiteY40"/>
-              </a:cxn>
-              <a:cxn ang="0">
-                <a:pos x="connsiteX41" y="connsiteY41"/>
-              </a:cxn>
-              <a:cxn ang="0">
-                <a:pos x="connsiteX42" y="connsiteY42"/>
-              </a:cxn>
-              <a:cxn ang="0">
-                <a:pos x="connsiteX43" y="connsiteY43"/>
-              </a:cxn>
-            </a:cxnLst>
-            <a:rect l="l" t="t" r="r" b="b"/>
-            <a:pathLst>
-              <a:path w="5596303" h="6172200" extrusionOk="0">
-                <a:moveTo>
-                  <a:pt x="0" y="0"/>
-                </a:moveTo>
-                <a:cubicBezTo>
-                  <a:pt x="207596" y="-38152"/>
-                  <a:pt x="305065" y="17182"/>
-                  <a:pt x="503667" y="0"/>
-                </a:cubicBezTo>
-                <a:cubicBezTo>
-                  <a:pt x="702269" y="-17182"/>
-                  <a:pt x="816005" y="20624"/>
-                  <a:pt x="895408" y="0"/>
-                </a:cubicBezTo>
-                <a:cubicBezTo>
-                  <a:pt x="974811" y="-20624"/>
-                  <a:pt x="1393431" y="78612"/>
-                  <a:pt x="1566965" y="0"/>
-                </a:cubicBezTo>
-                <a:cubicBezTo>
-                  <a:pt x="1740499" y="-78612"/>
-                  <a:pt x="1890248" y="52366"/>
-                  <a:pt x="2070632" y="0"/>
-                </a:cubicBezTo>
-                <a:cubicBezTo>
-                  <a:pt x="2251016" y="-52366"/>
-                  <a:pt x="2407651" y="42119"/>
-                  <a:pt x="2574299" y="0"/>
-                </a:cubicBezTo>
-                <a:cubicBezTo>
-                  <a:pt x="2740947" y="-42119"/>
-                  <a:pt x="3024878" y="77054"/>
-                  <a:pt x="3245856" y="0"/>
-                </a:cubicBezTo>
-                <a:cubicBezTo>
-                  <a:pt x="3466834" y="-77054"/>
-                  <a:pt x="3530119" y="9115"/>
-                  <a:pt x="3693560" y="0"/>
-                </a:cubicBezTo>
-                <a:cubicBezTo>
-                  <a:pt x="3857001" y="-9115"/>
-                  <a:pt x="4155897" y="47166"/>
-                  <a:pt x="4365116" y="0"/>
-                </a:cubicBezTo>
-                <a:cubicBezTo>
-                  <a:pt x="4574335" y="-47166"/>
-                  <a:pt x="4861215" y="43056"/>
-                  <a:pt x="5036673" y="0"/>
-                </a:cubicBezTo>
-                <a:cubicBezTo>
-                  <a:pt x="5212131" y="-43056"/>
-                  <a:pt x="5387088" y="23271"/>
-                  <a:pt x="5596303" y="0"/>
-                </a:cubicBezTo>
-                <a:cubicBezTo>
-                  <a:pt x="5650693" y="186262"/>
-                  <a:pt x="5539700" y="533819"/>
-                  <a:pt x="5596303" y="684553"/>
-                </a:cubicBezTo>
-                <a:cubicBezTo>
-                  <a:pt x="5652906" y="835287"/>
-                  <a:pt x="5578086" y="1119406"/>
-                  <a:pt x="5596303" y="1307384"/>
-                </a:cubicBezTo>
-                <a:cubicBezTo>
-                  <a:pt x="5614520" y="1495362"/>
-                  <a:pt x="5563588" y="1496888"/>
-                  <a:pt x="5596303" y="1683327"/>
-                </a:cubicBezTo>
-                <a:cubicBezTo>
-                  <a:pt x="5629018" y="1869766"/>
-                  <a:pt x="5573857" y="2012325"/>
-                  <a:pt x="5596303" y="2244436"/>
-                </a:cubicBezTo>
-                <a:cubicBezTo>
-                  <a:pt x="5618749" y="2476547"/>
-                  <a:pt x="5588719" y="2567849"/>
-                  <a:pt x="5596303" y="2805545"/>
-                </a:cubicBezTo>
-                <a:cubicBezTo>
-                  <a:pt x="5603887" y="3043241"/>
-                  <a:pt x="5546264" y="3116421"/>
-                  <a:pt x="5596303" y="3366655"/>
-                </a:cubicBezTo>
-                <a:cubicBezTo>
-                  <a:pt x="5646342" y="3616889"/>
-                  <a:pt x="5547882" y="3838370"/>
-                  <a:pt x="5596303" y="3989486"/>
-                </a:cubicBezTo>
-                <a:cubicBezTo>
-                  <a:pt x="5644724" y="4140602"/>
-                  <a:pt x="5531605" y="4368482"/>
-                  <a:pt x="5596303" y="4612317"/>
-                </a:cubicBezTo>
-                <a:cubicBezTo>
-                  <a:pt x="5661001" y="4856152"/>
-                  <a:pt x="5531757" y="5059850"/>
-                  <a:pt x="5596303" y="5235148"/>
-                </a:cubicBezTo>
-                <a:cubicBezTo>
-                  <a:pt x="5660849" y="5410446"/>
-                  <a:pt x="5574453" y="5493311"/>
-                  <a:pt x="5596303" y="5611091"/>
-                </a:cubicBezTo>
-                <a:cubicBezTo>
-                  <a:pt x="5618153" y="5728871"/>
-                  <a:pt x="5540108" y="5957201"/>
-                  <a:pt x="5596303" y="6172200"/>
-                </a:cubicBezTo>
-                <a:cubicBezTo>
-                  <a:pt x="5322678" y="6232217"/>
-                  <a:pt x="5175232" y="6158883"/>
-                  <a:pt x="4980710" y="6172200"/>
-                </a:cubicBezTo>
-                <a:cubicBezTo>
-                  <a:pt x="4786188" y="6185517"/>
-                  <a:pt x="4745606" y="6136022"/>
-                  <a:pt x="4533005" y="6172200"/>
-                </a:cubicBezTo>
-                <a:cubicBezTo>
-                  <a:pt x="4320404" y="6208378"/>
-                  <a:pt x="4157816" y="6107836"/>
-                  <a:pt x="3973375" y="6172200"/>
-                </a:cubicBezTo>
-                <a:cubicBezTo>
-                  <a:pt x="3788934" y="6236564"/>
-                  <a:pt x="3714033" y="6128893"/>
-                  <a:pt x="3581634" y="6172200"/>
-                </a:cubicBezTo>
-                <a:cubicBezTo>
-                  <a:pt x="3449235" y="6215507"/>
-                  <a:pt x="3349745" y="6127740"/>
-                  <a:pt x="3189893" y="6172200"/>
-                </a:cubicBezTo>
-                <a:cubicBezTo>
-                  <a:pt x="3030041" y="6216660"/>
-                  <a:pt x="2746333" y="6111595"/>
-                  <a:pt x="2630262" y="6172200"/>
-                </a:cubicBezTo>
-                <a:cubicBezTo>
-                  <a:pt x="2514191" y="6232805"/>
-                  <a:pt x="2389735" y="6128158"/>
-                  <a:pt x="2182558" y="6172200"/>
-                </a:cubicBezTo>
-                <a:cubicBezTo>
-                  <a:pt x="1975381" y="6216242"/>
-                  <a:pt x="1791225" y="6129849"/>
-                  <a:pt x="1566965" y="6172200"/>
-                </a:cubicBezTo>
-                <a:cubicBezTo>
-                  <a:pt x="1342705" y="6214551"/>
-                  <a:pt x="1276254" y="6166647"/>
-                  <a:pt x="1119261" y="6172200"/>
-                </a:cubicBezTo>
-                <a:cubicBezTo>
-                  <a:pt x="962268" y="6177753"/>
-                  <a:pt x="655795" y="6133418"/>
-                  <a:pt x="503667" y="6172200"/>
-                </a:cubicBezTo>
-                <a:cubicBezTo>
-                  <a:pt x="351539" y="6210982"/>
-                  <a:pt x="117023" y="6147242"/>
-                  <a:pt x="0" y="6172200"/>
-                </a:cubicBezTo>
-                <a:cubicBezTo>
-                  <a:pt x="-35739" y="5986930"/>
-                  <a:pt x="53014" y="5730511"/>
-                  <a:pt x="0" y="5549369"/>
-                </a:cubicBezTo>
-                <a:cubicBezTo>
-                  <a:pt x="-53014" y="5368227"/>
-                  <a:pt x="35416" y="5129808"/>
-                  <a:pt x="0" y="4926538"/>
-                </a:cubicBezTo>
-                <a:cubicBezTo>
-                  <a:pt x="-35416" y="4723268"/>
-                  <a:pt x="54809" y="4407616"/>
-                  <a:pt x="0" y="4241985"/>
-                </a:cubicBezTo>
-                <a:cubicBezTo>
-                  <a:pt x="-54809" y="4076354"/>
-                  <a:pt x="49032" y="3989416"/>
-                  <a:pt x="0" y="3742598"/>
-                </a:cubicBezTo>
-                <a:cubicBezTo>
-                  <a:pt x="-49032" y="3495780"/>
-                  <a:pt x="80100" y="3261033"/>
-                  <a:pt x="0" y="3058045"/>
-                </a:cubicBezTo>
-                <a:cubicBezTo>
-                  <a:pt x="-80100" y="2855057"/>
-                  <a:pt x="10705" y="2820740"/>
-                  <a:pt x="0" y="2620379"/>
-                </a:cubicBezTo>
-                <a:cubicBezTo>
-                  <a:pt x="-10705" y="2420018"/>
-                  <a:pt x="39369" y="2427241"/>
-                  <a:pt x="0" y="2244436"/>
-                </a:cubicBezTo>
-                <a:cubicBezTo>
-                  <a:pt x="-39369" y="2061631"/>
-                  <a:pt x="42378" y="1958353"/>
-                  <a:pt x="0" y="1868493"/>
-                </a:cubicBezTo>
-                <a:cubicBezTo>
-                  <a:pt x="-42378" y="1778633"/>
-                  <a:pt x="55226" y="1383133"/>
-                  <a:pt x="0" y="1245662"/>
-                </a:cubicBezTo>
-                <a:cubicBezTo>
-                  <a:pt x="-55226" y="1108191"/>
-                  <a:pt x="42117" y="998153"/>
-                  <a:pt x="0" y="869719"/>
-                </a:cubicBezTo>
-                <a:cubicBezTo>
-                  <a:pt x="-42117" y="741285"/>
-                  <a:pt x="26812" y="367943"/>
-                  <a:pt x="0" y="0"/>
-                </a:cubicBezTo>
-                <a:close/>
-              </a:path>
-            </a:pathLst>
-          </a:custGeom>
-          <a:noFill/>
-          <a:ln w="38100" cap="flat" cmpd="thickThin">
-            <a:solidFill>
-              <a:srgbClr val="1DB954"/>
-            </a:solidFill>
-            <a:prstDash val="solid"/>
-            <a:bevel/>
-            <a:extLst>
-              <a:ext uri="{C807C97D-BFC1-408E-A445-0C87EB9F89A2}">
-                <ask:lineSketchStyleProps xmlns:ask="http://schemas.microsoft.com/office/drawing/2018/sketchyshapes" sd="1219033472">
-                  <a:prstGeom prst="rect">
-                    <a:avLst/>
-                  </a:prstGeom>
-                  <ask:type>
-                    <ask:lineSketchScribble/>
-                  </ask:type>
-                </ask:lineSketchStyleProps>
-              </a:ext>
-            </a:extLst>
-          </a:ln>
-        </p:spPr>
-        <p:style>
-          <a:lnRef idx="2">
-            <a:schemeClr val="accent1">
-              <a:shade val="50000"/>
-            </a:schemeClr>
-          </a:lnRef>
-          <a:fillRef idx="1">
-            <a:schemeClr val="accent1"/>
-          </a:fillRef>
-          <a:effectRef idx="0">
-            <a:schemeClr val="accent1"/>
-          </a:effectRef>
-          <a:fontRef idx="minor">
-            <a:schemeClr val="lt1"/>
-          </a:fontRef>
-        </p:style>
-        <p:txBody>
-          <a:bodyPr rtlCol="0" anchor="ctr"/>
-          <a:lstStyle/>
-          <a:p>
-            <a:pPr algn="ctr"/>
-            <a:endParaRPr lang="it-IT"/>
-          </a:p>
-        </p:txBody>
-      </p:sp>
+        </p:grpSpPr>
+        <p:sp>
+          <p:nvSpPr>
+            <p:cNvPr id="13" name="Rettangolo 12">
+              <a:extLst>
+                <a:ext uri="{FF2B5EF4-FFF2-40B4-BE49-F238E27FC236}">
+                  <a16:creationId xmlns:a16="http://schemas.microsoft.com/office/drawing/2014/main" id="{34A72EAB-9549-9DC0-AC03-50092FB0F879}"/>
+                </a:ext>
+              </a:extLst>
+            </p:cNvPr>
+            <p:cNvSpPr/>
+            <p:nvPr/>
+          </p:nvSpPr>
+          <p:spPr>
+            <a:xfrm>
+              <a:off x="917148" y="1136405"/>
+              <a:ext cx="4361348" cy="4664319"/>
+            </a:xfrm>
+            <a:custGeom>
+              <a:avLst/>
+              <a:gdLst>
+                <a:gd name="connsiteX0" fmla="*/ 0 w 4361348"/>
+                <a:gd name="connsiteY0" fmla="*/ 0 h 4664319"/>
+                <a:gd name="connsiteX1" fmla="*/ 501555 w 4361348"/>
+                <a:gd name="connsiteY1" fmla="*/ 0 h 4664319"/>
+                <a:gd name="connsiteX2" fmla="*/ 915883 w 4361348"/>
+                <a:gd name="connsiteY2" fmla="*/ 0 h 4664319"/>
+                <a:gd name="connsiteX3" fmla="*/ 1548279 w 4361348"/>
+                <a:gd name="connsiteY3" fmla="*/ 0 h 4664319"/>
+                <a:gd name="connsiteX4" fmla="*/ 2049834 w 4361348"/>
+                <a:gd name="connsiteY4" fmla="*/ 0 h 4664319"/>
+                <a:gd name="connsiteX5" fmla="*/ 2551389 w 4361348"/>
+                <a:gd name="connsiteY5" fmla="*/ 0 h 4664319"/>
+                <a:gd name="connsiteX6" fmla="*/ 3183784 w 4361348"/>
+                <a:gd name="connsiteY6" fmla="*/ 0 h 4664319"/>
+                <a:gd name="connsiteX7" fmla="*/ 3641726 w 4361348"/>
+                <a:gd name="connsiteY7" fmla="*/ 0 h 4664319"/>
+                <a:gd name="connsiteX8" fmla="*/ 4361348 w 4361348"/>
+                <a:gd name="connsiteY8" fmla="*/ 0 h 4664319"/>
+                <a:gd name="connsiteX9" fmla="*/ 4361348 w 4361348"/>
+                <a:gd name="connsiteY9" fmla="*/ 676326 h 4664319"/>
+                <a:gd name="connsiteX10" fmla="*/ 4361348 w 4361348"/>
+                <a:gd name="connsiteY10" fmla="*/ 1166080 h 4664319"/>
+                <a:gd name="connsiteX11" fmla="*/ 4361348 w 4361348"/>
+                <a:gd name="connsiteY11" fmla="*/ 1749120 h 4664319"/>
+                <a:gd name="connsiteX12" fmla="*/ 4361348 w 4361348"/>
+                <a:gd name="connsiteY12" fmla="*/ 2378803 h 4664319"/>
+                <a:gd name="connsiteX13" fmla="*/ 4361348 w 4361348"/>
+                <a:gd name="connsiteY13" fmla="*/ 2821913 h 4664319"/>
+                <a:gd name="connsiteX14" fmla="*/ 4361348 w 4361348"/>
+                <a:gd name="connsiteY14" fmla="*/ 3404953 h 4664319"/>
+                <a:gd name="connsiteX15" fmla="*/ 4361348 w 4361348"/>
+                <a:gd name="connsiteY15" fmla="*/ 3987993 h 4664319"/>
+                <a:gd name="connsiteX16" fmla="*/ 4361348 w 4361348"/>
+                <a:gd name="connsiteY16" fmla="*/ 4664319 h 4664319"/>
+                <a:gd name="connsiteX17" fmla="*/ 3772566 w 4361348"/>
+                <a:gd name="connsiteY17" fmla="*/ 4664319 h 4664319"/>
+                <a:gd name="connsiteX18" fmla="*/ 3227398 w 4361348"/>
+                <a:gd name="connsiteY18" fmla="*/ 4664319 h 4664319"/>
+                <a:gd name="connsiteX19" fmla="*/ 2813069 w 4361348"/>
+                <a:gd name="connsiteY19" fmla="*/ 4664319 h 4664319"/>
+                <a:gd name="connsiteX20" fmla="*/ 2355128 w 4361348"/>
+                <a:gd name="connsiteY20" fmla="*/ 4664319 h 4664319"/>
+                <a:gd name="connsiteX21" fmla="*/ 1722732 w 4361348"/>
+                <a:gd name="connsiteY21" fmla="*/ 4664319 h 4664319"/>
+                <a:gd name="connsiteX22" fmla="*/ 1177564 w 4361348"/>
+                <a:gd name="connsiteY22" fmla="*/ 4664319 h 4664319"/>
+                <a:gd name="connsiteX23" fmla="*/ 719622 w 4361348"/>
+                <a:gd name="connsiteY23" fmla="*/ 4664319 h 4664319"/>
+                <a:gd name="connsiteX24" fmla="*/ 0 w 4361348"/>
+                <a:gd name="connsiteY24" fmla="*/ 4664319 h 4664319"/>
+                <a:gd name="connsiteX25" fmla="*/ 0 w 4361348"/>
+                <a:gd name="connsiteY25" fmla="*/ 4221209 h 4664319"/>
+                <a:gd name="connsiteX26" fmla="*/ 0 w 4361348"/>
+                <a:gd name="connsiteY26" fmla="*/ 3778098 h 4664319"/>
+                <a:gd name="connsiteX27" fmla="*/ 0 w 4361348"/>
+                <a:gd name="connsiteY27" fmla="*/ 3148415 h 4664319"/>
+                <a:gd name="connsiteX28" fmla="*/ 0 w 4361348"/>
+                <a:gd name="connsiteY28" fmla="*/ 2658662 h 4664319"/>
+                <a:gd name="connsiteX29" fmla="*/ 0 w 4361348"/>
+                <a:gd name="connsiteY29" fmla="*/ 1982336 h 4664319"/>
+                <a:gd name="connsiteX30" fmla="*/ 0 w 4361348"/>
+                <a:gd name="connsiteY30" fmla="*/ 1445939 h 4664319"/>
+                <a:gd name="connsiteX31" fmla="*/ 0 w 4361348"/>
+                <a:gd name="connsiteY31" fmla="*/ 1002829 h 4664319"/>
+                <a:gd name="connsiteX32" fmla="*/ 0 w 4361348"/>
+                <a:gd name="connsiteY32" fmla="*/ 0 h 4664319"/>
+              </a:gdLst>
+              <a:ahLst/>
+              <a:cxnLst>
+                <a:cxn ang="0">
+                  <a:pos x="connsiteX0" y="connsiteY0"/>
+                </a:cxn>
+                <a:cxn ang="0">
+                  <a:pos x="connsiteX1" y="connsiteY1"/>
+                </a:cxn>
+                <a:cxn ang="0">
+                  <a:pos x="connsiteX2" y="connsiteY2"/>
+                </a:cxn>
+                <a:cxn ang="0">
+                  <a:pos x="connsiteX3" y="connsiteY3"/>
+                </a:cxn>
+                <a:cxn ang="0">
+                  <a:pos x="connsiteX4" y="connsiteY4"/>
+                </a:cxn>
+                <a:cxn ang="0">
+                  <a:pos x="connsiteX5" y="connsiteY5"/>
+                </a:cxn>
+                <a:cxn ang="0">
+                  <a:pos x="connsiteX6" y="connsiteY6"/>
+                </a:cxn>
+                <a:cxn ang="0">
+                  <a:pos x="connsiteX7" y="connsiteY7"/>
+                </a:cxn>
+                <a:cxn ang="0">
+                  <a:pos x="connsiteX8" y="connsiteY8"/>
+                </a:cxn>
+                <a:cxn ang="0">
+                  <a:pos x="connsiteX9" y="connsiteY9"/>
+                </a:cxn>
+                <a:cxn ang="0">
+                  <a:pos x="connsiteX10" y="connsiteY10"/>
+                </a:cxn>
+                <a:cxn ang="0">
+                  <a:pos x="connsiteX11" y="connsiteY11"/>
+                </a:cxn>
+                <a:cxn ang="0">
+                  <a:pos x="connsiteX12" y="connsiteY12"/>
+                </a:cxn>
+                <a:cxn ang="0">
+                  <a:pos x="connsiteX13" y="connsiteY13"/>
+                </a:cxn>
+                <a:cxn ang="0">
+                  <a:pos x="connsiteX14" y="connsiteY14"/>
+                </a:cxn>
+                <a:cxn ang="0">
+                  <a:pos x="connsiteX15" y="connsiteY15"/>
+                </a:cxn>
+                <a:cxn ang="0">
+                  <a:pos x="connsiteX16" y="connsiteY16"/>
+                </a:cxn>
+                <a:cxn ang="0">
+                  <a:pos x="connsiteX17" y="connsiteY17"/>
+                </a:cxn>
+                <a:cxn ang="0">
+                  <a:pos x="connsiteX18" y="connsiteY18"/>
+                </a:cxn>
+                <a:cxn ang="0">
+                  <a:pos x="connsiteX19" y="connsiteY19"/>
+                </a:cxn>
+                <a:cxn ang="0">
+                  <a:pos x="connsiteX20" y="connsiteY20"/>
+                </a:cxn>
+                <a:cxn ang="0">
+                  <a:pos x="connsiteX21" y="connsiteY21"/>
+                </a:cxn>
+                <a:cxn ang="0">
+                  <a:pos x="connsiteX22" y="connsiteY22"/>
+                </a:cxn>
+                <a:cxn ang="0">
+                  <a:pos x="connsiteX23" y="connsiteY23"/>
+                </a:cxn>
+                <a:cxn ang="0">
+                  <a:pos x="connsiteX24" y="connsiteY24"/>
+                </a:cxn>
+                <a:cxn ang="0">
+                  <a:pos x="connsiteX25" y="connsiteY25"/>
+                </a:cxn>
+                <a:cxn ang="0">
+                  <a:pos x="connsiteX26" y="connsiteY26"/>
+                </a:cxn>
+                <a:cxn ang="0">
+                  <a:pos x="connsiteX27" y="connsiteY27"/>
+                </a:cxn>
+                <a:cxn ang="0">
+                  <a:pos x="connsiteX28" y="connsiteY28"/>
+                </a:cxn>
+                <a:cxn ang="0">
+                  <a:pos x="connsiteX29" y="connsiteY29"/>
+                </a:cxn>
+                <a:cxn ang="0">
+                  <a:pos x="connsiteX30" y="connsiteY30"/>
+                </a:cxn>
+                <a:cxn ang="0">
+                  <a:pos x="connsiteX31" y="connsiteY31"/>
+                </a:cxn>
+                <a:cxn ang="0">
+                  <a:pos x="connsiteX32" y="connsiteY32"/>
+                </a:cxn>
+              </a:cxnLst>
+              <a:rect l="l" t="t" r="r" b="b"/>
+              <a:pathLst>
+                <a:path w="4361348" h="4664319" extrusionOk="0">
+                  <a:moveTo>
+                    <a:pt x="0" y="0"/>
+                  </a:moveTo>
+                  <a:cubicBezTo>
+                    <a:pt x="172446" y="-35948"/>
+                    <a:pt x="318827" y="5261"/>
+                    <a:pt x="501555" y="0"/>
+                  </a:cubicBezTo>
+                  <a:cubicBezTo>
+                    <a:pt x="684283" y="-5261"/>
+                    <a:pt x="738413" y="18176"/>
+                    <a:pt x="915883" y="0"/>
+                  </a:cubicBezTo>
+                  <a:cubicBezTo>
+                    <a:pt x="1093353" y="-18176"/>
+                    <a:pt x="1288135" y="56326"/>
+                    <a:pt x="1548279" y="0"/>
+                  </a:cubicBezTo>
+                  <a:cubicBezTo>
+                    <a:pt x="1808423" y="-56326"/>
+                    <a:pt x="1871640" y="36785"/>
+                    <a:pt x="2049834" y="0"/>
+                  </a:cubicBezTo>
+                  <a:cubicBezTo>
+                    <a:pt x="2228028" y="-36785"/>
+                    <a:pt x="2304742" y="20435"/>
+                    <a:pt x="2551389" y="0"/>
+                  </a:cubicBezTo>
+                  <a:cubicBezTo>
+                    <a:pt x="2798037" y="-20435"/>
+                    <a:pt x="2912680" y="46961"/>
+                    <a:pt x="3183784" y="0"/>
+                  </a:cubicBezTo>
+                  <a:cubicBezTo>
+                    <a:pt x="3454888" y="-46961"/>
+                    <a:pt x="3539015" y="9323"/>
+                    <a:pt x="3641726" y="0"/>
+                  </a:cubicBezTo>
+                  <a:cubicBezTo>
+                    <a:pt x="3744437" y="-9323"/>
+                    <a:pt x="4204693" y="59381"/>
+                    <a:pt x="4361348" y="0"/>
+                  </a:cubicBezTo>
+                  <a:cubicBezTo>
+                    <a:pt x="4402407" y="287890"/>
+                    <a:pt x="4292469" y="384707"/>
+                    <a:pt x="4361348" y="676326"/>
+                  </a:cubicBezTo>
+                  <a:cubicBezTo>
+                    <a:pt x="4430227" y="967945"/>
+                    <a:pt x="4322291" y="1066287"/>
+                    <a:pt x="4361348" y="1166080"/>
+                  </a:cubicBezTo>
+                  <a:cubicBezTo>
+                    <a:pt x="4400405" y="1265873"/>
+                    <a:pt x="4332991" y="1572217"/>
+                    <a:pt x="4361348" y="1749120"/>
+                  </a:cubicBezTo>
+                  <a:cubicBezTo>
+                    <a:pt x="4389705" y="1926023"/>
+                    <a:pt x="4344676" y="2151280"/>
+                    <a:pt x="4361348" y="2378803"/>
+                  </a:cubicBezTo>
+                  <a:cubicBezTo>
+                    <a:pt x="4378020" y="2606326"/>
+                    <a:pt x="4338111" y="2688366"/>
+                    <a:pt x="4361348" y="2821913"/>
+                  </a:cubicBezTo>
+                  <a:cubicBezTo>
+                    <a:pt x="4384585" y="2955460"/>
+                    <a:pt x="4331872" y="3117239"/>
+                    <a:pt x="4361348" y="3404953"/>
+                  </a:cubicBezTo>
+                  <a:cubicBezTo>
+                    <a:pt x="4390824" y="3692667"/>
+                    <a:pt x="4348787" y="3818912"/>
+                    <a:pt x="4361348" y="3987993"/>
+                  </a:cubicBezTo>
+                  <a:cubicBezTo>
+                    <a:pt x="4373909" y="4157074"/>
+                    <a:pt x="4321940" y="4439091"/>
+                    <a:pt x="4361348" y="4664319"/>
+                  </a:cubicBezTo>
+                  <a:cubicBezTo>
+                    <a:pt x="4180404" y="4668912"/>
+                    <a:pt x="3929522" y="4607473"/>
+                    <a:pt x="3772566" y="4664319"/>
+                  </a:cubicBezTo>
+                  <a:cubicBezTo>
+                    <a:pt x="3615610" y="4721165"/>
+                    <a:pt x="3445084" y="4614959"/>
+                    <a:pt x="3227398" y="4664319"/>
+                  </a:cubicBezTo>
+                  <a:cubicBezTo>
+                    <a:pt x="3009712" y="4713679"/>
+                    <a:pt x="2981319" y="4616944"/>
+                    <a:pt x="2813069" y="4664319"/>
+                  </a:cubicBezTo>
+                  <a:cubicBezTo>
+                    <a:pt x="2644819" y="4711694"/>
+                    <a:pt x="2467553" y="4609951"/>
+                    <a:pt x="2355128" y="4664319"/>
+                  </a:cubicBezTo>
+                  <a:cubicBezTo>
+                    <a:pt x="2242703" y="4718687"/>
+                    <a:pt x="1992927" y="4614286"/>
+                    <a:pt x="1722732" y="4664319"/>
+                  </a:cubicBezTo>
+                  <a:cubicBezTo>
+                    <a:pt x="1452537" y="4714352"/>
+                    <a:pt x="1385292" y="4653606"/>
+                    <a:pt x="1177564" y="4664319"/>
+                  </a:cubicBezTo>
+                  <a:cubicBezTo>
+                    <a:pt x="969836" y="4675032"/>
+                    <a:pt x="835242" y="4642214"/>
+                    <a:pt x="719622" y="4664319"/>
+                  </a:cubicBezTo>
+                  <a:cubicBezTo>
+                    <a:pt x="604002" y="4686424"/>
+                    <a:pt x="225702" y="4639190"/>
+                    <a:pt x="0" y="4664319"/>
+                  </a:cubicBezTo>
+                  <a:cubicBezTo>
+                    <a:pt x="-968" y="4457382"/>
+                    <a:pt x="33092" y="4340360"/>
+                    <a:pt x="0" y="4221209"/>
+                  </a:cubicBezTo>
+                  <a:cubicBezTo>
+                    <a:pt x="-33092" y="4102058"/>
+                    <a:pt x="44057" y="3873744"/>
+                    <a:pt x="0" y="3778098"/>
+                  </a:cubicBezTo>
+                  <a:cubicBezTo>
+                    <a:pt x="-44057" y="3682452"/>
+                    <a:pt x="66769" y="3282441"/>
+                    <a:pt x="0" y="3148415"/>
+                  </a:cubicBezTo>
+                  <a:cubicBezTo>
+                    <a:pt x="-66769" y="3014389"/>
+                    <a:pt x="638" y="2772429"/>
+                    <a:pt x="0" y="2658662"/>
+                  </a:cubicBezTo>
+                  <a:cubicBezTo>
+                    <a:pt x="-638" y="2544895"/>
+                    <a:pt x="71364" y="2135473"/>
+                    <a:pt x="0" y="1982336"/>
+                  </a:cubicBezTo>
+                  <a:cubicBezTo>
+                    <a:pt x="-71364" y="1829199"/>
+                    <a:pt x="60402" y="1652010"/>
+                    <a:pt x="0" y="1445939"/>
+                  </a:cubicBezTo>
+                  <a:cubicBezTo>
+                    <a:pt x="-60402" y="1239868"/>
+                    <a:pt x="13559" y="1197806"/>
+                    <a:pt x="0" y="1002829"/>
+                  </a:cubicBezTo>
+                  <a:cubicBezTo>
+                    <a:pt x="-13559" y="807852"/>
+                    <a:pt x="39030" y="234427"/>
+                    <a:pt x="0" y="0"/>
+                  </a:cubicBezTo>
+                  <a:close/>
+                </a:path>
+              </a:pathLst>
+            </a:custGeom>
+            <a:noFill/>
+            <a:ln w="38100" cap="flat" cmpd="thickThin">
+              <a:solidFill>
+                <a:srgbClr val="1DB954"/>
+              </a:solidFill>
+              <a:prstDash val="solid"/>
+              <a:bevel/>
+              <a:extLst>
+                <a:ext uri="{C807C97D-BFC1-408E-A445-0C87EB9F89A2}">
+                  <ask:lineSketchStyleProps xmlns:ask="http://schemas.microsoft.com/office/drawing/2018/sketchyshapes" sd="1219033472">
+                    <a:prstGeom prst="rect">
+                      <a:avLst/>
+                    </a:prstGeom>
+                    <ask:type>
+                      <ask:lineSketchScribble/>
+                    </ask:type>
+                  </ask:lineSketchStyleProps>
+                </a:ext>
+              </a:extLst>
+            </a:ln>
+          </p:spPr>
+          <p:style>
+            <a:lnRef idx="2">
+              <a:schemeClr val="accent1">
+                <a:shade val="50000"/>
+              </a:schemeClr>
+            </a:lnRef>
+            <a:fillRef idx="1">
+              <a:schemeClr val="accent1"/>
+            </a:fillRef>
+            <a:effectRef idx="0">
+              <a:schemeClr val="accent1"/>
+            </a:effectRef>
+            <a:fontRef idx="minor">
+              <a:schemeClr val="lt1"/>
+            </a:fontRef>
+          </p:style>
+          <p:txBody>
+            <a:bodyPr rtlCol="0" anchor="ctr"/>
+            <a:lstStyle/>
+            <a:p>
+              <a:pPr algn="ctr"/>
+              <a:endParaRPr lang="it-IT"/>
+            </a:p>
+          </p:txBody>
+        </p:sp>
+        <p:sp>
+          <p:nvSpPr>
+            <p:cNvPr id="11" name="Rettangolo 10">
+              <a:extLst>
+                <a:ext uri="{FF2B5EF4-FFF2-40B4-BE49-F238E27FC236}">
+                  <a16:creationId xmlns:a16="http://schemas.microsoft.com/office/drawing/2014/main" id="{C19E3518-CAC3-0DB8-6E6D-DB1ACEE34216}"/>
+                </a:ext>
+              </a:extLst>
+            </p:cNvPr>
+            <p:cNvSpPr/>
+            <p:nvPr/>
+          </p:nvSpPr>
+          <p:spPr>
+            <a:xfrm>
+              <a:off x="6279177" y="382464"/>
+              <a:ext cx="5596303" cy="6172200"/>
+            </a:xfrm>
+            <a:custGeom>
+              <a:avLst/>
+              <a:gdLst>
+                <a:gd name="connsiteX0" fmla="*/ 0 w 5596303"/>
+                <a:gd name="connsiteY0" fmla="*/ 0 h 6172200"/>
+                <a:gd name="connsiteX1" fmla="*/ 503667 w 5596303"/>
+                <a:gd name="connsiteY1" fmla="*/ 0 h 6172200"/>
+                <a:gd name="connsiteX2" fmla="*/ 895408 w 5596303"/>
+                <a:gd name="connsiteY2" fmla="*/ 0 h 6172200"/>
+                <a:gd name="connsiteX3" fmla="*/ 1566965 w 5596303"/>
+                <a:gd name="connsiteY3" fmla="*/ 0 h 6172200"/>
+                <a:gd name="connsiteX4" fmla="*/ 2070632 w 5596303"/>
+                <a:gd name="connsiteY4" fmla="*/ 0 h 6172200"/>
+                <a:gd name="connsiteX5" fmla="*/ 2574299 w 5596303"/>
+                <a:gd name="connsiteY5" fmla="*/ 0 h 6172200"/>
+                <a:gd name="connsiteX6" fmla="*/ 3245856 w 5596303"/>
+                <a:gd name="connsiteY6" fmla="*/ 0 h 6172200"/>
+                <a:gd name="connsiteX7" fmla="*/ 3693560 w 5596303"/>
+                <a:gd name="connsiteY7" fmla="*/ 0 h 6172200"/>
+                <a:gd name="connsiteX8" fmla="*/ 4365116 w 5596303"/>
+                <a:gd name="connsiteY8" fmla="*/ 0 h 6172200"/>
+                <a:gd name="connsiteX9" fmla="*/ 5036673 w 5596303"/>
+                <a:gd name="connsiteY9" fmla="*/ 0 h 6172200"/>
+                <a:gd name="connsiteX10" fmla="*/ 5596303 w 5596303"/>
+                <a:gd name="connsiteY10" fmla="*/ 0 h 6172200"/>
+                <a:gd name="connsiteX11" fmla="*/ 5596303 w 5596303"/>
+                <a:gd name="connsiteY11" fmla="*/ 684553 h 6172200"/>
+                <a:gd name="connsiteX12" fmla="*/ 5596303 w 5596303"/>
+                <a:gd name="connsiteY12" fmla="*/ 1307384 h 6172200"/>
+                <a:gd name="connsiteX13" fmla="*/ 5596303 w 5596303"/>
+                <a:gd name="connsiteY13" fmla="*/ 1683327 h 6172200"/>
+                <a:gd name="connsiteX14" fmla="*/ 5596303 w 5596303"/>
+                <a:gd name="connsiteY14" fmla="*/ 2244436 h 6172200"/>
+                <a:gd name="connsiteX15" fmla="*/ 5596303 w 5596303"/>
+                <a:gd name="connsiteY15" fmla="*/ 2805545 h 6172200"/>
+                <a:gd name="connsiteX16" fmla="*/ 5596303 w 5596303"/>
+                <a:gd name="connsiteY16" fmla="*/ 3366655 h 6172200"/>
+                <a:gd name="connsiteX17" fmla="*/ 5596303 w 5596303"/>
+                <a:gd name="connsiteY17" fmla="*/ 3989486 h 6172200"/>
+                <a:gd name="connsiteX18" fmla="*/ 5596303 w 5596303"/>
+                <a:gd name="connsiteY18" fmla="*/ 4612317 h 6172200"/>
+                <a:gd name="connsiteX19" fmla="*/ 5596303 w 5596303"/>
+                <a:gd name="connsiteY19" fmla="*/ 5235148 h 6172200"/>
+                <a:gd name="connsiteX20" fmla="*/ 5596303 w 5596303"/>
+                <a:gd name="connsiteY20" fmla="*/ 5611091 h 6172200"/>
+                <a:gd name="connsiteX21" fmla="*/ 5596303 w 5596303"/>
+                <a:gd name="connsiteY21" fmla="*/ 6172200 h 6172200"/>
+                <a:gd name="connsiteX22" fmla="*/ 4980710 w 5596303"/>
+                <a:gd name="connsiteY22" fmla="*/ 6172200 h 6172200"/>
+                <a:gd name="connsiteX23" fmla="*/ 4533005 w 5596303"/>
+                <a:gd name="connsiteY23" fmla="*/ 6172200 h 6172200"/>
+                <a:gd name="connsiteX24" fmla="*/ 3973375 w 5596303"/>
+                <a:gd name="connsiteY24" fmla="*/ 6172200 h 6172200"/>
+                <a:gd name="connsiteX25" fmla="*/ 3581634 w 5596303"/>
+                <a:gd name="connsiteY25" fmla="*/ 6172200 h 6172200"/>
+                <a:gd name="connsiteX26" fmla="*/ 3189893 w 5596303"/>
+                <a:gd name="connsiteY26" fmla="*/ 6172200 h 6172200"/>
+                <a:gd name="connsiteX27" fmla="*/ 2630262 w 5596303"/>
+                <a:gd name="connsiteY27" fmla="*/ 6172200 h 6172200"/>
+                <a:gd name="connsiteX28" fmla="*/ 2182558 w 5596303"/>
+                <a:gd name="connsiteY28" fmla="*/ 6172200 h 6172200"/>
+                <a:gd name="connsiteX29" fmla="*/ 1566965 w 5596303"/>
+                <a:gd name="connsiteY29" fmla="*/ 6172200 h 6172200"/>
+                <a:gd name="connsiteX30" fmla="*/ 1119261 w 5596303"/>
+                <a:gd name="connsiteY30" fmla="*/ 6172200 h 6172200"/>
+                <a:gd name="connsiteX31" fmla="*/ 503667 w 5596303"/>
+                <a:gd name="connsiteY31" fmla="*/ 6172200 h 6172200"/>
+                <a:gd name="connsiteX32" fmla="*/ 0 w 5596303"/>
+                <a:gd name="connsiteY32" fmla="*/ 6172200 h 6172200"/>
+                <a:gd name="connsiteX33" fmla="*/ 0 w 5596303"/>
+                <a:gd name="connsiteY33" fmla="*/ 5549369 h 6172200"/>
+                <a:gd name="connsiteX34" fmla="*/ 0 w 5596303"/>
+                <a:gd name="connsiteY34" fmla="*/ 4926538 h 6172200"/>
+                <a:gd name="connsiteX35" fmla="*/ 0 w 5596303"/>
+                <a:gd name="connsiteY35" fmla="*/ 4241985 h 6172200"/>
+                <a:gd name="connsiteX36" fmla="*/ 0 w 5596303"/>
+                <a:gd name="connsiteY36" fmla="*/ 3742598 h 6172200"/>
+                <a:gd name="connsiteX37" fmla="*/ 0 w 5596303"/>
+                <a:gd name="connsiteY37" fmla="*/ 3058045 h 6172200"/>
+                <a:gd name="connsiteX38" fmla="*/ 0 w 5596303"/>
+                <a:gd name="connsiteY38" fmla="*/ 2620379 h 6172200"/>
+                <a:gd name="connsiteX39" fmla="*/ 0 w 5596303"/>
+                <a:gd name="connsiteY39" fmla="*/ 2244436 h 6172200"/>
+                <a:gd name="connsiteX40" fmla="*/ 0 w 5596303"/>
+                <a:gd name="connsiteY40" fmla="*/ 1868493 h 6172200"/>
+                <a:gd name="connsiteX41" fmla="*/ 0 w 5596303"/>
+                <a:gd name="connsiteY41" fmla="*/ 1245662 h 6172200"/>
+                <a:gd name="connsiteX42" fmla="*/ 0 w 5596303"/>
+                <a:gd name="connsiteY42" fmla="*/ 869719 h 6172200"/>
+                <a:gd name="connsiteX43" fmla="*/ 0 w 5596303"/>
+                <a:gd name="connsiteY43" fmla="*/ 0 h 6172200"/>
+              </a:gdLst>
+              <a:ahLst/>
+              <a:cxnLst>
+                <a:cxn ang="0">
+                  <a:pos x="connsiteX0" y="connsiteY0"/>
+                </a:cxn>
+                <a:cxn ang="0">
+                  <a:pos x="connsiteX1" y="connsiteY1"/>
+                </a:cxn>
+                <a:cxn ang="0">
+                  <a:pos x="connsiteX2" y="connsiteY2"/>
+                </a:cxn>
+                <a:cxn ang="0">
+                  <a:pos x="connsiteX3" y="connsiteY3"/>
+                </a:cxn>
+                <a:cxn ang="0">
+                  <a:pos x="connsiteX4" y="connsiteY4"/>
+                </a:cxn>
+                <a:cxn ang="0">
+                  <a:pos x="connsiteX5" y="connsiteY5"/>
+                </a:cxn>
+                <a:cxn ang="0">
+                  <a:pos x="connsiteX6" y="connsiteY6"/>
+                </a:cxn>
+                <a:cxn ang="0">
+                  <a:pos x="connsiteX7" y="connsiteY7"/>
+                </a:cxn>
+                <a:cxn ang="0">
+                  <a:pos x="connsiteX8" y="connsiteY8"/>
+                </a:cxn>
+                <a:cxn ang="0">
+                  <a:pos x="connsiteX9" y="connsiteY9"/>
+                </a:cxn>
+                <a:cxn ang="0">
+                  <a:pos x="connsiteX10" y="connsiteY10"/>
+                </a:cxn>
+                <a:cxn ang="0">
+                  <a:pos x="connsiteX11" y="connsiteY11"/>
+                </a:cxn>
+                <a:cxn ang="0">
+                  <a:pos x="connsiteX12" y="connsiteY12"/>
+                </a:cxn>
+                <a:cxn ang="0">
+                  <a:pos x="connsiteX13" y="connsiteY13"/>
+                </a:cxn>
+                <a:cxn ang="0">
+                  <a:pos x="connsiteX14" y="connsiteY14"/>
+                </a:cxn>
+                <a:cxn ang="0">
+                  <a:pos x="connsiteX15" y="connsiteY15"/>
+                </a:cxn>
+                <a:cxn ang="0">
+                  <a:pos x="connsiteX16" y="connsiteY16"/>
+                </a:cxn>
+                <a:cxn ang="0">
+                  <a:pos x="connsiteX17" y="connsiteY17"/>
+                </a:cxn>
+                <a:cxn ang="0">
+                  <a:pos x="connsiteX18" y="connsiteY18"/>
+                </a:cxn>
+                <a:cxn ang="0">
+                  <a:pos x="connsiteX19" y="connsiteY19"/>
+                </a:cxn>
+                <a:cxn ang="0">
+                  <a:pos x="connsiteX20" y="connsiteY20"/>
+                </a:cxn>
+                <a:cxn ang="0">
+                  <a:pos x="connsiteX21" y="connsiteY21"/>
+                </a:cxn>
+                <a:cxn ang="0">
+                  <a:pos x="connsiteX22" y="connsiteY22"/>
+                </a:cxn>
+                <a:cxn ang="0">
+                  <a:pos x="connsiteX23" y="connsiteY23"/>
+                </a:cxn>
+                <a:cxn ang="0">
+                  <a:pos x="connsiteX24" y="connsiteY24"/>
+                </a:cxn>
+                <a:cxn ang="0">
+                  <a:pos x="connsiteX25" y="connsiteY25"/>
+                </a:cxn>
+                <a:cxn ang="0">
+                  <a:pos x="connsiteX26" y="connsiteY26"/>
+                </a:cxn>
+                <a:cxn ang="0">
+                  <a:pos x="connsiteX27" y="connsiteY27"/>
+                </a:cxn>
+                <a:cxn ang="0">
+                  <a:pos x="connsiteX28" y="connsiteY28"/>
+                </a:cxn>
+                <a:cxn ang="0">
+                  <a:pos x="connsiteX29" y="connsiteY29"/>
+                </a:cxn>
+                <a:cxn ang="0">
+                  <a:pos x="connsiteX30" y="connsiteY30"/>
+                </a:cxn>
+                <a:cxn ang="0">
+                  <a:pos x="connsiteX31" y="connsiteY31"/>
+                </a:cxn>
+                <a:cxn ang="0">
+                  <a:pos x="connsiteX32" y="connsiteY32"/>
+                </a:cxn>
+                <a:cxn ang="0">
+                  <a:pos x="connsiteX33" y="connsiteY33"/>
+                </a:cxn>
+                <a:cxn ang="0">
+                  <a:pos x="connsiteX34" y="connsiteY34"/>
+                </a:cxn>
+                <a:cxn ang="0">
+                  <a:pos x="connsiteX35" y="connsiteY35"/>
+                </a:cxn>
+                <a:cxn ang="0">
+                  <a:pos x="connsiteX36" y="connsiteY36"/>
+                </a:cxn>
+                <a:cxn ang="0">
+                  <a:pos x="connsiteX37" y="connsiteY37"/>
+                </a:cxn>
+                <a:cxn ang="0">
+                  <a:pos x="connsiteX38" y="connsiteY38"/>
+                </a:cxn>
+                <a:cxn ang="0">
+                  <a:pos x="connsiteX39" y="connsiteY39"/>
+                </a:cxn>
+                <a:cxn ang="0">
+                  <a:pos x="connsiteX40" y="connsiteY40"/>
+                </a:cxn>
+                <a:cxn ang="0">
+                  <a:pos x="connsiteX41" y="connsiteY41"/>
+                </a:cxn>
+                <a:cxn ang="0">
+                  <a:pos x="connsiteX42" y="connsiteY42"/>
+                </a:cxn>
+                <a:cxn ang="0">
+                  <a:pos x="connsiteX43" y="connsiteY43"/>
+                </a:cxn>
+              </a:cxnLst>
+              <a:rect l="l" t="t" r="r" b="b"/>
+              <a:pathLst>
+                <a:path w="5596303" h="6172200" extrusionOk="0">
+                  <a:moveTo>
+                    <a:pt x="0" y="0"/>
+                  </a:moveTo>
+                  <a:cubicBezTo>
+                    <a:pt x="207596" y="-38152"/>
+                    <a:pt x="305065" y="17182"/>
+                    <a:pt x="503667" y="0"/>
+                  </a:cubicBezTo>
+                  <a:cubicBezTo>
+                    <a:pt x="702269" y="-17182"/>
+                    <a:pt x="816005" y="20624"/>
+                    <a:pt x="895408" y="0"/>
+                  </a:cubicBezTo>
+                  <a:cubicBezTo>
+                    <a:pt x="974811" y="-20624"/>
+                    <a:pt x="1393431" y="78612"/>
+                    <a:pt x="1566965" y="0"/>
+                  </a:cubicBezTo>
+                  <a:cubicBezTo>
+                    <a:pt x="1740499" y="-78612"/>
+                    <a:pt x="1890248" y="52366"/>
+                    <a:pt x="2070632" y="0"/>
+                  </a:cubicBezTo>
+                  <a:cubicBezTo>
+                    <a:pt x="2251016" y="-52366"/>
+                    <a:pt x="2407651" y="42119"/>
+                    <a:pt x="2574299" y="0"/>
+                  </a:cubicBezTo>
+                  <a:cubicBezTo>
+                    <a:pt x="2740947" y="-42119"/>
+                    <a:pt x="3024878" y="77054"/>
+                    <a:pt x="3245856" y="0"/>
+                  </a:cubicBezTo>
+                  <a:cubicBezTo>
+                    <a:pt x="3466834" y="-77054"/>
+                    <a:pt x="3530119" y="9115"/>
+                    <a:pt x="3693560" y="0"/>
+                  </a:cubicBezTo>
+                  <a:cubicBezTo>
+                    <a:pt x="3857001" y="-9115"/>
+                    <a:pt x="4155897" y="47166"/>
+                    <a:pt x="4365116" y="0"/>
+                  </a:cubicBezTo>
+                  <a:cubicBezTo>
+                    <a:pt x="4574335" y="-47166"/>
+                    <a:pt x="4861215" y="43056"/>
+                    <a:pt x="5036673" y="0"/>
+                  </a:cubicBezTo>
+                  <a:cubicBezTo>
+                    <a:pt x="5212131" y="-43056"/>
+                    <a:pt x="5387088" y="23271"/>
+                    <a:pt x="5596303" y="0"/>
+                  </a:cubicBezTo>
+                  <a:cubicBezTo>
+                    <a:pt x="5650693" y="186262"/>
+                    <a:pt x="5539700" y="533819"/>
+                    <a:pt x="5596303" y="684553"/>
+                  </a:cubicBezTo>
+                  <a:cubicBezTo>
+                    <a:pt x="5652906" y="835287"/>
+                    <a:pt x="5578086" y="1119406"/>
+                    <a:pt x="5596303" y="1307384"/>
+                  </a:cubicBezTo>
+                  <a:cubicBezTo>
+                    <a:pt x="5614520" y="1495362"/>
+                    <a:pt x="5563588" y="1496888"/>
+                    <a:pt x="5596303" y="1683327"/>
+                  </a:cubicBezTo>
+                  <a:cubicBezTo>
+                    <a:pt x="5629018" y="1869766"/>
+                    <a:pt x="5573857" y="2012325"/>
+                    <a:pt x="5596303" y="2244436"/>
+                  </a:cubicBezTo>
+                  <a:cubicBezTo>
+                    <a:pt x="5618749" y="2476547"/>
+                    <a:pt x="5588719" y="2567849"/>
+                    <a:pt x="5596303" y="2805545"/>
+                  </a:cubicBezTo>
+                  <a:cubicBezTo>
+                    <a:pt x="5603887" y="3043241"/>
+                    <a:pt x="5546264" y="3116421"/>
+                    <a:pt x="5596303" y="3366655"/>
+                  </a:cubicBezTo>
+                  <a:cubicBezTo>
+                    <a:pt x="5646342" y="3616889"/>
+                    <a:pt x="5547882" y="3838370"/>
+                    <a:pt x="5596303" y="3989486"/>
+                  </a:cubicBezTo>
+                  <a:cubicBezTo>
+                    <a:pt x="5644724" y="4140602"/>
+                    <a:pt x="5531605" y="4368482"/>
+                    <a:pt x="5596303" y="4612317"/>
+                  </a:cubicBezTo>
+                  <a:cubicBezTo>
+                    <a:pt x="5661001" y="4856152"/>
+                    <a:pt x="5531757" y="5059850"/>
+                    <a:pt x="5596303" y="5235148"/>
+                  </a:cubicBezTo>
+                  <a:cubicBezTo>
+                    <a:pt x="5660849" y="5410446"/>
+                    <a:pt x="5574453" y="5493311"/>
+                    <a:pt x="5596303" y="5611091"/>
+                  </a:cubicBezTo>
+                  <a:cubicBezTo>
+                    <a:pt x="5618153" y="5728871"/>
+                    <a:pt x="5540108" y="5957201"/>
+                    <a:pt x="5596303" y="6172200"/>
+                  </a:cubicBezTo>
+                  <a:cubicBezTo>
+                    <a:pt x="5322678" y="6232217"/>
+                    <a:pt x="5175232" y="6158883"/>
+                    <a:pt x="4980710" y="6172200"/>
+                  </a:cubicBezTo>
+                  <a:cubicBezTo>
+                    <a:pt x="4786188" y="6185517"/>
+                    <a:pt x="4745606" y="6136022"/>
+                    <a:pt x="4533005" y="6172200"/>
+                  </a:cubicBezTo>
+                  <a:cubicBezTo>
+                    <a:pt x="4320404" y="6208378"/>
+                    <a:pt x="4157816" y="6107836"/>
+                    <a:pt x="3973375" y="6172200"/>
+                  </a:cubicBezTo>
+                  <a:cubicBezTo>
+                    <a:pt x="3788934" y="6236564"/>
+                    <a:pt x="3714033" y="6128893"/>
+                    <a:pt x="3581634" y="6172200"/>
+                  </a:cubicBezTo>
+                  <a:cubicBezTo>
+                    <a:pt x="3449235" y="6215507"/>
+                    <a:pt x="3349745" y="6127740"/>
+                    <a:pt x="3189893" y="6172200"/>
+                  </a:cubicBezTo>
+                  <a:cubicBezTo>
+                    <a:pt x="3030041" y="6216660"/>
+                    <a:pt x="2746333" y="6111595"/>
+                    <a:pt x="2630262" y="6172200"/>
+                  </a:cubicBezTo>
+                  <a:cubicBezTo>
+                    <a:pt x="2514191" y="6232805"/>
+                    <a:pt x="2389735" y="6128158"/>
+                    <a:pt x="2182558" y="6172200"/>
+                  </a:cubicBezTo>
+                  <a:cubicBezTo>
+                    <a:pt x="1975381" y="6216242"/>
+                    <a:pt x="1791225" y="6129849"/>
+                    <a:pt x="1566965" y="6172200"/>
+                  </a:cubicBezTo>
+                  <a:cubicBezTo>
+                    <a:pt x="1342705" y="6214551"/>
+                    <a:pt x="1276254" y="6166647"/>
+                    <a:pt x="1119261" y="6172200"/>
+                  </a:cubicBezTo>
+                  <a:cubicBezTo>
+                    <a:pt x="962268" y="6177753"/>
+                    <a:pt x="655795" y="6133418"/>
+                    <a:pt x="503667" y="6172200"/>
+                  </a:cubicBezTo>
+                  <a:cubicBezTo>
+                    <a:pt x="351539" y="6210982"/>
+                    <a:pt x="117023" y="6147242"/>
+                    <a:pt x="0" y="6172200"/>
+                  </a:cubicBezTo>
+                  <a:cubicBezTo>
+                    <a:pt x="-35739" y="5986930"/>
+                    <a:pt x="53014" y="5730511"/>
+                    <a:pt x="0" y="5549369"/>
+                  </a:cubicBezTo>
+                  <a:cubicBezTo>
+                    <a:pt x="-53014" y="5368227"/>
+                    <a:pt x="35416" y="5129808"/>
+                    <a:pt x="0" y="4926538"/>
+                  </a:cubicBezTo>
+                  <a:cubicBezTo>
+                    <a:pt x="-35416" y="4723268"/>
+                    <a:pt x="54809" y="4407616"/>
+                    <a:pt x="0" y="4241985"/>
+                  </a:cubicBezTo>
+                  <a:cubicBezTo>
+                    <a:pt x="-54809" y="4076354"/>
+                    <a:pt x="49032" y="3989416"/>
+                    <a:pt x="0" y="3742598"/>
+                  </a:cubicBezTo>
+                  <a:cubicBezTo>
+                    <a:pt x="-49032" y="3495780"/>
+                    <a:pt x="80100" y="3261033"/>
+                    <a:pt x="0" y="3058045"/>
+                  </a:cubicBezTo>
+                  <a:cubicBezTo>
+                    <a:pt x="-80100" y="2855057"/>
+                    <a:pt x="10705" y="2820740"/>
+                    <a:pt x="0" y="2620379"/>
+                  </a:cubicBezTo>
+                  <a:cubicBezTo>
+                    <a:pt x="-10705" y="2420018"/>
+                    <a:pt x="39369" y="2427241"/>
+                    <a:pt x="0" y="2244436"/>
+                  </a:cubicBezTo>
+                  <a:cubicBezTo>
+                    <a:pt x="-39369" y="2061631"/>
+                    <a:pt x="42378" y="1958353"/>
+                    <a:pt x="0" y="1868493"/>
+                  </a:cubicBezTo>
+                  <a:cubicBezTo>
+                    <a:pt x="-42378" y="1778633"/>
+                    <a:pt x="55226" y="1383133"/>
+                    <a:pt x="0" y="1245662"/>
+                  </a:cubicBezTo>
+                  <a:cubicBezTo>
+                    <a:pt x="-55226" y="1108191"/>
+                    <a:pt x="42117" y="998153"/>
+                    <a:pt x="0" y="869719"/>
+                  </a:cubicBezTo>
+                  <a:cubicBezTo>
+                    <a:pt x="-42117" y="741285"/>
+                    <a:pt x="26812" y="367943"/>
+                    <a:pt x="0" y="0"/>
+                  </a:cubicBezTo>
+                  <a:close/>
+                </a:path>
+              </a:pathLst>
+            </a:custGeom>
+            <a:noFill/>
+            <a:ln w="38100" cap="flat" cmpd="thickThin">
+              <a:solidFill>
+                <a:srgbClr val="1DB954"/>
+              </a:solidFill>
+              <a:prstDash val="solid"/>
+              <a:bevel/>
+              <a:extLst>
+                <a:ext uri="{C807C97D-BFC1-408E-A445-0C87EB9F89A2}">
+                  <ask:lineSketchStyleProps xmlns:ask="http://schemas.microsoft.com/office/drawing/2018/sketchyshapes" sd="1219033472">
+                    <a:prstGeom prst="rect">
+                      <a:avLst/>
+                    </a:prstGeom>
+                    <ask:type>
+                      <ask:lineSketchScribble/>
+                    </ask:type>
+                  </ask:lineSketchStyleProps>
+                </a:ext>
+              </a:extLst>
+            </a:ln>
+          </p:spPr>
+          <p:style>
+            <a:lnRef idx="2">
+              <a:schemeClr val="accent1">
+                <a:shade val="50000"/>
+              </a:schemeClr>
+            </a:lnRef>
+            <a:fillRef idx="1">
+              <a:schemeClr val="accent1"/>
+            </a:fillRef>
+            <a:effectRef idx="0">
+              <a:schemeClr val="accent1"/>
+            </a:effectRef>
+            <a:fontRef idx="minor">
+              <a:schemeClr val="lt1"/>
+            </a:fontRef>
+          </p:style>
+          <p:txBody>
+            <a:bodyPr rtlCol="0" anchor="ctr"/>
+            <a:lstStyle/>
+            <a:p>
+              <a:pPr algn="ctr"/>
+              <a:endParaRPr lang="it-IT"/>
+            </a:p>
+          </p:txBody>
+        </p:sp>
+      </p:grpSp>
       <p:pic>
         <p:nvPicPr>
-          <p:cNvPr id="6" name="Immagine 5" descr="Immagine che contiene testo, diagramma, Disegno tecnico, Piano">
-            <a:extLst>
-              <a:ext uri="{FF2B5EF4-FFF2-40B4-BE49-F238E27FC236}">
-                <a16:creationId xmlns:a16="http://schemas.microsoft.com/office/drawing/2014/main" id="{58BA344F-C40A-4AB1-4456-421ED40FBE21}"/>
+          <p:cNvPr id="22" name="Immagine 21" descr="Immagine che contiene diagramma, linea, testo, Disegno tecnico&#10;&#10;Descrizione generata automaticamente">
+            <a:extLst>
+              <a:ext uri="{FF2B5EF4-FFF2-40B4-BE49-F238E27FC236}">
+                <a16:creationId xmlns:a16="http://schemas.microsoft.com/office/drawing/2014/main" id="{6BB97E87-073E-9276-29F9-CB3E7B4B2948}"/>
               </a:ext>
             </a:extLst>
           </p:cNvPr>
@@ -5242,8 +6253,44 @@
         </p:blipFill>
         <p:spPr>
           <a:xfrm>
-            <a:off x="3587082" y="643466"/>
-            <a:ext cx="5017833" cy="5571067"/>
+            <a:off x="1363171" y="1500186"/>
+            <a:ext cx="3486150" cy="3857625"/>
+          </a:xfrm>
+          <a:prstGeom prst="rect">
+            <a:avLst/>
+          </a:prstGeom>
+        </p:spPr>
+      </p:pic>
+      <p:pic>
+        <p:nvPicPr>
+          <p:cNvPr id="24" name="Immagine 23" descr="Immagine che contiene testo, diagramma, Parallelo, Disegno tecnico&#10;&#10;Descrizione generata automaticamente">
+            <a:extLst>
+              <a:ext uri="{FF2B5EF4-FFF2-40B4-BE49-F238E27FC236}">
+                <a16:creationId xmlns:a16="http://schemas.microsoft.com/office/drawing/2014/main" id="{A9852336-ABD7-BC64-0975-12EAD2095046}"/>
+              </a:ext>
+            </a:extLst>
+          </p:cNvPr>
+          <p:cNvPicPr>
+            <a:picLocks noChangeAspect="1"/>
+          </p:cNvPicPr>
+          <p:nvPr/>
+        </p:nvPicPr>
+        <p:blipFill>
+          <a:blip r:embed="rId3">
+            <a:extLst>
+              <a:ext uri="{28A0092B-C50C-407E-A947-70E740481C1C}">
+                <a14:useLocalDpi xmlns:a14="http://schemas.microsoft.com/office/drawing/2010/main" val="0"/>
+              </a:ext>
+            </a:extLst>
+          </a:blip>
+          <a:stretch>
+            <a:fillRect/>
+          </a:stretch>
+        </p:blipFill>
+        <p:spPr>
+          <a:xfrm>
+            <a:off x="7094556" y="589750"/>
+            <a:ext cx="3982391" cy="5678496"/>
           </a:xfrm>
           <a:prstGeom prst="rect">
             <a:avLst/>
@@ -5254,6 +6301,2095 @@
     <p:extLst>
       <p:ext uri="{BB962C8B-B14F-4D97-AF65-F5344CB8AC3E}">
         <p14:creationId xmlns:p14="http://schemas.microsoft.com/office/powerpoint/2010/main" val="833958567"/>
+      </p:ext>
+    </p:extLst>
+  </p:cSld>
+  <p:clrMapOvr>
+    <a:masterClrMapping/>
+  </p:clrMapOvr>
+</p:sld>
+</file>
+
+<file path=ppt/slides/slide14.xml><?xml version="1.0" encoding="utf-8"?>
+<p:sld xmlns:a="http://schemas.openxmlformats.org/drawingml/2006/main" xmlns:r="http://schemas.openxmlformats.org/officeDocument/2006/relationships" xmlns:p="http://schemas.openxmlformats.org/presentationml/2006/main">
+  <p:cSld>
+    <p:bg>
+      <p:bgPr>
+        <a:solidFill>
+          <a:schemeClr val="tx1"/>
+        </a:solidFill>
+        <a:effectLst/>
+      </p:bgPr>
+    </p:bg>
+    <p:spTree>
+      <p:nvGrpSpPr>
+        <p:cNvPr id="1" name=""/>
+        <p:cNvGrpSpPr/>
+        <p:nvPr/>
+      </p:nvGrpSpPr>
+      <p:grpSpPr>
+        <a:xfrm>
+          <a:off x="0" y="0"/>
+          <a:ext cx="0" cy="0"/>
+          <a:chOff x="0" y="0"/>
+          <a:chExt cx="0" cy="0"/>
+        </a:xfrm>
+      </p:grpSpPr>
+      <p:pic>
+        <p:nvPicPr>
+          <p:cNvPr id="4" name="Immagine 3" descr="Immagine che contiene testo, ricevuta, Parallelo, linea&#10;&#10;Descrizione generata automaticamente">
+            <a:extLst>
+              <a:ext uri="{FF2B5EF4-FFF2-40B4-BE49-F238E27FC236}">
+                <a16:creationId xmlns:a16="http://schemas.microsoft.com/office/drawing/2014/main" id="{896C2360-F209-9F2F-DB60-1E3AC3E219C4}"/>
+              </a:ext>
+            </a:extLst>
+          </p:cNvPr>
+          <p:cNvPicPr>
+            <a:picLocks noChangeAspect="1"/>
+          </p:cNvPicPr>
+          <p:nvPr/>
+        </p:nvPicPr>
+        <p:blipFill>
+          <a:blip r:embed="rId2">
+            <a:extLst>
+              <a:ext uri="{28A0092B-C50C-407E-A947-70E740481C1C}">
+                <a14:useLocalDpi xmlns:a14="http://schemas.microsoft.com/office/drawing/2010/main" val="0"/>
+              </a:ext>
+            </a:extLst>
+          </a:blip>
+          <a:stretch>
+            <a:fillRect/>
+          </a:stretch>
+        </p:blipFill>
+        <p:spPr>
+          <a:xfrm>
+            <a:off x="2632709" y="344317"/>
+            <a:ext cx="6926582" cy="6169365"/>
+          </a:xfrm>
+          <a:prstGeom prst="rect">
+            <a:avLst/>
+          </a:prstGeom>
+        </p:spPr>
+      </p:pic>
+    </p:spTree>
+    <p:extLst>
+      <p:ext uri="{BB962C8B-B14F-4D97-AF65-F5344CB8AC3E}">
+        <p14:creationId xmlns:p14="http://schemas.microsoft.com/office/powerpoint/2010/main" val="374581728"/>
+      </p:ext>
+    </p:extLst>
+  </p:cSld>
+  <p:clrMapOvr>
+    <a:masterClrMapping/>
+  </p:clrMapOvr>
+</p:sld>
+</file>
+
+<file path=ppt/slides/slide15.xml><?xml version="1.0" encoding="utf-8"?>
+<p:sld xmlns:a="http://schemas.openxmlformats.org/drawingml/2006/main" xmlns:r="http://schemas.openxmlformats.org/officeDocument/2006/relationships" xmlns:p="http://schemas.openxmlformats.org/presentationml/2006/main">
+  <p:cSld>
+    <p:bg>
+      <p:bgPr>
+        <a:solidFill>
+          <a:schemeClr val="tx1"/>
+        </a:solidFill>
+        <a:effectLst/>
+      </p:bgPr>
+    </p:bg>
+    <p:spTree>
+      <p:nvGrpSpPr>
+        <p:cNvPr id="1" name=""/>
+        <p:cNvGrpSpPr/>
+        <p:nvPr/>
+      </p:nvGrpSpPr>
+      <p:grpSpPr>
+        <a:xfrm>
+          <a:off x="0" y="0"/>
+          <a:ext cx="0" cy="0"/>
+          <a:chOff x="0" y="0"/>
+          <a:chExt cx="0" cy="0"/>
+        </a:xfrm>
+      </p:grpSpPr>
+      <p:pic>
+        <p:nvPicPr>
+          <p:cNvPr id="5" name="Immagine 4" descr="Immagine che contiene testo, diagramma, Parallelo, linea&#10;&#10;Descrizione generata automaticamente">
+            <a:extLst>
+              <a:ext uri="{FF2B5EF4-FFF2-40B4-BE49-F238E27FC236}">
+                <a16:creationId xmlns:a16="http://schemas.microsoft.com/office/drawing/2014/main" id="{C50E59C6-DA23-6A09-C4EA-2819F528B710}"/>
+              </a:ext>
+            </a:extLst>
+          </p:cNvPr>
+          <p:cNvPicPr>
+            <a:picLocks noChangeAspect="1"/>
+          </p:cNvPicPr>
+          <p:nvPr/>
+        </p:nvPicPr>
+        <p:blipFill>
+          <a:blip r:embed="rId2">
+            <a:extLst>
+              <a:ext uri="{28A0092B-C50C-407E-A947-70E740481C1C}">
+                <a14:useLocalDpi xmlns:a14="http://schemas.microsoft.com/office/drawing/2010/main" val="0"/>
+              </a:ext>
+            </a:extLst>
+          </a:blip>
+          <a:stretch>
+            <a:fillRect/>
+          </a:stretch>
+        </p:blipFill>
+        <p:spPr>
+          <a:xfrm>
+            <a:off x="2748623" y="345673"/>
+            <a:ext cx="6694753" cy="6166654"/>
+          </a:xfrm>
+          <a:prstGeom prst="rect">
+            <a:avLst/>
+          </a:prstGeom>
+        </p:spPr>
+      </p:pic>
+    </p:spTree>
+    <p:extLst>
+      <p:ext uri="{BB962C8B-B14F-4D97-AF65-F5344CB8AC3E}">
+        <p14:creationId xmlns:p14="http://schemas.microsoft.com/office/powerpoint/2010/main" val="3071009069"/>
+      </p:ext>
+    </p:extLst>
+  </p:cSld>
+  <p:clrMapOvr>
+    <a:masterClrMapping/>
+  </p:clrMapOvr>
+</p:sld>
+</file>
+
+<file path=ppt/slides/slide16.xml><?xml version="1.0" encoding="utf-8"?>
+<p:sld xmlns:a="http://schemas.openxmlformats.org/drawingml/2006/main" xmlns:r="http://schemas.openxmlformats.org/officeDocument/2006/relationships" xmlns:p="http://schemas.openxmlformats.org/presentationml/2006/main">
+  <p:cSld>
+    <p:bg>
+      <p:bgPr>
+        <a:solidFill>
+          <a:schemeClr val="tx1"/>
+        </a:solidFill>
+        <a:effectLst/>
+      </p:bgPr>
+    </p:bg>
+    <p:spTree>
+      <p:nvGrpSpPr>
+        <p:cNvPr id="1" name=""/>
+        <p:cNvGrpSpPr/>
+        <p:nvPr/>
+      </p:nvGrpSpPr>
+      <p:grpSpPr>
+        <a:xfrm>
+          <a:off x="0" y="0"/>
+          <a:ext cx="0" cy="0"/>
+          <a:chOff x="0" y="0"/>
+          <a:chExt cx="0" cy="0"/>
+        </a:xfrm>
+      </p:grpSpPr>
+      <p:grpSp>
+        <p:nvGrpSpPr>
+          <p:cNvPr id="12" name="Gruppo 11">
+            <a:extLst>
+              <a:ext uri="{FF2B5EF4-FFF2-40B4-BE49-F238E27FC236}">
+                <a16:creationId xmlns:a16="http://schemas.microsoft.com/office/drawing/2014/main" id="{BA4D7890-5CFA-5A4B-7C0B-A9240FC94F8F}"/>
+              </a:ext>
+            </a:extLst>
+          </p:cNvPr>
+          <p:cNvGrpSpPr/>
+          <p:nvPr/>
+        </p:nvGrpSpPr>
+        <p:grpSpPr>
+          <a:xfrm>
+            <a:off x="989097" y="344023"/>
+            <a:ext cx="10213805" cy="6169953"/>
+            <a:chOff x="616275" y="344023"/>
+            <a:chExt cx="10213805" cy="6169953"/>
+          </a:xfrm>
+        </p:grpSpPr>
+        <p:pic>
+          <p:nvPicPr>
+            <p:cNvPr id="3" name="Immagine 2" descr="Immagine che contiene testo, diagramma, Parallelo, Piano&#10;&#10;Descrizione generata automaticamente">
+              <a:extLst>
+                <a:ext uri="{FF2B5EF4-FFF2-40B4-BE49-F238E27FC236}">
+                  <a16:creationId xmlns:a16="http://schemas.microsoft.com/office/drawing/2014/main" id="{2F7A603C-B159-F3B6-3AA5-DA2143F28BA3}"/>
+                </a:ext>
+              </a:extLst>
+            </p:cNvPr>
+            <p:cNvPicPr>
+              <a:picLocks noChangeAspect="1"/>
+            </p:cNvPicPr>
+            <p:nvPr/>
+          </p:nvPicPr>
+          <p:blipFill rotWithShape="1">
+            <a:blip r:embed="rId2">
+              <a:extLst>
+                <a:ext uri="{28A0092B-C50C-407E-A947-70E740481C1C}">
+                  <a14:useLocalDpi xmlns:a14="http://schemas.microsoft.com/office/drawing/2010/main" val="0"/>
+                </a:ext>
+              </a:extLst>
+            </a:blip>
+            <a:srcRect l="-1" r="181" b="30927"/>
+            <a:stretch/>
+          </p:blipFill>
+          <p:spPr>
+            <a:xfrm>
+              <a:off x="616275" y="344023"/>
+              <a:ext cx="4473869" cy="6169953"/>
+            </a:xfrm>
+            <a:prstGeom prst="rect">
+              <a:avLst/>
+            </a:prstGeom>
+          </p:spPr>
+        </p:pic>
+        <p:pic>
+          <p:nvPicPr>
+            <p:cNvPr id="6" name="Immagine 5" descr="Immagine che contiene testo, diagramma, Parallelo, Piano&#10;&#10;Descrizione generata automaticamente">
+              <a:extLst>
+                <a:ext uri="{FF2B5EF4-FFF2-40B4-BE49-F238E27FC236}">
+                  <a16:creationId xmlns:a16="http://schemas.microsoft.com/office/drawing/2014/main" id="{00E556C9-0C45-A389-B65D-DAD01896390B}"/>
+                </a:ext>
+              </a:extLst>
+            </p:cNvPr>
+            <p:cNvPicPr>
+              <a:picLocks noChangeAspect="1"/>
+            </p:cNvPicPr>
+            <p:nvPr/>
+          </p:nvPicPr>
+          <p:blipFill rotWithShape="1">
+            <a:blip r:embed="rId2">
+              <a:extLst>
+                <a:ext uri="{28A0092B-C50C-407E-A947-70E740481C1C}">
+                  <a14:useLocalDpi xmlns:a14="http://schemas.microsoft.com/office/drawing/2010/main" val="0"/>
+                </a:ext>
+              </a:extLst>
+            </a:blip>
+            <a:srcRect t="69073"/>
+            <a:stretch/>
+          </p:blipFill>
+          <p:spPr>
+            <a:xfrm>
+              <a:off x="6719392" y="2162157"/>
+              <a:ext cx="4110688" cy="2533685"/>
+            </a:xfrm>
+            <a:prstGeom prst="rect">
+              <a:avLst/>
+            </a:prstGeom>
+          </p:spPr>
+        </p:pic>
+        <p:sp>
+          <p:nvSpPr>
+            <p:cNvPr id="11" name="Freccia a destra 10">
+              <a:extLst>
+                <a:ext uri="{FF2B5EF4-FFF2-40B4-BE49-F238E27FC236}">
+                  <a16:creationId xmlns:a16="http://schemas.microsoft.com/office/drawing/2014/main" id="{FEA7CD11-6D30-4708-9B7A-84D582CE22D1}"/>
+                </a:ext>
+              </a:extLst>
+            </p:cNvPr>
+            <p:cNvSpPr/>
+            <p:nvPr/>
+          </p:nvSpPr>
+          <p:spPr>
+            <a:xfrm>
+              <a:off x="5192591" y="3172923"/>
+              <a:ext cx="1424354" cy="512152"/>
+            </a:xfrm>
+            <a:custGeom>
+              <a:avLst/>
+              <a:gdLst>
+                <a:gd name="connsiteX0" fmla="*/ 0 w 1424354"/>
+                <a:gd name="connsiteY0" fmla="*/ 128038 h 512152"/>
+                <a:gd name="connsiteX1" fmla="*/ 572456 w 1424354"/>
+                <a:gd name="connsiteY1" fmla="*/ 128038 h 512152"/>
+                <a:gd name="connsiteX2" fmla="*/ 1168278 w 1424354"/>
+                <a:gd name="connsiteY2" fmla="*/ 128038 h 512152"/>
+                <a:gd name="connsiteX3" fmla="*/ 1168278 w 1424354"/>
+                <a:gd name="connsiteY3" fmla="*/ 0 h 512152"/>
+                <a:gd name="connsiteX4" fmla="*/ 1424354 w 1424354"/>
+                <a:gd name="connsiteY4" fmla="*/ 256076 h 512152"/>
+                <a:gd name="connsiteX5" fmla="*/ 1168278 w 1424354"/>
+                <a:gd name="connsiteY5" fmla="*/ 512152 h 512152"/>
+                <a:gd name="connsiteX6" fmla="*/ 1168278 w 1424354"/>
+                <a:gd name="connsiteY6" fmla="*/ 384114 h 512152"/>
+                <a:gd name="connsiteX7" fmla="*/ 607505 w 1424354"/>
+                <a:gd name="connsiteY7" fmla="*/ 384114 h 512152"/>
+                <a:gd name="connsiteX8" fmla="*/ 0 w 1424354"/>
+                <a:gd name="connsiteY8" fmla="*/ 384114 h 512152"/>
+                <a:gd name="connsiteX9" fmla="*/ 0 w 1424354"/>
+                <a:gd name="connsiteY9" fmla="*/ 128038 h 512152"/>
+              </a:gdLst>
+              <a:ahLst/>
+              <a:cxnLst>
+                <a:cxn ang="0">
+                  <a:pos x="connsiteX0" y="connsiteY0"/>
+                </a:cxn>
+                <a:cxn ang="0">
+                  <a:pos x="connsiteX1" y="connsiteY1"/>
+                </a:cxn>
+                <a:cxn ang="0">
+                  <a:pos x="connsiteX2" y="connsiteY2"/>
+                </a:cxn>
+                <a:cxn ang="0">
+                  <a:pos x="connsiteX3" y="connsiteY3"/>
+                </a:cxn>
+                <a:cxn ang="0">
+                  <a:pos x="connsiteX4" y="connsiteY4"/>
+                </a:cxn>
+                <a:cxn ang="0">
+                  <a:pos x="connsiteX5" y="connsiteY5"/>
+                </a:cxn>
+                <a:cxn ang="0">
+                  <a:pos x="connsiteX6" y="connsiteY6"/>
+                </a:cxn>
+                <a:cxn ang="0">
+                  <a:pos x="connsiteX7" y="connsiteY7"/>
+                </a:cxn>
+                <a:cxn ang="0">
+                  <a:pos x="connsiteX8" y="connsiteY8"/>
+                </a:cxn>
+                <a:cxn ang="0">
+                  <a:pos x="connsiteX9" y="connsiteY9"/>
+                </a:cxn>
+              </a:cxnLst>
+              <a:rect l="l" t="t" r="r" b="b"/>
+              <a:pathLst>
+                <a:path w="1424354" h="512152" extrusionOk="0">
+                  <a:moveTo>
+                    <a:pt x="0" y="128038"/>
+                  </a:moveTo>
+                  <a:cubicBezTo>
+                    <a:pt x="188019" y="143017"/>
+                    <a:pt x="346951" y="129401"/>
+                    <a:pt x="572456" y="128038"/>
+                  </a:cubicBezTo>
+                  <a:cubicBezTo>
+                    <a:pt x="797961" y="126675"/>
+                    <a:pt x="900637" y="101073"/>
+                    <a:pt x="1168278" y="128038"/>
+                  </a:cubicBezTo>
+                  <a:cubicBezTo>
+                    <a:pt x="1169119" y="82758"/>
+                    <a:pt x="1167587" y="55155"/>
+                    <a:pt x="1168278" y="0"/>
+                  </a:cubicBezTo>
+                  <a:cubicBezTo>
+                    <a:pt x="1247085" y="76855"/>
+                    <a:pt x="1335685" y="149866"/>
+                    <a:pt x="1424354" y="256076"/>
+                  </a:cubicBezTo>
+                  <a:cubicBezTo>
+                    <a:pt x="1355137" y="305100"/>
+                    <a:pt x="1230080" y="451102"/>
+                    <a:pt x="1168278" y="512152"/>
+                  </a:cubicBezTo>
+                  <a:cubicBezTo>
+                    <a:pt x="1168245" y="485147"/>
+                    <a:pt x="1168186" y="415130"/>
+                    <a:pt x="1168278" y="384114"/>
+                  </a:cubicBezTo>
+                  <a:cubicBezTo>
+                    <a:pt x="1050875" y="399163"/>
+                    <a:pt x="855637" y="391737"/>
+                    <a:pt x="607505" y="384114"/>
+                  </a:cubicBezTo>
+                  <a:cubicBezTo>
+                    <a:pt x="359373" y="376491"/>
+                    <a:pt x="180381" y="392756"/>
+                    <a:pt x="0" y="384114"/>
+                  </a:cubicBezTo>
+                  <a:cubicBezTo>
+                    <a:pt x="8384" y="308165"/>
+                    <a:pt x="5986" y="220765"/>
+                    <a:pt x="0" y="128038"/>
+                  </a:cubicBezTo>
+                  <a:close/>
+                </a:path>
+              </a:pathLst>
+            </a:custGeom>
+            <a:noFill/>
+            <a:ln w="34925">
+              <a:solidFill>
+                <a:srgbClr val="1ED760"/>
+              </a:solidFill>
+              <a:extLst>
+                <a:ext uri="{C807C97D-BFC1-408E-A445-0C87EB9F89A2}">
+                  <ask:lineSketchStyleProps xmlns:ask="http://schemas.microsoft.com/office/drawing/2018/sketchyshapes" sd="1219033472">
+                    <a:prstGeom prst="rightArrow">
+                      <a:avLst/>
+                    </a:prstGeom>
+                    <ask:type>
+                      <ask:lineSketchFreehand/>
+                    </ask:type>
+                  </ask:lineSketchStyleProps>
+                </a:ext>
+              </a:extLst>
+            </a:ln>
+          </p:spPr>
+          <p:style>
+            <a:lnRef idx="2">
+              <a:schemeClr val="accent1">
+                <a:shade val="50000"/>
+              </a:schemeClr>
+            </a:lnRef>
+            <a:fillRef idx="1">
+              <a:schemeClr val="accent1"/>
+            </a:fillRef>
+            <a:effectRef idx="0">
+              <a:schemeClr val="accent1"/>
+            </a:effectRef>
+            <a:fontRef idx="minor">
+              <a:schemeClr val="lt1"/>
+            </a:fontRef>
+          </p:style>
+          <p:txBody>
+            <a:bodyPr rtlCol="0" anchor="ctr"/>
+            <a:lstStyle/>
+            <a:p>
+              <a:pPr algn="ctr"/>
+              <a:endParaRPr lang="it-IT" dirty="0"/>
+            </a:p>
+          </p:txBody>
+        </p:sp>
+      </p:grpSp>
+    </p:spTree>
+    <p:extLst>
+      <p:ext uri="{BB962C8B-B14F-4D97-AF65-F5344CB8AC3E}">
+        <p14:creationId xmlns:p14="http://schemas.microsoft.com/office/powerpoint/2010/main" val="3788386867"/>
+      </p:ext>
+    </p:extLst>
+  </p:cSld>
+  <p:clrMapOvr>
+    <a:masterClrMapping/>
+  </p:clrMapOvr>
+</p:sld>
+</file>
+
+<file path=ppt/slides/slide17.xml><?xml version="1.0" encoding="utf-8"?>
+<p:sld xmlns:a="http://schemas.openxmlformats.org/drawingml/2006/main" xmlns:r="http://schemas.openxmlformats.org/officeDocument/2006/relationships" xmlns:p="http://schemas.openxmlformats.org/presentationml/2006/main">
+  <p:cSld>
+    <p:spTree>
+      <p:nvGrpSpPr>
+        <p:cNvPr id="1" name=""/>
+        <p:cNvGrpSpPr/>
+        <p:nvPr/>
+      </p:nvGrpSpPr>
+      <p:grpSpPr>
+        <a:xfrm>
+          <a:off x="0" y="0"/>
+          <a:ext cx="0" cy="0"/>
+          <a:chOff x="0" y="0"/>
+          <a:chExt cx="0" cy="0"/>
+        </a:xfrm>
+      </p:grpSpPr>
+      <p:grpSp>
+        <p:nvGrpSpPr>
+          <p:cNvPr id="7" name="Gruppo 6">
+            <a:extLst>
+              <a:ext uri="{FF2B5EF4-FFF2-40B4-BE49-F238E27FC236}">
+                <a16:creationId xmlns:a16="http://schemas.microsoft.com/office/drawing/2014/main" id="{7BC3BF55-282E-9E39-12F7-1077D3EBFA39}"/>
+              </a:ext>
+            </a:extLst>
+          </p:cNvPr>
+          <p:cNvGrpSpPr/>
+          <p:nvPr/>
+        </p:nvGrpSpPr>
+        <p:grpSpPr>
+          <a:xfrm>
+            <a:off x="652250" y="1292395"/>
+            <a:ext cx="10887500" cy="4273209"/>
+            <a:chOff x="646770" y="1292395"/>
+            <a:chExt cx="10887500" cy="4273209"/>
+          </a:xfrm>
+        </p:grpSpPr>
+        <p:pic>
+          <p:nvPicPr>
+            <p:cNvPr id="3" name="Immagine 2" descr="Immagine che contiene testo, diagramma, Parallelo, linea&#10;&#10;Descrizione generata automaticamente">
+              <a:extLst>
+                <a:ext uri="{FF2B5EF4-FFF2-40B4-BE49-F238E27FC236}">
+                  <a16:creationId xmlns:a16="http://schemas.microsoft.com/office/drawing/2014/main" id="{8C77BFFA-64E8-8AEF-0C22-46F3440C3D38}"/>
+                </a:ext>
+              </a:extLst>
+            </p:cNvPr>
+            <p:cNvPicPr>
+              <a:picLocks noChangeAspect="1"/>
+            </p:cNvPicPr>
+            <p:nvPr/>
+          </p:nvPicPr>
+          <p:blipFill rotWithShape="1">
+            <a:blip r:embed="rId2">
+              <a:extLst>
+                <a:ext uri="{28A0092B-C50C-407E-A947-70E740481C1C}">
+                  <a14:useLocalDpi xmlns:a14="http://schemas.microsoft.com/office/drawing/2010/main" val="0"/>
+                </a:ext>
+              </a:extLst>
+            </a:blip>
+            <a:srcRect b="31252"/>
+            <a:stretch/>
+          </p:blipFill>
+          <p:spPr>
+            <a:xfrm>
+              <a:off x="646770" y="1292395"/>
+              <a:ext cx="4628531" cy="4273209"/>
+            </a:xfrm>
+            <a:prstGeom prst="rect">
+              <a:avLst/>
+            </a:prstGeom>
+          </p:spPr>
+        </p:pic>
+        <p:sp>
+          <p:nvSpPr>
+            <p:cNvPr id="4" name="Freccia a destra 3">
+              <a:extLst>
+                <a:ext uri="{FF2B5EF4-FFF2-40B4-BE49-F238E27FC236}">
+                  <a16:creationId xmlns:a16="http://schemas.microsoft.com/office/drawing/2014/main" id="{3301CB03-E71B-03A0-FFC9-ADC9DC8CCA24}"/>
+                </a:ext>
+              </a:extLst>
+            </p:cNvPr>
+            <p:cNvSpPr/>
+            <p:nvPr/>
+          </p:nvSpPr>
+          <p:spPr>
+            <a:xfrm>
+              <a:off x="5442786" y="3172923"/>
+              <a:ext cx="1424354" cy="512152"/>
+            </a:xfrm>
+            <a:custGeom>
+              <a:avLst/>
+              <a:gdLst>
+                <a:gd name="connsiteX0" fmla="*/ 0 w 1424354"/>
+                <a:gd name="connsiteY0" fmla="*/ 128038 h 512152"/>
+                <a:gd name="connsiteX1" fmla="*/ 572456 w 1424354"/>
+                <a:gd name="connsiteY1" fmla="*/ 128038 h 512152"/>
+                <a:gd name="connsiteX2" fmla="*/ 1168278 w 1424354"/>
+                <a:gd name="connsiteY2" fmla="*/ 128038 h 512152"/>
+                <a:gd name="connsiteX3" fmla="*/ 1168278 w 1424354"/>
+                <a:gd name="connsiteY3" fmla="*/ 0 h 512152"/>
+                <a:gd name="connsiteX4" fmla="*/ 1424354 w 1424354"/>
+                <a:gd name="connsiteY4" fmla="*/ 256076 h 512152"/>
+                <a:gd name="connsiteX5" fmla="*/ 1168278 w 1424354"/>
+                <a:gd name="connsiteY5" fmla="*/ 512152 h 512152"/>
+                <a:gd name="connsiteX6" fmla="*/ 1168278 w 1424354"/>
+                <a:gd name="connsiteY6" fmla="*/ 384114 h 512152"/>
+                <a:gd name="connsiteX7" fmla="*/ 607505 w 1424354"/>
+                <a:gd name="connsiteY7" fmla="*/ 384114 h 512152"/>
+                <a:gd name="connsiteX8" fmla="*/ 0 w 1424354"/>
+                <a:gd name="connsiteY8" fmla="*/ 384114 h 512152"/>
+                <a:gd name="connsiteX9" fmla="*/ 0 w 1424354"/>
+                <a:gd name="connsiteY9" fmla="*/ 128038 h 512152"/>
+              </a:gdLst>
+              <a:ahLst/>
+              <a:cxnLst>
+                <a:cxn ang="0">
+                  <a:pos x="connsiteX0" y="connsiteY0"/>
+                </a:cxn>
+                <a:cxn ang="0">
+                  <a:pos x="connsiteX1" y="connsiteY1"/>
+                </a:cxn>
+                <a:cxn ang="0">
+                  <a:pos x="connsiteX2" y="connsiteY2"/>
+                </a:cxn>
+                <a:cxn ang="0">
+                  <a:pos x="connsiteX3" y="connsiteY3"/>
+                </a:cxn>
+                <a:cxn ang="0">
+                  <a:pos x="connsiteX4" y="connsiteY4"/>
+                </a:cxn>
+                <a:cxn ang="0">
+                  <a:pos x="connsiteX5" y="connsiteY5"/>
+                </a:cxn>
+                <a:cxn ang="0">
+                  <a:pos x="connsiteX6" y="connsiteY6"/>
+                </a:cxn>
+                <a:cxn ang="0">
+                  <a:pos x="connsiteX7" y="connsiteY7"/>
+                </a:cxn>
+                <a:cxn ang="0">
+                  <a:pos x="connsiteX8" y="connsiteY8"/>
+                </a:cxn>
+                <a:cxn ang="0">
+                  <a:pos x="connsiteX9" y="connsiteY9"/>
+                </a:cxn>
+              </a:cxnLst>
+              <a:rect l="l" t="t" r="r" b="b"/>
+              <a:pathLst>
+                <a:path w="1424354" h="512152" extrusionOk="0">
+                  <a:moveTo>
+                    <a:pt x="0" y="128038"/>
+                  </a:moveTo>
+                  <a:cubicBezTo>
+                    <a:pt x="188019" y="143017"/>
+                    <a:pt x="346951" y="129401"/>
+                    <a:pt x="572456" y="128038"/>
+                  </a:cubicBezTo>
+                  <a:cubicBezTo>
+                    <a:pt x="797961" y="126675"/>
+                    <a:pt x="900637" y="101073"/>
+                    <a:pt x="1168278" y="128038"/>
+                  </a:cubicBezTo>
+                  <a:cubicBezTo>
+                    <a:pt x="1169119" y="82758"/>
+                    <a:pt x="1167587" y="55155"/>
+                    <a:pt x="1168278" y="0"/>
+                  </a:cubicBezTo>
+                  <a:cubicBezTo>
+                    <a:pt x="1247085" y="76855"/>
+                    <a:pt x="1335685" y="149866"/>
+                    <a:pt x="1424354" y="256076"/>
+                  </a:cubicBezTo>
+                  <a:cubicBezTo>
+                    <a:pt x="1355137" y="305100"/>
+                    <a:pt x="1230080" y="451102"/>
+                    <a:pt x="1168278" y="512152"/>
+                  </a:cubicBezTo>
+                  <a:cubicBezTo>
+                    <a:pt x="1168245" y="485147"/>
+                    <a:pt x="1168186" y="415130"/>
+                    <a:pt x="1168278" y="384114"/>
+                  </a:cubicBezTo>
+                  <a:cubicBezTo>
+                    <a:pt x="1050875" y="399163"/>
+                    <a:pt x="855637" y="391737"/>
+                    <a:pt x="607505" y="384114"/>
+                  </a:cubicBezTo>
+                  <a:cubicBezTo>
+                    <a:pt x="359373" y="376491"/>
+                    <a:pt x="180381" y="392756"/>
+                    <a:pt x="0" y="384114"/>
+                  </a:cubicBezTo>
+                  <a:cubicBezTo>
+                    <a:pt x="8384" y="308165"/>
+                    <a:pt x="5986" y="220765"/>
+                    <a:pt x="0" y="128038"/>
+                  </a:cubicBezTo>
+                  <a:close/>
+                </a:path>
+              </a:pathLst>
+            </a:custGeom>
+            <a:noFill/>
+            <a:ln w="34925">
+              <a:solidFill>
+                <a:srgbClr val="1ED760"/>
+              </a:solidFill>
+              <a:extLst>
+                <a:ext uri="{C807C97D-BFC1-408E-A445-0C87EB9F89A2}">
+                  <ask:lineSketchStyleProps xmlns:ask="http://schemas.microsoft.com/office/drawing/2018/sketchyshapes" sd="1219033472">
+                    <a:prstGeom prst="rightArrow">
+                      <a:avLst/>
+                    </a:prstGeom>
+                    <ask:type>
+                      <ask:lineSketchFreehand/>
+                    </ask:type>
+                  </ask:lineSketchStyleProps>
+                </a:ext>
+              </a:extLst>
+            </a:ln>
+          </p:spPr>
+          <p:style>
+            <a:lnRef idx="2">
+              <a:schemeClr val="accent1">
+                <a:shade val="50000"/>
+              </a:schemeClr>
+            </a:lnRef>
+            <a:fillRef idx="1">
+              <a:schemeClr val="accent1"/>
+            </a:fillRef>
+            <a:effectRef idx="0">
+              <a:schemeClr val="accent1"/>
+            </a:effectRef>
+            <a:fontRef idx="minor">
+              <a:schemeClr val="lt1"/>
+            </a:fontRef>
+          </p:style>
+          <p:txBody>
+            <a:bodyPr rtlCol="0" anchor="ctr"/>
+            <a:lstStyle/>
+            <a:p>
+              <a:pPr algn="ctr"/>
+              <a:endParaRPr lang="it-IT" dirty="0"/>
+            </a:p>
+          </p:txBody>
+        </p:sp>
+        <p:pic>
+          <p:nvPicPr>
+            <p:cNvPr id="6" name="Immagine 5" descr="Immagine che contiene testo, diagramma, Parallelo, linea&#10;&#10;Descrizione generata automaticamente">
+              <a:extLst>
+                <a:ext uri="{FF2B5EF4-FFF2-40B4-BE49-F238E27FC236}">
+                  <a16:creationId xmlns:a16="http://schemas.microsoft.com/office/drawing/2014/main" id="{5C2CD595-FE57-4DE8-1B63-E841F682BB98}"/>
+                </a:ext>
+              </a:extLst>
+            </p:cNvPr>
+            <p:cNvPicPr>
+              <a:picLocks noChangeAspect="1"/>
+            </p:cNvPicPr>
+            <p:nvPr/>
+          </p:nvPicPr>
+          <p:blipFill rotWithShape="1">
+            <a:blip r:embed="rId2">
+              <a:extLst>
+                <a:ext uri="{28A0092B-C50C-407E-A947-70E740481C1C}">
+                  <a14:useLocalDpi xmlns:a14="http://schemas.microsoft.com/office/drawing/2010/main" val="0"/>
+                </a:ext>
+              </a:extLst>
+            </a:blip>
+            <a:srcRect t="65171"/>
+            <a:stretch/>
+          </p:blipFill>
+          <p:spPr>
+            <a:xfrm>
+              <a:off x="7034625" y="2376690"/>
+              <a:ext cx="4499645" cy="2104620"/>
+            </a:xfrm>
+            <a:prstGeom prst="rect">
+              <a:avLst/>
+            </a:prstGeom>
+          </p:spPr>
+        </p:pic>
+      </p:grpSp>
+    </p:spTree>
+    <p:extLst>
+      <p:ext uri="{BB962C8B-B14F-4D97-AF65-F5344CB8AC3E}">
+        <p14:creationId xmlns:p14="http://schemas.microsoft.com/office/powerpoint/2010/main" val="805917495"/>
+      </p:ext>
+    </p:extLst>
+  </p:cSld>
+  <p:clrMapOvr>
+    <a:masterClrMapping/>
+  </p:clrMapOvr>
+</p:sld>
+</file>
+
+<file path=ppt/slides/slide18.xml><?xml version="1.0" encoding="utf-8"?>
+<p:sld xmlns:a="http://schemas.openxmlformats.org/drawingml/2006/main" xmlns:r="http://schemas.openxmlformats.org/officeDocument/2006/relationships" xmlns:p="http://schemas.openxmlformats.org/presentationml/2006/main">
+  <p:cSld>
+    <p:bg>
+      <p:bgPr>
+        <a:solidFill>
+          <a:schemeClr val="tx1"/>
+        </a:solidFill>
+        <a:effectLst/>
+      </p:bgPr>
+    </p:bg>
+    <p:spTree>
+      <p:nvGrpSpPr>
+        <p:cNvPr id="1" name=""/>
+        <p:cNvGrpSpPr/>
+        <p:nvPr/>
+      </p:nvGrpSpPr>
+      <p:grpSpPr>
+        <a:xfrm>
+          <a:off x="0" y="0"/>
+          <a:ext cx="0" cy="0"/>
+          <a:chOff x="0" y="0"/>
+          <a:chExt cx="0" cy="0"/>
+        </a:xfrm>
+      </p:grpSpPr>
+      <p:grpSp>
+        <p:nvGrpSpPr>
+          <p:cNvPr id="13" name="Gruppo 12">
+            <a:extLst>
+              <a:ext uri="{FF2B5EF4-FFF2-40B4-BE49-F238E27FC236}">
+                <a16:creationId xmlns:a16="http://schemas.microsoft.com/office/drawing/2014/main" id="{8D561D2C-3FF9-534F-340C-BB023A3CAA78}"/>
+              </a:ext>
+            </a:extLst>
+          </p:cNvPr>
+          <p:cNvGrpSpPr/>
+          <p:nvPr/>
+        </p:nvGrpSpPr>
+        <p:grpSpPr>
+          <a:xfrm>
+            <a:off x="1162065" y="342898"/>
+            <a:ext cx="9867870" cy="6172203"/>
+            <a:chOff x="308096" y="342897"/>
+            <a:chExt cx="9867870" cy="6172203"/>
+          </a:xfrm>
+        </p:grpSpPr>
+        <p:sp>
+          <p:nvSpPr>
+            <p:cNvPr id="4" name="Rettangolo 3">
+              <a:extLst>
+                <a:ext uri="{FF2B5EF4-FFF2-40B4-BE49-F238E27FC236}">
+                  <a16:creationId xmlns:a16="http://schemas.microsoft.com/office/drawing/2014/main" id="{0587E134-8B94-FD1E-F97A-25B669D4B70D}"/>
+                </a:ext>
+              </a:extLst>
+            </p:cNvPr>
+            <p:cNvSpPr/>
+            <p:nvPr/>
+          </p:nvSpPr>
+          <p:spPr>
+            <a:xfrm>
+              <a:off x="308096" y="342900"/>
+              <a:ext cx="4772058" cy="6172200"/>
+            </a:xfrm>
+            <a:custGeom>
+              <a:avLst/>
+              <a:gdLst>
+                <a:gd name="connsiteX0" fmla="*/ 0 w 4772058"/>
+                <a:gd name="connsiteY0" fmla="*/ 0 h 6172200"/>
+                <a:gd name="connsiteX1" fmla="*/ 548787 w 4772058"/>
+                <a:gd name="connsiteY1" fmla="*/ 0 h 6172200"/>
+                <a:gd name="connsiteX2" fmla="*/ 1002132 w 4772058"/>
+                <a:gd name="connsiteY2" fmla="*/ 0 h 6172200"/>
+                <a:gd name="connsiteX3" fmla="*/ 1694081 w 4772058"/>
+                <a:gd name="connsiteY3" fmla="*/ 0 h 6172200"/>
+                <a:gd name="connsiteX4" fmla="*/ 2242867 w 4772058"/>
+                <a:gd name="connsiteY4" fmla="*/ 0 h 6172200"/>
+                <a:gd name="connsiteX5" fmla="*/ 2791654 w 4772058"/>
+                <a:gd name="connsiteY5" fmla="*/ 0 h 6172200"/>
+                <a:gd name="connsiteX6" fmla="*/ 3483602 w 4772058"/>
+                <a:gd name="connsiteY6" fmla="*/ 0 h 6172200"/>
+                <a:gd name="connsiteX7" fmla="*/ 3984668 w 4772058"/>
+                <a:gd name="connsiteY7" fmla="*/ 0 h 6172200"/>
+                <a:gd name="connsiteX8" fmla="*/ 4772058 w 4772058"/>
+                <a:gd name="connsiteY8" fmla="*/ 0 h 6172200"/>
+                <a:gd name="connsiteX9" fmla="*/ 4772058 w 4772058"/>
+                <a:gd name="connsiteY9" fmla="*/ 684553 h 6172200"/>
+                <a:gd name="connsiteX10" fmla="*/ 4772058 w 4772058"/>
+                <a:gd name="connsiteY10" fmla="*/ 1122218 h 6172200"/>
+                <a:gd name="connsiteX11" fmla="*/ 4772058 w 4772058"/>
+                <a:gd name="connsiteY11" fmla="*/ 1683327 h 6172200"/>
+                <a:gd name="connsiteX12" fmla="*/ 4772058 w 4772058"/>
+                <a:gd name="connsiteY12" fmla="*/ 2306158 h 6172200"/>
+                <a:gd name="connsiteX13" fmla="*/ 4772058 w 4772058"/>
+                <a:gd name="connsiteY13" fmla="*/ 2682101 h 6172200"/>
+                <a:gd name="connsiteX14" fmla="*/ 4772058 w 4772058"/>
+                <a:gd name="connsiteY14" fmla="*/ 3243211 h 6172200"/>
+                <a:gd name="connsiteX15" fmla="*/ 4772058 w 4772058"/>
+                <a:gd name="connsiteY15" fmla="*/ 3804320 h 6172200"/>
+                <a:gd name="connsiteX16" fmla="*/ 4772058 w 4772058"/>
+                <a:gd name="connsiteY16" fmla="*/ 4365429 h 6172200"/>
+                <a:gd name="connsiteX17" fmla="*/ 4772058 w 4772058"/>
+                <a:gd name="connsiteY17" fmla="*/ 4988260 h 6172200"/>
+                <a:gd name="connsiteX18" fmla="*/ 4772058 w 4772058"/>
+                <a:gd name="connsiteY18" fmla="*/ 5611091 h 6172200"/>
+                <a:gd name="connsiteX19" fmla="*/ 4772058 w 4772058"/>
+                <a:gd name="connsiteY19" fmla="*/ 6172200 h 6172200"/>
+                <a:gd name="connsiteX20" fmla="*/ 4318712 w 4772058"/>
+                <a:gd name="connsiteY20" fmla="*/ 6172200 h 6172200"/>
+                <a:gd name="connsiteX21" fmla="*/ 3626764 w 4772058"/>
+                <a:gd name="connsiteY21" fmla="*/ 6172200 h 6172200"/>
+                <a:gd name="connsiteX22" fmla="*/ 3030257 w 4772058"/>
+                <a:gd name="connsiteY22" fmla="*/ 6172200 h 6172200"/>
+                <a:gd name="connsiteX23" fmla="*/ 2529191 w 4772058"/>
+                <a:gd name="connsiteY23" fmla="*/ 6172200 h 6172200"/>
+                <a:gd name="connsiteX24" fmla="*/ 1932683 w 4772058"/>
+                <a:gd name="connsiteY24" fmla="*/ 6172200 h 6172200"/>
+                <a:gd name="connsiteX25" fmla="*/ 1479338 w 4772058"/>
+                <a:gd name="connsiteY25" fmla="*/ 6172200 h 6172200"/>
+                <a:gd name="connsiteX26" fmla="*/ 1025992 w 4772058"/>
+                <a:gd name="connsiteY26" fmla="*/ 6172200 h 6172200"/>
+                <a:gd name="connsiteX27" fmla="*/ 0 w 4772058"/>
+                <a:gd name="connsiteY27" fmla="*/ 6172200 h 6172200"/>
+                <a:gd name="connsiteX28" fmla="*/ 0 w 4772058"/>
+                <a:gd name="connsiteY28" fmla="*/ 5734535 h 6172200"/>
+                <a:gd name="connsiteX29" fmla="*/ 0 w 4772058"/>
+                <a:gd name="connsiteY29" fmla="*/ 5049982 h 6172200"/>
+                <a:gd name="connsiteX30" fmla="*/ 0 w 4772058"/>
+                <a:gd name="connsiteY30" fmla="*/ 4550595 h 6172200"/>
+                <a:gd name="connsiteX31" fmla="*/ 0 w 4772058"/>
+                <a:gd name="connsiteY31" fmla="*/ 4174652 h 6172200"/>
+                <a:gd name="connsiteX32" fmla="*/ 0 w 4772058"/>
+                <a:gd name="connsiteY32" fmla="*/ 3551821 h 6172200"/>
+                <a:gd name="connsiteX33" fmla="*/ 0 w 4772058"/>
+                <a:gd name="connsiteY33" fmla="*/ 3114155 h 6172200"/>
+                <a:gd name="connsiteX34" fmla="*/ 0 w 4772058"/>
+                <a:gd name="connsiteY34" fmla="*/ 2491324 h 6172200"/>
+                <a:gd name="connsiteX35" fmla="*/ 0 w 4772058"/>
+                <a:gd name="connsiteY35" fmla="*/ 1806771 h 6172200"/>
+                <a:gd name="connsiteX36" fmla="*/ 0 w 4772058"/>
+                <a:gd name="connsiteY36" fmla="*/ 1307384 h 6172200"/>
+                <a:gd name="connsiteX37" fmla="*/ 0 w 4772058"/>
+                <a:gd name="connsiteY37" fmla="*/ 622831 h 6172200"/>
+                <a:gd name="connsiteX38" fmla="*/ 0 w 4772058"/>
+                <a:gd name="connsiteY38" fmla="*/ 0 h 6172200"/>
+              </a:gdLst>
+              <a:ahLst/>
+              <a:cxnLst>
+                <a:cxn ang="0">
+                  <a:pos x="connsiteX0" y="connsiteY0"/>
+                </a:cxn>
+                <a:cxn ang="0">
+                  <a:pos x="connsiteX1" y="connsiteY1"/>
+                </a:cxn>
+                <a:cxn ang="0">
+                  <a:pos x="connsiteX2" y="connsiteY2"/>
+                </a:cxn>
+                <a:cxn ang="0">
+                  <a:pos x="connsiteX3" y="connsiteY3"/>
+                </a:cxn>
+                <a:cxn ang="0">
+                  <a:pos x="connsiteX4" y="connsiteY4"/>
+                </a:cxn>
+                <a:cxn ang="0">
+                  <a:pos x="connsiteX5" y="connsiteY5"/>
+                </a:cxn>
+                <a:cxn ang="0">
+                  <a:pos x="connsiteX6" y="connsiteY6"/>
+                </a:cxn>
+                <a:cxn ang="0">
+                  <a:pos x="connsiteX7" y="connsiteY7"/>
+                </a:cxn>
+                <a:cxn ang="0">
+                  <a:pos x="connsiteX8" y="connsiteY8"/>
+                </a:cxn>
+                <a:cxn ang="0">
+                  <a:pos x="connsiteX9" y="connsiteY9"/>
+                </a:cxn>
+                <a:cxn ang="0">
+                  <a:pos x="connsiteX10" y="connsiteY10"/>
+                </a:cxn>
+                <a:cxn ang="0">
+                  <a:pos x="connsiteX11" y="connsiteY11"/>
+                </a:cxn>
+                <a:cxn ang="0">
+                  <a:pos x="connsiteX12" y="connsiteY12"/>
+                </a:cxn>
+                <a:cxn ang="0">
+                  <a:pos x="connsiteX13" y="connsiteY13"/>
+                </a:cxn>
+                <a:cxn ang="0">
+                  <a:pos x="connsiteX14" y="connsiteY14"/>
+                </a:cxn>
+                <a:cxn ang="0">
+                  <a:pos x="connsiteX15" y="connsiteY15"/>
+                </a:cxn>
+                <a:cxn ang="0">
+                  <a:pos x="connsiteX16" y="connsiteY16"/>
+                </a:cxn>
+                <a:cxn ang="0">
+                  <a:pos x="connsiteX17" y="connsiteY17"/>
+                </a:cxn>
+                <a:cxn ang="0">
+                  <a:pos x="connsiteX18" y="connsiteY18"/>
+                </a:cxn>
+                <a:cxn ang="0">
+                  <a:pos x="connsiteX19" y="connsiteY19"/>
+                </a:cxn>
+                <a:cxn ang="0">
+                  <a:pos x="connsiteX20" y="connsiteY20"/>
+                </a:cxn>
+                <a:cxn ang="0">
+                  <a:pos x="connsiteX21" y="connsiteY21"/>
+                </a:cxn>
+                <a:cxn ang="0">
+                  <a:pos x="connsiteX22" y="connsiteY22"/>
+                </a:cxn>
+                <a:cxn ang="0">
+                  <a:pos x="connsiteX23" y="connsiteY23"/>
+                </a:cxn>
+                <a:cxn ang="0">
+                  <a:pos x="connsiteX24" y="connsiteY24"/>
+                </a:cxn>
+                <a:cxn ang="0">
+                  <a:pos x="connsiteX25" y="connsiteY25"/>
+                </a:cxn>
+                <a:cxn ang="0">
+                  <a:pos x="connsiteX26" y="connsiteY26"/>
+                </a:cxn>
+                <a:cxn ang="0">
+                  <a:pos x="connsiteX27" y="connsiteY27"/>
+                </a:cxn>
+                <a:cxn ang="0">
+                  <a:pos x="connsiteX28" y="connsiteY28"/>
+                </a:cxn>
+                <a:cxn ang="0">
+                  <a:pos x="connsiteX29" y="connsiteY29"/>
+                </a:cxn>
+                <a:cxn ang="0">
+                  <a:pos x="connsiteX30" y="connsiteY30"/>
+                </a:cxn>
+                <a:cxn ang="0">
+                  <a:pos x="connsiteX31" y="connsiteY31"/>
+                </a:cxn>
+                <a:cxn ang="0">
+                  <a:pos x="connsiteX32" y="connsiteY32"/>
+                </a:cxn>
+                <a:cxn ang="0">
+                  <a:pos x="connsiteX33" y="connsiteY33"/>
+                </a:cxn>
+                <a:cxn ang="0">
+                  <a:pos x="connsiteX34" y="connsiteY34"/>
+                </a:cxn>
+                <a:cxn ang="0">
+                  <a:pos x="connsiteX35" y="connsiteY35"/>
+                </a:cxn>
+                <a:cxn ang="0">
+                  <a:pos x="connsiteX36" y="connsiteY36"/>
+                </a:cxn>
+                <a:cxn ang="0">
+                  <a:pos x="connsiteX37" y="connsiteY37"/>
+                </a:cxn>
+                <a:cxn ang="0">
+                  <a:pos x="connsiteX38" y="connsiteY38"/>
+                </a:cxn>
+              </a:cxnLst>
+              <a:rect l="l" t="t" r="r" b="b"/>
+              <a:pathLst>
+                <a:path w="4772058" h="6172200" extrusionOk="0">
+                  <a:moveTo>
+                    <a:pt x="0" y="0"/>
+                  </a:moveTo>
+                  <a:cubicBezTo>
+                    <a:pt x="238459" y="-23972"/>
+                    <a:pt x="402350" y="32105"/>
+                    <a:pt x="548787" y="0"/>
+                  </a:cubicBezTo>
+                  <a:cubicBezTo>
+                    <a:pt x="695224" y="-32105"/>
+                    <a:pt x="909100" y="51064"/>
+                    <a:pt x="1002132" y="0"/>
+                  </a:cubicBezTo>
+                  <a:cubicBezTo>
+                    <a:pt x="1095165" y="-51064"/>
+                    <a:pt x="1534140" y="37203"/>
+                    <a:pt x="1694081" y="0"/>
+                  </a:cubicBezTo>
+                  <a:cubicBezTo>
+                    <a:pt x="1854022" y="-37203"/>
+                    <a:pt x="2018579" y="21413"/>
+                    <a:pt x="2242867" y="0"/>
+                  </a:cubicBezTo>
+                  <a:cubicBezTo>
+                    <a:pt x="2467155" y="-21413"/>
+                    <a:pt x="2650849" y="36764"/>
+                    <a:pt x="2791654" y="0"/>
+                  </a:cubicBezTo>
+                  <a:cubicBezTo>
+                    <a:pt x="2932459" y="-36764"/>
+                    <a:pt x="3198171" y="33915"/>
+                    <a:pt x="3483602" y="0"/>
+                  </a:cubicBezTo>
+                  <a:cubicBezTo>
+                    <a:pt x="3769033" y="-33915"/>
+                    <a:pt x="3784998" y="12186"/>
+                    <a:pt x="3984668" y="0"/>
+                  </a:cubicBezTo>
+                  <a:cubicBezTo>
+                    <a:pt x="4184338" y="-12186"/>
+                    <a:pt x="4610368" y="50432"/>
+                    <a:pt x="4772058" y="0"/>
+                  </a:cubicBezTo>
+                  <a:cubicBezTo>
+                    <a:pt x="4806811" y="307461"/>
+                    <a:pt x="4717787" y="522537"/>
+                    <a:pt x="4772058" y="684553"/>
+                  </a:cubicBezTo>
+                  <a:cubicBezTo>
+                    <a:pt x="4826329" y="846569"/>
+                    <a:pt x="4727515" y="935254"/>
+                    <a:pt x="4772058" y="1122218"/>
+                  </a:cubicBezTo>
+                  <a:cubicBezTo>
+                    <a:pt x="4816601" y="1309182"/>
+                    <a:pt x="4736963" y="1550832"/>
+                    <a:pt x="4772058" y="1683327"/>
+                  </a:cubicBezTo>
+                  <a:cubicBezTo>
+                    <a:pt x="4807153" y="1815822"/>
+                    <a:pt x="4753841" y="2118180"/>
+                    <a:pt x="4772058" y="2306158"/>
+                  </a:cubicBezTo>
+                  <a:cubicBezTo>
+                    <a:pt x="4790275" y="2494136"/>
+                    <a:pt x="4739343" y="2495662"/>
+                    <a:pt x="4772058" y="2682101"/>
+                  </a:cubicBezTo>
+                  <a:cubicBezTo>
+                    <a:pt x="4804773" y="2868540"/>
+                    <a:pt x="4754036" y="3008928"/>
+                    <a:pt x="4772058" y="3243211"/>
+                  </a:cubicBezTo>
+                  <a:cubicBezTo>
+                    <a:pt x="4790080" y="3477494"/>
+                    <a:pt x="4764474" y="3566624"/>
+                    <a:pt x="4772058" y="3804320"/>
+                  </a:cubicBezTo>
+                  <a:cubicBezTo>
+                    <a:pt x="4779642" y="4042016"/>
+                    <a:pt x="4717086" y="4115908"/>
+                    <a:pt x="4772058" y="4365429"/>
+                  </a:cubicBezTo>
+                  <a:cubicBezTo>
+                    <a:pt x="4827030" y="4614950"/>
+                    <a:pt x="4723637" y="4837144"/>
+                    <a:pt x="4772058" y="4988260"/>
+                  </a:cubicBezTo>
+                  <a:cubicBezTo>
+                    <a:pt x="4820479" y="5139376"/>
+                    <a:pt x="4707360" y="5367256"/>
+                    <a:pt x="4772058" y="5611091"/>
+                  </a:cubicBezTo>
+                  <a:cubicBezTo>
+                    <a:pt x="4836756" y="5854926"/>
+                    <a:pt x="4764699" y="5963171"/>
+                    <a:pt x="4772058" y="6172200"/>
+                  </a:cubicBezTo>
+                  <a:cubicBezTo>
+                    <a:pt x="4602458" y="6203718"/>
+                    <a:pt x="4440792" y="6135321"/>
+                    <a:pt x="4318712" y="6172200"/>
+                  </a:cubicBezTo>
+                  <a:cubicBezTo>
+                    <a:pt x="4196632" y="6209079"/>
+                    <a:pt x="3782504" y="6107386"/>
+                    <a:pt x="3626764" y="6172200"/>
+                  </a:cubicBezTo>
+                  <a:cubicBezTo>
+                    <a:pt x="3471024" y="6237014"/>
+                    <a:pt x="3251918" y="6118577"/>
+                    <a:pt x="3030257" y="6172200"/>
+                  </a:cubicBezTo>
+                  <a:cubicBezTo>
+                    <a:pt x="2808596" y="6225823"/>
+                    <a:pt x="2760145" y="6128844"/>
+                    <a:pt x="2529191" y="6172200"/>
+                  </a:cubicBezTo>
+                  <a:cubicBezTo>
+                    <a:pt x="2298237" y="6215556"/>
+                    <a:pt x="2141364" y="6139504"/>
+                    <a:pt x="1932683" y="6172200"/>
+                  </a:cubicBezTo>
+                  <a:cubicBezTo>
+                    <a:pt x="1724002" y="6204896"/>
+                    <a:pt x="1701927" y="6123470"/>
+                    <a:pt x="1479338" y="6172200"/>
+                  </a:cubicBezTo>
+                  <a:cubicBezTo>
+                    <a:pt x="1256749" y="6220930"/>
+                    <a:pt x="1169906" y="6133507"/>
+                    <a:pt x="1025992" y="6172200"/>
+                  </a:cubicBezTo>
+                  <a:cubicBezTo>
+                    <a:pt x="882078" y="6210893"/>
+                    <a:pt x="264342" y="6103368"/>
+                    <a:pt x="0" y="6172200"/>
+                  </a:cubicBezTo>
+                  <a:cubicBezTo>
+                    <a:pt x="-45269" y="5986712"/>
+                    <a:pt x="11839" y="5871150"/>
+                    <a:pt x="0" y="5734535"/>
+                  </a:cubicBezTo>
+                  <a:cubicBezTo>
+                    <a:pt x="-11839" y="5597921"/>
+                    <a:pt x="11930" y="5227288"/>
+                    <a:pt x="0" y="5049982"/>
+                  </a:cubicBezTo>
+                  <a:cubicBezTo>
+                    <a:pt x="-11930" y="4872676"/>
+                    <a:pt x="20786" y="4665402"/>
+                    <a:pt x="0" y="4550595"/>
+                  </a:cubicBezTo>
+                  <a:cubicBezTo>
+                    <a:pt x="-20786" y="4435788"/>
+                    <a:pt x="28236" y="4250448"/>
+                    <a:pt x="0" y="4174652"/>
+                  </a:cubicBezTo>
+                  <a:cubicBezTo>
+                    <a:pt x="-28236" y="4098856"/>
+                    <a:pt x="64610" y="3786957"/>
+                    <a:pt x="0" y="3551821"/>
+                  </a:cubicBezTo>
+                  <a:cubicBezTo>
+                    <a:pt x="-64610" y="3316685"/>
+                    <a:pt x="7009" y="3216690"/>
+                    <a:pt x="0" y="3114155"/>
+                  </a:cubicBezTo>
+                  <a:cubicBezTo>
+                    <a:pt x="-7009" y="3011620"/>
+                    <a:pt x="35416" y="2694594"/>
+                    <a:pt x="0" y="2491324"/>
+                  </a:cubicBezTo>
+                  <a:cubicBezTo>
+                    <a:pt x="-35416" y="2288054"/>
+                    <a:pt x="54809" y="1972402"/>
+                    <a:pt x="0" y="1806771"/>
+                  </a:cubicBezTo>
+                  <a:cubicBezTo>
+                    <a:pt x="-54809" y="1641140"/>
+                    <a:pt x="49032" y="1554202"/>
+                    <a:pt x="0" y="1307384"/>
+                  </a:cubicBezTo>
+                  <a:cubicBezTo>
+                    <a:pt x="-49032" y="1060566"/>
+                    <a:pt x="80100" y="825819"/>
+                    <a:pt x="0" y="622831"/>
+                  </a:cubicBezTo>
+                  <a:cubicBezTo>
+                    <a:pt x="-80100" y="419843"/>
+                    <a:pt x="7489" y="259989"/>
+                    <a:pt x="0" y="0"/>
+                  </a:cubicBezTo>
+                  <a:close/>
+                </a:path>
+              </a:pathLst>
+            </a:custGeom>
+            <a:noFill/>
+            <a:ln w="38100" cap="flat" cmpd="thickThin">
+              <a:solidFill>
+                <a:srgbClr val="1DB954"/>
+              </a:solidFill>
+              <a:prstDash val="solid"/>
+              <a:bevel/>
+              <a:extLst>
+                <a:ext uri="{C807C97D-BFC1-408E-A445-0C87EB9F89A2}">
+                  <ask:lineSketchStyleProps xmlns:ask="http://schemas.microsoft.com/office/drawing/2018/sketchyshapes" sd="1219033472">
+                    <a:prstGeom prst="rect">
+                      <a:avLst/>
+                    </a:prstGeom>
+                    <ask:type>
+                      <ask:lineSketchScribble/>
+                    </ask:type>
+                  </ask:lineSketchStyleProps>
+                </a:ext>
+              </a:extLst>
+            </a:ln>
+          </p:spPr>
+          <p:style>
+            <a:lnRef idx="2">
+              <a:schemeClr val="accent1">
+                <a:shade val="50000"/>
+              </a:schemeClr>
+            </a:lnRef>
+            <a:fillRef idx="1">
+              <a:schemeClr val="accent1"/>
+            </a:fillRef>
+            <a:effectRef idx="0">
+              <a:schemeClr val="accent1"/>
+            </a:effectRef>
+            <a:fontRef idx="minor">
+              <a:schemeClr val="lt1"/>
+            </a:fontRef>
+          </p:style>
+          <p:txBody>
+            <a:bodyPr rtlCol="0" anchor="ctr"/>
+            <a:lstStyle/>
+            <a:p>
+              <a:pPr algn="ctr"/>
+              <a:endParaRPr lang="it-IT"/>
+            </a:p>
+          </p:txBody>
+        </p:sp>
+        <p:pic>
+          <p:nvPicPr>
+            <p:cNvPr id="2" name="Immagine 1" descr="Immagine che contiene testo, diagramma, Disegno tecnico, Piano&#10;&#10;Descrizione generata automaticamente">
+              <a:extLst>
+                <a:ext uri="{FF2B5EF4-FFF2-40B4-BE49-F238E27FC236}">
+                  <a16:creationId xmlns:a16="http://schemas.microsoft.com/office/drawing/2014/main" id="{1FBF476F-0E71-2146-9ADD-D78518BBAB8D}"/>
+                </a:ext>
+              </a:extLst>
+            </p:cNvPr>
+            <p:cNvPicPr>
+              <a:picLocks noChangeAspect="1"/>
+            </p:cNvPicPr>
+            <p:nvPr/>
+          </p:nvPicPr>
+          <p:blipFill>
+            <a:blip r:embed="rId2">
+              <a:extLst>
+                <a:ext uri="{28A0092B-C50C-407E-A947-70E740481C1C}">
+                  <a14:useLocalDpi xmlns:a14="http://schemas.microsoft.com/office/drawing/2010/main" val="0"/>
+                </a:ext>
+              </a:extLst>
+            </a:blip>
+            <a:stretch>
+              <a:fillRect/>
+            </a:stretch>
+          </p:blipFill>
+          <p:spPr>
+            <a:xfrm>
+              <a:off x="725549" y="599492"/>
+              <a:ext cx="3937152" cy="5659013"/>
+            </a:xfrm>
+            <a:prstGeom prst="rect">
+              <a:avLst/>
+            </a:prstGeom>
+          </p:spPr>
+        </p:pic>
+        <p:grpSp>
+          <p:nvGrpSpPr>
+            <p:cNvPr id="12" name="Gruppo 11">
+              <a:extLst>
+                <a:ext uri="{FF2B5EF4-FFF2-40B4-BE49-F238E27FC236}">
+                  <a16:creationId xmlns:a16="http://schemas.microsoft.com/office/drawing/2014/main" id="{753CF346-7251-777C-9C25-96126CBC8463}"/>
+                </a:ext>
+              </a:extLst>
+            </p:cNvPr>
+            <p:cNvGrpSpPr/>
+            <p:nvPr/>
+          </p:nvGrpSpPr>
+          <p:grpSpPr>
+            <a:xfrm>
+              <a:off x="6707401" y="342897"/>
+              <a:ext cx="3468565" cy="6172201"/>
+              <a:chOff x="7111848" y="342900"/>
+              <a:chExt cx="3468565" cy="6172201"/>
+            </a:xfrm>
+          </p:grpSpPr>
+          <p:grpSp>
+            <p:nvGrpSpPr>
+              <p:cNvPr id="6" name="Gruppo 5">
+                <a:extLst>
+                  <a:ext uri="{FF2B5EF4-FFF2-40B4-BE49-F238E27FC236}">
+                    <a16:creationId xmlns:a16="http://schemas.microsoft.com/office/drawing/2014/main" id="{E41C5EEC-5B94-1EA9-1EDB-132076D586ED}"/>
+                  </a:ext>
+                </a:extLst>
+              </p:cNvPr>
+              <p:cNvGrpSpPr/>
+              <p:nvPr/>
+            </p:nvGrpSpPr>
+            <p:grpSpPr>
+              <a:xfrm>
+                <a:off x="7111848" y="342900"/>
+                <a:ext cx="3468565" cy="3011366"/>
+                <a:chOff x="6884377" y="342899"/>
+                <a:chExt cx="3468565" cy="3011366"/>
+              </a:xfrm>
+            </p:grpSpPr>
+            <p:sp>
+              <p:nvSpPr>
+                <p:cNvPr id="9" name="Rettangolo 8">
+                  <a:extLst>
+                    <a:ext uri="{FF2B5EF4-FFF2-40B4-BE49-F238E27FC236}">
+                      <a16:creationId xmlns:a16="http://schemas.microsoft.com/office/drawing/2014/main" id="{71F5D64C-5A96-94EF-11DA-C5627B4891A6}"/>
+                    </a:ext>
+                  </a:extLst>
+                </p:cNvPr>
+                <p:cNvSpPr/>
+                <p:nvPr/>
+              </p:nvSpPr>
+              <p:spPr>
+                <a:xfrm>
+                  <a:off x="6884377" y="342899"/>
+                  <a:ext cx="3468565" cy="3011366"/>
+                </a:xfrm>
+                <a:custGeom>
+                  <a:avLst/>
+                  <a:gdLst>
+                    <a:gd name="connsiteX0" fmla="*/ 0 w 3468565"/>
+                    <a:gd name="connsiteY0" fmla="*/ 0 h 3011366"/>
+                    <a:gd name="connsiteX1" fmla="*/ 543409 w 3468565"/>
+                    <a:gd name="connsiteY1" fmla="*/ 0 h 3011366"/>
+                    <a:gd name="connsiteX2" fmla="*/ 1017446 w 3468565"/>
+                    <a:gd name="connsiteY2" fmla="*/ 0 h 3011366"/>
+                    <a:gd name="connsiteX3" fmla="*/ 1664911 w 3468565"/>
+                    <a:gd name="connsiteY3" fmla="*/ 0 h 3011366"/>
+                    <a:gd name="connsiteX4" fmla="*/ 2208320 w 3468565"/>
+                    <a:gd name="connsiteY4" fmla="*/ 0 h 3011366"/>
+                    <a:gd name="connsiteX5" fmla="*/ 2751728 w 3468565"/>
+                    <a:gd name="connsiteY5" fmla="*/ 0 h 3011366"/>
+                    <a:gd name="connsiteX6" fmla="*/ 3468565 w 3468565"/>
+                    <a:gd name="connsiteY6" fmla="*/ 0 h 3011366"/>
+                    <a:gd name="connsiteX7" fmla="*/ 3468565 w 3468565"/>
+                    <a:gd name="connsiteY7" fmla="*/ 441667 h 3011366"/>
+                    <a:gd name="connsiteX8" fmla="*/ 3468565 w 3468565"/>
+                    <a:gd name="connsiteY8" fmla="*/ 943561 h 3011366"/>
+                    <a:gd name="connsiteX9" fmla="*/ 3468565 w 3468565"/>
+                    <a:gd name="connsiteY9" fmla="*/ 1385228 h 3011366"/>
+                    <a:gd name="connsiteX10" fmla="*/ 3468565 w 3468565"/>
+                    <a:gd name="connsiteY10" fmla="*/ 1826895 h 3011366"/>
+                    <a:gd name="connsiteX11" fmla="*/ 3468565 w 3468565"/>
+                    <a:gd name="connsiteY11" fmla="*/ 2328790 h 3011366"/>
+                    <a:gd name="connsiteX12" fmla="*/ 3468565 w 3468565"/>
+                    <a:gd name="connsiteY12" fmla="*/ 3011366 h 3011366"/>
+                    <a:gd name="connsiteX13" fmla="*/ 2994528 w 3468565"/>
+                    <a:gd name="connsiteY13" fmla="*/ 3011366 h 3011366"/>
+                    <a:gd name="connsiteX14" fmla="*/ 2347062 w 3468565"/>
+                    <a:gd name="connsiteY14" fmla="*/ 3011366 h 3011366"/>
+                    <a:gd name="connsiteX15" fmla="*/ 1838339 w 3468565"/>
+                    <a:gd name="connsiteY15" fmla="*/ 3011366 h 3011366"/>
+                    <a:gd name="connsiteX16" fmla="*/ 1260245 w 3468565"/>
+                    <a:gd name="connsiteY16" fmla="*/ 3011366 h 3011366"/>
+                    <a:gd name="connsiteX17" fmla="*/ 612780 w 3468565"/>
+                    <a:gd name="connsiteY17" fmla="*/ 3011366 h 3011366"/>
+                    <a:gd name="connsiteX18" fmla="*/ 0 w 3468565"/>
+                    <a:gd name="connsiteY18" fmla="*/ 3011366 h 3011366"/>
+                    <a:gd name="connsiteX19" fmla="*/ 0 w 3468565"/>
+                    <a:gd name="connsiteY19" fmla="*/ 2599813 h 3011366"/>
+                    <a:gd name="connsiteX20" fmla="*/ 0 w 3468565"/>
+                    <a:gd name="connsiteY20" fmla="*/ 2158146 h 3011366"/>
+                    <a:gd name="connsiteX21" fmla="*/ 0 w 3468565"/>
+                    <a:gd name="connsiteY21" fmla="*/ 1686365 h 3011366"/>
+                    <a:gd name="connsiteX22" fmla="*/ 0 w 3468565"/>
+                    <a:gd name="connsiteY22" fmla="*/ 1124243 h 3011366"/>
+                    <a:gd name="connsiteX23" fmla="*/ 0 w 3468565"/>
+                    <a:gd name="connsiteY23" fmla="*/ 622349 h 3011366"/>
+                    <a:gd name="connsiteX24" fmla="*/ 0 w 3468565"/>
+                    <a:gd name="connsiteY24" fmla="*/ 0 h 3011366"/>
+                  </a:gdLst>
+                  <a:ahLst/>
+                  <a:cxnLst>
+                    <a:cxn ang="0">
+                      <a:pos x="connsiteX0" y="connsiteY0"/>
+                    </a:cxn>
+                    <a:cxn ang="0">
+                      <a:pos x="connsiteX1" y="connsiteY1"/>
+                    </a:cxn>
+                    <a:cxn ang="0">
+                      <a:pos x="connsiteX2" y="connsiteY2"/>
+                    </a:cxn>
+                    <a:cxn ang="0">
+                      <a:pos x="connsiteX3" y="connsiteY3"/>
+                    </a:cxn>
+                    <a:cxn ang="0">
+                      <a:pos x="connsiteX4" y="connsiteY4"/>
+                    </a:cxn>
+                    <a:cxn ang="0">
+                      <a:pos x="connsiteX5" y="connsiteY5"/>
+                    </a:cxn>
+                    <a:cxn ang="0">
+                      <a:pos x="connsiteX6" y="connsiteY6"/>
+                    </a:cxn>
+                    <a:cxn ang="0">
+                      <a:pos x="connsiteX7" y="connsiteY7"/>
+                    </a:cxn>
+                    <a:cxn ang="0">
+                      <a:pos x="connsiteX8" y="connsiteY8"/>
+                    </a:cxn>
+                    <a:cxn ang="0">
+                      <a:pos x="connsiteX9" y="connsiteY9"/>
+                    </a:cxn>
+                    <a:cxn ang="0">
+                      <a:pos x="connsiteX10" y="connsiteY10"/>
+                    </a:cxn>
+                    <a:cxn ang="0">
+                      <a:pos x="connsiteX11" y="connsiteY11"/>
+                    </a:cxn>
+                    <a:cxn ang="0">
+                      <a:pos x="connsiteX12" y="connsiteY12"/>
+                    </a:cxn>
+                    <a:cxn ang="0">
+                      <a:pos x="connsiteX13" y="connsiteY13"/>
+                    </a:cxn>
+                    <a:cxn ang="0">
+                      <a:pos x="connsiteX14" y="connsiteY14"/>
+                    </a:cxn>
+                    <a:cxn ang="0">
+                      <a:pos x="connsiteX15" y="connsiteY15"/>
+                    </a:cxn>
+                    <a:cxn ang="0">
+                      <a:pos x="connsiteX16" y="connsiteY16"/>
+                    </a:cxn>
+                    <a:cxn ang="0">
+                      <a:pos x="connsiteX17" y="connsiteY17"/>
+                    </a:cxn>
+                    <a:cxn ang="0">
+                      <a:pos x="connsiteX18" y="connsiteY18"/>
+                    </a:cxn>
+                    <a:cxn ang="0">
+                      <a:pos x="connsiteX19" y="connsiteY19"/>
+                    </a:cxn>
+                    <a:cxn ang="0">
+                      <a:pos x="connsiteX20" y="connsiteY20"/>
+                    </a:cxn>
+                    <a:cxn ang="0">
+                      <a:pos x="connsiteX21" y="connsiteY21"/>
+                    </a:cxn>
+                    <a:cxn ang="0">
+                      <a:pos x="connsiteX22" y="connsiteY22"/>
+                    </a:cxn>
+                    <a:cxn ang="0">
+                      <a:pos x="connsiteX23" y="connsiteY23"/>
+                    </a:cxn>
+                    <a:cxn ang="0">
+                      <a:pos x="connsiteX24" y="connsiteY24"/>
+                    </a:cxn>
+                  </a:cxnLst>
+                  <a:rect l="l" t="t" r="r" b="b"/>
+                  <a:pathLst>
+                    <a:path w="3468565" h="3011366" extrusionOk="0">
+                      <a:moveTo>
+                        <a:pt x="0" y="0"/>
+                      </a:moveTo>
+                      <a:cubicBezTo>
+                        <a:pt x="236951" y="-7538"/>
+                        <a:pt x="281447" y="17762"/>
+                        <a:pt x="543409" y="0"/>
+                      </a:cubicBezTo>
+                      <a:cubicBezTo>
+                        <a:pt x="805371" y="-17762"/>
+                        <a:pt x="876236" y="9663"/>
+                        <a:pt x="1017446" y="0"/>
+                      </a:cubicBezTo>
+                      <a:cubicBezTo>
+                        <a:pt x="1158656" y="-9663"/>
+                        <a:pt x="1441439" y="42440"/>
+                        <a:pt x="1664911" y="0"/>
+                      </a:cubicBezTo>
+                      <a:cubicBezTo>
+                        <a:pt x="1888384" y="-42440"/>
+                        <a:pt x="2032914" y="60733"/>
+                        <a:pt x="2208320" y="0"/>
+                      </a:cubicBezTo>
+                      <a:cubicBezTo>
+                        <a:pt x="2383726" y="-60733"/>
+                        <a:pt x="2515943" y="59650"/>
+                        <a:pt x="2751728" y="0"/>
+                      </a:cubicBezTo>
+                      <a:cubicBezTo>
+                        <a:pt x="2987513" y="-59650"/>
+                        <a:pt x="3223155" y="21556"/>
+                        <a:pt x="3468565" y="0"/>
+                      </a:cubicBezTo>
+                      <a:cubicBezTo>
+                        <a:pt x="3478636" y="112501"/>
+                        <a:pt x="3429135" y="328991"/>
+                        <a:pt x="3468565" y="441667"/>
+                      </a:cubicBezTo>
+                      <a:cubicBezTo>
+                        <a:pt x="3507995" y="554343"/>
+                        <a:pt x="3467497" y="750793"/>
+                        <a:pt x="3468565" y="943561"/>
+                      </a:cubicBezTo>
+                      <a:cubicBezTo>
+                        <a:pt x="3469633" y="1136329"/>
+                        <a:pt x="3437157" y="1263874"/>
+                        <a:pt x="3468565" y="1385228"/>
+                      </a:cubicBezTo>
+                      <a:cubicBezTo>
+                        <a:pt x="3499973" y="1506582"/>
+                        <a:pt x="3429700" y="1671119"/>
+                        <a:pt x="3468565" y="1826895"/>
+                      </a:cubicBezTo>
+                      <a:cubicBezTo>
+                        <a:pt x="3507430" y="1982671"/>
+                        <a:pt x="3459375" y="2203867"/>
+                        <a:pt x="3468565" y="2328790"/>
+                      </a:cubicBezTo>
+                      <a:cubicBezTo>
+                        <a:pt x="3477755" y="2453714"/>
+                        <a:pt x="3418405" y="2866240"/>
+                        <a:pt x="3468565" y="3011366"/>
+                      </a:cubicBezTo>
+                      <a:cubicBezTo>
+                        <a:pt x="3346181" y="3033890"/>
+                        <a:pt x="3148203" y="2971422"/>
+                        <a:pt x="2994528" y="3011366"/>
+                      </a:cubicBezTo>
+                      <a:cubicBezTo>
+                        <a:pt x="2840853" y="3051310"/>
+                        <a:pt x="2492239" y="2994200"/>
+                        <a:pt x="2347062" y="3011366"/>
+                      </a:cubicBezTo>
+                      <a:cubicBezTo>
+                        <a:pt x="2201885" y="3028532"/>
+                        <a:pt x="2058674" y="2983026"/>
+                        <a:pt x="1838339" y="3011366"/>
+                      </a:cubicBezTo>
+                      <a:cubicBezTo>
+                        <a:pt x="1618004" y="3039706"/>
+                        <a:pt x="1517132" y="2945821"/>
+                        <a:pt x="1260245" y="3011366"/>
+                      </a:cubicBezTo>
+                      <a:cubicBezTo>
+                        <a:pt x="1003358" y="3076911"/>
+                        <a:pt x="849684" y="2995519"/>
+                        <a:pt x="612780" y="3011366"/>
+                      </a:cubicBezTo>
+                      <a:cubicBezTo>
+                        <a:pt x="375876" y="3027213"/>
+                        <a:pt x="245358" y="2975622"/>
+                        <a:pt x="0" y="3011366"/>
+                      </a:cubicBezTo>
+                      <a:cubicBezTo>
+                        <a:pt x="-23146" y="2887493"/>
+                        <a:pt x="1638" y="2777597"/>
+                        <a:pt x="0" y="2599813"/>
+                      </a:cubicBezTo>
+                      <a:cubicBezTo>
+                        <a:pt x="-1638" y="2422029"/>
+                        <a:pt x="9854" y="2258459"/>
+                        <a:pt x="0" y="2158146"/>
+                      </a:cubicBezTo>
+                      <a:cubicBezTo>
+                        <a:pt x="-9854" y="2057833"/>
+                        <a:pt x="9183" y="1848916"/>
+                        <a:pt x="0" y="1686365"/>
+                      </a:cubicBezTo>
+                      <a:cubicBezTo>
+                        <a:pt x="-9183" y="1523814"/>
+                        <a:pt x="37204" y="1332232"/>
+                        <a:pt x="0" y="1124243"/>
+                      </a:cubicBezTo>
+                      <a:cubicBezTo>
+                        <a:pt x="-37204" y="916254"/>
+                        <a:pt x="2744" y="775317"/>
+                        <a:pt x="0" y="622349"/>
+                      </a:cubicBezTo>
+                      <a:cubicBezTo>
+                        <a:pt x="-2744" y="469381"/>
+                        <a:pt x="6819" y="297042"/>
+                        <a:pt x="0" y="0"/>
+                      </a:cubicBezTo>
+                      <a:close/>
+                    </a:path>
+                  </a:pathLst>
+                </a:custGeom>
+                <a:noFill/>
+                <a:ln w="38100" cap="flat" cmpd="thickThin">
+                  <a:solidFill>
+                    <a:srgbClr val="1DB954"/>
+                  </a:solidFill>
+                  <a:prstDash val="solid"/>
+                  <a:bevel/>
+                  <a:extLst>
+                    <a:ext uri="{C807C97D-BFC1-408E-A445-0C87EB9F89A2}">
+                      <ask:lineSketchStyleProps xmlns:ask="http://schemas.microsoft.com/office/drawing/2018/sketchyshapes" sd="1219033472">
+                        <a:prstGeom prst="rect">
+                          <a:avLst/>
+                        </a:prstGeom>
+                        <ask:type>
+                          <ask:lineSketchScribble/>
+                        </ask:type>
+                      </ask:lineSketchStyleProps>
+                    </a:ext>
+                  </a:extLst>
+                </a:ln>
+              </p:spPr>
+              <p:style>
+                <a:lnRef idx="2">
+                  <a:schemeClr val="accent1">
+                    <a:shade val="50000"/>
+                  </a:schemeClr>
+                </a:lnRef>
+                <a:fillRef idx="1">
+                  <a:schemeClr val="accent1"/>
+                </a:fillRef>
+                <a:effectRef idx="0">
+                  <a:schemeClr val="accent1"/>
+                </a:effectRef>
+                <a:fontRef idx="minor">
+                  <a:schemeClr val="lt1"/>
+                </a:fontRef>
+              </p:style>
+              <p:txBody>
+                <a:bodyPr rtlCol="0" anchor="ctr"/>
+                <a:lstStyle/>
+                <a:p>
+                  <a:pPr algn="ctr"/>
+                  <a:endParaRPr lang="it-IT"/>
+                </a:p>
+              </p:txBody>
+            </p:sp>
+            <p:pic>
+              <p:nvPicPr>
+                <p:cNvPr id="5" name="Immagine 4" descr="Immagine che contiene testo, diagramma, Disegno tecnico, Piano&#10;&#10;Descrizione generata automaticamente">
+                  <a:extLst>
+                    <a:ext uri="{FF2B5EF4-FFF2-40B4-BE49-F238E27FC236}">
+                      <a16:creationId xmlns:a16="http://schemas.microsoft.com/office/drawing/2014/main" id="{794566D4-BAA4-A0A2-A6CE-DE59236E77C1}"/>
+                    </a:ext>
+                  </a:extLst>
+                </p:cNvPr>
+                <p:cNvPicPr>
+                  <a:picLocks noChangeAspect="1"/>
+                </p:cNvPicPr>
+                <p:nvPr/>
+              </p:nvPicPr>
+              <p:blipFill>
+                <a:blip r:embed="rId3">
+                  <a:extLst>
+                    <a:ext uri="{28A0092B-C50C-407E-A947-70E740481C1C}">
+                      <a14:useLocalDpi xmlns:a14="http://schemas.microsoft.com/office/drawing/2010/main" val="0"/>
+                    </a:ext>
+                  </a:extLst>
+                </a:blip>
+                <a:stretch>
+                  <a:fillRect/>
+                </a:stretch>
+              </p:blipFill>
+              <p:spPr>
+                <a:xfrm>
+                  <a:off x="7164735" y="549721"/>
+                  <a:ext cx="2907847" cy="2597721"/>
+                </a:xfrm>
+                <a:prstGeom prst="rect">
+                  <a:avLst/>
+                </a:prstGeom>
+              </p:spPr>
+            </p:pic>
+          </p:grpSp>
+          <p:grpSp>
+            <p:nvGrpSpPr>
+              <p:cNvPr id="11" name="Gruppo 10">
+                <a:extLst>
+                  <a:ext uri="{FF2B5EF4-FFF2-40B4-BE49-F238E27FC236}">
+                    <a16:creationId xmlns:a16="http://schemas.microsoft.com/office/drawing/2014/main" id="{6B710851-B802-536D-1AA1-28F479D50DE4}"/>
+                  </a:ext>
+                </a:extLst>
+              </p:cNvPr>
+              <p:cNvGrpSpPr/>
+              <p:nvPr/>
+            </p:nvGrpSpPr>
+            <p:grpSpPr>
+              <a:xfrm>
+                <a:off x="7111848" y="3503735"/>
+                <a:ext cx="3468565" cy="3011366"/>
+                <a:chOff x="7111848" y="3503735"/>
+                <a:chExt cx="3468565" cy="3011366"/>
+              </a:xfrm>
+            </p:grpSpPr>
+            <p:sp>
+              <p:nvSpPr>
+                <p:cNvPr id="7" name="Rettangolo 6">
+                  <a:extLst>
+                    <a:ext uri="{FF2B5EF4-FFF2-40B4-BE49-F238E27FC236}">
+                      <a16:creationId xmlns:a16="http://schemas.microsoft.com/office/drawing/2014/main" id="{42649773-1A4A-86DF-9624-159C945881C0}"/>
+                    </a:ext>
+                  </a:extLst>
+                </p:cNvPr>
+                <p:cNvSpPr/>
+                <p:nvPr/>
+              </p:nvSpPr>
+              <p:spPr>
+                <a:xfrm>
+                  <a:off x="7111848" y="3503735"/>
+                  <a:ext cx="3468565" cy="3011366"/>
+                </a:xfrm>
+                <a:custGeom>
+                  <a:avLst/>
+                  <a:gdLst>
+                    <a:gd name="connsiteX0" fmla="*/ 0 w 3468565"/>
+                    <a:gd name="connsiteY0" fmla="*/ 0 h 3011366"/>
+                    <a:gd name="connsiteX1" fmla="*/ 543409 w 3468565"/>
+                    <a:gd name="connsiteY1" fmla="*/ 0 h 3011366"/>
+                    <a:gd name="connsiteX2" fmla="*/ 1017446 w 3468565"/>
+                    <a:gd name="connsiteY2" fmla="*/ 0 h 3011366"/>
+                    <a:gd name="connsiteX3" fmla="*/ 1664911 w 3468565"/>
+                    <a:gd name="connsiteY3" fmla="*/ 0 h 3011366"/>
+                    <a:gd name="connsiteX4" fmla="*/ 2208320 w 3468565"/>
+                    <a:gd name="connsiteY4" fmla="*/ 0 h 3011366"/>
+                    <a:gd name="connsiteX5" fmla="*/ 2751728 w 3468565"/>
+                    <a:gd name="connsiteY5" fmla="*/ 0 h 3011366"/>
+                    <a:gd name="connsiteX6" fmla="*/ 3468565 w 3468565"/>
+                    <a:gd name="connsiteY6" fmla="*/ 0 h 3011366"/>
+                    <a:gd name="connsiteX7" fmla="*/ 3468565 w 3468565"/>
+                    <a:gd name="connsiteY7" fmla="*/ 441667 h 3011366"/>
+                    <a:gd name="connsiteX8" fmla="*/ 3468565 w 3468565"/>
+                    <a:gd name="connsiteY8" fmla="*/ 943561 h 3011366"/>
+                    <a:gd name="connsiteX9" fmla="*/ 3468565 w 3468565"/>
+                    <a:gd name="connsiteY9" fmla="*/ 1385228 h 3011366"/>
+                    <a:gd name="connsiteX10" fmla="*/ 3468565 w 3468565"/>
+                    <a:gd name="connsiteY10" fmla="*/ 1826895 h 3011366"/>
+                    <a:gd name="connsiteX11" fmla="*/ 3468565 w 3468565"/>
+                    <a:gd name="connsiteY11" fmla="*/ 2328790 h 3011366"/>
+                    <a:gd name="connsiteX12" fmla="*/ 3468565 w 3468565"/>
+                    <a:gd name="connsiteY12" fmla="*/ 3011366 h 3011366"/>
+                    <a:gd name="connsiteX13" fmla="*/ 2994528 w 3468565"/>
+                    <a:gd name="connsiteY13" fmla="*/ 3011366 h 3011366"/>
+                    <a:gd name="connsiteX14" fmla="*/ 2347062 w 3468565"/>
+                    <a:gd name="connsiteY14" fmla="*/ 3011366 h 3011366"/>
+                    <a:gd name="connsiteX15" fmla="*/ 1838339 w 3468565"/>
+                    <a:gd name="connsiteY15" fmla="*/ 3011366 h 3011366"/>
+                    <a:gd name="connsiteX16" fmla="*/ 1260245 w 3468565"/>
+                    <a:gd name="connsiteY16" fmla="*/ 3011366 h 3011366"/>
+                    <a:gd name="connsiteX17" fmla="*/ 612780 w 3468565"/>
+                    <a:gd name="connsiteY17" fmla="*/ 3011366 h 3011366"/>
+                    <a:gd name="connsiteX18" fmla="*/ 0 w 3468565"/>
+                    <a:gd name="connsiteY18" fmla="*/ 3011366 h 3011366"/>
+                    <a:gd name="connsiteX19" fmla="*/ 0 w 3468565"/>
+                    <a:gd name="connsiteY19" fmla="*/ 2599813 h 3011366"/>
+                    <a:gd name="connsiteX20" fmla="*/ 0 w 3468565"/>
+                    <a:gd name="connsiteY20" fmla="*/ 2158146 h 3011366"/>
+                    <a:gd name="connsiteX21" fmla="*/ 0 w 3468565"/>
+                    <a:gd name="connsiteY21" fmla="*/ 1686365 h 3011366"/>
+                    <a:gd name="connsiteX22" fmla="*/ 0 w 3468565"/>
+                    <a:gd name="connsiteY22" fmla="*/ 1124243 h 3011366"/>
+                    <a:gd name="connsiteX23" fmla="*/ 0 w 3468565"/>
+                    <a:gd name="connsiteY23" fmla="*/ 622349 h 3011366"/>
+                    <a:gd name="connsiteX24" fmla="*/ 0 w 3468565"/>
+                    <a:gd name="connsiteY24" fmla="*/ 0 h 3011366"/>
+                  </a:gdLst>
+                  <a:ahLst/>
+                  <a:cxnLst>
+                    <a:cxn ang="0">
+                      <a:pos x="connsiteX0" y="connsiteY0"/>
+                    </a:cxn>
+                    <a:cxn ang="0">
+                      <a:pos x="connsiteX1" y="connsiteY1"/>
+                    </a:cxn>
+                    <a:cxn ang="0">
+                      <a:pos x="connsiteX2" y="connsiteY2"/>
+                    </a:cxn>
+                    <a:cxn ang="0">
+                      <a:pos x="connsiteX3" y="connsiteY3"/>
+                    </a:cxn>
+                    <a:cxn ang="0">
+                      <a:pos x="connsiteX4" y="connsiteY4"/>
+                    </a:cxn>
+                    <a:cxn ang="0">
+                      <a:pos x="connsiteX5" y="connsiteY5"/>
+                    </a:cxn>
+                    <a:cxn ang="0">
+                      <a:pos x="connsiteX6" y="connsiteY6"/>
+                    </a:cxn>
+                    <a:cxn ang="0">
+                      <a:pos x="connsiteX7" y="connsiteY7"/>
+                    </a:cxn>
+                    <a:cxn ang="0">
+                      <a:pos x="connsiteX8" y="connsiteY8"/>
+                    </a:cxn>
+                    <a:cxn ang="0">
+                      <a:pos x="connsiteX9" y="connsiteY9"/>
+                    </a:cxn>
+                    <a:cxn ang="0">
+                      <a:pos x="connsiteX10" y="connsiteY10"/>
+                    </a:cxn>
+                    <a:cxn ang="0">
+                      <a:pos x="connsiteX11" y="connsiteY11"/>
+                    </a:cxn>
+                    <a:cxn ang="0">
+                      <a:pos x="connsiteX12" y="connsiteY12"/>
+                    </a:cxn>
+                    <a:cxn ang="0">
+                      <a:pos x="connsiteX13" y="connsiteY13"/>
+                    </a:cxn>
+                    <a:cxn ang="0">
+                      <a:pos x="connsiteX14" y="connsiteY14"/>
+                    </a:cxn>
+                    <a:cxn ang="0">
+                      <a:pos x="connsiteX15" y="connsiteY15"/>
+                    </a:cxn>
+                    <a:cxn ang="0">
+                      <a:pos x="connsiteX16" y="connsiteY16"/>
+                    </a:cxn>
+                    <a:cxn ang="0">
+                      <a:pos x="connsiteX17" y="connsiteY17"/>
+                    </a:cxn>
+                    <a:cxn ang="0">
+                      <a:pos x="connsiteX18" y="connsiteY18"/>
+                    </a:cxn>
+                    <a:cxn ang="0">
+                      <a:pos x="connsiteX19" y="connsiteY19"/>
+                    </a:cxn>
+                    <a:cxn ang="0">
+                      <a:pos x="connsiteX20" y="connsiteY20"/>
+                    </a:cxn>
+                    <a:cxn ang="0">
+                      <a:pos x="connsiteX21" y="connsiteY21"/>
+                    </a:cxn>
+                    <a:cxn ang="0">
+                      <a:pos x="connsiteX22" y="connsiteY22"/>
+                    </a:cxn>
+                    <a:cxn ang="0">
+                      <a:pos x="connsiteX23" y="connsiteY23"/>
+                    </a:cxn>
+                    <a:cxn ang="0">
+                      <a:pos x="connsiteX24" y="connsiteY24"/>
+                    </a:cxn>
+                  </a:cxnLst>
+                  <a:rect l="l" t="t" r="r" b="b"/>
+                  <a:pathLst>
+                    <a:path w="3468565" h="3011366" extrusionOk="0">
+                      <a:moveTo>
+                        <a:pt x="0" y="0"/>
+                      </a:moveTo>
+                      <a:cubicBezTo>
+                        <a:pt x="236951" y="-7538"/>
+                        <a:pt x="281447" y="17762"/>
+                        <a:pt x="543409" y="0"/>
+                      </a:cubicBezTo>
+                      <a:cubicBezTo>
+                        <a:pt x="805371" y="-17762"/>
+                        <a:pt x="876236" y="9663"/>
+                        <a:pt x="1017446" y="0"/>
+                      </a:cubicBezTo>
+                      <a:cubicBezTo>
+                        <a:pt x="1158656" y="-9663"/>
+                        <a:pt x="1441439" y="42440"/>
+                        <a:pt x="1664911" y="0"/>
+                      </a:cubicBezTo>
+                      <a:cubicBezTo>
+                        <a:pt x="1888384" y="-42440"/>
+                        <a:pt x="2032914" y="60733"/>
+                        <a:pt x="2208320" y="0"/>
+                      </a:cubicBezTo>
+                      <a:cubicBezTo>
+                        <a:pt x="2383726" y="-60733"/>
+                        <a:pt x="2515943" y="59650"/>
+                        <a:pt x="2751728" y="0"/>
+                      </a:cubicBezTo>
+                      <a:cubicBezTo>
+                        <a:pt x="2987513" y="-59650"/>
+                        <a:pt x="3223155" y="21556"/>
+                        <a:pt x="3468565" y="0"/>
+                      </a:cubicBezTo>
+                      <a:cubicBezTo>
+                        <a:pt x="3478636" y="112501"/>
+                        <a:pt x="3429135" y="328991"/>
+                        <a:pt x="3468565" y="441667"/>
+                      </a:cubicBezTo>
+                      <a:cubicBezTo>
+                        <a:pt x="3507995" y="554343"/>
+                        <a:pt x="3467497" y="750793"/>
+                        <a:pt x="3468565" y="943561"/>
+                      </a:cubicBezTo>
+                      <a:cubicBezTo>
+                        <a:pt x="3469633" y="1136329"/>
+                        <a:pt x="3437157" y="1263874"/>
+                        <a:pt x="3468565" y="1385228"/>
+                      </a:cubicBezTo>
+                      <a:cubicBezTo>
+                        <a:pt x="3499973" y="1506582"/>
+                        <a:pt x="3429700" y="1671119"/>
+                        <a:pt x="3468565" y="1826895"/>
+                      </a:cubicBezTo>
+                      <a:cubicBezTo>
+                        <a:pt x="3507430" y="1982671"/>
+                        <a:pt x="3459375" y="2203867"/>
+                        <a:pt x="3468565" y="2328790"/>
+                      </a:cubicBezTo>
+                      <a:cubicBezTo>
+                        <a:pt x="3477755" y="2453714"/>
+                        <a:pt x="3418405" y="2866240"/>
+                        <a:pt x="3468565" y="3011366"/>
+                      </a:cubicBezTo>
+                      <a:cubicBezTo>
+                        <a:pt x="3346181" y="3033890"/>
+                        <a:pt x="3148203" y="2971422"/>
+                        <a:pt x="2994528" y="3011366"/>
+                      </a:cubicBezTo>
+                      <a:cubicBezTo>
+                        <a:pt x="2840853" y="3051310"/>
+                        <a:pt x="2492239" y="2994200"/>
+                        <a:pt x="2347062" y="3011366"/>
+                      </a:cubicBezTo>
+                      <a:cubicBezTo>
+                        <a:pt x="2201885" y="3028532"/>
+                        <a:pt x="2058674" y="2983026"/>
+                        <a:pt x="1838339" y="3011366"/>
+                      </a:cubicBezTo>
+                      <a:cubicBezTo>
+                        <a:pt x="1618004" y="3039706"/>
+                        <a:pt x="1517132" y="2945821"/>
+                        <a:pt x="1260245" y="3011366"/>
+                      </a:cubicBezTo>
+                      <a:cubicBezTo>
+                        <a:pt x="1003358" y="3076911"/>
+                        <a:pt x="849684" y="2995519"/>
+                        <a:pt x="612780" y="3011366"/>
+                      </a:cubicBezTo>
+                      <a:cubicBezTo>
+                        <a:pt x="375876" y="3027213"/>
+                        <a:pt x="245358" y="2975622"/>
+                        <a:pt x="0" y="3011366"/>
+                      </a:cubicBezTo>
+                      <a:cubicBezTo>
+                        <a:pt x="-23146" y="2887493"/>
+                        <a:pt x="1638" y="2777597"/>
+                        <a:pt x="0" y="2599813"/>
+                      </a:cubicBezTo>
+                      <a:cubicBezTo>
+                        <a:pt x="-1638" y="2422029"/>
+                        <a:pt x="9854" y="2258459"/>
+                        <a:pt x="0" y="2158146"/>
+                      </a:cubicBezTo>
+                      <a:cubicBezTo>
+                        <a:pt x="-9854" y="2057833"/>
+                        <a:pt x="9183" y="1848916"/>
+                        <a:pt x="0" y="1686365"/>
+                      </a:cubicBezTo>
+                      <a:cubicBezTo>
+                        <a:pt x="-9183" y="1523814"/>
+                        <a:pt x="37204" y="1332232"/>
+                        <a:pt x="0" y="1124243"/>
+                      </a:cubicBezTo>
+                      <a:cubicBezTo>
+                        <a:pt x="-37204" y="916254"/>
+                        <a:pt x="2744" y="775317"/>
+                        <a:pt x="0" y="622349"/>
+                      </a:cubicBezTo>
+                      <a:cubicBezTo>
+                        <a:pt x="-2744" y="469381"/>
+                        <a:pt x="6819" y="297042"/>
+                        <a:pt x="0" y="0"/>
+                      </a:cubicBezTo>
+                      <a:close/>
+                    </a:path>
+                  </a:pathLst>
+                </a:custGeom>
+                <a:noFill/>
+                <a:ln w="38100" cap="flat" cmpd="thickThin">
+                  <a:solidFill>
+                    <a:srgbClr val="1DB954"/>
+                  </a:solidFill>
+                  <a:prstDash val="solid"/>
+                  <a:bevel/>
+                  <a:extLst>
+                    <a:ext uri="{C807C97D-BFC1-408E-A445-0C87EB9F89A2}">
+                      <ask:lineSketchStyleProps xmlns:ask="http://schemas.microsoft.com/office/drawing/2018/sketchyshapes" sd="1219033472">
+                        <a:prstGeom prst="rect">
+                          <a:avLst/>
+                        </a:prstGeom>
+                        <ask:type>
+                          <ask:lineSketchScribble/>
+                        </ask:type>
+                      </ask:lineSketchStyleProps>
+                    </a:ext>
+                  </a:extLst>
+                </a:ln>
+              </p:spPr>
+              <p:style>
+                <a:lnRef idx="2">
+                  <a:schemeClr val="accent1">
+                    <a:shade val="50000"/>
+                  </a:schemeClr>
+                </a:lnRef>
+                <a:fillRef idx="1">
+                  <a:schemeClr val="accent1"/>
+                </a:fillRef>
+                <a:effectRef idx="0">
+                  <a:schemeClr val="accent1"/>
+                </a:effectRef>
+                <a:fontRef idx="minor">
+                  <a:schemeClr val="lt1"/>
+                </a:fontRef>
+              </p:style>
+              <p:txBody>
+                <a:bodyPr rtlCol="0" anchor="ctr"/>
+                <a:lstStyle/>
+                <a:p>
+                  <a:pPr algn="ctr"/>
+                  <a:endParaRPr lang="it-IT"/>
+                </a:p>
+              </p:txBody>
+            </p:sp>
+            <p:pic>
+              <p:nvPicPr>
+                <p:cNvPr id="10" name="Immagine 9" descr="Immagine che contiene diagramma, testo, Disegno tecnico, Piano&#10;&#10;Descrizione generata automaticamente">
+                  <a:extLst>
+                    <a:ext uri="{FF2B5EF4-FFF2-40B4-BE49-F238E27FC236}">
+                      <a16:creationId xmlns:a16="http://schemas.microsoft.com/office/drawing/2014/main" id="{744917ED-CCA3-96F4-D1A2-417B8049922C}"/>
+                    </a:ext>
+                  </a:extLst>
+                </p:cNvPr>
+                <p:cNvPicPr>
+                  <a:picLocks noChangeAspect="1"/>
+                </p:cNvPicPr>
+                <p:nvPr/>
+              </p:nvPicPr>
+              <p:blipFill>
+                <a:blip r:embed="rId4">
+                  <a:extLst>
+                    <a:ext uri="{28A0092B-C50C-407E-A947-70E740481C1C}">
+                      <a14:useLocalDpi xmlns:a14="http://schemas.microsoft.com/office/drawing/2010/main" val="0"/>
+                    </a:ext>
+                  </a:extLst>
+                </a:blip>
+                <a:stretch>
+                  <a:fillRect/>
+                </a:stretch>
+              </p:blipFill>
+              <p:spPr>
+                <a:xfrm>
+                  <a:off x="7392206" y="3725741"/>
+                  <a:ext cx="2903516" cy="2567354"/>
+                </a:xfrm>
+                <a:prstGeom prst="rect">
+                  <a:avLst/>
+                </a:prstGeom>
+              </p:spPr>
+            </p:pic>
+          </p:grpSp>
+        </p:grpSp>
+      </p:grpSp>
+    </p:spTree>
+    <p:extLst>
+      <p:ext uri="{BB962C8B-B14F-4D97-AF65-F5344CB8AC3E}">
+        <p14:creationId xmlns:p14="http://schemas.microsoft.com/office/powerpoint/2010/main" val="3352435118"/>
       </p:ext>
     </p:extLst>
   </p:cSld>
@@ -11356,4 +14492,245 @@
     </a:ext>
   </a:extLst>
 </a:theme>
+</file>
+
+<file path=customXml/item1.xml><?xml version="1.0" encoding="utf-8"?>
+<ct:contentTypeSchema xmlns:ct="http://schemas.microsoft.com/office/2006/metadata/contentType" xmlns:ma="http://schemas.microsoft.com/office/2006/metadata/properties/metaAttributes" ct:_="" ma:_="" ma:contentTypeName="Documento" ma:contentTypeID="0x010100A755C5507E714C48937709EDB0DFB052" ma:contentTypeVersion="10" ma:contentTypeDescription="Creare un nuovo documento." ma:contentTypeScope="" ma:versionID="1b3c7f236d80fd1b926b1eea7a94ba76">
+  <xsd:schema xmlns:xsd="http://www.w3.org/2001/XMLSchema" xmlns:xs="http://www.w3.org/2001/XMLSchema" xmlns:p="http://schemas.microsoft.com/office/2006/metadata/properties" xmlns:ns3="68f14a89-5ccd-4d49-ad62-26850b52acdb" targetNamespace="http://schemas.microsoft.com/office/2006/metadata/properties" ma:root="true" ma:fieldsID="12a2da776ba7f20303e1a452ea5f200c" ns3:_="">
+    <xsd:import namespace="68f14a89-5ccd-4d49-ad62-26850b52acdb"/>
+    <xsd:element name="properties">
+      <xsd:complexType>
+        <xsd:sequence>
+          <xsd:element name="documentManagement">
+            <xsd:complexType>
+              <xsd:all>
+                <xsd:element ref="ns3:MediaServiceMetadata" minOccurs="0"/>
+                <xsd:element ref="ns3:MediaServiceFastMetadata" minOccurs="0"/>
+                <xsd:element ref="ns3:MediaLengthInSeconds" minOccurs="0"/>
+                <xsd:element ref="ns3:MediaServiceAutoTags" minOccurs="0"/>
+                <xsd:element ref="ns3:MediaServiceGenerationTime" minOccurs="0"/>
+                <xsd:element ref="ns3:MediaServiceEventHashCode" minOccurs="0"/>
+                <xsd:element ref="ns3:MediaServiceDateTaken" minOccurs="0"/>
+                <xsd:element ref="ns3:MediaServiceLocation" minOccurs="0"/>
+                <xsd:element ref="ns3:MediaServiceOCR" minOccurs="0"/>
+                <xsd:element ref="ns3:_activity" minOccurs="0"/>
+              </xsd:all>
+            </xsd:complexType>
+          </xsd:element>
+        </xsd:sequence>
+      </xsd:complexType>
+    </xsd:element>
+  </xsd:schema>
+  <xsd:schema xmlns:xsd="http://www.w3.org/2001/XMLSchema" xmlns:xs="http://www.w3.org/2001/XMLSchema" xmlns:dms="http://schemas.microsoft.com/office/2006/documentManagement/types" xmlns:pc="http://schemas.microsoft.com/office/infopath/2007/PartnerControls" targetNamespace="68f14a89-5ccd-4d49-ad62-26850b52acdb" elementFormDefault="qualified">
+    <xsd:import namespace="http://schemas.microsoft.com/office/2006/documentManagement/types"/>
+    <xsd:import namespace="http://schemas.microsoft.com/office/infopath/2007/PartnerControls"/>
+    <xsd:element name="MediaServiceMetadata" ma:index="8" nillable="true" ma:displayName="MediaServiceMetadata" ma:hidden="true" ma:internalName="MediaServiceMetadata" ma:readOnly="true">
+      <xsd:simpleType>
+        <xsd:restriction base="dms:Note"/>
+      </xsd:simpleType>
+    </xsd:element>
+    <xsd:element name="MediaServiceFastMetadata" ma:index="9" nillable="true" ma:displayName="MediaServiceFastMetadata" ma:hidden="true" ma:internalName="MediaServiceFastMetadata" ma:readOnly="true">
+      <xsd:simpleType>
+        <xsd:restriction base="dms:Note"/>
+      </xsd:simpleType>
+    </xsd:element>
+    <xsd:element name="MediaLengthInSeconds" ma:index="10" nillable="true" ma:displayName="MediaLengthInSeconds" ma:hidden="true" ma:internalName="MediaLengthInSeconds" ma:readOnly="true">
+      <xsd:simpleType>
+        <xsd:restriction base="dms:Unknown"/>
+      </xsd:simpleType>
+    </xsd:element>
+    <xsd:element name="MediaServiceAutoTags" ma:index="11" nillable="true" ma:displayName="Tags" ma:internalName="MediaServiceAutoTags" ma:readOnly="true">
+      <xsd:simpleType>
+        <xsd:restriction base="dms:Text"/>
+      </xsd:simpleType>
+    </xsd:element>
+    <xsd:element name="MediaServiceGenerationTime" ma:index="12" nillable="true" ma:displayName="MediaServiceGenerationTime" ma:hidden="true" ma:internalName="MediaServiceGenerationTime" ma:readOnly="true">
+      <xsd:simpleType>
+        <xsd:restriction base="dms:Text"/>
+      </xsd:simpleType>
+    </xsd:element>
+    <xsd:element name="MediaServiceEventHashCode" ma:index="13" nillable="true" ma:displayName="MediaServiceEventHashCode" ma:hidden="true" ma:internalName="MediaServiceEventHashCode" ma:readOnly="true">
+      <xsd:simpleType>
+        <xsd:restriction base="dms:Text"/>
+      </xsd:simpleType>
+    </xsd:element>
+    <xsd:element name="MediaServiceDateTaken" ma:index="14" nillable="true" ma:displayName="MediaServiceDateTaken" ma:hidden="true" ma:internalName="MediaServiceDateTaken" ma:readOnly="true">
+      <xsd:simpleType>
+        <xsd:restriction base="dms:Text"/>
+      </xsd:simpleType>
+    </xsd:element>
+    <xsd:element name="MediaServiceLocation" ma:index="15" nillable="true" ma:displayName="Location" ma:internalName="MediaServiceLocation" ma:readOnly="true">
+      <xsd:simpleType>
+        <xsd:restriction base="dms:Text"/>
+      </xsd:simpleType>
+    </xsd:element>
+    <xsd:element name="MediaServiceOCR" ma:index="16" nillable="true" ma:displayName="Extracted Text" ma:internalName="MediaServiceOCR" ma:readOnly="true">
+      <xsd:simpleType>
+        <xsd:restriction base="dms:Note">
+          <xsd:maxLength value="255"/>
+        </xsd:restriction>
+      </xsd:simpleType>
+    </xsd:element>
+    <xsd:element name="_activity" ma:index="17" nillable="true" ma:displayName="_activity" ma:hidden="true" ma:internalName="_activity">
+      <xsd:simpleType>
+        <xsd:restriction base="dms:Note"/>
+      </xsd:simpleType>
+    </xsd:element>
+  </xsd:schema>
+  <xsd:schema xmlns="http://schemas.openxmlformats.org/package/2006/metadata/core-properties" xmlns:xsd="http://www.w3.org/2001/XMLSchema" xmlns:xsi="http://www.w3.org/2001/XMLSchema-instance" xmlns:dc="http://purl.org/dc/elements/1.1/" xmlns:dcterms="http://purl.org/dc/terms/" xmlns:odoc="http://schemas.microsoft.com/internal/obd" targetNamespace="http://schemas.openxmlformats.org/package/2006/metadata/core-properties" elementFormDefault="qualified" attributeFormDefault="unqualified" blockDefault="#all">
+    <xsd:import namespace="http://purl.org/dc/elements/1.1/" schemaLocation="http://dublincore.org/schemas/xmls/qdc/2003/04/02/dc.xsd"/>
+    <xsd:import namespace="http://purl.org/dc/terms/" schemaLocation="http://dublincore.org/schemas/xmls/qdc/2003/04/02/dcterms.xsd"/>
+    <xsd:element name="coreProperties" type="CT_coreProperties"/>
+    <xsd:complexType name="CT_coreProperties">
+      <xsd:all>
+        <xsd:element ref="dc:creator" minOccurs="0" maxOccurs="1"/>
+        <xsd:element ref="dcterms:created" minOccurs="0" maxOccurs="1"/>
+        <xsd:element ref="dc:identifier" minOccurs="0" maxOccurs="1"/>
+        <xsd:element name="contentType" minOccurs="0" maxOccurs="1" type="xsd:string" ma:index="0" ma:displayName="Tipo di contenuto"/>
+        <xsd:element ref="dc:title" minOccurs="0" maxOccurs="1" ma:index="4" ma:displayName="Titolo"/>
+        <xsd:element ref="dc:subject" minOccurs="0" maxOccurs="1"/>
+        <xsd:element ref="dc:description" minOccurs="0" maxOccurs="1"/>
+        <xsd:element name="keywords" minOccurs="0" maxOccurs="1" type="xsd:string"/>
+        <xsd:element ref="dc:language" minOccurs="0" maxOccurs="1"/>
+        <xsd:element name="category" minOccurs="0" maxOccurs="1" type="xsd:string"/>
+        <xsd:element name="version" minOccurs="0" maxOccurs="1" type="xsd:string"/>
+        <xsd:element name="revision" minOccurs="0" maxOccurs="1" type="xsd:string">
+          <xsd:annotation>
+            <xsd:documentation>
+                        This value indicates the number of saves or revisions. The application is responsible for updating this value after each revision.
+                    </xsd:documentation>
+          </xsd:annotation>
+        </xsd:element>
+        <xsd:element name="lastModifiedBy" minOccurs="0" maxOccurs="1" type="xsd:string"/>
+        <xsd:element ref="dcterms:modified" minOccurs="0" maxOccurs="1"/>
+        <xsd:element name="contentStatus" minOccurs="0" maxOccurs="1" type="xsd:string"/>
+      </xsd:all>
+    </xsd:complexType>
+  </xsd:schema>
+  <xs:schema xmlns:pc="http://schemas.microsoft.com/office/infopath/2007/PartnerControls" xmlns:xs="http://www.w3.org/2001/XMLSchema" targetNamespace="http://schemas.microsoft.com/office/infopath/2007/PartnerControls" elementFormDefault="qualified" attributeFormDefault="unqualified">
+    <xs:element name="Person">
+      <xs:complexType>
+        <xs:sequence>
+          <xs:element ref="pc:DisplayName" minOccurs="0"/>
+          <xs:element ref="pc:AccountId" minOccurs="0"/>
+          <xs:element ref="pc:AccountType" minOccurs="0"/>
+        </xs:sequence>
+      </xs:complexType>
+    </xs:element>
+    <xs:element name="DisplayName" type="xs:string"/>
+    <xs:element name="AccountId" type="xs:string"/>
+    <xs:element name="AccountType" type="xs:string"/>
+    <xs:element name="BDCAssociatedEntity">
+      <xs:complexType>
+        <xs:sequence>
+          <xs:element ref="pc:BDCEntity" minOccurs="0" maxOccurs="unbounded"/>
+        </xs:sequence>
+        <xs:attribute ref="pc:EntityNamespace"/>
+        <xs:attribute ref="pc:EntityName"/>
+        <xs:attribute ref="pc:SystemInstanceName"/>
+        <xs:attribute ref="pc:AssociationName"/>
+      </xs:complexType>
+    </xs:element>
+    <xs:attribute name="EntityNamespace" type="xs:string"/>
+    <xs:attribute name="EntityName" type="xs:string"/>
+    <xs:attribute name="SystemInstanceName" type="xs:string"/>
+    <xs:attribute name="AssociationName" type="xs:string"/>
+    <xs:element name="BDCEntity">
+      <xs:complexType>
+        <xs:sequence>
+          <xs:element ref="pc:EntityDisplayName" minOccurs="0"/>
+          <xs:element ref="pc:EntityInstanceReference" minOccurs="0"/>
+          <xs:element ref="pc:EntityId1" minOccurs="0"/>
+          <xs:element ref="pc:EntityId2" minOccurs="0"/>
+          <xs:element ref="pc:EntityId3" minOccurs="0"/>
+          <xs:element ref="pc:EntityId4" minOccurs="0"/>
+          <xs:element ref="pc:EntityId5" minOccurs="0"/>
+        </xs:sequence>
+      </xs:complexType>
+    </xs:element>
+    <xs:element name="EntityDisplayName" type="xs:string"/>
+    <xs:element name="EntityInstanceReference" type="xs:string"/>
+    <xs:element name="EntityId1" type="xs:string"/>
+    <xs:element name="EntityId2" type="xs:string"/>
+    <xs:element name="EntityId3" type="xs:string"/>
+    <xs:element name="EntityId4" type="xs:string"/>
+    <xs:element name="EntityId5" type="xs:string"/>
+    <xs:element name="Terms">
+      <xs:complexType>
+        <xs:sequence>
+          <xs:element ref="pc:TermInfo" minOccurs="0" maxOccurs="unbounded"/>
+        </xs:sequence>
+      </xs:complexType>
+    </xs:element>
+    <xs:element name="TermInfo">
+      <xs:complexType>
+        <xs:sequence>
+          <xs:element ref="pc:TermName" minOccurs="0"/>
+          <xs:element ref="pc:TermId" minOccurs="0"/>
+        </xs:sequence>
+      </xs:complexType>
+    </xs:element>
+    <xs:element name="TermName" type="xs:string"/>
+    <xs:element name="TermId" type="xs:string"/>
+  </xs:schema>
+</ct:contentTypeSchema>
+</file>
+
+<file path=customXml/item2.xml><?xml version="1.0" encoding="utf-8"?>
+<?mso-contentType ?>
+<FormTemplates xmlns="http://schemas.microsoft.com/sharepoint/v3/contenttype/forms">
+  <Display>DocumentLibraryForm</Display>
+  <Edit>DocumentLibraryForm</Edit>
+  <New>DocumentLibraryForm</New>
+</FormTemplates>
+</file>
+
+<file path=customXml/item3.xml><?xml version="1.0" encoding="utf-8"?>
+<p:properties xmlns:p="http://schemas.microsoft.com/office/2006/metadata/properties" xmlns:xsi="http://www.w3.org/2001/XMLSchema-instance" xmlns:pc="http://schemas.microsoft.com/office/infopath/2007/PartnerControls">
+  <documentManagement>
+    <_activity xmlns="68f14a89-5ccd-4d49-ad62-26850b52acdb" xsi:nil="true"/>
+  </documentManagement>
+</p:properties>
+</file>
+
+<file path=customXml/itemProps1.xml><?xml version="1.0" encoding="utf-8"?>
+<ds:datastoreItem xmlns:ds="http://schemas.openxmlformats.org/officeDocument/2006/customXml" ds:itemID="{30345D1D-2444-4EA9-8C58-F9E27582F734}">
+  <ds:schemaRefs>
+    <ds:schemaRef ds:uri="http://schemas.microsoft.com/office/2006/metadata/contentType"/>
+    <ds:schemaRef ds:uri="http://schemas.microsoft.com/office/2006/metadata/properties/metaAttributes"/>
+    <ds:schemaRef ds:uri="http://www.w3.org/2001/XMLSchema"/>
+    <ds:schemaRef ds:uri="http://schemas.microsoft.com/office/2006/metadata/properties"/>
+    <ds:schemaRef ds:uri="68f14a89-5ccd-4d49-ad62-26850b52acdb"/>
+    <ds:schemaRef ds:uri="http://schemas.microsoft.com/office/2006/documentManagement/types"/>
+    <ds:schemaRef ds:uri="http://schemas.microsoft.com/office/infopath/2007/PartnerControls"/>
+    <ds:schemaRef ds:uri="http://schemas.openxmlformats.org/package/2006/metadata/core-properties"/>
+    <ds:schemaRef ds:uri="http://purl.org/dc/elements/1.1/"/>
+    <ds:schemaRef ds:uri="http://purl.org/dc/terms/"/>
+    <ds:schemaRef ds:uri="http://schemas.microsoft.com/internal/obd"/>
+  </ds:schemaRefs>
+</ds:datastoreItem>
+</file>
+
+<file path=customXml/itemProps2.xml><?xml version="1.0" encoding="utf-8"?>
+<ds:datastoreItem xmlns:ds="http://schemas.openxmlformats.org/officeDocument/2006/customXml" ds:itemID="{CFD5F93E-8B05-4FD5-A342-A9262D25EBF5}">
+  <ds:schemaRefs>
+    <ds:schemaRef ds:uri="http://schemas.microsoft.com/sharepoint/v3/contenttype/forms"/>
+  </ds:schemaRefs>
+</ds:datastoreItem>
+</file>
+
+<file path=customXml/itemProps3.xml><?xml version="1.0" encoding="utf-8"?>
+<ds:datastoreItem xmlns:ds="http://schemas.openxmlformats.org/officeDocument/2006/customXml" ds:itemID="{8C35085A-48E6-432D-BE61-01DE8B0FD0D2}">
+  <ds:schemaRefs>
+    <ds:schemaRef ds:uri="http://purl.org/dc/elements/1.1/"/>
+    <ds:schemaRef ds:uri="http://schemas.microsoft.com/office/2006/documentManagement/types"/>
+    <ds:schemaRef ds:uri="http://schemas.openxmlformats.org/package/2006/metadata/core-properties"/>
+    <ds:schemaRef ds:uri="http://schemas.microsoft.com/office/2006/metadata/properties"/>
+    <ds:schemaRef ds:uri="http://purl.org/dc/dcmitype/"/>
+    <ds:schemaRef ds:uri="http://purl.org/dc/terms/"/>
+    <ds:schemaRef ds:uri="http://www.w3.org/XML/1998/namespace"/>
+    <ds:schemaRef ds:uri="http://schemas.microsoft.com/office/infopath/2007/PartnerControls"/>
+    <ds:schemaRef ds:uri="68f14a89-5ccd-4d49-ad62-26850b52acdb"/>
+  </ds:schemaRefs>
+</ds:datastoreItem>
 </file>
--- a/delivers/THE PLAYLIST.pptx
+++ b/delivers/THE PLAYLIST.pptx
@@ -295,7 +295,7 @@
           <a:p>
             <a:fld id="{444E331B-3509-4A7F-9C4E-45F5BC11C182}" type="datetimeFigureOut">
               <a:rPr lang="it-IT" smtClean="0"/>
-              <a:t>05/05/2023</a:t>
+              <a:t>07/05/2023</a:t>
             </a:fld>
             <a:endParaRPr lang="it-IT"/>
           </a:p>
@@ -493,7 +493,7 @@
           <a:p>
             <a:fld id="{444E331B-3509-4A7F-9C4E-45F5BC11C182}" type="datetimeFigureOut">
               <a:rPr lang="it-IT" smtClean="0"/>
-              <a:t>05/05/2023</a:t>
+              <a:t>07/05/2023</a:t>
             </a:fld>
             <a:endParaRPr lang="it-IT"/>
           </a:p>
@@ -701,7 +701,7 @@
           <a:p>
             <a:fld id="{444E331B-3509-4A7F-9C4E-45F5BC11C182}" type="datetimeFigureOut">
               <a:rPr lang="it-IT" smtClean="0"/>
-              <a:t>05/05/2023</a:t>
+              <a:t>07/05/2023</a:t>
             </a:fld>
             <a:endParaRPr lang="it-IT"/>
           </a:p>
@@ -899,7 +899,7 @@
           <a:p>
             <a:fld id="{444E331B-3509-4A7F-9C4E-45F5BC11C182}" type="datetimeFigureOut">
               <a:rPr lang="it-IT" smtClean="0"/>
-              <a:t>05/05/2023</a:t>
+              <a:t>07/05/2023</a:t>
             </a:fld>
             <a:endParaRPr lang="it-IT"/>
           </a:p>
@@ -1174,7 +1174,7 @@
           <a:p>
             <a:fld id="{444E331B-3509-4A7F-9C4E-45F5BC11C182}" type="datetimeFigureOut">
               <a:rPr lang="it-IT" smtClean="0"/>
-              <a:t>05/05/2023</a:t>
+              <a:t>07/05/2023</a:t>
             </a:fld>
             <a:endParaRPr lang="it-IT"/>
           </a:p>
@@ -1439,7 +1439,7 @@
           <a:p>
             <a:fld id="{444E331B-3509-4A7F-9C4E-45F5BC11C182}" type="datetimeFigureOut">
               <a:rPr lang="it-IT" smtClean="0"/>
-              <a:t>05/05/2023</a:t>
+              <a:t>07/05/2023</a:t>
             </a:fld>
             <a:endParaRPr lang="it-IT"/>
           </a:p>
@@ -1851,7 +1851,7 @@
           <a:p>
             <a:fld id="{444E331B-3509-4A7F-9C4E-45F5BC11C182}" type="datetimeFigureOut">
               <a:rPr lang="it-IT" smtClean="0"/>
-              <a:t>05/05/2023</a:t>
+              <a:t>07/05/2023</a:t>
             </a:fld>
             <a:endParaRPr lang="it-IT"/>
           </a:p>
@@ -1992,7 +1992,7 @@
           <a:p>
             <a:fld id="{444E331B-3509-4A7F-9C4E-45F5BC11C182}" type="datetimeFigureOut">
               <a:rPr lang="it-IT" smtClean="0"/>
-              <a:t>05/05/2023</a:t>
+              <a:t>07/05/2023</a:t>
             </a:fld>
             <a:endParaRPr lang="it-IT"/>
           </a:p>
@@ -2105,7 +2105,7 @@
           <a:p>
             <a:fld id="{444E331B-3509-4A7F-9C4E-45F5BC11C182}" type="datetimeFigureOut">
               <a:rPr lang="it-IT" smtClean="0"/>
-              <a:t>05/05/2023</a:t>
+              <a:t>07/05/2023</a:t>
             </a:fld>
             <a:endParaRPr lang="it-IT"/>
           </a:p>
@@ -2416,7 +2416,7 @@
           <a:p>
             <a:fld id="{444E331B-3509-4A7F-9C4E-45F5BC11C182}" type="datetimeFigureOut">
               <a:rPr lang="it-IT" smtClean="0"/>
-              <a:t>05/05/2023</a:t>
+              <a:t>07/05/2023</a:t>
             </a:fld>
             <a:endParaRPr lang="it-IT"/>
           </a:p>
@@ -2704,7 +2704,7 @@
           <a:p>
             <a:fld id="{444E331B-3509-4A7F-9C4E-45F5BC11C182}" type="datetimeFigureOut">
               <a:rPr lang="it-IT" smtClean="0"/>
-              <a:t>05/05/2023</a:t>
+              <a:t>07/05/2023</a:t>
             </a:fld>
             <a:endParaRPr lang="it-IT"/>
           </a:p>
@@ -2948,7 +2948,7 @@
           <a:p>
             <a:fld id="{444E331B-3509-4A7F-9C4E-45F5BC11C182}" type="datetimeFigureOut">
               <a:rPr lang="it-IT" smtClean="0"/>
-              <a:t>05/05/2023</a:t>
+              <a:t>07/05/2023</a:t>
             </a:fld>
             <a:endParaRPr lang="it-IT"/>
           </a:p>
@@ -10077,174 +10077,6 @@
       </p:cxnSp>
       <p:sp>
         <p:nvSpPr>
-          <p:cNvPr id="28" name="CasellaDiTesto 27">
-            <a:extLst>
-              <a:ext uri="{FF2B5EF4-FFF2-40B4-BE49-F238E27FC236}">
-                <a16:creationId xmlns:a16="http://schemas.microsoft.com/office/drawing/2014/main" id="{69073A8C-C1AD-8115-70D8-EB4282579A88}"/>
-              </a:ext>
-            </a:extLst>
-          </p:cNvPr>
-          <p:cNvSpPr txBox="1"/>
-          <p:nvPr/>
-        </p:nvSpPr>
-        <p:spPr>
-          <a:xfrm>
-            <a:off x="10496554" y="2559722"/>
-            <a:ext cx="707951" cy="338554"/>
-          </a:xfrm>
-          <a:prstGeom prst="rect">
-            <a:avLst/>
-          </a:prstGeom>
-          <a:noFill/>
-        </p:spPr>
-        <p:txBody>
-          <a:bodyPr wrap="square" rtlCol="0">
-            <a:spAutoFit/>
-          </a:bodyPr>
-          <a:lstStyle/>
-          <a:p>
-            <a:r>
-              <a:rPr lang="it-IT" sz="1600" dirty="0">
-                <a:solidFill>
-                  <a:schemeClr val="bg1"/>
-                </a:solidFill>
-              </a:rPr>
-              <a:t>User</a:t>
-            </a:r>
-          </a:p>
-        </p:txBody>
-      </p:sp>
-      <p:cxnSp>
-        <p:nvCxnSpPr>
-          <p:cNvPr id="29" name="Connettore diritto 28">
-            <a:extLst>
-              <a:ext uri="{FF2B5EF4-FFF2-40B4-BE49-F238E27FC236}">
-                <a16:creationId xmlns:a16="http://schemas.microsoft.com/office/drawing/2014/main" id="{211F254E-DD23-7765-4E9D-0C4EE93AD52A}"/>
-              </a:ext>
-            </a:extLst>
-          </p:cNvPr>
-          <p:cNvCxnSpPr>
-            <a:cxnSpLocks/>
-            <a:stCxn id="28" idx="1"/>
-          </p:cNvCxnSpPr>
-          <p:nvPr/>
-        </p:nvCxnSpPr>
-        <p:spPr>
-          <a:xfrm flipH="1">
-            <a:off x="9963265" y="2728999"/>
-            <a:ext cx="533289" cy="0"/>
-          </a:xfrm>
-          <a:prstGeom prst="line">
-            <a:avLst/>
-          </a:prstGeom>
-          <a:ln w="38100">
-            <a:solidFill>
-              <a:srgbClr val="1DB954"/>
-            </a:solidFill>
-            <a:headEnd type="oval"/>
-          </a:ln>
-        </p:spPr>
-        <p:style>
-          <a:lnRef idx="1">
-            <a:schemeClr val="accent1"/>
-          </a:lnRef>
-          <a:fillRef idx="0">
-            <a:schemeClr val="accent1"/>
-          </a:fillRef>
-          <a:effectRef idx="0">
-            <a:schemeClr val="accent1"/>
-          </a:effectRef>
-          <a:fontRef idx="minor">
-            <a:schemeClr val="tx1"/>
-          </a:fontRef>
-        </p:style>
-      </p:cxnSp>
-      <p:sp>
-        <p:nvSpPr>
-          <p:cNvPr id="30" name="CasellaDiTesto 29">
-            <a:extLst>
-              <a:ext uri="{FF2B5EF4-FFF2-40B4-BE49-F238E27FC236}">
-                <a16:creationId xmlns:a16="http://schemas.microsoft.com/office/drawing/2014/main" id="{E4A47E82-9F07-AB5E-632A-42ACFD8F6442}"/>
-              </a:ext>
-            </a:extLst>
-          </p:cNvPr>
-          <p:cNvSpPr txBox="1"/>
-          <p:nvPr/>
-        </p:nvSpPr>
-        <p:spPr>
-          <a:xfrm>
-            <a:off x="10496555" y="2925147"/>
-            <a:ext cx="802812" cy="338554"/>
-          </a:xfrm>
-          <a:prstGeom prst="rect">
-            <a:avLst/>
-          </a:prstGeom>
-          <a:noFill/>
-        </p:spPr>
-        <p:txBody>
-          <a:bodyPr wrap="square" rtlCol="0">
-            <a:spAutoFit/>
-          </a:bodyPr>
-          <a:lstStyle/>
-          <a:p>
-            <a:r>
-              <a:rPr lang="it-IT" sz="1600" dirty="0">
-                <a:solidFill>
-                  <a:schemeClr val="bg1"/>
-                </a:solidFill>
-              </a:rPr>
-              <a:t>Album</a:t>
-            </a:r>
-          </a:p>
-        </p:txBody>
-      </p:sp>
-      <p:cxnSp>
-        <p:nvCxnSpPr>
-          <p:cNvPr id="31" name="Connettore diritto 30">
-            <a:extLst>
-              <a:ext uri="{FF2B5EF4-FFF2-40B4-BE49-F238E27FC236}">
-                <a16:creationId xmlns:a16="http://schemas.microsoft.com/office/drawing/2014/main" id="{2ADE5014-70D5-7863-3C1B-9A441CA84CDE}"/>
-              </a:ext>
-            </a:extLst>
-          </p:cNvPr>
-          <p:cNvCxnSpPr>
-            <a:cxnSpLocks/>
-            <a:stCxn id="30" idx="1"/>
-          </p:cNvCxnSpPr>
-          <p:nvPr/>
-        </p:nvCxnSpPr>
-        <p:spPr>
-          <a:xfrm flipH="1">
-            <a:off x="9963265" y="3094424"/>
-            <a:ext cx="533290" cy="0"/>
-          </a:xfrm>
-          <a:prstGeom prst="line">
-            <a:avLst/>
-          </a:prstGeom>
-          <a:ln w="38100">
-            <a:solidFill>
-              <a:srgbClr val="1DB954"/>
-            </a:solidFill>
-            <a:headEnd type="oval"/>
-          </a:ln>
-        </p:spPr>
-        <p:style>
-          <a:lnRef idx="1">
-            <a:schemeClr val="accent1"/>
-          </a:lnRef>
-          <a:fillRef idx="0">
-            <a:schemeClr val="accent1"/>
-          </a:fillRef>
-          <a:effectRef idx="0">
-            <a:schemeClr val="accent1"/>
-          </a:effectRef>
-          <a:fontRef idx="minor">
-            <a:schemeClr val="tx1"/>
-          </a:fontRef>
-        </p:style>
-      </p:cxnSp>
-      <p:sp>
-        <p:nvSpPr>
           <p:cNvPr id="130" name="Rettangolo 129">
             <a:extLst>
               <a:ext uri="{FF2B5EF4-FFF2-40B4-BE49-F238E27FC236}">
@@ -11519,8 +11351,8 @@
         </p:nvSpPr>
         <p:spPr>
           <a:xfrm>
-            <a:off x="7274717" y="2204152"/>
-            <a:ext cx="324315" cy="369332"/>
+            <a:off x="7068549" y="2204152"/>
+            <a:ext cx="530484" cy="369332"/>
           </a:xfrm>
           <a:prstGeom prst="rect">
             <a:avLst/>
@@ -11546,7 +11378,7 @@
                   </a:outerShdw>
                 </a:effectLst>
               </a:rPr>
-              <a:t>1</a:t>
+              <a:t>1:1</a:t>
             </a:r>
           </a:p>
         </p:txBody>
@@ -11704,7 +11536,7 @@
         <p:spPr>
           <a:xfrm>
             <a:off x="8892619" y="3112117"/>
-            <a:ext cx="324315" cy="369332"/>
+            <a:ext cx="510553" cy="369332"/>
           </a:xfrm>
           <a:prstGeom prst="rect">
             <a:avLst/>
@@ -11730,7 +11562,7 @@
                   </a:outerShdw>
                 </a:effectLst>
               </a:rPr>
-              <a:t>1</a:t>
+              <a:t>1:1</a:t>
             </a:r>
           </a:p>
         </p:txBody>
@@ -12427,12 +12259,20 @@
               <a:buChar char="§"/>
             </a:pPr>
             <a:r>
+              <a:rPr lang="it-IT" dirty="0" err="1">
+                <a:solidFill>
+                  <a:schemeClr val="bg1"/>
+                </a:solidFill>
+              </a:rPr>
+              <a:t>Playlist.UserName</a:t>
+            </a:r>
+            <a:r>
               <a:rPr lang="it-IT" dirty="0">
                 <a:solidFill>
                   <a:schemeClr val="bg1"/>
                 </a:solidFill>
               </a:rPr>
-              <a:t>Playlist.User </a:t>
+              <a:t> </a:t>
             </a:r>
             <a:r>
               <a:rPr lang="it-IT" sz="1600" dirty="0">
@@ -12448,7 +12288,7 @@
                   <a:schemeClr val="bg1"/>
                 </a:solidFill>
               </a:rPr>
-              <a:t>User.Name</a:t>
+              <a:t>User.UserName</a:t>
             </a:r>
             <a:endParaRPr lang="it-IT" dirty="0">
               <a:solidFill>
@@ -12483,7 +12323,7 @@
                   <a:schemeClr val="bg1"/>
                 </a:solidFill>
               </a:rPr>
-              <a:t>Usern.Name</a:t>
+              <a:t>User.UserName</a:t>
             </a:r>
             <a:endParaRPr lang="it-IT" dirty="0">
               <a:solidFill>
@@ -13664,8 +13504,103 @@
             </a:p>
             <a:p>
               <a:pPr marL="285750" indent="-285750">
-                <a:buFont typeface="Courier New" panose="02070309020205020404" pitchFamily="49" charset="0"/>
-                <a:buChar char="o"/>
+                <a:buFont typeface="Calibri" panose="020F0502020204030204" pitchFamily="34" charset="0"/>
+                <a:buChar char="−"/>
+              </a:pPr>
+              <a:r>
+                <a:rPr lang="it-IT" dirty="0" err="1">
+                  <a:solidFill>
+                    <a:schemeClr val="bg1"/>
+                  </a:solidFill>
+                </a:rPr>
+                <a:t>addPlaylist</a:t>
+              </a:r>
+              <a:endParaRPr lang="it-IT" dirty="0">
+                <a:solidFill>
+                  <a:schemeClr val="bg1"/>
+                </a:solidFill>
+              </a:endParaRPr>
+            </a:p>
+            <a:p>
+              <a:pPr marL="285750" indent="-285750">
+                <a:buFont typeface="Calibri" panose="020F0502020204030204" pitchFamily="34" charset="0"/>
+                <a:buChar char="−"/>
+              </a:pPr>
+              <a:r>
+                <a:rPr lang="it-IT" dirty="0" err="1">
+                  <a:solidFill>
+                    <a:schemeClr val="bg1"/>
+                  </a:solidFill>
+                </a:rPr>
+                <a:t>songAlreadyIn</a:t>
+              </a:r>
+              <a:endParaRPr lang="it-IT" dirty="0">
+                <a:solidFill>
+                  <a:schemeClr val="bg1"/>
+                </a:solidFill>
+              </a:endParaRPr>
+            </a:p>
+            <a:p>
+              <a:pPr marL="285750" indent="-285750">
+                <a:buFont typeface="Calibri" panose="020F0502020204030204" pitchFamily="34" charset="0"/>
+                <a:buChar char="+"/>
+              </a:pPr>
+              <a:r>
+                <a:rPr lang="it-IT" dirty="0" err="1">
+                  <a:solidFill>
+                    <a:schemeClr val="bg1"/>
+                  </a:solidFill>
+                </a:rPr>
+                <a:t>addSongToPlaylist</a:t>
+              </a:r>
+              <a:endParaRPr lang="it-IT" dirty="0">
+                <a:solidFill>
+                  <a:schemeClr val="bg1"/>
+                </a:solidFill>
+              </a:endParaRPr>
+            </a:p>
+            <a:p>
+              <a:pPr marL="285750" indent="-285750">
+                <a:buFont typeface="Calibri" panose="020F0502020204030204" pitchFamily="34" charset="0"/>
+                <a:buChar char="+"/>
+              </a:pPr>
+              <a:r>
+                <a:rPr lang="it-IT" dirty="0" err="1">
+                  <a:solidFill>
+                    <a:schemeClr val="bg1"/>
+                  </a:solidFill>
+                </a:rPr>
+                <a:t>addPlaylistWithSongs</a:t>
+              </a:r>
+              <a:endParaRPr lang="it-IT" dirty="0">
+                <a:solidFill>
+                  <a:schemeClr val="bg1"/>
+                </a:solidFill>
+              </a:endParaRPr>
+            </a:p>
+            <a:p>
+              <a:pPr marL="285750" indent="-285750">
+                <a:buFont typeface="Calibri" panose="020F0502020204030204" pitchFamily="34" charset="0"/>
+                <a:buChar char="+"/>
+              </a:pPr>
+              <a:r>
+                <a:rPr lang="it-IT" dirty="0" err="1">
+                  <a:solidFill>
+                    <a:schemeClr val="bg1"/>
+                  </a:solidFill>
+                </a:rPr>
+                <a:t>belongTo</a:t>
+              </a:r>
+              <a:endParaRPr lang="it-IT" dirty="0">
+                <a:solidFill>
+                  <a:schemeClr val="bg1"/>
+                </a:solidFill>
+              </a:endParaRPr>
+            </a:p>
+            <a:p>
+              <a:pPr marL="285750" indent="-285750">
+                <a:buFont typeface="Calibri" panose="020F0502020204030204" pitchFamily="34" charset="0"/>
+                <a:buChar char="+"/>
               </a:pPr>
               <a:r>
                 <a:rPr lang="it-IT" dirty="0" err="1">
@@ -13683,8 +13618,8 @@
             </a:p>
             <a:p>
               <a:pPr marL="285750" indent="-285750">
-                <a:buFont typeface="Courier New" panose="02070309020205020404" pitchFamily="49" charset="0"/>
-                <a:buChar char="o"/>
+                <a:buFont typeface="Calibri" panose="020F0502020204030204" pitchFamily="34" charset="0"/>
+                <a:buChar char="+"/>
               </a:pPr>
               <a:r>
                 <a:rPr lang="it-IT" dirty="0" err="1">
@@ -13693,101 +13628,6 @@
                   </a:solidFill>
                 </a:rPr>
                 <a:t>taken</a:t>
-              </a:r>
-              <a:endParaRPr lang="it-IT" dirty="0">
-                <a:solidFill>
-                  <a:schemeClr val="bg1"/>
-                </a:solidFill>
-              </a:endParaRPr>
-            </a:p>
-            <a:p>
-              <a:pPr marL="285750" indent="-285750">
-                <a:buFont typeface="Courier New" panose="02070309020205020404" pitchFamily="49" charset="0"/>
-                <a:buChar char="o"/>
-              </a:pPr>
-              <a:r>
-                <a:rPr lang="it-IT" dirty="0" err="1">
-                  <a:solidFill>
-                    <a:schemeClr val="bg1"/>
-                  </a:solidFill>
-                </a:rPr>
-                <a:t>addPlaylist</a:t>
-              </a:r>
-              <a:endParaRPr lang="it-IT" dirty="0">
-                <a:solidFill>
-                  <a:schemeClr val="bg1"/>
-                </a:solidFill>
-              </a:endParaRPr>
-            </a:p>
-            <a:p>
-              <a:pPr marL="285750" indent="-285750">
-                <a:buFont typeface="Courier New" panose="02070309020205020404" pitchFamily="49" charset="0"/>
-                <a:buChar char="o"/>
-              </a:pPr>
-              <a:r>
-                <a:rPr lang="it-IT" dirty="0" err="1">
-                  <a:solidFill>
-                    <a:schemeClr val="bg1"/>
-                  </a:solidFill>
-                </a:rPr>
-                <a:t>songAlreadyIn</a:t>
-              </a:r>
-              <a:endParaRPr lang="it-IT" dirty="0">
-                <a:solidFill>
-                  <a:schemeClr val="bg1"/>
-                </a:solidFill>
-              </a:endParaRPr>
-            </a:p>
-            <a:p>
-              <a:pPr marL="285750" indent="-285750">
-                <a:buFont typeface="Courier New" panose="02070309020205020404" pitchFamily="49" charset="0"/>
-                <a:buChar char="o"/>
-              </a:pPr>
-              <a:r>
-                <a:rPr lang="it-IT" dirty="0" err="1">
-                  <a:solidFill>
-                    <a:schemeClr val="bg1"/>
-                  </a:solidFill>
-                </a:rPr>
-                <a:t>addSongToPlaylist</a:t>
-              </a:r>
-              <a:endParaRPr lang="it-IT" dirty="0">
-                <a:solidFill>
-                  <a:schemeClr val="bg1"/>
-                </a:solidFill>
-              </a:endParaRPr>
-            </a:p>
-            <a:p>
-              <a:pPr marL="285750" indent="-285750">
-                <a:buFont typeface="Courier New" panose="02070309020205020404" pitchFamily="49" charset="0"/>
-                <a:buChar char="o"/>
-              </a:pPr>
-              <a:r>
-                <a:rPr lang="it-IT" dirty="0" err="1">
-                  <a:solidFill>
-                    <a:schemeClr val="bg1"/>
-                  </a:solidFill>
-                </a:rPr>
-                <a:t>addPlaylistWithSongs</a:t>
-              </a:r>
-              <a:endParaRPr lang="it-IT" dirty="0">
-                <a:solidFill>
-                  <a:schemeClr val="bg1"/>
-                </a:solidFill>
-              </a:endParaRPr>
-            </a:p>
-            <a:p>
-              <a:pPr marL="285750" indent="-285750">
-                <a:buFont typeface="Courier New" panose="02070309020205020404" pitchFamily="49" charset="0"/>
-                <a:buChar char="o"/>
-              </a:pPr>
-              <a:r>
-                <a:rPr lang="it-IT" dirty="0" err="1">
-                  <a:solidFill>
-                    <a:schemeClr val="bg1"/>
-                  </a:solidFill>
-                </a:rPr>
-                <a:t>belongTo</a:t>
               </a:r>
               <a:endParaRPr lang="it-IT" dirty="0">
                 <a:solidFill>
@@ -13836,8 +13676,8 @@
             </a:p>
             <a:p>
               <a:pPr marL="285750" indent="-285750">
-                <a:buFont typeface="Courier New" panose="02070309020205020404" pitchFamily="49" charset="0"/>
-                <a:buChar char="o"/>
+                <a:buFont typeface="Calibri" panose="020F0502020204030204" pitchFamily="34" charset="0"/>
+                <a:buChar char="−"/>
               </a:pPr>
               <a:r>
                 <a:rPr lang="it-IT" dirty="0" err="1">
@@ -13855,8 +13695,8 @@
             </a:p>
             <a:p>
               <a:pPr marL="285750" indent="-285750">
-                <a:buFont typeface="Courier New" panose="02070309020205020404" pitchFamily="49" charset="0"/>
-                <a:buChar char="o"/>
+                <a:buFont typeface="Calibri" panose="020F0502020204030204" pitchFamily="34" charset="0"/>
+                <a:buChar char="+"/>
               </a:pPr>
               <a:r>
                 <a:rPr lang="it-IT" dirty="0">
@@ -13869,8 +13709,8 @@
             </a:p>
             <a:p>
               <a:pPr marL="285750" indent="-285750">
-                <a:buFont typeface="Courier New" panose="02070309020205020404" pitchFamily="49" charset="0"/>
-                <a:buChar char="o"/>
+                <a:buFont typeface="Calibri" panose="020F0502020204030204" pitchFamily="34" charset="0"/>
+                <a:buChar char="+"/>
               </a:pPr>
               <a:r>
                 <a:rPr lang="it-IT" dirty="0" err="1">
@@ -13927,8 +13767,8 @@
             </a:p>
             <a:p>
               <a:pPr marL="342900" indent="-342900">
-                <a:buFont typeface="Courier New" panose="02070309020205020404" pitchFamily="49" charset="0"/>
-                <a:buChar char="o"/>
+                <a:buFont typeface="Calibri" panose="020F0502020204030204" pitchFamily="34" charset="0"/>
+                <a:buChar char="−"/>
               </a:pPr>
               <a:r>
                 <a:rPr lang="it-IT" dirty="0" err="1">
@@ -13946,8 +13786,8 @@
             </a:p>
             <a:p>
               <a:pPr marL="342900" indent="-342900">
-                <a:buFont typeface="Courier New" panose="02070309020205020404" pitchFamily="49" charset="0"/>
-                <a:buChar char="o"/>
+                <a:buFont typeface="Calibri" panose="020F0502020204030204" pitchFamily="34" charset="0"/>
+                <a:buChar char="−"/>
               </a:pPr>
               <a:r>
                 <a:rPr lang="it-IT" dirty="0" err="1">
@@ -13965,8 +13805,8 @@
             </a:p>
             <a:p>
               <a:pPr marL="342900" indent="-342900">
-                <a:buFont typeface="Courier New" panose="02070309020205020404" pitchFamily="49" charset="0"/>
-                <a:buChar char="o"/>
+                <a:buFont typeface="Calibri" panose="020F0502020204030204" pitchFamily="34" charset="0"/>
+                <a:buChar char="−"/>
               </a:pPr>
               <a:r>
                 <a:rPr lang="it-IT" dirty="0" err="1">
@@ -13984,8 +13824,8 @@
             </a:p>
             <a:p>
               <a:pPr marL="342900" indent="-342900">
-                <a:buFont typeface="Courier New" panose="02070309020205020404" pitchFamily="49" charset="0"/>
-                <a:buChar char="o"/>
+                <a:buFont typeface="Calibri" panose="020F0502020204030204" pitchFamily="34" charset="0"/>
+                <a:buChar char="−"/>
               </a:pPr>
               <a:r>
                 <a:rPr lang="it-IT" dirty="0" err="1">
@@ -14003,8 +13843,8 @@
             </a:p>
             <a:p>
               <a:pPr marL="342900" indent="-342900">
-                <a:buFont typeface="Courier New" panose="02070309020205020404" pitchFamily="49" charset="0"/>
-                <a:buChar char="o"/>
+                <a:buFont typeface="Calibri" panose="020F0502020204030204" pitchFamily="34" charset="0"/>
+                <a:buChar char="+"/>
               </a:pPr>
               <a:r>
                 <a:rPr lang="it-IT" dirty="0" err="1">
@@ -14022,8 +13862,8 @@
             </a:p>
             <a:p>
               <a:pPr marL="342900" indent="-342900">
-                <a:buFont typeface="Courier New" panose="02070309020205020404" pitchFamily="49" charset="0"/>
-                <a:buChar char="o"/>
+                <a:buFont typeface="Calibri" panose="020F0502020204030204" pitchFamily="34" charset="0"/>
+                <a:buChar char="+"/>
               </a:pPr>
               <a:r>
                 <a:rPr lang="it-IT" dirty="0" err="1">
@@ -14041,8 +13881,8 @@
             </a:p>
             <a:p>
               <a:pPr marL="342900" indent="-342900">
-                <a:buFont typeface="Courier New" panose="02070309020205020404" pitchFamily="49" charset="0"/>
-                <a:buChar char="o"/>
+                <a:buFont typeface="Calibri" panose="020F0502020204030204" pitchFamily="34" charset="0"/>
+                <a:buChar char="+"/>
               </a:pPr>
               <a:r>
                 <a:rPr lang="it-IT" dirty="0" err="1">
@@ -14060,8 +13900,8 @@
             </a:p>
             <a:p>
               <a:pPr marL="342900" indent="-342900">
-                <a:buFont typeface="Courier New" panose="02070309020205020404" pitchFamily="49" charset="0"/>
-                <a:buChar char="o"/>
+                <a:buFont typeface="Calibri" panose="020F0502020204030204" pitchFamily="34" charset="0"/>
+                <a:buChar char="+"/>
               </a:pPr>
               <a:r>
                 <a:rPr lang="it-IT" dirty="0" err="1">
@@ -14079,8 +13919,8 @@
             </a:p>
             <a:p>
               <a:pPr marL="342900" indent="-342900">
-                <a:buFont typeface="Courier New" panose="02070309020205020404" pitchFamily="49" charset="0"/>
-                <a:buChar char="o"/>
+                <a:buFont typeface="Calibri" panose="020F0502020204030204" pitchFamily="34" charset="0"/>
+                <a:buChar char="+"/>
               </a:pPr>
               <a:r>
                 <a:rPr lang="it-IT" dirty="0" err="1">
@@ -14098,8 +13938,8 @@
             </a:p>
             <a:p>
               <a:pPr marL="342900" indent="-342900">
-                <a:buFont typeface="Courier New" panose="02070309020205020404" pitchFamily="49" charset="0"/>
-                <a:buChar char="o"/>
+                <a:buFont typeface="Calibri" panose="020F0502020204030204" pitchFamily="34" charset="0"/>
+                <a:buChar char="+"/>
               </a:pPr>
               <a:r>
                 <a:rPr lang="it-IT" dirty="0" err="1">
@@ -14117,8 +13957,8 @@
             </a:p>
             <a:p>
               <a:pPr marL="342900" indent="-342900">
-                <a:buFont typeface="Courier New" panose="02070309020205020404" pitchFamily="49" charset="0"/>
-                <a:buChar char="o"/>
+                <a:buFont typeface="Calibri" panose="020F0502020204030204" pitchFamily="34" charset="0"/>
+                <a:buChar char="+"/>
               </a:pPr>
               <a:r>
                 <a:rPr lang="it-IT" dirty="0" err="1">
@@ -14136,8 +13976,8 @@
             </a:p>
             <a:p>
               <a:pPr marL="342900" indent="-342900">
-                <a:buFont typeface="Courier New" panose="02070309020205020404" pitchFamily="49" charset="0"/>
-                <a:buChar char="o"/>
+                <a:buFont typeface="Calibri" panose="020F0502020204030204" pitchFamily="34" charset="0"/>
+                <a:buChar char="+"/>
               </a:pPr>
               <a:r>
                 <a:rPr lang="it-IT" dirty="0" err="1">
@@ -14155,8 +13995,8 @@
             </a:p>
             <a:p>
               <a:pPr marL="342900" indent="-342900">
-                <a:buFont typeface="Courier New" panose="02070309020205020404" pitchFamily="49" charset="0"/>
-                <a:buChar char="o"/>
+                <a:buFont typeface="Calibri" panose="020F0502020204030204" pitchFamily="34" charset="0"/>
+                <a:buChar char="+"/>
               </a:pPr>
               <a:r>
                 <a:rPr lang="it-IT" dirty="0" err="1">
@@ -14495,6 +14335,23 @@
 </file>
 
 <file path=customXml/item1.xml><?xml version="1.0" encoding="utf-8"?>
+<p:properties xmlns:p="http://schemas.microsoft.com/office/2006/metadata/properties" xmlns:xsi="http://www.w3.org/2001/XMLSchema-instance" xmlns:pc="http://schemas.microsoft.com/office/infopath/2007/PartnerControls">
+  <documentManagement>
+    <_activity xmlns="68f14a89-5ccd-4d49-ad62-26850b52acdb" xsi:nil="true"/>
+  </documentManagement>
+</p:properties>
+</file>
+
+<file path=customXml/item2.xml><?xml version="1.0" encoding="utf-8"?>
+<?mso-contentType ?>
+<FormTemplates xmlns="http://schemas.microsoft.com/sharepoint/v3/contenttype/forms">
+  <Display>DocumentLibraryForm</Display>
+  <Edit>DocumentLibraryForm</Edit>
+  <New>DocumentLibraryForm</New>
+</FormTemplates>
+</file>
+
+<file path=customXml/item3.xml><?xml version="1.0" encoding="utf-8"?>
 <ct:contentTypeSchema xmlns:ct="http://schemas.microsoft.com/office/2006/metadata/contentType" xmlns:ma="http://schemas.microsoft.com/office/2006/metadata/properties/metaAttributes" ct:_="" ma:_="" ma:contentTypeName="Documento" ma:contentTypeID="0x010100A755C5507E714C48937709EDB0DFB052" ma:contentTypeVersion="10" ma:contentTypeDescription="Creare un nuovo documento." ma:contentTypeScope="" ma:versionID="1b3c7f236d80fd1b926b1eea7a94ba76">
   <xsd:schema xmlns:xsd="http://www.w3.org/2001/XMLSchema" xmlns:xs="http://www.w3.org/2001/XMLSchema" xmlns:p="http://schemas.microsoft.com/office/2006/metadata/properties" xmlns:ns3="68f14a89-5ccd-4d49-ad62-26850b52acdb" targetNamespace="http://schemas.microsoft.com/office/2006/metadata/properties" ma:root="true" ma:fieldsID="12a2da776ba7f20303e1a452ea5f200c" ns3:_="">
     <xsd:import namespace="68f14a89-5ccd-4d49-ad62-26850b52acdb"/>
@@ -14676,24 +14533,31 @@
 </ct:contentTypeSchema>
 </file>
 
-<file path=customXml/item2.xml><?xml version="1.0" encoding="utf-8"?>
-<?mso-contentType ?>
-<FormTemplates xmlns="http://schemas.microsoft.com/sharepoint/v3/contenttype/forms">
-  <Display>DocumentLibraryForm</Display>
-  <Edit>DocumentLibraryForm</Edit>
-  <New>DocumentLibraryForm</New>
-</FormTemplates>
+<file path=customXml/itemProps1.xml><?xml version="1.0" encoding="utf-8"?>
+<ds:datastoreItem xmlns:ds="http://schemas.openxmlformats.org/officeDocument/2006/customXml" ds:itemID="{8C35085A-48E6-432D-BE61-01DE8B0FD0D2}">
+  <ds:schemaRefs>
+    <ds:schemaRef ds:uri="http://purl.org/dc/elements/1.1/"/>
+    <ds:schemaRef ds:uri="http://schemas.microsoft.com/office/2006/documentManagement/types"/>
+    <ds:schemaRef ds:uri="http://schemas.openxmlformats.org/package/2006/metadata/core-properties"/>
+    <ds:schemaRef ds:uri="http://schemas.microsoft.com/office/2006/metadata/properties"/>
+    <ds:schemaRef ds:uri="http://purl.org/dc/dcmitype/"/>
+    <ds:schemaRef ds:uri="http://purl.org/dc/terms/"/>
+    <ds:schemaRef ds:uri="http://www.w3.org/XML/1998/namespace"/>
+    <ds:schemaRef ds:uri="http://schemas.microsoft.com/office/infopath/2007/PartnerControls"/>
+    <ds:schemaRef ds:uri="68f14a89-5ccd-4d49-ad62-26850b52acdb"/>
+  </ds:schemaRefs>
+</ds:datastoreItem>
 </file>
 
-<file path=customXml/item3.xml><?xml version="1.0" encoding="utf-8"?>
-<p:properties xmlns:p="http://schemas.microsoft.com/office/2006/metadata/properties" xmlns:xsi="http://www.w3.org/2001/XMLSchema-instance" xmlns:pc="http://schemas.microsoft.com/office/infopath/2007/PartnerControls">
-  <documentManagement>
-    <_activity xmlns="68f14a89-5ccd-4d49-ad62-26850b52acdb" xsi:nil="true"/>
-  </documentManagement>
-</p:properties>
+<file path=customXml/itemProps2.xml><?xml version="1.0" encoding="utf-8"?>
+<ds:datastoreItem xmlns:ds="http://schemas.openxmlformats.org/officeDocument/2006/customXml" ds:itemID="{CFD5F93E-8B05-4FD5-A342-A9262D25EBF5}">
+  <ds:schemaRefs>
+    <ds:schemaRef ds:uri="http://schemas.microsoft.com/sharepoint/v3/contenttype/forms"/>
+  </ds:schemaRefs>
+</ds:datastoreItem>
 </file>
 
-<file path=customXml/itemProps1.xml><?xml version="1.0" encoding="utf-8"?>
+<file path=customXml/itemProps3.xml><?xml version="1.0" encoding="utf-8"?>
 <ds:datastoreItem xmlns:ds="http://schemas.openxmlformats.org/officeDocument/2006/customXml" ds:itemID="{30345D1D-2444-4EA9-8C58-F9E27582F734}">
   <ds:schemaRefs>
     <ds:schemaRef ds:uri="http://schemas.microsoft.com/office/2006/metadata/contentType"/>
@@ -14709,28 +14573,4 @@
     <ds:schemaRef ds:uri="http://schemas.microsoft.com/internal/obd"/>
   </ds:schemaRefs>
 </ds:datastoreItem>
-</file>
-
-<file path=customXml/itemProps2.xml><?xml version="1.0" encoding="utf-8"?>
-<ds:datastoreItem xmlns:ds="http://schemas.openxmlformats.org/officeDocument/2006/customXml" ds:itemID="{CFD5F93E-8B05-4FD5-A342-A9262D25EBF5}">
-  <ds:schemaRefs>
-    <ds:schemaRef ds:uri="http://schemas.microsoft.com/sharepoint/v3/contenttype/forms"/>
-  </ds:schemaRefs>
-</ds:datastoreItem>
-</file>
-
-<file path=customXml/itemProps3.xml><?xml version="1.0" encoding="utf-8"?>
-<ds:datastoreItem xmlns:ds="http://schemas.openxmlformats.org/officeDocument/2006/customXml" ds:itemID="{8C35085A-48E6-432D-BE61-01DE8B0FD0D2}">
-  <ds:schemaRefs>
-    <ds:schemaRef ds:uri="http://purl.org/dc/elements/1.1/"/>
-    <ds:schemaRef ds:uri="http://schemas.microsoft.com/office/2006/documentManagement/types"/>
-    <ds:schemaRef ds:uri="http://schemas.openxmlformats.org/package/2006/metadata/core-properties"/>
-    <ds:schemaRef ds:uri="http://schemas.microsoft.com/office/2006/metadata/properties"/>
-    <ds:schemaRef ds:uri="http://purl.org/dc/dcmitype/"/>
-    <ds:schemaRef ds:uri="http://purl.org/dc/terms/"/>
-    <ds:schemaRef ds:uri="http://www.w3.org/XML/1998/namespace"/>
-    <ds:schemaRef ds:uri="http://schemas.microsoft.com/office/infopath/2007/PartnerControls"/>
-    <ds:schemaRef ds:uri="68f14a89-5ccd-4d49-ad62-26850b52acdb"/>
-  </ds:schemaRefs>
-</ds:datastoreItem>
 </file>